--- a/DFIR-Case-Follina.pptx
+++ b/DFIR-Case-Follina.pptx
@@ -5,18 +5,20 @@
     <p:sldMasterId id="2147483731" r:id="rId1"/>
   </p:sldMasterIdLst>
   <p:notesMasterIdLst>
-    <p:notesMasterId r:id="rId11"/>
+    <p:notesMasterId r:id="rId13"/>
   </p:notesMasterIdLst>
   <p:sldIdLst>
     <p:sldId id="256" r:id="rId2"/>
-    <p:sldId id="258" r:id="rId3"/>
-    <p:sldId id="257" r:id="rId4"/>
-    <p:sldId id="259" r:id="rId5"/>
-    <p:sldId id="260" r:id="rId6"/>
-    <p:sldId id="261" r:id="rId7"/>
-    <p:sldId id="262" r:id="rId8"/>
-    <p:sldId id="263" r:id="rId9"/>
-    <p:sldId id="264" r:id="rId10"/>
+    <p:sldId id="257" r:id="rId3"/>
+    <p:sldId id="259" r:id="rId4"/>
+    <p:sldId id="260" r:id="rId5"/>
+    <p:sldId id="261" r:id="rId6"/>
+    <p:sldId id="262" r:id="rId7"/>
+    <p:sldId id="267" r:id="rId8"/>
+    <p:sldId id="269" r:id="rId9"/>
+    <p:sldId id="263" r:id="rId10"/>
+    <p:sldId id="264" r:id="rId11"/>
+    <p:sldId id="266" r:id="rId12"/>
   </p:sldIdLst>
   <p:sldSz cx="12192000" cy="6858000"/>
   <p:notesSz cx="6858000" cy="9144000"/>
@@ -115,6 +117,11 @@
       </a:defRPr>
     </a:lvl9pPr>
   </p:defaultTextStyle>
+  <p:extLst>
+    <p:ext uri="{EFAFB233-063F-42B5-8137-9DF3F51BA10A}">
+      <p15:sldGuideLst xmlns:p15="http://schemas.microsoft.com/office/powerpoint/2012/main"/>
+    </p:ext>
+  </p:extLst>
 </p:presentation>
 </file>
 
@@ -3889,6 +3896,753 @@
 </file>
 
 <file path=ppt/diagrams/colors6.xml><?xml version="1.0" encoding="utf-8"?>
+<dgm:colorsDef xmlns:dgm="http://schemas.openxmlformats.org/drawingml/2006/diagram" xmlns:a="http://schemas.openxmlformats.org/drawingml/2006/main" uniqueId="urn:microsoft.com/office/officeart/2005/8/colors/accent2_2">
+  <dgm:title val=""/>
+  <dgm:desc val=""/>
+  <dgm:catLst>
+    <dgm:cat type="accent2" pri="11200"/>
+  </dgm:catLst>
+  <dgm:styleLbl name="node0">
+    <dgm:fillClrLst meth="repeat">
+      <a:schemeClr val="accent2"/>
+    </dgm:fillClrLst>
+    <dgm:linClrLst meth="repeat">
+      <a:schemeClr val="lt1"/>
+    </dgm:linClrLst>
+    <dgm:effectClrLst/>
+    <dgm:txLinClrLst/>
+    <dgm:txFillClrLst/>
+    <dgm:txEffectClrLst/>
+  </dgm:styleLbl>
+  <dgm:styleLbl name="node1">
+    <dgm:fillClrLst meth="repeat">
+      <a:schemeClr val="accent2"/>
+    </dgm:fillClrLst>
+    <dgm:linClrLst meth="repeat">
+      <a:schemeClr val="lt1"/>
+    </dgm:linClrLst>
+    <dgm:effectClrLst/>
+    <dgm:txLinClrLst/>
+    <dgm:txFillClrLst/>
+    <dgm:txEffectClrLst/>
+  </dgm:styleLbl>
+  <dgm:styleLbl name="alignNode1">
+    <dgm:fillClrLst meth="repeat">
+      <a:schemeClr val="accent2"/>
+    </dgm:fillClrLst>
+    <dgm:linClrLst meth="repeat">
+      <a:schemeClr val="accent2"/>
+    </dgm:linClrLst>
+    <dgm:effectClrLst/>
+    <dgm:txLinClrLst/>
+    <dgm:txFillClrLst/>
+    <dgm:txEffectClrLst/>
+  </dgm:styleLbl>
+  <dgm:styleLbl name="lnNode1">
+    <dgm:fillClrLst meth="repeat">
+      <a:schemeClr val="accent2"/>
+    </dgm:fillClrLst>
+    <dgm:linClrLst meth="repeat">
+      <a:schemeClr val="lt1"/>
+    </dgm:linClrLst>
+    <dgm:effectClrLst/>
+    <dgm:txLinClrLst/>
+    <dgm:txFillClrLst/>
+    <dgm:txEffectClrLst/>
+  </dgm:styleLbl>
+  <dgm:styleLbl name="vennNode1">
+    <dgm:fillClrLst meth="repeat">
+      <a:schemeClr val="accent2">
+        <a:alpha val="50000"/>
+      </a:schemeClr>
+    </dgm:fillClrLst>
+    <dgm:linClrLst meth="repeat">
+      <a:schemeClr val="lt1"/>
+    </dgm:linClrLst>
+    <dgm:effectClrLst/>
+    <dgm:txLinClrLst/>
+    <dgm:txFillClrLst/>
+    <dgm:txEffectClrLst/>
+  </dgm:styleLbl>
+  <dgm:styleLbl name="node2">
+    <dgm:fillClrLst meth="repeat">
+      <a:schemeClr val="accent2"/>
+    </dgm:fillClrLst>
+    <dgm:linClrLst meth="repeat">
+      <a:schemeClr val="lt1"/>
+    </dgm:linClrLst>
+    <dgm:effectClrLst/>
+    <dgm:txLinClrLst/>
+    <dgm:txFillClrLst/>
+    <dgm:txEffectClrLst/>
+  </dgm:styleLbl>
+  <dgm:styleLbl name="node3">
+    <dgm:fillClrLst meth="repeat">
+      <a:schemeClr val="accent2"/>
+    </dgm:fillClrLst>
+    <dgm:linClrLst meth="repeat">
+      <a:schemeClr val="lt1"/>
+    </dgm:linClrLst>
+    <dgm:effectClrLst/>
+    <dgm:txLinClrLst/>
+    <dgm:txFillClrLst/>
+    <dgm:txEffectClrLst/>
+  </dgm:styleLbl>
+  <dgm:styleLbl name="node4">
+    <dgm:fillClrLst meth="repeat">
+      <a:schemeClr val="accent2"/>
+    </dgm:fillClrLst>
+    <dgm:linClrLst meth="repeat">
+      <a:schemeClr val="lt1"/>
+    </dgm:linClrLst>
+    <dgm:effectClrLst/>
+    <dgm:txLinClrLst/>
+    <dgm:txFillClrLst/>
+    <dgm:txEffectClrLst/>
+  </dgm:styleLbl>
+  <dgm:styleLbl name="fgImgPlace1">
+    <dgm:fillClrLst meth="repeat">
+      <a:schemeClr val="accent2">
+        <a:tint val="50000"/>
+      </a:schemeClr>
+    </dgm:fillClrLst>
+    <dgm:linClrLst meth="repeat">
+      <a:schemeClr val="lt1"/>
+    </dgm:linClrLst>
+    <dgm:effectClrLst/>
+    <dgm:txLinClrLst/>
+    <dgm:txFillClrLst meth="repeat">
+      <a:schemeClr val="lt1"/>
+    </dgm:txFillClrLst>
+    <dgm:txEffectClrLst/>
+  </dgm:styleLbl>
+  <dgm:styleLbl name="alignImgPlace1">
+    <dgm:fillClrLst meth="repeat">
+      <a:schemeClr val="accent2">
+        <a:tint val="50000"/>
+      </a:schemeClr>
+    </dgm:fillClrLst>
+    <dgm:linClrLst meth="repeat">
+      <a:schemeClr val="lt1"/>
+    </dgm:linClrLst>
+    <dgm:effectClrLst/>
+    <dgm:txLinClrLst/>
+    <dgm:txFillClrLst meth="repeat">
+      <a:schemeClr val="lt1"/>
+    </dgm:txFillClrLst>
+    <dgm:txEffectClrLst/>
+  </dgm:styleLbl>
+  <dgm:styleLbl name="bgImgPlace1">
+    <dgm:fillClrLst meth="repeat">
+      <a:schemeClr val="accent2">
+        <a:tint val="50000"/>
+      </a:schemeClr>
+    </dgm:fillClrLst>
+    <dgm:linClrLst meth="repeat">
+      <a:schemeClr val="lt1"/>
+    </dgm:linClrLst>
+    <dgm:effectClrLst/>
+    <dgm:txLinClrLst/>
+    <dgm:txFillClrLst meth="repeat">
+      <a:schemeClr val="lt1"/>
+    </dgm:txFillClrLst>
+    <dgm:txEffectClrLst/>
+  </dgm:styleLbl>
+  <dgm:styleLbl name="sibTrans2D1">
+    <dgm:fillClrLst meth="repeat">
+      <a:schemeClr val="accent2">
+        <a:tint val="60000"/>
+      </a:schemeClr>
+    </dgm:fillClrLst>
+    <dgm:linClrLst meth="repeat">
+      <a:schemeClr val="accent2">
+        <a:tint val="60000"/>
+      </a:schemeClr>
+    </dgm:linClrLst>
+    <dgm:effectClrLst/>
+    <dgm:txLinClrLst/>
+    <dgm:txFillClrLst/>
+    <dgm:txEffectClrLst/>
+  </dgm:styleLbl>
+  <dgm:styleLbl name="fgSibTrans2D1">
+    <dgm:fillClrLst meth="repeat">
+      <a:schemeClr val="accent2">
+        <a:tint val="60000"/>
+      </a:schemeClr>
+    </dgm:fillClrLst>
+    <dgm:linClrLst meth="repeat">
+      <a:schemeClr val="accent2">
+        <a:tint val="60000"/>
+      </a:schemeClr>
+    </dgm:linClrLst>
+    <dgm:effectClrLst/>
+    <dgm:txLinClrLst/>
+    <dgm:txFillClrLst/>
+    <dgm:txEffectClrLst/>
+  </dgm:styleLbl>
+  <dgm:styleLbl name="bgSibTrans2D1">
+    <dgm:fillClrLst meth="repeat">
+      <a:schemeClr val="accent2">
+        <a:tint val="60000"/>
+      </a:schemeClr>
+    </dgm:fillClrLst>
+    <dgm:linClrLst meth="repeat">
+      <a:schemeClr val="accent2">
+        <a:tint val="60000"/>
+      </a:schemeClr>
+    </dgm:linClrLst>
+    <dgm:effectClrLst/>
+    <dgm:txLinClrLst/>
+    <dgm:txFillClrLst/>
+    <dgm:txEffectClrLst/>
+  </dgm:styleLbl>
+  <dgm:styleLbl name="sibTrans1D1">
+    <dgm:fillClrLst meth="repeat">
+      <a:schemeClr val="accent2"/>
+    </dgm:fillClrLst>
+    <dgm:linClrLst meth="repeat">
+      <a:schemeClr val="accent2"/>
+    </dgm:linClrLst>
+    <dgm:effectClrLst/>
+    <dgm:txLinClrLst/>
+    <dgm:txFillClrLst meth="repeat">
+      <a:schemeClr val="tx1"/>
+    </dgm:txFillClrLst>
+    <dgm:txEffectClrLst/>
+  </dgm:styleLbl>
+  <dgm:styleLbl name="callout">
+    <dgm:fillClrLst meth="repeat">
+      <a:schemeClr val="accent2"/>
+    </dgm:fillClrLst>
+    <dgm:linClrLst meth="repeat">
+      <a:schemeClr val="accent2">
+        <a:tint val="50000"/>
+      </a:schemeClr>
+    </dgm:linClrLst>
+    <dgm:effectClrLst/>
+    <dgm:txLinClrLst/>
+    <dgm:txFillClrLst meth="repeat">
+      <a:schemeClr val="tx1"/>
+    </dgm:txFillClrLst>
+    <dgm:txEffectClrLst/>
+  </dgm:styleLbl>
+  <dgm:styleLbl name="asst0">
+    <dgm:fillClrLst meth="repeat">
+      <a:schemeClr val="accent2"/>
+    </dgm:fillClrLst>
+    <dgm:linClrLst meth="repeat">
+      <a:schemeClr val="lt1"/>
+    </dgm:linClrLst>
+    <dgm:effectClrLst/>
+    <dgm:txLinClrLst/>
+    <dgm:txFillClrLst/>
+    <dgm:txEffectClrLst/>
+  </dgm:styleLbl>
+  <dgm:styleLbl name="asst1">
+    <dgm:fillClrLst meth="repeat">
+      <a:schemeClr val="accent2"/>
+    </dgm:fillClrLst>
+    <dgm:linClrLst meth="repeat">
+      <a:schemeClr val="lt1"/>
+    </dgm:linClrLst>
+    <dgm:effectClrLst/>
+    <dgm:txLinClrLst/>
+    <dgm:txFillClrLst/>
+    <dgm:txEffectClrLst/>
+  </dgm:styleLbl>
+  <dgm:styleLbl name="asst2">
+    <dgm:fillClrLst meth="repeat">
+      <a:schemeClr val="accent2"/>
+    </dgm:fillClrLst>
+    <dgm:linClrLst meth="repeat">
+      <a:schemeClr val="lt1"/>
+    </dgm:linClrLst>
+    <dgm:effectClrLst/>
+    <dgm:txLinClrLst/>
+    <dgm:txFillClrLst/>
+    <dgm:txEffectClrLst/>
+  </dgm:styleLbl>
+  <dgm:styleLbl name="asst3">
+    <dgm:fillClrLst meth="repeat">
+      <a:schemeClr val="accent2"/>
+    </dgm:fillClrLst>
+    <dgm:linClrLst meth="repeat">
+      <a:schemeClr val="lt1"/>
+    </dgm:linClrLst>
+    <dgm:effectClrLst/>
+    <dgm:txLinClrLst/>
+    <dgm:txFillClrLst/>
+    <dgm:txEffectClrLst/>
+  </dgm:styleLbl>
+  <dgm:styleLbl name="asst4">
+    <dgm:fillClrLst meth="repeat">
+      <a:schemeClr val="accent2"/>
+    </dgm:fillClrLst>
+    <dgm:linClrLst meth="repeat">
+      <a:schemeClr val="lt1"/>
+    </dgm:linClrLst>
+    <dgm:effectClrLst/>
+    <dgm:txLinClrLst/>
+    <dgm:txFillClrLst/>
+    <dgm:txEffectClrLst/>
+  </dgm:styleLbl>
+  <dgm:styleLbl name="parChTrans2D1">
+    <dgm:fillClrLst meth="repeat">
+      <a:schemeClr val="accent2">
+        <a:tint val="60000"/>
+      </a:schemeClr>
+    </dgm:fillClrLst>
+    <dgm:linClrLst meth="repeat">
+      <a:schemeClr val="accent2">
+        <a:tint val="60000"/>
+      </a:schemeClr>
+    </dgm:linClrLst>
+    <dgm:effectClrLst/>
+    <dgm:txLinClrLst/>
+    <dgm:txFillClrLst meth="repeat">
+      <a:schemeClr val="lt1"/>
+    </dgm:txFillClrLst>
+    <dgm:txEffectClrLst/>
+  </dgm:styleLbl>
+  <dgm:styleLbl name="parChTrans2D2">
+    <dgm:fillClrLst meth="repeat">
+      <a:schemeClr val="accent2"/>
+    </dgm:fillClrLst>
+    <dgm:linClrLst meth="repeat">
+      <a:schemeClr val="accent2"/>
+    </dgm:linClrLst>
+    <dgm:effectClrLst/>
+    <dgm:txLinClrLst/>
+    <dgm:txFillClrLst meth="repeat">
+      <a:schemeClr val="lt1"/>
+    </dgm:txFillClrLst>
+    <dgm:txEffectClrLst/>
+  </dgm:styleLbl>
+  <dgm:styleLbl name="parChTrans2D3">
+    <dgm:fillClrLst meth="repeat">
+      <a:schemeClr val="accent2"/>
+    </dgm:fillClrLst>
+    <dgm:linClrLst meth="repeat">
+      <a:schemeClr val="accent2"/>
+    </dgm:linClrLst>
+    <dgm:effectClrLst/>
+    <dgm:txLinClrLst/>
+    <dgm:txFillClrLst meth="repeat">
+      <a:schemeClr val="lt1"/>
+    </dgm:txFillClrLst>
+    <dgm:txEffectClrLst/>
+  </dgm:styleLbl>
+  <dgm:styleLbl name="parChTrans2D4">
+    <dgm:fillClrLst meth="repeat">
+      <a:schemeClr val="accent2"/>
+    </dgm:fillClrLst>
+    <dgm:linClrLst meth="repeat">
+      <a:schemeClr val="accent2"/>
+    </dgm:linClrLst>
+    <dgm:effectClrLst/>
+    <dgm:txLinClrLst/>
+    <dgm:txFillClrLst meth="repeat">
+      <a:schemeClr val="lt1"/>
+    </dgm:txFillClrLst>
+    <dgm:txEffectClrLst/>
+  </dgm:styleLbl>
+  <dgm:styleLbl name="parChTrans1D1">
+    <dgm:fillClrLst meth="repeat">
+      <a:schemeClr val="accent2"/>
+    </dgm:fillClrLst>
+    <dgm:linClrLst meth="repeat">
+      <a:schemeClr val="accent2">
+        <a:shade val="60000"/>
+      </a:schemeClr>
+    </dgm:linClrLst>
+    <dgm:effectClrLst/>
+    <dgm:txLinClrLst/>
+    <dgm:txFillClrLst meth="repeat">
+      <a:schemeClr val="tx1"/>
+    </dgm:txFillClrLst>
+    <dgm:txEffectClrLst/>
+  </dgm:styleLbl>
+  <dgm:styleLbl name="parChTrans1D2">
+    <dgm:fillClrLst meth="repeat">
+      <a:schemeClr val="accent2"/>
+    </dgm:fillClrLst>
+    <dgm:linClrLst meth="repeat">
+      <a:schemeClr val="accent2">
+        <a:shade val="60000"/>
+      </a:schemeClr>
+    </dgm:linClrLst>
+    <dgm:effectClrLst/>
+    <dgm:txLinClrLst/>
+    <dgm:txFillClrLst meth="repeat">
+      <a:schemeClr val="tx1"/>
+    </dgm:txFillClrLst>
+    <dgm:txEffectClrLst/>
+  </dgm:styleLbl>
+  <dgm:styleLbl name="parChTrans1D3">
+    <dgm:fillClrLst meth="repeat">
+      <a:schemeClr val="accent2"/>
+    </dgm:fillClrLst>
+    <dgm:linClrLst meth="repeat">
+      <a:schemeClr val="accent2">
+        <a:shade val="80000"/>
+      </a:schemeClr>
+    </dgm:linClrLst>
+    <dgm:effectClrLst/>
+    <dgm:txLinClrLst/>
+    <dgm:txFillClrLst meth="repeat">
+      <a:schemeClr val="tx1"/>
+    </dgm:txFillClrLst>
+    <dgm:txEffectClrLst/>
+  </dgm:styleLbl>
+  <dgm:styleLbl name="parChTrans1D4">
+    <dgm:fillClrLst meth="repeat">
+      <a:schemeClr val="accent2"/>
+    </dgm:fillClrLst>
+    <dgm:linClrLst meth="repeat">
+      <a:schemeClr val="accent2">
+        <a:shade val="80000"/>
+      </a:schemeClr>
+    </dgm:linClrLst>
+    <dgm:effectClrLst/>
+    <dgm:txLinClrLst/>
+    <dgm:txFillClrLst meth="repeat">
+      <a:schemeClr val="tx1"/>
+    </dgm:txFillClrLst>
+    <dgm:txEffectClrLst/>
+  </dgm:styleLbl>
+  <dgm:styleLbl name="fgAcc1">
+    <dgm:fillClrLst meth="repeat">
+      <a:schemeClr val="lt1">
+        <a:alpha val="90000"/>
+      </a:schemeClr>
+    </dgm:fillClrLst>
+    <dgm:linClrLst meth="repeat">
+      <a:schemeClr val="accent2"/>
+    </dgm:linClrLst>
+    <dgm:effectClrLst/>
+    <dgm:txLinClrLst/>
+    <dgm:txFillClrLst meth="repeat">
+      <a:schemeClr val="dk1"/>
+    </dgm:txFillClrLst>
+    <dgm:txEffectClrLst/>
+  </dgm:styleLbl>
+  <dgm:styleLbl name="conFgAcc1">
+    <dgm:fillClrLst meth="repeat">
+      <a:schemeClr val="lt1">
+        <a:alpha val="90000"/>
+      </a:schemeClr>
+    </dgm:fillClrLst>
+    <dgm:linClrLst meth="repeat">
+      <a:schemeClr val="accent2"/>
+    </dgm:linClrLst>
+    <dgm:effectClrLst/>
+    <dgm:txLinClrLst/>
+    <dgm:txFillClrLst meth="repeat">
+      <a:schemeClr val="dk1"/>
+    </dgm:txFillClrLst>
+    <dgm:txEffectClrLst/>
+  </dgm:styleLbl>
+  <dgm:styleLbl name="alignAcc1">
+    <dgm:fillClrLst meth="repeat">
+      <a:schemeClr val="lt1">
+        <a:alpha val="90000"/>
+      </a:schemeClr>
+    </dgm:fillClrLst>
+    <dgm:linClrLst meth="repeat">
+      <a:schemeClr val="accent2"/>
+    </dgm:linClrLst>
+    <dgm:effectClrLst/>
+    <dgm:txLinClrLst/>
+    <dgm:txFillClrLst meth="repeat">
+      <a:schemeClr val="dk1"/>
+    </dgm:txFillClrLst>
+    <dgm:txEffectClrLst/>
+  </dgm:styleLbl>
+  <dgm:styleLbl name="trAlignAcc1">
+    <dgm:fillClrLst meth="repeat">
+      <a:schemeClr val="lt1">
+        <a:alpha val="40000"/>
+      </a:schemeClr>
+    </dgm:fillClrLst>
+    <dgm:linClrLst meth="repeat">
+      <a:schemeClr val="accent2"/>
+    </dgm:linClrLst>
+    <dgm:effectClrLst/>
+    <dgm:txLinClrLst/>
+    <dgm:txFillClrLst meth="repeat">
+      <a:schemeClr val="dk1"/>
+    </dgm:txFillClrLst>
+    <dgm:txEffectClrLst/>
+  </dgm:styleLbl>
+  <dgm:styleLbl name="bgAcc1">
+    <dgm:fillClrLst meth="repeat">
+      <a:schemeClr val="lt1">
+        <a:alpha val="90000"/>
+      </a:schemeClr>
+    </dgm:fillClrLst>
+    <dgm:linClrLst meth="repeat">
+      <a:schemeClr val="accent2"/>
+    </dgm:linClrLst>
+    <dgm:effectClrLst/>
+    <dgm:txLinClrLst/>
+    <dgm:txFillClrLst meth="repeat">
+      <a:schemeClr val="dk1"/>
+    </dgm:txFillClrLst>
+    <dgm:txEffectClrLst/>
+  </dgm:styleLbl>
+  <dgm:styleLbl name="solidFgAcc1">
+    <dgm:fillClrLst meth="repeat">
+      <a:schemeClr val="lt1"/>
+    </dgm:fillClrLst>
+    <dgm:linClrLst meth="repeat">
+      <a:schemeClr val="accent2"/>
+    </dgm:linClrLst>
+    <dgm:effectClrLst/>
+    <dgm:txLinClrLst/>
+    <dgm:txFillClrLst meth="repeat">
+      <a:schemeClr val="dk1"/>
+    </dgm:txFillClrLst>
+    <dgm:txEffectClrLst/>
+  </dgm:styleLbl>
+  <dgm:styleLbl name="solidAlignAcc1">
+    <dgm:fillClrLst meth="repeat">
+      <a:schemeClr val="lt1"/>
+    </dgm:fillClrLst>
+    <dgm:linClrLst meth="repeat">
+      <a:schemeClr val="accent2"/>
+    </dgm:linClrLst>
+    <dgm:effectClrLst/>
+    <dgm:txLinClrLst/>
+    <dgm:txFillClrLst meth="repeat">
+      <a:schemeClr val="dk1"/>
+    </dgm:txFillClrLst>
+    <dgm:txEffectClrLst/>
+  </dgm:styleLbl>
+  <dgm:styleLbl name="solidBgAcc1">
+    <dgm:fillClrLst meth="repeat">
+      <a:schemeClr val="lt1"/>
+    </dgm:fillClrLst>
+    <dgm:linClrLst meth="repeat">
+      <a:schemeClr val="accent2"/>
+    </dgm:linClrLst>
+    <dgm:effectClrLst/>
+    <dgm:txLinClrLst/>
+    <dgm:txFillClrLst meth="repeat">
+      <a:schemeClr val="dk1"/>
+    </dgm:txFillClrLst>
+    <dgm:txEffectClrLst/>
+  </dgm:styleLbl>
+  <dgm:styleLbl name="fgAccFollowNode1">
+    <dgm:fillClrLst meth="repeat">
+      <a:schemeClr val="accent2">
+        <a:alpha val="90000"/>
+        <a:tint val="40000"/>
+      </a:schemeClr>
+    </dgm:fillClrLst>
+    <dgm:linClrLst meth="repeat">
+      <a:schemeClr val="accent2">
+        <a:alpha val="90000"/>
+        <a:tint val="40000"/>
+      </a:schemeClr>
+    </dgm:linClrLst>
+    <dgm:effectClrLst/>
+    <dgm:txLinClrLst/>
+    <dgm:txFillClrLst meth="repeat">
+      <a:schemeClr val="dk1"/>
+    </dgm:txFillClrLst>
+    <dgm:txEffectClrLst/>
+  </dgm:styleLbl>
+  <dgm:styleLbl name="alignAccFollowNode1">
+    <dgm:fillClrLst meth="repeat">
+      <a:schemeClr val="accent2">
+        <a:alpha val="90000"/>
+        <a:tint val="40000"/>
+      </a:schemeClr>
+    </dgm:fillClrLst>
+    <dgm:linClrLst meth="repeat">
+      <a:schemeClr val="accent2">
+        <a:alpha val="90000"/>
+        <a:tint val="40000"/>
+      </a:schemeClr>
+    </dgm:linClrLst>
+    <dgm:effectClrLst/>
+    <dgm:txLinClrLst/>
+    <dgm:txFillClrLst meth="repeat">
+      <a:schemeClr val="dk1"/>
+    </dgm:txFillClrLst>
+    <dgm:txEffectClrLst/>
+  </dgm:styleLbl>
+  <dgm:styleLbl name="bgAccFollowNode1">
+    <dgm:fillClrLst meth="repeat">
+      <a:schemeClr val="accent2">
+        <a:alpha val="90000"/>
+        <a:tint val="40000"/>
+      </a:schemeClr>
+    </dgm:fillClrLst>
+    <dgm:linClrLst meth="repeat">
+      <a:schemeClr val="accent2">
+        <a:alpha val="90000"/>
+        <a:tint val="40000"/>
+      </a:schemeClr>
+    </dgm:linClrLst>
+    <dgm:effectClrLst/>
+    <dgm:txLinClrLst/>
+    <dgm:txFillClrLst meth="repeat">
+      <a:schemeClr val="dk1"/>
+    </dgm:txFillClrLst>
+    <dgm:txEffectClrLst/>
+  </dgm:styleLbl>
+  <dgm:styleLbl name="fgAcc0">
+    <dgm:fillClrLst meth="repeat">
+      <a:schemeClr val="lt1">
+        <a:alpha val="90000"/>
+      </a:schemeClr>
+    </dgm:fillClrLst>
+    <dgm:linClrLst meth="repeat">
+      <a:schemeClr val="accent2"/>
+    </dgm:linClrLst>
+    <dgm:effectClrLst/>
+    <dgm:txLinClrLst/>
+    <dgm:txFillClrLst meth="repeat">
+      <a:schemeClr val="dk1"/>
+    </dgm:txFillClrLst>
+    <dgm:txEffectClrLst/>
+  </dgm:styleLbl>
+  <dgm:styleLbl name="fgAcc2">
+    <dgm:fillClrLst meth="repeat">
+      <a:schemeClr val="lt1">
+        <a:alpha val="90000"/>
+      </a:schemeClr>
+    </dgm:fillClrLst>
+    <dgm:linClrLst meth="repeat">
+      <a:schemeClr val="accent2"/>
+    </dgm:linClrLst>
+    <dgm:effectClrLst/>
+    <dgm:txLinClrLst/>
+    <dgm:txFillClrLst meth="repeat">
+      <a:schemeClr val="dk1"/>
+    </dgm:txFillClrLst>
+    <dgm:txEffectClrLst/>
+  </dgm:styleLbl>
+  <dgm:styleLbl name="fgAcc3">
+    <dgm:fillClrLst meth="repeat">
+      <a:schemeClr val="lt1">
+        <a:alpha val="90000"/>
+      </a:schemeClr>
+    </dgm:fillClrLst>
+    <dgm:linClrLst meth="repeat">
+      <a:schemeClr val="accent2"/>
+    </dgm:linClrLst>
+    <dgm:effectClrLst/>
+    <dgm:txLinClrLst/>
+    <dgm:txFillClrLst meth="repeat">
+      <a:schemeClr val="dk1"/>
+    </dgm:txFillClrLst>
+    <dgm:txEffectClrLst/>
+  </dgm:styleLbl>
+  <dgm:styleLbl name="fgAcc4">
+    <dgm:fillClrLst meth="repeat">
+      <a:schemeClr val="lt1">
+        <a:alpha val="90000"/>
+      </a:schemeClr>
+    </dgm:fillClrLst>
+    <dgm:linClrLst meth="repeat">
+      <a:schemeClr val="accent2"/>
+    </dgm:linClrLst>
+    <dgm:effectClrLst/>
+    <dgm:txLinClrLst/>
+    <dgm:txFillClrLst meth="repeat">
+      <a:schemeClr val="dk1"/>
+    </dgm:txFillClrLst>
+    <dgm:txEffectClrLst/>
+  </dgm:styleLbl>
+  <dgm:styleLbl name="bgShp">
+    <dgm:fillClrLst meth="repeat">
+      <a:schemeClr val="accent2">
+        <a:tint val="40000"/>
+      </a:schemeClr>
+    </dgm:fillClrLst>
+    <dgm:linClrLst meth="repeat">
+      <a:schemeClr val="accent2"/>
+    </dgm:linClrLst>
+    <dgm:effectClrLst/>
+    <dgm:txLinClrLst/>
+    <dgm:txFillClrLst meth="repeat">
+      <a:schemeClr val="dk1"/>
+    </dgm:txFillClrLst>
+    <dgm:txEffectClrLst/>
+  </dgm:styleLbl>
+  <dgm:styleLbl name="dkBgShp">
+    <dgm:fillClrLst meth="repeat">
+      <a:schemeClr val="accent2">
+        <a:shade val="80000"/>
+      </a:schemeClr>
+    </dgm:fillClrLst>
+    <dgm:linClrLst meth="repeat">
+      <a:schemeClr val="accent2"/>
+    </dgm:linClrLst>
+    <dgm:effectClrLst/>
+    <dgm:txLinClrLst/>
+    <dgm:txFillClrLst meth="repeat">
+      <a:schemeClr val="lt1"/>
+    </dgm:txFillClrLst>
+    <dgm:txEffectClrLst/>
+  </dgm:styleLbl>
+  <dgm:styleLbl name="trBgShp">
+    <dgm:fillClrLst meth="repeat">
+      <a:schemeClr val="accent2">
+        <a:tint val="50000"/>
+        <a:alpha val="40000"/>
+      </a:schemeClr>
+    </dgm:fillClrLst>
+    <dgm:linClrLst meth="repeat">
+      <a:schemeClr val="accent2"/>
+    </dgm:linClrLst>
+    <dgm:effectClrLst/>
+    <dgm:txLinClrLst/>
+    <dgm:txFillClrLst meth="repeat">
+      <a:schemeClr val="lt1"/>
+    </dgm:txFillClrLst>
+    <dgm:txEffectClrLst/>
+  </dgm:styleLbl>
+  <dgm:styleLbl name="fgShp">
+    <dgm:fillClrLst meth="repeat">
+      <a:schemeClr val="accent2">
+        <a:tint val="60000"/>
+      </a:schemeClr>
+    </dgm:fillClrLst>
+    <dgm:linClrLst meth="repeat">
+      <a:schemeClr val="lt1"/>
+    </dgm:linClrLst>
+    <dgm:effectClrLst/>
+    <dgm:txLinClrLst/>
+    <dgm:txFillClrLst meth="repeat">
+      <a:schemeClr val="dk1"/>
+    </dgm:txFillClrLst>
+    <dgm:txEffectClrLst/>
+  </dgm:styleLbl>
+  <dgm:styleLbl name="revTx">
+    <dgm:fillClrLst meth="repeat">
+      <a:schemeClr val="lt1">
+        <a:alpha val="0"/>
+      </a:schemeClr>
+    </dgm:fillClrLst>
+    <dgm:linClrLst meth="repeat">
+      <a:schemeClr val="dk1">
+        <a:alpha val="0"/>
+      </a:schemeClr>
+    </dgm:linClrLst>
+    <dgm:effectClrLst/>
+    <dgm:txLinClrLst/>
+    <dgm:txFillClrLst meth="repeat">
+      <a:schemeClr val="tx1"/>
+    </dgm:txFillClrLst>
+    <dgm:txEffectClrLst/>
+  </dgm:styleLbl>
+</dgm:colorsDef>
+</file>
+
+<file path=ppt/diagrams/colors7.xml><?xml version="1.0" encoding="utf-8"?>
 <dgm:colorsDef xmlns:dgm="http://schemas.openxmlformats.org/drawingml/2006/diagram" xmlns:a="http://schemas.openxmlformats.org/drawingml/2006/main" uniqueId="urn:microsoft.com/office/officeart/2005/8/colors/accent2_2">
   <dgm:title val=""/>
   <dgm:desc val=""/>
@@ -5964,8 +6718,16 @@
         <a:lstStyle/>
         <a:p>
           <a:r>
-            <a:rPr lang="en-US"/>
-            <a:t>A tool called Atera Remote Management was deployed (popular tool to control victim machines)</a:t>
+            <a:rPr lang="en-US" dirty="0"/>
+            <a:t>A tool called </a:t>
+          </a:r>
+          <a:r>
+            <a:rPr lang="en-US" dirty="0" err="1"/>
+            <a:t>Atera</a:t>
+          </a:r>
+          <a:r>
+            <a:rPr lang="en-US" dirty="0"/>
+            <a:t> Remote Management was deployed (popular tool to control victim machines)</a:t>
           </a:r>
         </a:p>
       </dgm:t>
@@ -6374,10 +7136,18 @@
         <a:lstStyle/>
         <a:p>
           <a:r>
-            <a:rPr lang="en-US" b="0" baseline="0"/>
-            <a:t>Now </a:t>
+            <a:rPr lang="en-US" b="0" baseline="0" dirty="0"/>
+            <a:t>How to prevent for </a:t>
           </a:r>
-          <a:endParaRPr lang="en-US"/>
+          <a:r>
+            <a:rPr lang="en-US" b="0" baseline="0" dirty="0" err="1"/>
+            <a:t>Follina</a:t>
+          </a:r>
+          <a:r>
+            <a:rPr lang="en-US" b="0" baseline="0" dirty="0"/>
+            <a:t> exploitation</a:t>
+          </a:r>
+          <a:endParaRPr lang="en-US" dirty="0"/>
         </a:p>
       </dgm:t>
     </dgm:pt>
@@ -6591,6 +7361,37 @@
         </a:p>
       </dgm:t>
     </dgm:pt>
+    <dgm:pt modelId="{78784965-0379-40FD-A87D-72794459B500}">
+      <dgm:prSet/>
+      <dgm:spPr/>
+      <dgm:t>
+        <a:bodyPr/>
+        <a:lstStyle/>
+        <a:p>
+          <a:r>
+            <a:rPr lang="en-US" b="0" i="0" dirty="0"/>
+            <a:t> Delete HKEY_CLASSES_ROOT/</a:t>
+          </a:r>
+          <a:r>
+            <a:rPr lang="en-US" b="0" i="0" dirty="0" err="1"/>
+            <a:t>ms-msdt</a:t>
+          </a:r>
+          <a:r>
+            <a:rPr lang="en-US" b="0" i="0" dirty="0"/>
+            <a:t> file type handler entry from the Windows Registry system configuration database.</a:t>
+          </a:r>
+          <a:endParaRPr lang="en-US" dirty="0"/>
+        </a:p>
+      </dgm:t>
+    </dgm:pt>
+    <dgm:pt modelId="{FE2208E0-4A90-412B-8F47-E4035F371629}" type="parTrans" cxnId="{1CDE29FD-6EAA-44A6-895F-62191534FC1C}">
+      <dgm:prSet/>
+      <dgm:spPr/>
+    </dgm:pt>
+    <dgm:pt modelId="{9F254FD6-1751-49EA-BD02-2FD7FDE357F4}" type="sibTrans" cxnId="{1CDE29FD-6EAA-44A6-895F-62191534FC1C}">
+      <dgm:prSet/>
+      <dgm:spPr/>
+    </dgm:pt>
     <dgm:pt modelId="{43445982-2CEA-48F9-89F9-4C9044C9B7DA}" type="pres">
       <dgm:prSet presAssocID="{AB7140CD-2501-409D-AB3F-23453B51A518}" presName="linear" presStyleCnt="0">
         <dgm:presLayoutVars>
@@ -6736,6 +7537,7 @@
     <dgm:cxn modelId="{3FF80D21-043D-4463-8E5D-C5F0BF01EB02}" type="presOf" srcId="{6F51A494-8E98-472E-8748-C2ECAC9450EC}" destId="{71070CA9-087A-40BC-AF5F-931357FCAAB4}" srcOrd="1" destOrd="0" presId="urn:microsoft.com/office/officeart/2005/8/layout/list1"/>
     <dgm:cxn modelId="{95AC8221-68DE-4C87-986F-1BD3779CE746}" srcId="{AB7140CD-2501-409D-AB3F-23453B51A518}" destId="{13B41B09-CDF1-451B-BB60-6799A59A9DA0}" srcOrd="1" destOrd="0" parTransId="{6829CCDA-8F54-49C5-AA91-145513E96BDF}" sibTransId="{8FB095DD-EC44-4A9A-AEC9-79B300969E5C}"/>
     <dgm:cxn modelId="{19EC5B25-692F-48EA-8756-9CE763E0B991}" type="presOf" srcId="{1F40B59B-2671-4451-8712-186D228B88AF}" destId="{0855D5AC-BCD2-4677-8175-06EC0923C1C1}" srcOrd="1" destOrd="0" presId="urn:microsoft.com/office/officeart/2005/8/layout/list1"/>
+    <dgm:cxn modelId="{E0D1C15F-4A26-48F9-B701-E10ED8BE269C}" type="presOf" srcId="{78784965-0379-40FD-A87D-72794459B500}" destId="{2F078567-2560-4FC7-A415-BCDF53602A75}" srcOrd="0" destOrd="0" presId="urn:microsoft.com/office/officeart/2005/8/layout/list1"/>
     <dgm:cxn modelId="{4046CF61-3C1E-467B-B7E9-549E1C908021}" type="presOf" srcId="{AB7140CD-2501-409D-AB3F-23453B51A518}" destId="{43445982-2CEA-48F9-89F9-4C9044C9B7DA}" srcOrd="0" destOrd="0" presId="urn:microsoft.com/office/officeart/2005/8/layout/list1"/>
     <dgm:cxn modelId="{0D6B4864-02D8-4955-B972-D2422FEA5079}" srcId="{AB7140CD-2501-409D-AB3F-23453B51A518}" destId="{1F40B59B-2671-4451-8712-186D228B88AF}" srcOrd="0" destOrd="0" parTransId="{0159D1F5-C27E-49B1-B1CE-5F45C9A74554}" sibTransId="{0FBFA955-CC71-487F-95EB-C94325319DAF}"/>
     <dgm:cxn modelId="{AF21134F-FA73-47AC-A445-E12304F5E14A}" type="presOf" srcId="{2699D18E-5880-4478-B310-2BC0C518F439}" destId="{E0D4C11C-4406-40B2-A3DC-59FCBBEF3057}" srcOrd="1" destOrd="0" presId="urn:microsoft.com/office/officeart/2005/8/layout/list1"/>
@@ -6749,6 +7551,7 @@
     <dgm:cxn modelId="{B68FE3C2-4535-4C8B-A109-CD2079526668}" srcId="{1F40B59B-2671-4451-8712-186D228B88AF}" destId="{F6205886-049A-4181-ACBB-DB1AB86F359B}" srcOrd="0" destOrd="0" parTransId="{CADC2243-3D2B-48F8-8264-FA227F4B31EC}" sibTransId="{6BFFEBA1-AE77-4163-B35B-443F4C04F053}"/>
     <dgm:cxn modelId="{508E51E0-6CE8-4C6B-9DC2-639829BB8EBF}" type="presOf" srcId="{13B41B09-CDF1-451B-BB60-6799A59A9DA0}" destId="{ECC41800-CC4B-4778-9020-55D33857A915}" srcOrd="1" destOrd="0" presId="urn:microsoft.com/office/officeart/2005/8/layout/list1"/>
     <dgm:cxn modelId="{11A46DF6-789F-49B2-95F7-602A918C201B}" type="presOf" srcId="{2699D18E-5880-4478-B310-2BC0C518F439}" destId="{2F12499B-C502-4D3A-9F14-826DA54F4796}" srcOrd="0" destOrd="0" presId="urn:microsoft.com/office/officeart/2005/8/layout/list1"/>
+    <dgm:cxn modelId="{1CDE29FD-6EAA-44A6-895F-62191534FC1C}" srcId="{2699D18E-5880-4478-B310-2BC0C518F439}" destId="{78784965-0379-40FD-A87D-72794459B500}" srcOrd="0" destOrd="0" parTransId="{FE2208E0-4A90-412B-8F47-E4035F371629}" sibTransId="{9F254FD6-1751-49EA-BD02-2FD7FDE357F4}"/>
     <dgm:cxn modelId="{074DEDFE-ABCB-4DC7-82DD-F1C120AEB932}" srcId="{6F51A494-8E98-472E-8748-C2ECAC9450EC}" destId="{FAE1D1A1-E64B-41F9-AAD4-FC75464284DE}" srcOrd="0" destOrd="0" parTransId="{1512DA85-0549-4385-BC34-6E20CFAD0B3F}" sibTransId="{64CE322D-D0EC-413E-A2CA-2A35BBFDF318}"/>
     <dgm:cxn modelId="{E02B2883-80AA-446B-95D2-34A910B0042C}" type="presParOf" srcId="{43445982-2CEA-48F9-89F9-4C9044C9B7DA}" destId="{AB47F669-B695-403B-A1A1-5CFCF9750FEA}" srcOrd="0" destOrd="0" presId="urn:microsoft.com/office/officeart/2005/8/layout/list1"/>
     <dgm:cxn modelId="{DB463159-88FC-4D31-BA32-04E89097CF3C}" type="presParOf" srcId="{AB47F669-B695-403B-A1A1-5CFCF9750FEA}" destId="{0DD45A01-5C9A-4BB4-9C8A-0169AFD39A72}" srcOrd="0" destOrd="0" presId="urn:microsoft.com/office/officeart/2005/8/layout/list1"/>
@@ -6900,10 +7703,18 @@
         <a:lstStyle/>
         <a:p>
           <a:r>
-            <a:rPr lang="en-US" b="0" baseline="0"/>
-            <a:t>Now </a:t>
+            <a:rPr lang="en-US" b="0" baseline="0" dirty="0"/>
+            <a:t>How to prevent </a:t>
           </a:r>
-          <a:endParaRPr lang="en-US"/>
+          <a:r>
+            <a:rPr lang="en-US" b="0" baseline="0" dirty="0" err="1"/>
+            <a:t>Qbot</a:t>
+          </a:r>
+          <a:r>
+            <a:rPr lang="en-US" b="0" baseline="0" dirty="0"/>
+            <a:t> infections </a:t>
+          </a:r>
+          <a:endParaRPr lang="en-US" dirty="0"/>
         </a:p>
       </dgm:t>
     </dgm:pt>
@@ -7110,10 +7921,24 @@
     <dgm:pt modelId="{C099217B-B53C-48ED-8CE7-E04D281DC395}" type="sibTrans" cxnId="{EE5553C9-9790-4212-B7DA-21AFB8280D13}">
       <dgm:prSet/>
       <dgm:spPr/>
+      <dgm:t>
+        <a:bodyPr/>
+        <a:lstStyle/>
+        <a:p>
+          <a:endParaRPr lang="nl-BE"/>
+        </a:p>
+      </dgm:t>
     </dgm:pt>
     <dgm:pt modelId="{0F2413ED-FB86-4F46-BA14-5B14C356DED0}" type="parTrans" cxnId="{EE5553C9-9790-4212-B7DA-21AFB8280D13}">
       <dgm:prSet/>
       <dgm:spPr/>
+      <dgm:t>
+        <a:bodyPr/>
+        <a:lstStyle/>
+        <a:p>
+          <a:endParaRPr lang="nl-BE"/>
+        </a:p>
+      </dgm:t>
     </dgm:pt>
     <dgm:pt modelId="{C0BAB7DD-B7D7-4092-B2AF-C33C4E83BAE8}">
       <dgm:prSet/>
@@ -7133,10 +7958,24 @@
     <dgm:pt modelId="{8AF033D3-1969-45E2-8348-5F8CD9E12D79}" type="sibTrans" cxnId="{1F839671-4512-4BB3-94CD-B6EF58C276A6}">
       <dgm:prSet/>
       <dgm:spPr/>
+      <dgm:t>
+        <a:bodyPr/>
+        <a:lstStyle/>
+        <a:p>
+          <a:endParaRPr lang="nl-BE"/>
+        </a:p>
+      </dgm:t>
     </dgm:pt>
     <dgm:pt modelId="{F39A8334-2E37-4286-A03F-07A9F95202B2}" type="parTrans" cxnId="{1F839671-4512-4BB3-94CD-B6EF58C276A6}">
       <dgm:prSet/>
       <dgm:spPr/>
+      <dgm:t>
+        <a:bodyPr/>
+        <a:lstStyle/>
+        <a:p>
+          <a:endParaRPr lang="nl-BE"/>
+        </a:p>
+      </dgm:t>
     </dgm:pt>
     <dgm:pt modelId="{5FF0171D-534F-4CE5-8C14-C5417B47F2C7}">
       <dgm:prSet/>
@@ -7191,10 +8030,96 @@
     <dgm:pt modelId="{7D12EC2F-E4BA-458B-A96C-116C5BF6654A}" type="sibTrans" cxnId="{FC233B98-4942-44C5-AB92-0D65483DADCA}">
       <dgm:prSet/>
       <dgm:spPr/>
+      <dgm:t>
+        <a:bodyPr/>
+        <a:lstStyle/>
+        <a:p>
+          <a:endParaRPr lang="nl-BE"/>
+        </a:p>
+      </dgm:t>
     </dgm:pt>
     <dgm:pt modelId="{192CB42D-C810-4969-88E6-5886965FB6D6}" type="parTrans" cxnId="{FC233B98-4942-44C5-AB92-0D65483DADCA}">
       <dgm:prSet/>
       <dgm:spPr/>
+      <dgm:t>
+        <a:bodyPr/>
+        <a:lstStyle/>
+        <a:p>
+          <a:endParaRPr lang="nl-BE"/>
+        </a:p>
+      </dgm:t>
+    </dgm:pt>
+    <dgm:pt modelId="{F51EF01E-7B15-49FD-95AD-CCE38FE95AB5}">
+      <dgm:prSet/>
+      <dgm:spPr/>
+      <dgm:t>
+        <a:bodyPr/>
+        <a:lstStyle/>
+        <a:p>
+          <a:r>
+            <a:rPr lang="en-US" dirty="0"/>
+            <a:t> User awareness</a:t>
+          </a:r>
+        </a:p>
+      </dgm:t>
+    </dgm:pt>
+    <dgm:pt modelId="{FE2211F8-7C6A-42DD-B836-970DCE0B326A}" type="parTrans" cxnId="{B0D1F870-93B1-4743-8893-E95DDCE30FF1}">
+      <dgm:prSet/>
+      <dgm:spPr/>
+      <dgm:t>
+        <a:bodyPr/>
+        <a:lstStyle/>
+        <a:p>
+          <a:endParaRPr lang="nl-BE"/>
+        </a:p>
+      </dgm:t>
+    </dgm:pt>
+    <dgm:pt modelId="{662440C2-8E59-40B9-B4CD-AA18A051640C}" type="sibTrans" cxnId="{B0D1F870-93B1-4743-8893-E95DDCE30FF1}">
+      <dgm:prSet/>
+      <dgm:spPr/>
+      <dgm:t>
+        <a:bodyPr/>
+        <a:lstStyle/>
+        <a:p>
+          <a:endParaRPr lang="nl-BE"/>
+        </a:p>
+      </dgm:t>
+    </dgm:pt>
+    <dgm:pt modelId="{C2DE57D8-3430-419E-A8D7-47D817A96A86}">
+      <dgm:prSet/>
+      <dgm:spPr/>
+      <dgm:t>
+        <a:bodyPr/>
+        <a:lstStyle/>
+        <a:p>
+          <a:r>
+            <a:rPr lang="en-US" dirty="0"/>
+            <a:t> Email gateways</a:t>
+          </a:r>
+        </a:p>
+      </dgm:t>
+    </dgm:pt>
+    <dgm:pt modelId="{3399FA1A-F45E-457B-889F-E13BF69046B3}" type="parTrans" cxnId="{A2A2088A-FF34-4284-AB67-F0EDAB978658}">
+      <dgm:prSet/>
+      <dgm:spPr/>
+      <dgm:t>
+        <a:bodyPr/>
+        <a:lstStyle/>
+        <a:p>
+          <a:endParaRPr lang="nl-BE"/>
+        </a:p>
+      </dgm:t>
+    </dgm:pt>
+    <dgm:pt modelId="{461DF7EC-009E-4E16-8912-816173E104FF}" type="sibTrans" cxnId="{A2A2088A-FF34-4284-AB67-F0EDAB978658}">
+      <dgm:prSet/>
+      <dgm:spPr/>
+      <dgm:t>
+        <a:bodyPr/>
+        <a:lstStyle/>
+        <a:p>
+          <a:endParaRPr lang="nl-BE"/>
+        </a:p>
+      </dgm:t>
     </dgm:pt>
     <dgm:pt modelId="{43445982-2CEA-48F9-89F9-4C9044C9B7DA}" type="pres">
       <dgm:prSet presAssocID="{AB7140CD-2501-409D-AB3F-23453B51A518}" presName="linear" presStyleCnt="0">
@@ -7346,17 +8271,21 @@
     <dgm:cxn modelId="{0D6B4864-02D8-4955-B972-D2422FEA5079}" srcId="{AB7140CD-2501-409D-AB3F-23453B51A518}" destId="{1F40B59B-2671-4451-8712-186D228B88AF}" srcOrd="0" destOrd="0" parTransId="{0159D1F5-C27E-49B1-B1CE-5F45C9A74554}" sibTransId="{0FBFA955-CC71-487F-95EB-C94325319DAF}"/>
     <dgm:cxn modelId="{AF21134F-FA73-47AC-A445-E12304F5E14A}" type="presOf" srcId="{2699D18E-5880-4478-B310-2BC0C518F439}" destId="{E0D4C11C-4406-40B2-A3DC-59FCBBEF3057}" srcOrd="1" destOrd="0" presId="urn:microsoft.com/office/officeart/2005/8/layout/list1"/>
     <dgm:cxn modelId="{3ADAB570-6365-4032-B614-C27E145CC386}" type="presOf" srcId="{F6205886-049A-4181-ACBB-DB1AB86F359B}" destId="{7EAA3A9D-B0DE-4FD0-BD72-581117384596}" srcOrd="0" destOrd="0" presId="urn:microsoft.com/office/officeart/2005/8/layout/list1"/>
+    <dgm:cxn modelId="{B0D1F870-93B1-4743-8893-E95DDCE30FF1}" srcId="{2699D18E-5880-4478-B310-2BC0C518F439}" destId="{F51EF01E-7B15-49FD-95AD-CCE38FE95AB5}" srcOrd="0" destOrd="0" parTransId="{FE2211F8-7C6A-42DD-B836-970DCE0B326A}" sibTransId="{662440C2-8E59-40B9-B4CD-AA18A051640C}"/>
     <dgm:cxn modelId="{1F839671-4512-4BB3-94CD-B6EF58C276A6}" srcId="{6F51A494-8E98-472E-8748-C2ECAC9450EC}" destId="{C0BAB7DD-B7D7-4092-B2AF-C33C4E83BAE8}" srcOrd="2" destOrd="0" parTransId="{F39A8334-2E37-4286-A03F-07A9F95202B2}" sibTransId="{8AF033D3-1969-45E2-8348-5F8CD9E12D79}"/>
     <dgm:cxn modelId="{F02E4C72-858D-46A8-AE7A-C259D132A8D7}" type="presOf" srcId="{13B41B09-CDF1-451B-BB60-6799A59A9DA0}" destId="{5487302F-D798-4F10-990A-1121BA901D9A}" srcOrd="0" destOrd="0" presId="urn:microsoft.com/office/officeart/2005/8/layout/list1"/>
     <dgm:cxn modelId="{106FEE53-3B50-4B65-B65E-7A3EBC492CEE}" srcId="{13B41B09-CDF1-451B-BB60-6799A59A9DA0}" destId="{907EFED2-CE81-4A29-882E-34098F61503C}" srcOrd="0" destOrd="0" parTransId="{8BB71E02-9C79-4AF8-AEAE-B20223A86089}" sibTransId="{1F727115-0207-4D36-B995-99CBD8B1009D}"/>
     <dgm:cxn modelId="{DF6F5C55-8CDD-40F8-AB1F-94D573E649E0}" type="presOf" srcId="{6F51A494-8E98-472E-8748-C2ECAC9450EC}" destId="{E3930A28-A21A-4361-9097-4AC997E0F2A9}" srcOrd="0" destOrd="0" presId="urn:microsoft.com/office/officeart/2005/8/layout/list1"/>
     <dgm:cxn modelId="{1E71C481-1EA6-4D87-8D1A-15FD7C55B03F}" type="presOf" srcId="{FAE1D1A1-E64B-41F9-AAD4-FC75464284DE}" destId="{9D5A53D8-252C-49A2-B997-73CC70FB14F1}" srcOrd="0" destOrd="0" presId="urn:microsoft.com/office/officeart/2005/8/layout/list1"/>
+    <dgm:cxn modelId="{A2A2088A-FF34-4284-AB67-F0EDAB978658}" srcId="{2699D18E-5880-4478-B310-2BC0C518F439}" destId="{C2DE57D8-3430-419E-A8D7-47D817A96A86}" srcOrd="1" destOrd="0" parTransId="{3399FA1A-F45E-457B-889F-E13BF69046B3}" sibTransId="{461DF7EC-009E-4E16-8912-816173E104FF}"/>
     <dgm:cxn modelId="{FC233B98-4942-44C5-AB92-0D65483DADCA}" srcId="{6F51A494-8E98-472E-8748-C2ECAC9450EC}" destId="{F06BB73E-EBA4-462A-A4BE-1D513E184917}" srcOrd="4" destOrd="0" parTransId="{192CB42D-C810-4969-88E6-5886965FB6D6}" sibTransId="{7D12EC2F-E4BA-458B-A96C-116C5BF6654A}"/>
+    <dgm:cxn modelId="{7C0CF39E-6B1B-4C75-8897-809FDD8934FE}" type="presOf" srcId="{C2DE57D8-3430-419E-A8D7-47D817A96A86}" destId="{2F078567-2560-4FC7-A415-BCDF53602A75}" srcOrd="0" destOrd="1" presId="urn:microsoft.com/office/officeart/2005/8/layout/list1"/>
     <dgm:cxn modelId="{D01023A4-BE48-4107-B72F-4FF913FFF06F}" srcId="{AB7140CD-2501-409D-AB3F-23453B51A518}" destId="{6F51A494-8E98-472E-8748-C2ECAC9450EC}" srcOrd="2" destOrd="0" parTransId="{37A2F79E-6365-446C-A9AB-FE38204CF877}" sibTransId="{B82D8473-7F41-4C80-B01B-A3EF205B759A}"/>
     <dgm:cxn modelId="{A43B90A5-6472-4017-84F7-8B8361B6E543}" srcId="{6F51A494-8E98-472E-8748-C2ECAC9450EC}" destId="{5FF0171D-534F-4CE5-8C14-C5417B47F2C7}" srcOrd="3" destOrd="0" parTransId="{F8551821-A95E-4675-92DB-3B147A296258}" sibTransId="{E8B5735B-AEC9-4F99-94E7-E1FFE27A88F6}"/>
     <dgm:cxn modelId="{357B85B2-61A7-4905-8825-7614B719DE5E}" type="presOf" srcId="{1F40B59B-2671-4451-8712-186D228B88AF}" destId="{0DD45A01-5C9A-4BB4-9C8A-0169AFD39A72}" srcOrd="0" destOrd="0" presId="urn:microsoft.com/office/officeart/2005/8/layout/list1"/>
     <dgm:cxn modelId="{C5DCF0B3-0D4B-4969-B5F0-28FD6BD0939A}" type="presOf" srcId="{F06BB73E-EBA4-462A-A4BE-1D513E184917}" destId="{9D5A53D8-252C-49A2-B997-73CC70FB14F1}" srcOrd="0" destOrd="4" presId="urn:microsoft.com/office/officeart/2005/8/layout/list1"/>
     <dgm:cxn modelId="{FC626FB4-4C29-4B27-972C-E1144A27479A}" type="presOf" srcId="{C0BAB7DD-B7D7-4092-B2AF-C33C4E83BAE8}" destId="{9D5A53D8-252C-49A2-B997-73CC70FB14F1}" srcOrd="0" destOrd="2" presId="urn:microsoft.com/office/officeart/2005/8/layout/list1"/>
+    <dgm:cxn modelId="{87CDA7BB-3E41-42AE-8273-E3DD0B834531}" type="presOf" srcId="{F51EF01E-7B15-49FD-95AD-CCE38FE95AB5}" destId="{2F078567-2560-4FC7-A415-BCDF53602A75}" srcOrd="0" destOrd="0" presId="urn:microsoft.com/office/officeart/2005/8/layout/list1"/>
     <dgm:cxn modelId="{B68FE3C2-4535-4C8B-A109-CD2079526668}" srcId="{1F40B59B-2671-4451-8712-186D228B88AF}" destId="{F6205886-049A-4181-ACBB-DB1AB86F359B}" srcOrd="0" destOrd="0" parTransId="{CADC2243-3D2B-48F8-8264-FA227F4B31EC}" sibTransId="{6BFFEBA1-AE77-4163-B35B-443F4C04F053}"/>
     <dgm:cxn modelId="{EE5553C9-9790-4212-B7DA-21AFB8280D13}" srcId="{6F51A494-8E98-472E-8748-C2ECAC9450EC}" destId="{9372BDE9-996C-4070-8FC4-8DF2F0CDF126}" srcOrd="1" destOrd="0" parTransId="{0F2413ED-FB86-4F46-BA14-5B14C356DED0}" sibTransId="{C099217B-B53C-48ED-8CE7-E04D281DC395}"/>
     <dgm:cxn modelId="{20365FCD-051F-413B-9CA4-AD977ACF2B7B}" type="presOf" srcId="{5FF0171D-534F-4CE5-8C14-C5417B47F2C7}" destId="{9D5A53D8-252C-49A2-B997-73CC70FB14F1}" srcOrd="0" destOrd="3" presId="urn:microsoft.com/office/officeart/2005/8/layout/list1"/>
@@ -7386,6 +8315,600 @@
     <dgm:cxn modelId="{BF286008-E0C6-4FB7-85EE-23CB646B224E}" type="presParOf" srcId="{F0F05EFC-A072-43C8-814C-BFB7AC3AF5B6}" destId="{E0D4C11C-4406-40B2-A3DC-59FCBBEF3057}" srcOrd="1" destOrd="0" presId="urn:microsoft.com/office/officeart/2005/8/layout/list1"/>
     <dgm:cxn modelId="{413AF952-B71D-4B4A-89EE-188A3B70E8AC}" type="presParOf" srcId="{43445982-2CEA-48F9-89F9-4C9044C9B7DA}" destId="{189BDAA5-8579-43EE-A410-35617C92F21F}" srcOrd="13" destOrd="0" presId="urn:microsoft.com/office/officeart/2005/8/layout/list1"/>
     <dgm:cxn modelId="{F684449D-88DB-4030-91E7-73174A28DCF5}" type="presParOf" srcId="{43445982-2CEA-48F9-89F9-4C9044C9B7DA}" destId="{2F078567-2560-4FC7-A415-BCDF53602A75}" srcOrd="14" destOrd="0" presId="urn:microsoft.com/office/officeart/2005/8/layout/list1"/>
+  </dgm:cxnLst>
+  <dgm:bg/>
+  <dgm:whole/>
+  <dgm:extLst>
+    <a:ext uri="http://schemas.microsoft.com/office/drawing/2008/diagram">
+      <dsp:dataModelExt xmlns:dsp="http://schemas.microsoft.com/office/drawing/2008/diagram" relId="rId7" minVer="http://schemas.openxmlformats.org/drawingml/2006/diagram"/>
+    </a:ext>
+  </dgm:extLst>
+</dgm:dataModel>
+</file>
+
+<file path=ppt/diagrams/data7.xml><?xml version="1.0" encoding="utf-8"?>
+<dgm:dataModel xmlns:dgm="http://schemas.openxmlformats.org/drawingml/2006/diagram" xmlns:a="http://schemas.openxmlformats.org/drawingml/2006/main">
+  <dgm:ptLst>
+    <dgm:pt modelId="{AB7140CD-2501-409D-AB3F-23453B51A518}" type="doc">
+      <dgm:prSet loTypeId="urn:microsoft.com/office/officeart/2005/8/layout/list1" loCatId="list" qsTypeId="urn:microsoft.com/office/officeart/2005/8/quickstyle/simple1" qsCatId="simple" csTypeId="urn:microsoft.com/office/officeart/2005/8/colors/accent2_2" csCatId="accent2" phldr="1"/>
+      <dgm:spPr/>
+      <dgm:t>
+        <a:bodyPr/>
+        <a:lstStyle/>
+        <a:p>
+          <a:endParaRPr lang="en-US"/>
+        </a:p>
+      </dgm:t>
+    </dgm:pt>
+    <dgm:pt modelId="{13B41B09-CDF1-451B-BB60-6799A59A9DA0}">
+      <dgm:prSet/>
+      <dgm:spPr/>
+      <dgm:t>
+        <a:bodyPr/>
+        <a:lstStyle/>
+        <a:p>
+          <a:r>
+            <a:rPr lang="en-US" dirty="0"/>
+            <a:t>Detecting MDE exclusions</a:t>
+          </a:r>
+        </a:p>
+      </dgm:t>
+    </dgm:pt>
+    <dgm:pt modelId="{6829CCDA-8F54-49C5-AA91-145513E96BDF}" type="parTrans" cxnId="{95AC8221-68DE-4C87-986F-1BD3779CE746}">
+      <dgm:prSet/>
+      <dgm:spPr/>
+      <dgm:t>
+        <a:bodyPr/>
+        <a:lstStyle/>
+        <a:p>
+          <a:endParaRPr lang="en-US"/>
+        </a:p>
+      </dgm:t>
+    </dgm:pt>
+    <dgm:pt modelId="{8FB095DD-EC44-4A9A-AEC9-79B300969E5C}" type="sibTrans" cxnId="{95AC8221-68DE-4C87-986F-1BD3779CE746}">
+      <dgm:prSet/>
+      <dgm:spPr/>
+      <dgm:t>
+        <a:bodyPr/>
+        <a:lstStyle/>
+        <a:p>
+          <a:endParaRPr lang="en-US"/>
+        </a:p>
+      </dgm:t>
+    </dgm:pt>
+    <dgm:pt modelId="{1F40B59B-2671-4451-8712-186D228B88AF}">
+      <dgm:prSet/>
+      <dgm:spPr/>
+      <dgm:t>
+        <a:bodyPr/>
+        <a:lstStyle/>
+        <a:p>
+          <a:r>
+            <a:rPr lang="en-US" dirty="0"/>
+            <a:t>Detecting the usage of Active Directory Discovery techniques</a:t>
+          </a:r>
+        </a:p>
+      </dgm:t>
+    </dgm:pt>
+    <dgm:pt modelId="{0159D1F5-C27E-49B1-B1CE-5F45C9A74554}" type="parTrans" cxnId="{0D6B4864-02D8-4955-B972-D2422FEA5079}">
+      <dgm:prSet/>
+      <dgm:spPr/>
+      <dgm:t>
+        <a:bodyPr/>
+        <a:lstStyle/>
+        <a:p>
+          <a:endParaRPr lang="nl-BE"/>
+        </a:p>
+      </dgm:t>
+    </dgm:pt>
+    <dgm:pt modelId="{0FBFA955-CC71-487F-95EB-C94325319DAF}" type="sibTrans" cxnId="{0D6B4864-02D8-4955-B972-D2422FEA5079}">
+      <dgm:prSet/>
+      <dgm:spPr/>
+      <dgm:t>
+        <a:bodyPr/>
+        <a:lstStyle/>
+        <a:p>
+          <a:endParaRPr lang="nl-BE"/>
+        </a:p>
+      </dgm:t>
+    </dgm:pt>
+    <dgm:pt modelId="{F6205886-049A-4181-ACBB-DB1AB86F359B}">
+      <dgm:prSet/>
+      <dgm:spPr/>
+      <dgm:t>
+        <a:bodyPr/>
+        <a:lstStyle/>
+        <a:p>
+          <a:r>
+            <a:rPr lang="en-US" b="0" dirty="0"/>
+            <a:t> </a:t>
+          </a:r>
+          <a:r>
+            <a:rPr lang="en-US" b="0" dirty="0" err="1"/>
+            <a:t>Nltest</a:t>
+          </a:r>
+          <a:r>
+            <a:rPr lang="en-US" b="0" dirty="0"/>
+            <a:t> = a command-line tool used to troubleshoot and diagnose issues with the Windows NT LAN Manager (NTLM) authentication protocol. It can be used to test various aspects of the NTLM protocol, such as verifying trust relationships, testing secure channel status, and checking user and computer accounts.</a:t>
+          </a:r>
+        </a:p>
+      </dgm:t>
+    </dgm:pt>
+    <dgm:pt modelId="{CADC2243-3D2B-48F8-8264-FA227F4B31EC}" type="parTrans" cxnId="{B68FE3C2-4535-4C8B-A109-CD2079526668}">
+      <dgm:prSet/>
+      <dgm:spPr/>
+      <dgm:t>
+        <a:bodyPr/>
+        <a:lstStyle/>
+        <a:p>
+          <a:endParaRPr lang="nl-BE"/>
+        </a:p>
+      </dgm:t>
+    </dgm:pt>
+    <dgm:pt modelId="{6BFFEBA1-AE77-4163-B35B-443F4C04F053}" type="sibTrans" cxnId="{B68FE3C2-4535-4C8B-A109-CD2079526668}">
+      <dgm:prSet/>
+      <dgm:spPr/>
+      <dgm:t>
+        <a:bodyPr/>
+        <a:lstStyle/>
+        <a:p>
+          <a:endParaRPr lang="nl-BE"/>
+        </a:p>
+      </dgm:t>
+    </dgm:pt>
+    <dgm:pt modelId="{526197A0-F743-46C2-BA58-C6B65DEB113E}">
+      <dgm:prSet/>
+      <dgm:spPr/>
+      <dgm:t>
+        <a:bodyPr/>
+        <a:lstStyle/>
+        <a:p>
+          <a:r>
+            <a:rPr lang="en-US" b="0" dirty="0"/>
+            <a:t> </a:t>
+          </a:r>
+          <a:r>
+            <a:rPr lang="en-US" b="0" dirty="0" err="1"/>
+            <a:t>AdFind</a:t>
+          </a:r>
+          <a:r>
+            <a:rPr lang="en-US" b="0" dirty="0"/>
+            <a:t> = a command-line tool used to query Active Directory (AD). It can be used to search for and retrieve information about objects in AD, such as user accounts, computers, contacts, groups, and organizational units. </a:t>
+          </a:r>
+          <a:r>
+            <a:rPr lang="en-US" b="0" dirty="0" err="1"/>
+            <a:t>Adfind</a:t>
+          </a:r>
+          <a:r>
+            <a:rPr lang="en-US" b="0" dirty="0"/>
+            <a:t> can also be used to modify attributes, create, delete, and move objects, and perform other management tasks.</a:t>
+          </a:r>
+          <a:br>
+            <a:rPr lang="en-US" b="0" dirty="0"/>
+          </a:br>
+          <a:endParaRPr lang="en-US" b="0" dirty="0"/>
+        </a:p>
+      </dgm:t>
+    </dgm:pt>
+    <dgm:pt modelId="{15D4F577-54C0-408C-9F19-BDD552DCBB51}" type="parTrans" cxnId="{CEC599DF-9DE6-4E30-9579-ED7740986F1E}">
+      <dgm:prSet/>
+      <dgm:spPr/>
+      <dgm:t>
+        <a:bodyPr/>
+        <a:lstStyle/>
+        <a:p>
+          <a:endParaRPr lang="nl-BE"/>
+        </a:p>
+      </dgm:t>
+    </dgm:pt>
+    <dgm:pt modelId="{A7B28D0B-C6A4-4F60-AD85-6CE977750408}" type="sibTrans" cxnId="{CEC599DF-9DE6-4E30-9579-ED7740986F1E}">
+      <dgm:prSet/>
+      <dgm:spPr/>
+      <dgm:t>
+        <a:bodyPr/>
+        <a:lstStyle/>
+        <a:p>
+          <a:endParaRPr lang="nl-BE"/>
+        </a:p>
+      </dgm:t>
+    </dgm:pt>
+    <dgm:pt modelId="{3FC9CCAD-00B6-4D68-9EFC-0578BCDD72B9}">
+      <dgm:prSet/>
+      <dgm:spPr/>
+      <dgm:t>
+        <a:bodyPr/>
+        <a:lstStyle/>
+        <a:p>
+          <a:pPr>
+            <a:buFont typeface="Wingdings" panose="05000000000000000000" pitchFamily="2" charset="2"/>
+            <a:buChar char="ü"/>
+          </a:pPr>
+          <a:r>
+            <a:rPr lang="en-US" b="0" dirty="0"/>
+            <a:t> </a:t>
+          </a:r>
+          <a:r>
+            <a:rPr lang="en-US" b="1" dirty="0"/>
+            <a:t>Process Execution &amp; Command Line Logging </a:t>
+          </a:r>
+          <a:r>
+            <a:rPr lang="en-US" b="0" dirty="0"/>
+            <a:t>- Windows Security Event Id 4688, Sysmon, or any CIM compliant EDR technology.</a:t>
+          </a:r>
+        </a:p>
+      </dgm:t>
+    </dgm:pt>
+    <dgm:pt modelId="{6D6D77C1-249D-4E32-965C-7900D996CC39}" type="parTrans" cxnId="{347C6A1C-8936-455B-B3CC-D5F3B465236E}">
+      <dgm:prSet/>
+      <dgm:spPr/>
+      <dgm:t>
+        <a:bodyPr/>
+        <a:lstStyle/>
+        <a:p>
+          <a:endParaRPr lang="nl-BE"/>
+        </a:p>
+      </dgm:t>
+    </dgm:pt>
+    <dgm:pt modelId="{1C0B1ADF-6A79-48A8-901D-AD3F4EF30CB6}" type="sibTrans" cxnId="{347C6A1C-8936-455B-B3CC-D5F3B465236E}">
+      <dgm:prSet/>
+      <dgm:spPr/>
+      <dgm:t>
+        <a:bodyPr/>
+        <a:lstStyle/>
+        <a:p>
+          <a:endParaRPr lang="nl-BE"/>
+        </a:p>
+      </dgm:t>
+    </dgm:pt>
+    <dgm:pt modelId="{2263D4E0-AC1E-4B0A-88E9-D59FA2D50C24}">
+      <dgm:prSet/>
+      <dgm:spPr/>
+      <dgm:t>
+        <a:bodyPr/>
+        <a:lstStyle/>
+        <a:p>
+          <a:pPr>
+            <a:buFont typeface="Wingdings" panose="05000000000000000000" pitchFamily="2" charset="2"/>
+            <a:buChar char="ü"/>
+          </a:pPr>
+          <a:r>
+            <a:rPr lang="en-US" b="0" dirty="0"/>
+            <a:t> </a:t>
+          </a:r>
+          <a:r>
+            <a:rPr lang="en-US" b="1" dirty="0"/>
+            <a:t>PowerShell Script Block Logging </a:t>
+          </a:r>
+          <a:r>
+            <a:rPr lang="en-US" b="0" dirty="0"/>
+            <a:t>- Microsoft-Windows-PowerShell/Operational Event Id 4104.</a:t>
+          </a:r>
+        </a:p>
+      </dgm:t>
+    </dgm:pt>
+    <dgm:pt modelId="{8554E974-0694-4B93-ACAD-DE34FCCB625D}" type="parTrans" cxnId="{6999CEFD-62BA-4D34-9146-B1AABAC8DE65}">
+      <dgm:prSet/>
+      <dgm:spPr/>
+      <dgm:t>
+        <a:bodyPr/>
+        <a:lstStyle/>
+        <a:p>
+          <a:endParaRPr lang="nl-BE"/>
+        </a:p>
+      </dgm:t>
+    </dgm:pt>
+    <dgm:pt modelId="{A31F48B6-DFAF-4111-8161-07FE8F9256C5}" type="sibTrans" cxnId="{6999CEFD-62BA-4D34-9146-B1AABAC8DE65}">
+      <dgm:prSet/>
+      <dgm:spPr/>
+      <dgm:t>
+        <a:bodyPr/>
+        <a:lstStyle/>
+        <a:p>
+          <a:endParaRPr lang="nl-BE"/>
+        </a:p>
+      </dgm:t>
+    </dgm:pt>
+    <dgm:pt modelId="{E3F44E0A-6BBC-4BA2-B703-ED2F3F5B6B18}">
+      <dgm:prSet/>
+      <dgm:spPr/>
+      <dgm:t>
+        <a:bodyPr/>
+        <a:lstStyle/>
+        <a:p>
+          <a:r>
+            <a:rPr lang="en-US" b="0" dirty="0"/>
+            <a:t> How to detect:</a:t>
+          </a:r>
+        </a:p>
+      </dgm:t>
+    </dgm:pt>
+    <dgm:pt modelId="{EDE3A24A-A67C-47F0-BFC4-7BC9260B1F80}" type="parTrans" cxnId="{0726D274-EC5C-43DF-B596-E1AF93C691C6}">
+      <dgm:prSet/>
+      <dgm:spPr/>
+      <dgm:t>
+        <a:bodyPr/>
+        <a:lstStyle/>
+        <a:p>
+          <a:endParaRPr lang="nl-BE"/>
+        </a:p>
+      </dgm:t>
+    </dgm:pt>
+    <dgm:pt modelId="{31D323A4-4017-4B92-A2D2-3444520592B0}" type="sibTrans" cxnId="{0726D274-EC5C-43DF-B596-E1AF93C691C6}">
+      <dgm:prSet/>
+      <dgm:spPr/>
+      <dgm:t>
+        <a:bodyPr/>
+        <a:lstStyle/>
+        <a:p>
+          <a:endParaRPr lang="nl-BE"/>
+        </a:p>
+      </dgm:t>
+    </dgm:pt>
+    <dgm:pt modelId="{0AA8E29E-B341-4FE7-96E1-7C129B071764}">
+      <dgm:prSet/>
+      <dgm:spPr/>
+      <dgm:t>
+        <a:bodyPr/>
+        <a:lstStyle/>
+        <a:p>
+          <a:endParaRPr lang="en-US" b="0" dirty="0"/>
+        </a:p>
+      </dgm:t>
+    </dgm:pt>
+    <dgm:pt modelId="{089F1231-8A76-4645-9F31-88E7CFB1BDC5}" type="sibTrans" cxnId="{ECF9268C-1BF5-4B6F-8B28-EA3429F20A33}">
+      <dgm:prSet/>
+      <dgm:spPr/>
+      <dgm:t>
+        <a:bodyPr/>
+        <a:lstStyle/>
+        <a:p>
+          <a:endParaRPr lang="nl-BE"/>
+        </a:p>
+      </dgm:t>
+    </dgm:pt>
+    <dgm:pt modelId="{B7218F6F-3028-47B3-AA44-9BFAC29E3DDF}" type="parTrans" cxnId="{ECF9268C-1BF5-4B6F-8B28-EA3429F20A33}">
+      <dgm:prSet/>
+      <dgm:spPr/>
+      <dgm:t>
+        <a:bodyPr/>
+        <a:lstStyle/>
+        <a:p>
+          <a:endParaRPr lang="nl-BE"/>
+        </a:p>
+      </dgm:t>
+    </dgm:pt>
+    <dgm:pt modelId="{B6D0BA44-3ADC-4CCE-833A-F3ED35BA07E1}">
+      <dgm:prSet/>
+      <dgm:spPr/>
+      <dgm:t>
+        <a:bodyPr/>
+        <a:lstStyle/>
+        <a:p>
+          <a:r>
+            <a:rPr lang="en-US" b="1" dirty="0"/>
+            <a:t> Event logs</a:t>
+          </a:r>
+          <a:r>
+            <a:rPr lang="en-US" dirty="0"/>
+            <a:t>: </a:t>
+          </a:r>
+          <a:r>
+            <a:rPr lang="en-US" b="0" dirty="0"/>
+            <a:t>Windows Security Event Id 4657</a:t>
+          </a:r>
+          <a:endParaRPr lang="en-US" dirty="0"/>
+        </a:p>
+      </dgm:t>
+    </dgm:pt>
+    <dgm:pt modelId="{9E8C9F66-11B3-4506-B8C7-40E741494EE3}" type="parTrans" cxnId="{383837B1-B316-47B2-80A8-3516F055755B}">
+      <dgm:prSet/>
+      <dgm:spPr/>
+      <dgm:t>
+        <a:bodyPr/>
+        <a:lstStyle/>
+        <a:p>
+          <a:endParaRPr lang="nl-BE"/>
+        </a:p>
+      </dgm:t>
+    </dgm:pt>
+    <dgm:pt modelId="{3C222128-E555-4E4E-B626-9405C9987E94}" type="sibTrans" cxnId="{383837B1-B316-47B2-80A8-3516F055755B}">
+      <dgm:prSet/>
+      <dgm:spPr/>
+      <dgm:t>
+        <a:bodyPr/>
+        <a:lstStyle/>
+        <a:p>
+          <a:endParaRPr lang="nl-BE"/>
+        </a:p>
+      </dgm:t>
+    </dgm:pt>
+    <dgm:pt modelId="{42727460-9711-4D98-82FF-35B9AA9CBD43}">
+      <dgm:prSet/>
+      <dgm:spPr/>
+      <dgm:t>
+        <a:bodyPr/>
+        <a:lstStyle/>
+        <a:p>
+          <a:endParaRPr lang="en-US" dirty="0"/>
+        </a:p>
+      </dgm:t>
+    </dgm:pt>
+    <dgm:pt modelId="{BDEF28A9-3C2D-4D7F-ADD7-B0F44CA504CE}" type="parTrans" cxnId="{DE394211-D8E4-453B-B4BB-8AB4201F0AAD}">
+      <dgm:prSet/>
+      <dgm:spPr/>
+      <dgm:t>
+        <a:bodyPr/>
+        <a:lstStyle/>
+        <a:p>
+          <a:endParaRPr lang="nl-BE"/>
+        </a:p>
+      </dgm:t>
+    </dgm:pt>
+    <dgm:pt modelId="{534917AA-24B3-4F21-BBAA-7D057D166F43}" type="sibTrans" cxnId="{DE394211-D8E4-453B-B4BB-8AB4201F0AAD}">
+      <dgm:prSet/>
+      <dgm:spPr/>
+      <dgm:t>
+        <a:bodyPr/>
+        <a:lstStyle/>
+        <a:p>
+          <a:endParaRPr lang="nl-BE"/>
+        </a:p>
+      </dgm:t>
+    </dgm:pt>
+    <dgm:pt modelId="{97492973-2C6A-498C-86E0-7F7254D8F30F}">
+      <dgm:prSet/>
+      <dgm:spPr/>
+      <dgm:t>
+        <a:bodyPr/>
+        <a:lstStyle/>
+        <a:p>
+          <a:r>
+            <a:rPr lang="en-US" dirty="0"/>
+            <a:t> </a:t>
+          </a:r>
+          <a:r>
+            <a:rPr lang="en-US" b="1" dirty="0"/>
+            <a:t>Registry</a:t>
+          </a:r>
+          <a:r>
+            <a:rPr lang="en-US" dirty="0"/>
+            <a:t>: Monitor registry key changes on the following key: HKEY_LOCAL_MACHINE/SOFTWARE/Microsoft/Windows Defender/Exclusions</a:t>
+          </a:r>
+        </a:p>
+      </dgm:t>
+    </dgm:pt>
+    <dgm:pt modelId="{0BDF2490-D3BD-4F91-B84A-E10F05F4AEA8}" type="parTrans" cxnId="{1F384DCA-CB72-4B3A-8931-CA97CFFC6C3C}">
+      <dgm:prSet/>
+      <dgm:spPr/>
+      <dgm:t>
+        <a:bodyPr/>
+        <a:lstStyle/>
+        <a:p>
+          <a:endParaRPr lang="nl-BE"/>
+        </a:p>
+      </dgm:t>
+    </dgm:pt>
+    <dgm:pt modelId="{D162EBFE-FDEF-4FA3-8D1F-43BC55FFA57A}" type="sibTrans" cxnId="{1F384DCA-CB72-4B3A-8931-CA97CFFC6C3C}">
+      <dgm:prSet/>
+      <dgm:spPr/>
+      <dgm:t>
+        <a:bodyPr/>
+        <a:lstStyle/>
+        <a:p>
+          <a:endParaRPr lang="nl-BE"/>
+        </a:p>
+      </dgm:t>
+    </dgm:pt>
+    <dgm:pt modelId="{43445982-2CEA-48F9-89F9-4C9044C9B7DA}" type="pres">
+      <dgm:prSet presAssocID="{AB7140CD-2501-409D-AB3F-23453B51A518}" presName="linear" presStyleCnt="0">
+        <dgm:presLayoutVars>
+          <dgm:dir/>
+          <dgm:animLvl val="lvl"/>
+          <dgm:resizeHandles val="exact"/>
+        </dgm:presLayoutVars>
+      </dgm:prSet>
+      <dgm:spPr/>
+    </dgm:pt>
+    <dgm:pt modelId="{AB47F669-B695-403B-A1A1-5CFCF9750FEA}" type="pres">
+      <dgm:prSet presAssocID="{1F40B59B-2671-4451-8712-186D228B88AF}" presName="parentLin" presStyleCnt="0"/>
+      <dgm:spPr/>
+    </dgm:pt>
+    <dgm:pt modelId="{0DD45A01-5C9A-4BB4-9C8A-0169AFD39A72}" type="pres">
+      <dgm:prSet presAssocID="{1F40B59B-2671-4451-8712-186D228B88AF}" presName="parentLeftMargin" presStyleLbl="node1" presStyleIdx="0" presStyleCnt="2"/>
+      <dgm:spPr/>
+    </dgm:pt>
+    <dgm:pt modelId="{0855D5AC-BCD2-4677-8175-06EC0923C1C1}" type="pres">
+      <dgm:prSet presAssocID="{1F40B59B-2671-4451-8712-186D228B88AF}" presName="parentText" presStyleLbl="node1" presStyleIdx="0" presStyleCnt="2">
+        <dgm:presLayoutVars>
+          <dgm:chMax val="0"/>
+          <dgm:bulletEnabled val="1"/>
+        </dgm:presLayoutVars>
+      </dgm:prSet>
+      <dgm:spPr/>
+    </dgm:pt>
+    <dgm:pt modelId="{34345E43-1B66-4760-97BE-7DFD54EC12C4}" type="pres">
+      <dgm:prSet presAssocID="{1F40B59B-2671-4451-8712-186D228B88AF}" presName="negativeSpace" presStyleCnt="0"/>
+      <dgm:spPr/>
+    </dgm:pt>
+    <dgm:pt modelId="{7EAA3A9D-B0DE-4FD0-BD72-581117384596}" type="pres">
+      <dgm:prSet presAssocID="{1F40B59B-2671-4451-8712-186D228B88AF}" presName="childText" presStyleLbl="conFgAcc1" presStyleIdx="0" presStyleCnt="2">
+        <dgm:presLayoutVars>
+          <dgm:bulletEnabled val="1"/>
+        </dgm:presLayoutVars>
+      </dgm:prSet>
+      <dgm:spPr/>
+    </dgm:pt>
+    <dgm:pt modelId="{2F82ABF4-56C4-46E9-8E92-4EE0BC7DF80B}" type="pres">
+      <dgm:prSet presAssocID="{0FBFA955-CC71-487F-95EB-C94325319DAF}" presName="spaceBetweenRectangles" presStyleCnt="0"/>
+      <dgm:spPr/>
+    </dgm:pt>
+    <dgm:pt modelId="{E2B4E61C-C7ED-4BA6-8446-AD199BD93AE0}" type="pres">
+      <dgm:prSet presAssocID="{13B41B09-CDF1-451B-BB60-6799A59A9DA0}" presName="parentLin" presStyleCnt="0"/>
+      <dgm:spPr/>
+    </dgm:pt>
+    <dgm:pt modelId="{5487302F-D798-4F10-990A-1121BA901D9A}" type="pres">
+      <dgm:prSet presAssocID="{13B41B09-CDF1-451B-BB60-6799A59A9DA0}" presName="parentLeftMargin" presStyleLbl="node1" presStyleIdx="0" presStyleCnt="2"/>
+      <dgm:spPr/>
+    </dgm:pt>
+    <dgm:pt modelId="{ECC41800-CC4B-4778-9020-55D33857A915}" type="pres">
+      <dgm:prSet presAssocID="{13B41B09-CDF1-451B-BB60-6799A59A9DA0}" presName="parentText" presStyleLbl="node1" presStyleIdx="1" presStyleCnt="2" custLinFactNeighborX="-2245" custLinFactNeighborY="-1216">
+        <dgm:presLayoutVars>
+          <dgm:chMax val="0"/>
+          <dgm:bulletEnabled val="1"/>
+        </dgm:presLayoutVars>
+      </dgm:prSet>
+      <dgm:spPr/>
+    </dgm:pt>
+    <dgm:pt modelId="{EF6CE3A7-6835-4800-AB95-B8AF38550064}" type="pres">
+      <dgm:prSet presAssocID="{13B41B09-CDF1-451B-BB60-6799A59A9DA0}" presName="negativeSpace" presStyleCnt="0"/>
+      <dgm:spPr/>
+    </dgm:pt>
+    <dgm:pt modelId="{EAC207FC-B021-4830-8C61-8F229B7B15E0}" type="pres">
+      <dgm:prSet presAssocID="{13B41B09-CDF1-451B-BB60-6799A59A9DA0}" presName="childText" presStyleLbl="conFgAcc1" presStyleIdx="1" presStyleCnt="2">
+        <dgm:presLayoutVars>
+          <dgm:bulletEnabled val="1"/>
+        </dgm:presLayoutVars>
+      </dgm:prSet>
+      <dgm:spPr/>
+    </dgm:pt>
+  </dgm:ptLst>
+  <dgm:cxnLst>
+    <dgm:cxn modelId="{458FC008-7B2C-4C99-9094-19335A17E216}" type="presOf" srcId="{526197A0-F743-46C2-BA58-C6B65DEB113E}" destId="{7EAA3A9D-B0DE-4FD0-BD72-581117384596}" srcOrd="0" destOrd="2" presId="urn:microsoft.com/office/officeart/2005/8/layout/list1"/>
+    <dgm:cxn modelId="{DE394211-D8E4-453B-B4BB-8AB4201F0AAD}" srcId="{13B41B09-CDF1-451B-BB60-6799A59A9DA0}" destId="{42727460-9711-4D98-82FF-35B9AA9CBD43}" srcOrd="2" destOrd="0" parTransId="{BDEF28A9-3C2D-4D7F-ADD7-B0F44CA504CE}" sibTransId="{534917AA-24B3-4F21-BBAA-7D057D166F43}"/>
+    <dgm:cxn modelId="{347C6A1C-8936-455B-B3CC-D5F3B465236E}" srcId="{E3F44E0A-6BBC-4BA2-B703-ED2F3F5B6B18}" destId="{3FC9CCAD-00B6-4D68-9EFC-0578BCDD72B9}" srcOrd="0" destOrd="0" parTransId="{6D6D77C1-249D-4E32-965C-7900D996CC39}" sibTransId="{1C0B1ADF-6A79-48A8-901D-AD3F4EF30CB6}"/>
+    <dgm:cxn modelId="{95AC8221-68DE-4C87-986F-1BD3779CE746}" srcId="{AB7140CD-2501-409D-AB3F-23453B51A518}" destId="{13B41B09-CDF1-451B-BB60-6799A59A9DA0}" srcOrd="1" destOrd="0" parTransId="{6829CCDA-8F54-49C5-AA91-145513E96BDF}" sibTransId="{8FB095DD-EC44-4A9A-AEC9-79B300969E5C}"/>
+    <dgm:cxn modelId="{19EC5B25-692F-48EA-8756-9CE763E0B991}" type="presOf" srcId="{1F40B59B-2671-4451-8712-186D228B88AF}" destId="{0855D5AC-BCD2-4677-8175-06EC0923C1C1}" srcOrd="1" destOrd="0" presId="urn:microsoft.com/office/officeart/2005/8/layout/list1"/>
+    <dgm:cxn modelId="{3896552F-9708-464D-974A-7D3468690E01}" type="presOf" srcId="{E3F44E0A-6BBC-4BA2-B703-ED2F3F5B6B18}" destId="{7EAA3A9D-B0DE-4FD0-BD72-581117384596}" srcOrd="0" destOrd="3" presId="urn:microsoft.com/office/officeart/2005/8/layout/list1"/>
+    <dgm:cxn modelId="{EED1585F-04A9-4ED1-A388-A725593A59D7}" type="presOf" srcId="{97492973-2C6A-498C-86E0-7F7254D8F30F}" destId="{EAC207FC-B021-4830-8C61-8F229B7B15E0}" srcOrd="0" destOrd="1" presId="urn:microsoft.com/office/officeart/2005/8/layout/list1"/>
+    <dgm:cxn modelId="{4046CF61-3C1E-467B-B7E9-549E1C908021}" type="presOf" srcId="{AB7140CD-2501-409D-AB3F-23453B51A518}" destId="{43445982-2CEA-48F9-89F9-4C9044C9B7DA}" srcOrd="0" destOrd="0" presId="urn:microsoft.com/office/officeart/2005/8/layout/list1"/>
+    <dgm:cxn modelId="{0D6B4864-02D8-4955-B972-D2422FEA5079}" srcId="{AB7140CD-2501-409D-AB3F-23453B51A518}" destId="{1F40B59B-2671-4451-8712-186D228B88AF}" srcOrd="0" destOrd="0" parTransId="{0159D1F5-C27E-49B1-B1CE-5F45C9A74554}" sibTransId="{0FBFA955-CC71-487F-95EB-C94325319DAF}"/>
+    <dgm:cxn modelId="{3ADAB570-6365-4032-B614-C27E145CC386}" type="presOf" srcId="{F6205886-049A-4181-ACBB-DB1AB86F359B}" destId="{7EAA3A9D-B0DE-4FD0-BD72-581117384596}" srcOrd="0" destOrd="0" presId="urn:microsoft.com/office/officeart/2005/8/layout/list1"/>
+    <dgm:cxn modelId="{2EEAE970-9098-4804-B534-5AF50D348CC4}" type="presOf" srcId="{B6D0BA44-3ADC-4CCE-833A-F3ED35BA07E1}" destId="{EAC207FC-B021-4830-8C61-8F229B7B15E0}" srcOrd="0" destOrd="0" presId="urn:microsoft.com/office/officeart/2005/8/layout/list1"/>
+    <dgm:cxn modelId="{F02E4C72-858D-46A8-AE7A-C259D132A8D7}" type="presOf" srcId="{13B41B09-CDF1-451B-BB60-6799A59A9DA0}" destId="{5487302F-D798-4F10-990A-1121BA901D9A}" srcOrd="0" destOrd="0" presId="urn:microsoft.com/office/officeart/2005/8/layout/list1"/>
+    <dgm:cxn modelId="{0726D274-EC5C-43DF-B596-E1AF93C691C6}" srcId="{1F40B59B-2671-4451-8712-186D228B88AF}" destId="{E3F44E0A-6BBC-4BA2-B703-ED2F3F5B6B18}" srcOrd="3" destOrd="0" parTransId="{EDE3A24A-A67C-47F0-BFC4-7BC9260B1F80}" sibTransId="{31D323A4-4017-4B92-A2D2-3444520592B0}"/>
+    <dgm:cxn modelId="{ECF9268C-1BF5-4B6F-8B28-EA3429F20A33}" srcId="{1F40B59B-2671-4451-8712-186D228B88AF}" destId="{0AA8E29E-B341-4FE7-96E1-7C129B071764}" srcOrd="1" destOrd="0" parTransId="{B7218F6F-3028-47B3-AA44-9BFAC29E3DDF}" sibTransId="{089F1231-8A76-4645-9F31-88E7CFB1BDC5}"/>
+    <dgm:cxn modelId="{383837B1-B316-47B2-80A8-3516F055755B}" srcId="{13B41B09-CDF1-451B-BB60-6799A59A9DA0}" destId="{B6D0BA44-3ADC-4CCE-833A-F3ED35BA07E1}" srcOrd="0" destOrd="0" parTransId="{9E8C9F66-11B3-4506-B8C7-40E741494EE3}" sibTransId="{3C222128-E555-4E4E-B626-9405C9987E94}"/>
+    <dgm:cxn modelId="{357B85B2-61A7-4905-8825-7614B719DE5E}" type="presOf" srcId="{1F40B59B-2671-4451-8712-186D228B88AF}" destId="{0DD45A01-5C9A-4BB4-9C8A-0169AFD39A72}" srcOrd="0" destOrd="0" presId="urn:microsoft.com/office/officeart/2005/8/layout/list1"/>
+    <dgm:cxn modelId="{CEB36BBF-BFD0-4480-89F0-4275CF933E0F}" type="presOf" srcId="{42727460-9711-4D98-82FF-35B9AA9CBD43}" destId="{EAC207FC-B021-4830-8C61-8F229B7B15E0}" srcOrd="0" destOrd="2" presId="urn:microsoft.com/office/officeart/2005/8/layout/list1"/>
+    <dgm:cxn modelId="{B68FE3C2-4535-4C8B-A109-CD2079526668}" srcId="{1F40B59B-2671-4451-8712-186D228B88AF}" destId="{F6205886-049A-4181-ACBB-DB1AB86F359B}" srcOrd="0" destOrd="0" parTransId="{CADC2243-3D2B-48F8-8264-FA227F4B31EC}" sibTransId="{6BFFEBA1-AE77-4163-B35B-443F4C04F053}"/>
+    <dgm:cxn modelId="{1F384DCA-CB72-4B3A-8931-CA97CFFC6C3C}" srcId="{13B41B09-CDF1-451B-BB60-6799A59A9DA0}" destId="{97492973-2C6A-498C-86E0-7F7254D8F30F}" srcOrd="1" destOrd="0" parTransId="{0BDF2490-D3BD-4F91-B84A-E10F05F4AEA8}" sibTransId="{D162EBFE-FDEF-4FA3-8D1F-43BC55FFA57A}"/>
+    <dgm:cxn modelId="{8748ABCA-E423-4AAD-91FB-2A993CF2F7EA}" type="presOf" srcId="{2263D4E0-AC1E-4B0A-88E9-D59FA2D50C24}" destId="{7EAA3A9D-B0DE-4FD0-BD72-581117384596}" srcOrd="0" destOrd="5" presId="urn:microsoft.com/office/officeart/2005/8/layout/list1"/>
+    <dgm:cxn modelId="{C3A770CD-1D1D-4974-A6AE-A937424CA6C1}" type="presOf" srcId="{0AA8E29E-B341-4FE7-96E1-7C129B071764}" destId="{7EAA3A9D-B0DE-4FD0-BD72-581117384596}" srcOrd="0" destOrd="1" presId="urn:microsoft.com/office/officeart/2005/8/layout/list1"/>
+    <dgm:cxn modelId="{CEC599DF-9DE6-4E30-9579-ED7740986F1E}" srcId="{1F40B59B-2671-4451-8712-186D228B88AF}" destId="{526197A0-F743-46C2-BA58-C6B65DEB113E}" srcOrd="2" destOrd="0" parTransId="{15D4F577-54C0-408C-9F19-BDD552DCBB51}" sibTransId="{A7B28D0B-C6A4-4F60-AD85-6CE977750408}"/>
+    <dgm:cxn modelId="{508E51E0-6CE8-4C6B-9DC2-639829BB8EBF}" type="presOf" srcId="{13B41B09-CDF1-451B-BB60-6799A59A9DA0}" destId="{ECC41800-CC4B-4778-9020-55D33857A915}" srcOrd="1" destOrd="0" presId="urn:microsoft.com/office/officeart/2005/8/layout/list1"/>
+    <dgm:cxn modelId="{7C5A09E5-C243-4AC6-A989-BE62DD305A58}" type="presOf" srcId="{3FC9CCAD-00B6-4D68-9EFC-0578BCDD72B9}" destId="{7EAA3A9D-B0DE-4FD0-BD72-581117384596}" srcOrd="0" destOrd="4" presId="urn:microsoft.com/office/officeart/2005/8/layout/list1"/>
+    <dgm:cxn modelId="{6999CEFD-62BA-4D34-9146-B1AABAC8DE65}" srcId="{E3F44E0A-6BBC-4BA2-B703-ED2F3F5B6B18}" destId="{2263D4E0-AC1E-4B0A-88E9-D59FA2D50C24}" srcOrd="1" destOrd="0" parTransId="{8554E974-0694-4B93-ACAD-DE34FCCB625D}" sibTransId="{A31F48B6-DFAF-4111-8161-07FE8F9256C5}"/>
+    <dgm:cxn modelId="{E02B2883-80AA-446B-95D2-34A910B0042C}" type="presParOf" srcId="{43445982-2CEA-48F9-89F9-4C9044C9B7DA}" destId="{AB47F669-B695-403B-A1A1-5CFCF9750FEA}" srcOrd="0" destOrd="0" presId="urn:microsoft.com/office/officeart/2005/8/layout/list1"/>
+    <dgm:cxn modelId="{DB463159-88FC-4D31-BA32-04E89097CF3C}" type="presParOf" srcId="{AB47F669-B695-403B-A1A1-5CFCF9750FEA}" destId="{0DD45A01-5C9A-4BB4-9C8A-0169AFD39A72}" srcOrd="0" destOrd="0" presId="urn:microsoft.com/office/officeart/2005/8/layout/list1"/>
+    <dgm:cxn modelId="{C91F8090-6B87-4F17-A828-BF64CE235087}" type="presParOf" srcId="{AB47F669-B695-403B-A1A1-5CFCF9750FEA}" destId="{0855D5AC-BCD2-4677-8175-06EC0923C1C1}" srcOrd="1" destOrd="0" presId="urn:microsoft.com/office/officeart/2005/8/layout/list1"/>
+    <dgm:cxn modelId="{AF171A34-9344-4FB1-8430-72BD86D76BB6}" type="presParOf" srcId="{43445982-2CEA-48F9-89F9-4C9044C9B7DA}" destId="{34345E43-1B66-4760-97BE-7DFD54EC12C4}" srcOrd="1" destOrd="0" presId="urn:microsoft.com/office/officeart/2005/8/layout/list1"/>
+    <dgm:cxn modelId="{C156009A-F753-4D5F-9950-9E72E02C58F3}" type="presParOf" srcId="{43445982-2CEA-48F9-89F9-4C9044C9B7DA}" destId="{7EAA3A9D-B0DE-4FD0-BD72-581117384596}" srcOrd="2" destOrd="0" presId="urn:microsoft.com/office/officeart/2005/8/layout/list1"/>
+    <dgm:cxn modelId="{1797A889-CF96-40AB-8F2B-8B173BA9C09B}" type="presParOf" srcId="{43445982-2CEA-48F9-89F9-4C9044C9B7DA}" destId="{2F82ABF4-56C4-46E9-8E92-4EE0BC7DF80B}" srcOrd="3" destOrd="0" presId="urn:microsoft.com/office/officeart/2005/8/layout/list1"/>
+    <dgm:cxn modelId="{20752D3E-4047-4661-8273-14CE28ABF074}" type="presParOf" srcId="{43445982-2CEA-48F9-89F9-4C9044C9B7DA}" destId="{E2B4E61C-C7ED-4BA6-8446-AD199BD93AE0}" srcOrd="4" destOrd="0" presId="urn:microsoft.com/office/officeart/2005/8/layout/list1"/>
+    <dgm:cxn modelId="{71F62E68-DF03-449D-ADEE-276B92A54549}" type="presParOf" srcId="{E2B4E61C-C7ED-4BA6-8446-AD199BD93AE0}" destId="{5487302F-D798-4F10-990A-1121BA901D9A}" srcOrd="0" destOrd="0" presId="urn:microsoft.com/office/officeart/2005/8/layout/list1"/>
+    <dgm:cxn modelId="{D05B8A41-718E-4AA8-BDD2-1FDFCD20509F}" type="presParOf" srcId="{E2B4E61C-C7ED-4BA6-8446-AD199BD93AE0}" destId="{ECC41800-CC4B-4778-9020-55D33857A915}" srcOrd="1" destOrd="0" presId="urn:microsoft.com/office/officeart/2005/8/layout/list1"/>
+    <dgm:cxn modelId="{6857EA66-B9DE-4331-98C7-18DAFC945CF2}" type="presParOf" srcId="{43445982-2CEA-48F9-89F9-4C9044C9B7DA}" destId="{EF6CE3A7-6835-4800-AB95-B8AF38550064}" srcOrd="5" destOrd="0" presId="urn:microsoft.com/office/officeart/2005/8/layout/list1"/>
+    <dgm:cxn modelId="{F1EF121D-A838-47C1-8082-340DEF776D16}" type="presParOf" srcId="{43445982-2CEA-48F9-89F9-4C9044C9B7DA}" destId="{EAC207FC-B021-4830-8C61-8F229B7B15E0}" srcOrd="6" destOrd="0" presId="urn:microsoft.com/office/officeart/2005/8/layout/list1"/>
   </dgm:cxnLst>
   <dgm:bg/>
   <dgm:whole/>
@@ -10558,8 +12081,16 @@
             <a:buNone/>
           </a:pPr>
           <a:r>
-            <a:rPr lang="en-US" sz="1300" kern="1200"/>
-            <a:t>A tool called Atera Remote Management was deployed (popular tool to control victim machines)</a:t>
+            <a:rPr lang="en-US" sz="1300" kern="1200" dirty="0"/>
+            <a:t>A tool called </a:t>
+          </a:r>
+          <a:r>
+            <a:rPr lang="en-US" sz="1300" kern="1200" dirty="0" err="1"/>
+            <a:t>Atera</a:t>
+          </a:r>
+          <a:r>
+            <a:rPr lang="en-US" sz="1300" kern="1200" dirty="0"/>
+            <a:t> Remote Management was deployed (popular tool to control victim machines)</a:t>
           </a:r>
         </a:p>
       </dsp:txBody>
@@ -11149,8 +12680,8 @@
       </dsp:nvSpPr>
       <dsp:spPr>
         <a:xfrm>
-          <a:off x="0" y="351043"/>
-          <a:ext cx="8312785" cy="740250"/>
+          <a:off x="0" y="366028"/>
+          <a:ext cx="8312785" cy="666225"/>
         </a:xfrm>
         <a:prstGeom prst="rect">
           <a:avLst/>
@@ -11190,12 +12721,12 @@
         <a:fontRef idx="minor"/>
       </dsp:style>
       <dsp:txBody>
-        <a:bodyPr spcFirstLastPara="0" vert="horz" wrap="square" lIns="645164" tIns="208280" rIns="645164" bIns="71120" numCol="1" spcCol="1270" anchor="t" anchorCtr="0">
+        <a:bodyPr spcFirstLastPara="0" vert="horz" wrap="square" lIns="645164" tIns="187452" rIns="645164" bIns="64008" numCol="1" spcCol="1270" anchor="t" anchorCtr="0">
           <a:noAutofit/>
         </a:bodyPr>
         <a:lstStyle/>
         <a:p>
-          <a:pPr marL="57150" lvl="1" indent="-57150" algn="l" defTabSz="444500">
+          <a:pPr marL="57150" lvl="1" indent="-57150" algn="l" defTabSz="400050">
             <a:lnSpc>
               <a:spcPct val="90000"/>
             </a:lnSpc>
@@ -11208,30 +12739,30 @@
             <a:buChar char="•"/>
           </a:pPr>
           <a:r>
-            <a:rPr lang="en-US" sz="1000" kern="1200" dirty="0"/>
+            <a:rPr lang="en-US" sz="900" kern="1200" dirty="0"/>
             <a:t>A high-severity vulnerability in the Microsoft Office Suite allowing RCE by leveraging msdt.exe (</a:t>
           </a:r>
           <a:r>
-            <a:rPr lang="nl-BE" sz="1000" b="0" i="0" kern="1200" dirty="0"/>
+            <a:rPr lang="nl-BE" sz="900" b="0" i="0" kern="1200" dirty="0"/>
             <a:t>Microsoft Support </a:t>
           </a:r>
           <a:r>
-            <a:rPr lang="nl-BE" sz="1000" b="0" i="0" kern="1200" dirty="0" err="1"/>
+            <a:rPr lang="nl-BE" sz="900" b="0" i="0" kern="1200" dirty="0" err="1"/>
             <a:t>Diagnostic</a:t>
           </a:r>
           <a:r>
-            <a:rPr lang="nl-BE" sz="1000" b="0" i="0" kern="1200" dirty="0"/>
+            <a:rPr lang="nl-BE" sz="900" b="0" i="0" kern="1200" dirty="0"/>
             <a:t> Tool</a:t>
           </a:r>
           <a:r>
-            <a:rPr lang="en-US" sz="1000" kern="1200" dirty="0"/>
+            <a:rPr lang="en-US" sz="900" kern="1200" dirty="0"/>
             <a:t>)</a:t>
           </a:r>
         </a:p>
       </dsp:txBody>
       <dsp:txXfrm>
-        <a:off x="0" y="351043"/>
-        <a:ext cx="8312785" cy="740250"/>
+        <a:off x="0" y="366028"/>
+        <a:ext cx="8312785" cy="666225"/>
       </dsp:txXfrm>
     </dsp:sp>
     <dsp:sp modelId="{0855D5AC-BCD2-4677-8175-06EC0923C1C1}">
@@ -11241,8 +12772,8 @@
       </dsp:nvSpPr>
       <dsp:spPr>
         <a:xfrm>
-          <a:off x="415639" y="203443"/>
-          <a:ext cx="5818949" cy="295200"/>
+          <a:off x="415639" y="233188"/>
+          <a:ext cx="5818949" cy="265680"/>
         </a:xfrm>
         <a:prstGeom prst="roundRect">
           <a:avLst/>
@@ -11288,7 +12819,7 @@
         </a:bodyPr>
         <a:lstStyle/>
         <a:p>
-          <a:pPr marL="0" lvl="0" indent="0" algn="l" defTabSz="444500">
+          <a:pPr marL="0" lvl="0" indent="0" algn="l" defTabSz="400050">
             <a:lnSpc>
               <a:spcPct val="90000"/>
             </a:lnSpc>
@@ -11301,32 +12832,32 @@
             <a:buNone/>
           </a:pPr>
           <a:r>
-            <a:rPr lang="en-US" sz="1000" kern="1200" dirty="0"/>
+            <a:rPr lang="en-US" sz="900" kern="1200" dirty="0"/>
             <a:t>What is </a:t>
           </a:r>
           <a:r>
-            <a:rPr lang="en-US" sz="1000" kern="1200" dirty="0" err="1"/>
+            <a:rPr lang="en-US" sz="900" kern="1200" dirty="0" err="1"/>
             <a:t>Follina</a:t>
           </a:r>
           <a:r>
-            <a:rPr lang="en-US" sz="1000" kern="1200" dirty="0"/>
+            <a:rPr lang="en-US" sz="900" kern="1200" dirty="0"/>
             <a:t> (</a:t>
           </a:r>
           <a:r>
-            <a:rPr lang="nl-BE" sz="1000" b="0" i="0" kern="1200" dirty="0">
+            <a:rPr lang="nl-BE" sz="900" b="0" i="0" kern="1200" dirty="0">
               <a:latin typeface="+mn-lt"/>
             </a:rPr>
             <a:t>CVE-2022-30190</a:t>
           </a:r>
           <a:r>
-            <a:rPr lang="en-US" sz="1000" kern="1200" dirty="0"/>
+            <a:rPr lang="en-US" sz="900" kern="1200" dirty="0"/>
             <a:t>)?</a:t>
           </a:r>
         </a:p>
       </dsp:txBody>
       <dsp:txXfrm>
-        <a:off x="430049" y="217853"/>
-        <a:ext cx="5790129" cy="266380"/>
+        <a:off x="428608" y="246157"/>
+        <a:ext cx="5793011" cy="239742"/>
       </dsp:txXfrm>
     </dsp:sp>
     <dsp:sp modelId="{EAC207FC-B021-4830-8C61-8F229B7B15E0}">
@@ -11336,8 +12867,8 @@
       </dsp:nvSpPr>
       <dsp:spPr>
         <a:xfrm>
-          <a:off x="0" y="1292893"/>
-          <a:ext cx="8312785" cy="519750"/>
+          <a:off x="0" y="1213693"/>
+          <a:ext cx="8312785" cy="467775"/>
         </a:xfrm>
         <a:prstGeom prst="rect">
           <a:avLst/>
@@ -11377,12 +12908,12 @@
         <a:fontRef idx="minor"/>
       </dsp:style>
       <dsp:txBody>
-        <a:bodyPr spcFirstLastPara="0" vert="horz" wrap="square" lIns="645164" tIns="208280" rIns="645164" bIns="71120" numCol="1" spcCol="1270" anchor="t" anchorCtr="0">
+        <a:bodyPr spcFirstLastPara="0" vert="horz" wrap="square" lIns="645164" tIns="187452" rIns="645164" bIns="64008" numCol="1" spcCol="1270" anchor="t" anchorCtr="0">
           <a:noAutofit/>
         </a:bodyPr>
         <a:lstStyle/>
         <a:p>
-          <a:pPr marL="57150" lvl="1" indent="-57150" algn="l" defTabSz="444500">
+          <a:pPr marL="57150" lvl="1" indent="-57150" algn="l" defTabSz="400050">
             <a:lnSpc>
               <a:spcPct val="90000"/>
             </a:lnSpc>
@@ -11395,15 +12926,15 @@
             <a:buChar char="•"/>
           </a:pPr>
           <a:r>
-            <a:rPr lang="en-US" sz="1000" b="0" i="0" kern="1200" dirty="0"/>
+            <a:rPr lang="en-US" sz="900" b="0" i="0" kern="1200" dirty="0"/>
             <a:t> Monitor for the process msdt.exe being spawned by a Microsoft Office application such as WINWORD.EXE</a:t>
           </a:r>
-          <a:endParaRPr lang="en-US" sz="1000" kern="1200" dirty="0"/>
+          <a:endParaRPr lang="en-US" sz="900" kern="1200" dirty="0"/>
         </a:p>
       </dsp:txBody>
       <dsp:txXfrm>
-        <a:off x="0" y="1292893"/>
-        <a:ext cx="8312785" cy="519750"/>
+        <a:off x="0" y="1213693"/>
+        <a:ext cx="8312785" cy="467775"/>
       </dsp:txXfrm>
     </dsp:sp>
     <dsp:sp modelId="{ECC41800-CC4B-4778-9020-55D33857A915}">
@@ -11413,8 +12944,8 @@
       </dsp:nvSpPr>
       <dsp:spPr>
         <a:xfrm>
-          <a:off x="406308" y="1141703"/>
-          <a:ext cx="5818949" cy="295200"/>
+          <a:off x="406308" y="1077622"/>
+          <a:ext cx="5818949" cy="265680"/>
         </a:xfrm>
         <a:prstGeom prst="roundRect">
           <a:avLst/>
@@ -11460,7 +12991,7 @@
         </a:bodyPr>
         <a:lstStyle/>
         <a:p>
-          <a:pPr marL="0" lvl="0" indent="0" algn="l" defTabSz="444500">
+          <a:pPr marL="0" lvl="0" indent="0" algn="l" defTabSz="400050">
             <a:lnSpc>
               <a:spcPct val="90000"/>
             </a:lnSpc>
@@ -11473,19 +13004,19 @@
             <a:buNone/>
           </a:pPr>
           <a:r>
-            <a:rPr lang="en-US" sz="1000" b="0" i="0" kern="1200" dirty="0"/>
+            <a:rPr lang="en-US" sz="900" b="0" i="0" kern="1200" dirty="0"/>
             <a:t>How to detect exploitation of </a:t>
           </a:r>
           <a:r>
-            <a:rPr lang="en-US" sz="1000" b="0" i="0" kern="1200" dirty="0" err="1"/>
+            <a:rPr lang="en-US" sz="900" b="0" i="0" kern="1200" dirty="0" err="1"/>
             <a:t>Follina</a:t>
           </a:r>
-          <a:endParaRPr lang="en-US" sz="1000" kern="1200" dirty="0"/>
+          <a:endParaRPr lang="en-US" sz="900" kern="1200" dirty="0"/>
         </a:p>
       </dsp:txBody>
       <dsp:txXfrm>
-        <a:off x="420718" y="1156113"/>
-        <a:ext cx="5790129" cy="266380"/>
+        <a:off x="419277" y="1090591"/>
+        <a:ext cx="5793011" cy="239742"/>
       </dsp:txXfrm>
     </dsp:sp>
     <dsp:sp modelId="{9D5A53D8-252C-49A2-B997-73CC70FB14F1}">
@@ -11495,8 +13026,8 @@
       </dsp:nvSpPr>
       <dsp:spPr>
         <a:xfrm>
-          <a:off x="0" y="2014243"/>
-          <a:ext cx="8312785" cy="740250"/>
+          <a:off x="0" y="1862908"/>
+          <a:ext cx="8312785" cy="666225"/>
         </a:xfrm>
         <a:prstGeom prst="rect">
           <a:avLst/>
@@ -11536,12 +13067,12 @@
         <a:fontRef idx="minor"/>
       </dsp:style>
       <dsp:txBody>
-        <a:bodyPr spcFirstLastPara="0" vert="horz" wrap="square" lIns="645164" tIns="208280" rIns="645164" bIns="71120" numCol="1" spcCol="1270" anchor="t" anchorCtr="0">
+        <a:bodyPr spcFirstLastPara="0" vert="horz" wrap="square" lIns="645164" tIns="187452" rIns="645164" bIns="64008" numCol="1" spcCol="1270" anchor="t" anchorCtr="0">
           <a:noAutofit/>
         </a:bodyPr>
         <a:lstStyle/>
         <a:p>
-          <a:pPr marL="57150" lvl="1" indent="-57150" algn="l" defTabSz="444500">
+          <a:pPr marL="57150" lvl="1" indent="-57150" algn="l" defTabSz="400050">
             <a:lnSpc>
               <a:spcPct val="90000"/>
             </a:lnSpc>
@@ -11554,23 +13085,23 @@
             <a:buChar char="•"/>
           </a:pPr>
           <a:r>
-            <a:rPr lang="en-US" sz="1000" b="0" kern="1200" dirty="0"/>
+            <a:rPr lang="en-US" sz="900" b="0" kern="1200" dirty="0"/>
             <a:t> Decoded payload that is executed is logged in </a:t>
           </a:r>
           <a:r>
-            <a:rPr lang="en-US" sz="1000" b="0" kern="1200" dirty="0" err="1"/>
+            <a:rPr lang="en-US" sz="900" b="0" kern="1200" dirty="0" err="1"/>
             <a:t>EventID</a:t>
           </a:r>
           <a:r>
-            <a:rPr lang="en-US" sz="1000" b="0" kern="1200" dirty="0"/>
+            <a:rPr lang="en-US" sz="900" b="0" kern="1200" dirty="0"/>
             <a:t> 4104 (script block logging) upon execution by the PowerShell engine.</a:t>
           </a:r>
-          <a:endParaRPr lang="en-US" sz="1000" kern="1200" dirty="0"/>
+          <a:endParaRPr lang="en-US" sz="900" kern="1200" dirty="0"/>
         </a:p>
       </dsp:txBody>
       <dsp:txXfrm>
-        <a:off x="0" y="2014243"/>
-        <a:ext cx="8312785" cy="740250"/>
+        <a:off x="0" y="1862908"/>
+        <a:ext cx="8312785" cy="666225"/>
       </dsp:txXfrm>
     </dsp:sp>
     <dsp:sp modelId="{71070CA9-087A-40BC-AF5F-931357FCAAB4}">
@@ -11580,8 +13111,8 @@
       </dsp:nvSpPr>
       <dsp:spPr>
         <a:xfrm>
-          <a:off x="415639" y="1866643"/>
-          <a:ext cx="5818949" cy="295200"/>
+          <a:off x="415639" y="1730068"/>
+          <a:ext cx="5818949" cy="265680"/>
         </a:xfrm>
         <a:prstGeom prst="roundRect">
           <a:avLst/>
@@ -11627,7 +13158,7 @@
         </a:bodyPr>
         <a:lstStyle/>
         <a:p>
-          <a:pPr marL="0" lvl="0" indent="0" algn="l" defTabSz="444500">
+          <a:pPr marL="0" lvl="0" indent="0" algn="l" defTabSz="400050">
             <a:lnSpc>
               <a:spcPct val="90000"/>
             </a:lnSpc>
@@ -11640,19 +13171,19 @@
             <a:buNone/>
           </a:pPr>
           <a:r>
-            <a:rPr lang="en-US" sz="1000" b="0" kern="1200" baseline="0" dirty="0"/>
+            <a:rPr lang="en-US" sz="900" b="0" kern="1200" baseline="0" dirty="0"/>
             <a:t>How to detect the malicious code in the </a:t>
           </a:r>
           <a:r>
-            <a:rPr lang="en-US" sz="1000" b="0" kern="1200" baseline="0" dirty="0" err="1"/>
+            <a:rPr lang="en-US" sz="900" b="0" kern="1200" baseline="0" dirty="0" err="1"/>
             <a:t>MalDoc</a:t>
           </a:r>
-          <a:endParaRPr lang="en-US" sz="1000" kern="1200" dirty="0"/>
+          <a:endParaRPr lang="en-US" sz="900" kern="1200" dirty="0"/>
         </a:p>
       </dsp:txBody>
       <dsp:txXfrm>
-        <a:off x="430049" y="1881053"/>
-        <a:ext cx="5790129" cy="266380"/>
+        <a:off x="428608" y="1743037"/>
+        <a:ext cx="5793011" cy="239742"/>
       </dsp:txXfrm>
     </dsp:sp>
     <dsp:sp modelId="{2F078567-2560-4FC7-A415-BCDF53602A75}">
@@ -11662,8 +13193,8 @@
       </dsp:nvSpPr>
       <dsp:spPr>
         <a:xfrm>
-          <a:off x="0" y="2956093"/>
-          <a:ext cx="8312785" cy="252000"/>
+          <a:off x="0" y="2710573"/>
+          <a:ext cx="8312785" cy="467775"/>
         </a:xfrm>
         <a:prstGeom prst="rect">
           <a:avLst/>
@@ -11702,6 +13233,43 @@
         </a:effectRef>
         <a:fontRef idx="minor"/>
       </dsp:style>
+      <dsp:txBody>
+        <a:bodyPr spcFirstLastPara="0" vert="horz" wrap="square" lIns="645164" tIns="187452" rIns="645164" bIns="64008" numCol="1" spcCol="1270" anchor="t" anchorCtr="0">
+          <a:noAutofit/>
+        </a:bodyPr>
+        <a:lstStyle/>
+        <a:p>
+          <a:pPr marL="57150" lvl="1" indent="-57150" algn="l" defTabSz="400050">
+            <a:lnSpc>
+              <a:spcPct val="90000"/>
+            </a:lnSpc>
+            <a:spcBef>
+              <a:spcPct val="0"/>
+            </a:spcBef>
+            <a:spcAft>
+              <a:spcPct val="15000"/>
+            </a:spcAft>
+            <a:buChar char="•"/>
+          </a:pPr>
+          <a:r>
+            <a:rPr lang="en-US" sz="900" b="0" i="0" kern="1200" dirty="0"/>
+            <a:t> Delete HKEY_CLASSES_ROOT/</a:t>
+          </a:r>
+          <a:r>
+            <a:rPr lang="en-US" sz="900" b="0" i="0" kern="1200" dirty="0" err="1"/>
+            <a:t>ms-msdt</a:t>
+          </a:r>
+          <a:r>
+            <a:rPr lang="en-US" sz="900" b="0" i="0" kern="1200" dirty="0"/>
+            <a:t> file type handler entry from the Windows Registry system configuration database.</a:t>
+          </a:r>
+          <a:endParaRPr lang="en-US" sz="900" kern="1200" dirty="0"/>
+        </a:p>
+      </dsp:txBody>
+      <dsp:txXfrm>
+        <a:off x="0" y="2710573"/>
+        <a:ext cx="8312785" cy="467775"/>
+      </dsp:txXfrm>
     </dsp:sp>
     <dsp:sp modelId="{E0D4C11C-4406-40B2-A3DC-59FCBBEF3057}">
       <dsp:nvSpPr>
@@ -11710,8 +13278,8 @@
       </dsp:nvSpPr>
       <dsp:spPr>
         <a:xfrm>
-          <a:off x="415639" y="2808493"/>
-          <a:ext cx="5818949" cy="295200"/>
+          <a:off x="415639" y="2577733"/>
+          <a:ext cx="5818949" cy="265680"/>
         </a:xfrm>
         <a:prstGeom prst="roundRect">
           <a:avLst/>
@@ -11757,7 +13325,7 @@
         </a:bodyPr>
         <a:lstStyle/>
         <a:p>
-          <a:pPr marL="0" lvl="0" indent="0" algn="l" defTabSz="444500">
+          <a:pPr marL="0" lvl="0" indent="0" algn="l" defTabSz="400050">
             <a:lnSpc>
               <a:spcPct val="90000"/>
             </a:lnSpc>
@@ -11770,15 +13338,23 @@
             <a:buNone/>
           </a:pPr>
           <a:r>
-            <a:rPr lang="en-US" sz="1000" b="0" kern="1200" baseline="0"/>
-            <a:t>Now </a:t>
+            <a:rPr lang="en-US" sz="900" b="0" kern="1200" baseline="0" dirty="0"/>
+            <a:t>How to prevent for </a:t>
           </a:r>
-          <a:endParaRPr lang="en-US" sz="1000" kern="1200"/>
+          <a:r>
+            <a:rPr lang="en-US" sz="900" b="0" kern="1200" baseline="0" dirty="0" err="1"/>
+            <a:t>Follina</a:t>
+          </a:r>
+          <a:r>
+            <a:rPr lang="en-US" sz="900" b="0" kern="1200" baseline="0" dirty="0"/>
+            <a:t> exploitation</a:t>
+          </a:r>
+          <a:endParaRPr lang="en-US" sz="900" kern="1200" dirty="0"/>
         </a:p>
       </dsp:txBody>
       <dsp:txXfrm>
-        <a:off x="430049" y="2822903"/>
-        <a:ext cx="5790129" cy="266380"/>
+        <a:off x="428608" y="2590702"/>
+        <a:ext cx="5793011" cy="239742"/>
       </dsp:txXfrm>
     </dsp:sp>
   </dsp:spTree>
@@ -11800,7 +13376,7 @@
       </dsp:nvSpPr>
       <dsp:spPr>
         <a:xfrm>
-          <a:off x="0" y="376288"/>
+          <a:off x="0" y="168388"/>
           <a:ext cx="8312785" cy="415800"/>
         </a:xfrm>
         <a:prstGeom prst="rect">
@@ -11874,7 +13450,7 @@
         </a:p>
       </dsp:txBody>
       <dsp:txXfrm>
-        <a:off x="0" y="376288"/>
+        <a:off x="0" y="168388"/>
         <a:ext cx="8312785" cy="415800"/>
       </dsp:txXfrm>
     </dsp:sp>
@@ -11885,7 +13461,7 @@
       </dsp:nvSpPr>
       <dsp:spPr>
         <a:xfrm>
-          <a:off x="415639" y="258208"/>
+          <a:off x="415639" y="50308"/>
           <a:ext cx="5818949" cy="236160"/>
         </a:xfrm>
         <a:prstGeom prst="roundRect">
@@ -11959,7 +13535,7 @@
         </a:p>
       </dsp:txBody>
       <dsp:txXfrm>
-        <a:off x="427167" y="269736"/>
+        <a:off x="427167" y="61836"/>
         <a:ext cx="5795893" cy="213104"/>
       </dsp:txXfrm>
     </dsp:sp>
@@ -11970,7 +13546,7 @@
       </dsp:nvSpPr>
       <dsp:spPr>
         <a:xfrm>
-          <a:off x="0" y="953368"/>
+          <a:off x="0" y="745468"/>
           <a:ext cx="8312785" cy="415800"/>
         </a:xfrm>
         <a:prstGeom prst="rect">
@@ -12036,7 +13612,7 @@
         </a:p>
       </dsp:txBody>
       <dsp:txXfrm>
-        <a:off x="0" y="953368"/>
+        <a:off x="0" y="745468"/>
         <a:ext cx="8312785" cy="415800"/>
       </dsp:txXfrm>
     </dsp:sp>
@@ -12047,7 +13623,7 @@
       </dsp:nvSpPr>
       <dsp:spPr>
         <a:xfrm>
-          <a:off x="406308" y="832416"/>
+          <a:off x="406308" y="624516"/>
           <a:ext cx="5818949" cy="236160"/>
         </a:xfrm>
         <a:prstGeom prst="roundRect">
@@ -12122,7 +13698,7 @@
         </a:p>
       </dsp:txBody>
       <dsp:txXfrm>
-        <a:off x="417836" y="843944"/>
+        <a:off x="417836" y="636044"/>
         <a:ext cx="5795893" cy="213104"/>
       </dsp:txXfrm>
     </dsp:sp>
@@ -12133,7 +13709,7 @@
       </dsp:nvSpPr>
       <dsp:spPr>
         <a:xfrm>
-          <a:off x="0" y="1530448"/>
+          <a:off x="0" y="1322548"/>
           <a:ext cx="8312785" cy="1260000"/>
         </a:xfrm>
         <a:prstGeom prst="rect">
@@ -12273,7 +13849,7 @@
         </a:p>
       </dsp:txBody>
       <dsp:txXfrm>
-        <a:off x="0" y="1530448"/>
+        <a:off x="0" y="1322548"/>
         <a:ext cx="8312785" cy="1260000"/>
       </dsp:txXfrm>
     </dsp:sp>
@@ -12284,7 +13860,7 @@
       </dsp:nvSpPr>
       <dsp:spPr>
         <a:xfrm>
-          <a:off x="415639" y="1412368"/>
+          <a:off x="415639" y="1204468"/>
           <a:ext cx="5818949" cy="236160"/>
         </a:xfrm>
         <a:prstGeom prst="roundRect">
@@ -12363,7 +13939,7 @@
         </a:p>
       </dsp:txBody>
       <dsp:txXfrm>
-        <a:off x="427167" y="1423896"/>
+        <a:off x="427167" y="1215996"/>
         <a:ext cx="5795893" cy="213104"/>
       </dsp:txXfrm>
     </dsp:sp>
@@ -12374,8 +13950,8 @@
       </dsp:nvSpPr>
       <dsp:spPr>
         <a:xfrm>
-          <a:off x="0" y="2951728"/>
-          <a:ext cx="8312785" cy="201600"/>
+          <a:off x="0" y="2743828"/>
+          <a:ext cx="8312785" cy="617400"/>
         </a:xfrm>
         <a:prstGeom prst="rect">
           <a:avLst/>
@@ -12414,6 +13990,52 @@
         </a:effectRef>
         <a:fontRef idx="minor"/>
       </dsp:style>
+      <dsp:txBody>
+        <a:bodyPr spcFirstLastPara="0" vert="horz" wrap="square" lIns="645164" tIns="166624" rIns="645164" bIns="56896" numCol="1" spcCol="1270" anchor="t" anchorCtr="0">
+          <a:noAutofit/>
+        </a:bodyPr>
+        <a:lstStyle/>
+        <a:p>
+          <a:pPr marL="57150" lvl="1" indent="-57150" algn="l" defTabSz="355600">
+            <a:lnSpc>
+              <a:spcPct val="90000"/>
+            </a:lnSpc>
+            <a:spcBef>
+              <a:spcPct val="0"/>
+            </a:spcBef>
+            <a:spcAft>
+              <a:spcPct val="15000"/>
+            </a:spcAft>
+            <a:buChar char="•"/>
+          </a:pPr>
+          <a:r>
+            <a:rPr lang="en-US" sz="800" kern="1200" dirty="0"/>
+            <a:t> User awareness</a:t>
+          </a:r>
+        </a:p>
+        <a:p>
+          <a:pPr marL="57150" lvl="1" indent="-57150" algn="l" defTabSz="355600">
+            <a:lnSpc>
+              <a:spcPct val="90000"/>
+            </a:lnSpc>
+            <a:spcBef>
+              <a:spcPct val="0"/>
+            </a:spcBef>
+            <a:spcAft>
+              <a:spcPct val="15000"/>
+            </a:spcAft>
+            <a:buChar char="•"/>
+          </a:pPr>
+          <a:r>
+            <a:rPr lang="en-US" sz="800" kern="1200" dirty="0"/>
+            <a:t> Email gateways</a:t>
+          </a:r>
+        </a:p>
+      </dsp:txBody>
+      <dsp:txXfrm>
+        <a:off x="0" y="2743828"/>
+        <a:ext cx="8312785" cy="617400"/>
+      </dsp:txXfrm>
     </dsp:sp>
     <dsp:sp modelId="{E0D4C11C-4406-40B2-A3DC-59FCBBEF3057}">
       <dsp:nvSpPr>
@@ -12422,7 +14044,7 @@
       </dsp:nvSpPr>
       <dsp:spPr>
         <a:xfrm>
-          <a:off x="415639" y="2833648"/>
+          <a:off x="415639" y="2625748"/>
           <a:ext cx="5818949" cy="236160"/>
         </a:xfrm>
         <a:prstGeom prst="roundRect">
@@ -12482,14 +14104,523 @@
             <a:buNone/>
           </a:pPr>
           <a:r>
-            <a:rPr lang="en-US" sz="800" b="0" kern="1200" baseline="0"/>
-            <a:t>Now </a:t>
+            <a:rPr lang="en-US" sz="800" b="0" kern="1200" baseline="0" dirty="0"/>
+            <a:t>How to prevent </a:t>
           </a:r>
-          <a:endParaRPr lang="en-US" sz="800" kern="1200"/>
+          <a:r>
+            <a:rPr lang="en-US" sz="800" b="0" kern="1200" baseline="0" dirty="0" err="1"/>
+            <a:t>Qbot</a:t>
+          </a:r>
+          <a:r>
+            <a:rPr lang="en-US" sz="800" b="0" kern="1200" baseline="0" dirty="0"/>
+            <a:t> infections </a:t>
+          </a:r>
+          <a:endParaRPr lang="en-US" sz="800" kern="1200" dirty="0"/>
         </a:p>
       </dsp:txBody>
       <dsp:txXfrm>
-        <a:off x="427167" y="2845176"/>
+        <a:off x="427167" y="2637276"/>
+        <a:ext cx="5795893" cy="213104"/>
+      </dsp:txXfrm>
+    </dsp:sp>
+  </dsp:spTree>
+</dsp:drawing>
+</file>
+
+<file path=ppt/diagrams/drawing7.xml><?xml version="1.0" encoding="utf-8"?>
+<dsp:drawing xmlns:dgm="http://schemas.openxmlformats.org/drawingml/2006/diagram" xmlns:dsp="http://schemas.microsoft.com/office/drawing/2008/diagram" xmlns:a="http://schemas.openxmlformats.org/drawingml/2006/main">
+  <dsp:spTree>
+    <dsp:nvGrpSpPr>
+      <dsp:cNvPr id="0" name=""/>
+      <dsp:cNvGrpSpPr/>
+    </dsp:nvGrpSpPr>
+    <dsp:grpSpPr/>
+    <dsp:sp modelId="{7EAA3A9D-B0DE-4FD0-BD72-581117384596}">
+      <dsp:nvSpPr>
+        <dsp:cNvPr id="0" name=""/>
+        <dsp:cNvSpPr/>
+      </dsp:nvSpPr>
+      <dsp:spPr>
+        <a:xfrm>
+          <a:off x="0" y="249862"/>
+          <a:ext cx="8312785" cy="2368800"/>
+        </a:xfrm>
+        <a:prstGeom prst="rect">
+          <a:avLst/>
+        </a:prstGeom>
+        <a:solidFill>
+          <a:schemeClr val="lt1">
+            <a:alpha val="90000"/>
+            <a:hueOff val="0"/>
+            <a:satOff val="0"/>
+            <a:lumOff val="0"/>
+            <a:alphaOff val="0"/>
+          </a:schemeClr>
+        </a:solidFill>
+        <a:ln w="12700" cap="flat" cmpd="sng" algn="ctr">
+          <a:solidFill>
+            <a:schemeClr val="accent2">
+              <a:hueOff val="0"/>
+              <a:satOff val="0"/>
+              <a:lumOff val="0"/>
+              <a:alphaOff val="0"/>
+            </a:schemeClr>
+          </a:solidFill>
+          <a:prstDash val="solid"/>
+        </a:ln>
+        <a:effectLst/>
+      </dsp:spPr>
+      <dsp:style>
+        <a:lnRef idx="2">
+          <a:scrgbClr r="0" g="0" b="0"/>
+        </a:lnRef>
+        <a:fillRef idx="1">
+          <a:scrgbClr r="0" g="0" b="0"/>
+        </a:fillRef>
+        <a:effectRef idx="0">
+          <a:scrgbClr r="0" g="0" b="0"/>
+        </a:effectRef>
+        <a:fontRef idx="minor"/>
+      </dsp:style>
+      <dsp:txBody>
+        <a:bodyPr spcFirstLastPara="0" vert="horz" wrap="square" lIns="645164" tIns="166624" rIns="645164" bIns="56896" numCol="1" spcCol="1270" anchor="t" anchorCtr="0">
+          <a:noAutofit/>
+        </a:bodyPr>
+        <a:lstStyle/>
+        <a:p>
+          <a:pPr marL="57150" lvl="1" indent="-57150" algn="l" defTabSz="355600">
+            <a:lnSpc>
+              <a:spcPct val="90000"/>
+            </a:lnSpc>
+            <a:spcBef>
+              <a:spcPct val="0"/>
+            </a:spcBef>
+            <a:spcAft>
+              <a:spcPct val="15000"/>
+            </a:spcAft>
+            <a:buChar char="•"/>
+          </a:pPr>
+          <a:r>
+            <a:rPr lang="en-US" sz="800" b="0" kern="1200" dirty="0"/>
+            <a:t> </a:t>
+          </a:r>
+          <a:r>
+            <a:rPr lang="en-US" sz="800" b="0" kern="1200" dirty="0" err="1"/>
+            <a:t>Nltest</a:t>
+          </a:r>
+          <a:r>
+            <a:rPr lang="en-US" sz="800" b="0" kern="1200" dirty="0"/>
+            <a:t> = a command-line tool used to troubleshoot and diagnose issues with the Windows NT LAN Manager (NTLM) authentication protocol. It can be used to test various aspects of the NTLM protocol, such as verifying trust relationships, testing secure channel status, and checking user and computer accounts.</a:t>
+          </a:r>
+        </a:p>
+        <a:p>
+          <a:pPr marL="57150" lvl="1" indent="-57150" algn="l" defTabSz="355600">
+            <a:lnSpc>
+              <a:spcPct val="90000"/>
+            </a:lnSpc>
+            <a:spcBef>
+              <a:spcPct val="0"/>
+            </a:spcBef>
+            <a:spcAft>
+              <a:spcPct val="15000"/>
+            </a:spcAft>
+            <a:buChar char="•"/>
+          </a:pPr>
+          <a:endParaRPr lang="en-US" sz="800" b="0" kern="1200" dirty="0"/>
+        </a:p>
+        <a:p>
+          <a:pPr marL="57150" lvl="1" indent="-57150" algn="l" defTabSz="355600">
+            <a:lnSpc>
+              <a:spcPct val="90000"/>
+            </a:lnSpc>
+            <a:spcBef>
+              <a:spcPct val="0"/>
+            </a:spcBef>
+            <a:spcAft>
+              <a:spcPct val="15000"/>
+            </a:spcAft>
+            <a:buChar char="•"/>
+          </a:pPr>
+          <a:r>
+            <a:rPr lang="en-US" sz="800" b="0" kern="1200" dirty="0"/>
+            <a:t> </a:t>
+          </a:r>
+          <a:r>
+            <a:rPr lang="en-US" sz="800" b="0" kern="1200" dirty="0" err="1"/>
+            <a:t>AdFind</a:t>
+          </a:r>
+          <a:r>
+            <a:rPr lang="en-US" sz="800" b="0" kern="1200" dirty="0"/>
+            <a:t> = a command-line tool used to query Active Directory (AD). It can be used to search for and retrieve information about objects in AD, such as user accounts, computers, contacts, groups, and organizational units. </a:t>
+          </a:r>
+          <a:r>
+            <a:rPr lang="en-US" sz="800" b="0" kern="1200" dirty="0" err="1"/>
+            <a:t>Adfind</a:t>
+          </a:r>
+          <a:r>
+            <a:rPr lang="en-US" sz="800" b="0" kern="1200" dirty="0"/>
+            <a:t> can also be used to modify attributes, create, delete, and move objects, and perform other management tasks.</a:t>
+          </a:r>
+          <a:br>
+            <a:rPr lang="en-US" sz="800" b="0" kern="1200" dirty="0"/>
+          </a:br>
+          <a:endParaRPr lang="en-US" sz="800" b="0" kern="1200" dirty="0"/>
+        </a:p>
+        <a:p>
+          <a:pPr marL="57150" lvl="1" indent="-57150" algn="l" defTabSz="355600">
+            <a:lnSpc>
+              <a:spcPct val="90000"/>
+            </a:lnSpc>
+            <a:spcBef>
+              <a:spcPct val="0"/>
+            </a:spcBef>
+            <a:spcAft>
+              <a:spcPct val="15000"/>
+            </a:spcAft>
+            <a:buChar char="•"/>
+          </a:pPr>
+          <a:r>
+            <a:rPr lang="en-US" sz="800" b="0" kern="1200" dirty="0"/>
+            <a:t> How to detect:</a:t>
+          </a:r>
+        </a:p>
+        <a:p>
+          <a:pPr marL="114300" lvl="2" indent="-57150" algn="l" defTabSz="355600">
+            <a:lnSpc>
+              <a:spcPct val="90000"/>
+            </a:lnSpc>
+            <a:spcBef>
+              <a:spcPct val="0"/>
+            </a:spcBef>
+            <a:spcAft>
+              <a:spcPct val="15000"/>
+            </a:spcAft>
+            <a:buFont typeface="Wingdings" panose="05000000000000000000" pitchFamily="2" charset="2"/>
+            <a:buChar char="ü"/>
+          </a:pPr>
+          <a:r>
+            <a:rPr lang="en-US" sz="800" b="0" kern="1200" dirty="0"/>
+            <a:t> </a:t>
+          </a:r>
+          <a:r>
+            <a:rPr lang="en-US" sz="800" b="1" kern="1200" dirty="0"/>
+            <a:t>Process Execution &amp; Command Line Logging </a:t>
+          </a:r>
+          <a:r>
+            <a:rPr lang="en-US" sz="800" b="0" kern="1200" dirty="0"/>
+            <a:t>- Windows Security Event Id 4688, Sysmon, or any CIM compliant EDR technology.</a:t>
+          </a:r>
+        </a:p>
+        <a:p>
+          <a:pPr marL="114300" lvl="2" indent="-57150" algn="l" defTabSz="355600">
+            <a:lnSpc>
+              <a:spcPct val="90000"/>
+            </a:lnSpc>
+            <a:spcBef>
+              <a:spcPct val="0"/>
+            </a:spcBef>
+            <a:spcAft>
+              <a:spcPct val="15000"/>
+            </a:spcAft>
+            <a:buFont typeface="Wingdings" panose="05000000000000000000" pitchFamily="2" charset="2"/>
+            <a:buChar char="ü"/>
+          </a:pPr>
+          <a:r>
+            <a:rPr lang="en-US" sz="800" b="0" kern="1200" dirty="0"/>
+            <a:t> </a:t>
+          </a:r>
+          <a:r>
+            <a:rPr lang="en-US" sz="800" b="1" kern="1200" dirty="0"/>
+            <a:t>PowerShell Script Block Logging </a:t>
+          </a:r>
+          <a:r>
+            <a:rPr lang="en-US" sz="800" b="0" kern="1200" dirty="0"/>
+            <a:t>- Microsoft-Windows-PowerShell/Operational Event Id 4104.</a:t>
+          </a:r>
+        </a:p>
+      </dsp:txBody>
+      <dsp:txXfrm>
+        <a:off x="0" y="249862"/>
+        <a:ext cx="8312785" cy="2368800"/>
+      </dsp:txXfrm>
+    </dsp:sp>
+    <dsp:sp modelId="{0855D5AC-BCD2-4677-8175-06EC0923C1C1}">
+      <dsp:nvSpPr>
+        <dsp:cNvPr id="0" name=""/>
+        <dsp:cNvSpPr/>
+      </dsp:nvSpPr>
+      <dsp:spPr>
+        <a:xfrm>
+          <a:off x="415639" y="131782"/>
+          <a:ext cx="5818949" cy="236160"/>
+        </a:xfrm>
+        <a:prstGeom prst="roundRect">
+          <a:avLst/>
+        </a:prstGeom>
+        <a:solidFill>
+          <a:schemeClr val="accent2">
+            <a:hueOff val="0"/>
+            <a:satOff val="0"/>
+            <a:lumOff val="0"/>
+            <a:alphaOff val="0"/>
+          </a:schemeClr>
+        </a:solidFill>
+        <a:ln w="12700" cap="flat" cmpd="sng" algn="ctr">
+          <a:solidFill>
+            <a:schemeClr val="lt1">
+              <a:hueOff val="0"/>
+              <a:satOff val="0"/>
+              <a:lumOff val="0"/>
+              <a:alphaOff val="0"/>
+            </a:schemeClr>
+          </a:solidFill>
+          <a:prstDash val="solid"/>
+        </a:ln>
+        <a:effectLst/>
+      </dsp:spPr>
+      <dsp:style>
+        <a:lnRef idx="2">
+          <a:scrgbClr r="0" g="0" b="0"/>
+        </a:lnRef>
+        <a:fillRef idx="1">
+          <a:scrgbClr r="0" g="0" b="0"/>
+        </a:fillRef>
+        <a:effectRef idx="0">
+          <a:scrgbClr r="0" g="0" b="0"/>
+        </a:effectRef>
+        <a:fontRef idx="minor">
+          <a:schemeClr val="lt1"/>
+        </a:fontRef>
+      </dsp:style>
+      <dsp:txBody>
+        <a:bodyPr spcFirstLastPara="0" vert="horz" wrap="square" lIns="219942" tIns="0" rIns="219942" bIns="0" numCol="1" spcCol="1270" anchor="ctr" anchorCtr="0">
+          <a:noAutofit/>
+        </a:bodyPr>
+        <a:lstStyle/>
+        <a:p>
+          <a:pPr marL="0" lvl="0" indent="0" algn="l" defTabSz="355600">
+            <a:lnSpc>
+              <a:spcPct val="90000"/>
+            </a:lnSpc>
+            <a:spcBef>
+              <a:spcPct val="0"/>
+            </a:spcBef>
+            <a:spcAft>
+              <a:spcPct val="35000"/>
+            </a:spcAft>
+            <a:buNone/>
+          </a:pPr>
+          <a:r>
+            <a:rPr lang="en-US" sz="800" kern="1200" dirty="0"/>
+            <a:t>Detecting the usage of Active Directory Discovery techniques</a:t>
+          </a:r>
+        </a:p>
+      </dsp:txBody>
+      <dsp:txXfrm>
+        <a:off x="427167" y="143310"/>
+        <a:ext cx="5795893" cy="213104"/>
+      </dsp:txXfrm>
+    </dsp:sp>
+    <dsp:sp modelId="{EAC207FC-B021-4830-8C61-8F229B7B15E0}">
+      <dsp:nvSpPr>
+        <dsp:cNvPr id="0" name=""/>
+        <dsp:cNvSpPr/>
+      </dsp:nvSpPr>
+      <dsp:spPr>
+        <a:xfrm>
+          <a:off x="0" y="2779942"/>
+          <a:ext cx="8312785" cy="831600"/>
+        </a:xfrm>
+        <a:prstGeom prst="rect">
+          <a:avLst/>
+        </a:prstGeom>
+        <a:solidFill>
+          <a:schemeClr val="lt1">
+            <a:alpha val="90000"/>
+            <a:hueOff val="0"/>
+            <a:satOff val="0"/>
+            <a:lumOff val="0"/>
+            <a:alphaOff val="0"/>
+          </a:schemeClr>
+        </a:solidFill>
+        <a:ln w="12700" cap="flat" cmpd="sng" algn="ctr">
+          <a:solidFill>
+            <a:schemeClr val="accent2">
+              <a:hueOff val="0"/>
+              <a:satOff val="0"/>
+              <a:lumOff val="0"/>
+              <a:alphaOff val="0"/>
+            </a:schemeClr>
+          </a:solidFill>
+          <a:prstDash val="solid"/>
+        </a:ln>
+        <a:effectLst/>
+      </dsp:spPr>
+      <dsp:style>
+        <a:lnRef idx="2">
+          <a:scrgbClr r="0" g="0" b="0"/>
+        </a:lnRef>
+        <a:fillRef idx="1">
+          <a:scrgbClr r="0" g="0" b="0"/>
+        </a:fillRef>
+        <a:effectRef idx="0">
+          <a:scrgbClr r="0" g="0" b="0"/>
+        </a:effectRef>
+        <a:fontRef idx="minor"/>
+      </dsp:style>
+      <dsp:txBody>
+        <a:bodyPr spcFirstLastPara="0" vert="horz" wrap="square" lIns="645164" tIns="166624" rIns="645164" bIns="56896" numCol="1" spcCol="1270" anchor="t" anchorCtr="0">
+          <a:noAutofit/>
+        </a:bodyPr>
+        <a:lstStyle/>
+        <a:p>
+          <a:pPr marL="57150" lvl="1" indent="-57150" algn="l" defTabSz="355600">
+            <a:lnSpc>
+              <a:spcPct val="90000"/>
+            </a:lnSpc>
+            <a:spcBef>
+              <a:spcPct val="0"/>
+            </a:spcBef>
+            <a:spcAft>
+              <a:spcPct val="15000"/>
+            </a:spcAft>
+            <a:buChar char="•"/>
+          </a:pPr>
+          <a:r>
+            <a:rPr lang="en-US" sz="800" b="1" kern="1200" dirty="0"/>
+            <a:t> Event logs</a:t>
+          </a:r>
+          <a:r>
+            <a:rPr lang="en-US" sz="800" kern="1200" dirty="0"/>
+            <a:t>: </a:t>
+          </a:r>
+          <a:r>
+            <a:rPr lang="en-US" sz="800" b="0" kern="1200" dirty="0"/>
+            <a:t>Windows Security Event Id 4657</a:t>
+          </a:r>
+          <a:endParaRPr lang="en-US" sz="800" kern="1200" dirty="0"/>
+        </a:p>
+        <a:p>
+          <a:pPr marL="57150" lvl="1" indent="-57150" algn="l" defTabSz="355600">
+            <a:lnSpc>
+              <a:spcPct val="90000"/>
+            </a:lnSpc>
+            <a:spcBef>
+              <a:spcPct val="0"/>
+            </a:spcBef>
+            <a:spcAft>
+              <a:spcPct val="15000"/>
+            </a:spcAft>
+            <a:buChar char="•"/>
+          </a:pPr>
+          <a:r>
+            <a:rPr lang="en-US" sz="800" kern="1200" dirty="0"/>
+            <a:t> </a:t>
+          </a:r>
+          <a:r>
+            <a:rPr lang="en-US" sz="800" b="1" kern="1200" dirty="0"/>
+            <a:t>Registry</a:t>
+          </a:r>
+          <a:r>
+            <a:rPr lang="en-US" sz="800" kern="1200" dirty="0"/>
+            <a:t>: Monitor registry key changes on the following key: HKEY_LOCAL_MACHINE/SOFTWARE/Microsoft/Windows Defender/Exclusions</a:t>
+          </a:r>
+        </a:p>
+        <a:p>
+          <a:pPr marL="57150" lvl="1" indent="-57150" algn="l" defTabSz="355600">
+            <a:lnSpc>
+              <a:spcPct val="90000"/>
+            </a:lnSpc>
+            <a:spcBef>
+              <a:spcPct val="0"/>
+            </a:spcBef>
+            <a:spcAft>
+              <a:spcPct val="15000"/>
+            </a:spcAft>
+            <a:buChar char="•"/>
+          </a:pPr>
+          <a:endParaRPr lang="en-US" sz="800" kern="1200" dirty="0"/>
+        </a:p>
+      </dsp:txBody>
+      <dsp:txXfrm>
+        <a:off x="0" y="2779942"/>
+        <a:ext cx="8312785" cy="831600"/>
+      </dsp:txXfrm>
+    </dsp:sp>
+    <dsp:sp modelId="{ECC41800-CC4B-4778-9020-55D33857A915}">
+      <dsp:nvSpPr>
+        <dsp:cNvPr id="0" name=""/>
+        <dsp:cNvSpPr/>
+      </dsp:nvSpPr>
+      <dsp:spPr>
+        <a:xfrm>
+          <a:off x="406308" y="2658990"/>
+          <a:ext cx="5818949" cy="236160"/>
+        </a:xfrm>
+        <a:prstGeom prst="roundRect">
+          <a:avLst/>
+        </a:prstGeom>
+        <a:solidFill>
+          <a:schemeClr val="accent2">
+            <a:hueOff val="0"/>
+            <a:satOff val="0"/>
+            <a:lumOff val="0"/>
+            <a:alphaOff val="0"/>
+          </a:schemeClr>
+        </a:solidFill>
+        <a:ln w="12700" cap="flat" cmpd="sng" algn="ctr">
+          <a:solidFill>
+            <a:schemeClr val="lt1">
+              <a:hueOff val="0"/>
+              <a:satOff val="0"/>
+              <a:lumOff val="0"/>
+              <a:alphaOff val="0"/>
+            </a:schemeClr>
+          </a:solidFill>
+          <a:prstDash val="solid"/>
+        </a:ln>
+        <a:effectLst/>
+      </dsp:spPr>
+      <dsp:style>
+        <a:lnRef idx="2">
+          <a:scrgbClr r="0" g="0" b="0"/>
+        </a:lnRef>
+        <a:fillRef idx="1">
+          <a:scrgbClr r="0" g="0" b="0"/>
+        </a:fillRef>
+        <a:effectRef idx="0">
+          <a:scrgbClr r="0" g="0" b="0"/>
+        </a:effectRef>
+        <a:fontRef idx="minor">
+          <a:schemeClr val="lt1"/>
+        </a:fontRef>
+      </dsp:style>
+      <dsp:txBody>
+        <a:bodyPr spcFirstLastPara="0" vert="horz" wrap="square" lIns="219942" tIns="0" rIns="219942" bIns="0" numCol="1" spcCol="1270" anchor="ctr" anchorCtr="0">
+          <a:noAutofit/>
+        </a:bodyPr>
+        <a:lstStyle/>
+        <a:p>
+          <a:pPr marL="0" lvl="0" indent="0" algn="l" defTabSz="355600">
+            <a:lnSpc>
+              <a:spcPct val="90000"/>
+            </a:lnSpc>
+            <a:spcBef>
+              <a:spcPct val="0"/>
+            </a:spcBef>
+            <a:spcAft>
+              <a:spcPct val="35000"/>
+            </a:spcAft>
+            <a:buNone/>
+          </a:pPr>
+          <a:r>
+            <a:rPr lang="en-US" sz="800" kern="1200" dirty="0"/>
+            <a:t>Detecting MDE exclusions</a:t>
+          </a:r>
+        </a:p>
+      </dsp:txBody>
+      <dsp:txXfrm>
+        <a:off x="417836" y="2670518"/>
         <a:ext cx="5795893" cy="213104"/>
       </dsp:txXfrm>
     </dsp:sp>
@@ -13699,6 +15830,231 @@
 </dgm:layoutDef>
 </file>
 
+<file path=ppt/diagrams/layout7.xml><?xml version="1.0" encoding="utf-8"?>
+<dgm:layoutDef xmlns:dgm="http://schemas.openxmlformats.org/drawingml/2006/diagram" xmlns:a="http://schemas.openxmlformats.org/drawingml/2006/main" uniqueId="urn:microsoft.com/office/officeart/2005/8/layout/list1">
+  <dgm:title val=""/>
+  <dgm:desc val=""/>
+  <dgm:catLst>
+    <dgm:cat type="list" pri="4000"/>
+  </dgm:catLst>
+  <dgm:sampData>
+    <dgm:dataModel>
+      <dgm:ptLst>
+        <dgm:pt modelId="0" type="doc"/>
+        <dgm:pt modelId="1">
+          <dgm:prSet phldr="1"/>
+        </dgm:pt>
+        <dgm:pt modelId="2">
+          <dgm:prSet phldr="1"/>
+        </dgm:pt>
+        <dgm:pt modelId="3">
+          <dgm:prSet phldr="1"/>
+        </dgm:pt>
+      </dgm:ptLst>
+      <dgm:cxnLst>
+        <dgm:cxn modelId="4" srcId="0" destId="1" srcOrd="0" destOrd="0"/>
+        <dgm:cxn modelId="5" srcId="0" destId="2" srcOrd="1" destOrd="0"/>
+        <dgm:cxn modelId="6" srcId="0" destId="3" srcOrd="2" destOrd="0"/>
+      </dgm:cxnLst>
+      <dgm:bg/>
+      <dgm:whole/>
+    </dgm:dataModel>
+  </dgm:sampData>
+  <dgm:styleData>
+    <dgm:dataModel>
+      <dgm:ptLst>
+        <dgm:pt modelId="0" type="doc"/>
+        <dgm:pt modelId="1"/>
+        <dgm:pt modelId="2"/>
+      </dgm:ptLst>
+      <dgm:cxnLst>
+        <dgm:cxn modelId="4" srcId="0" destId="1" srcOrd="0" destOrd="0"/>
+        <dgm:cxn modelId="5" srcId="0" destId="2" srcOrd="1" destOrd="0"/>
+      </dgm:cxnLst>
+      <dgm:bg/>
+      <dgm:whole/>
+    </dgm:dataModel>
+  </dgm:styleData>
+  <dgm:clrData>
+    <dgm:dataModel>
+      <dgm:ptLst>
+        <dgm:pt modelId="0" type="doc"/>
+        <dgm:pt modelId="1"/>
+        <dgm:pt modelId="2"/>
+        <dgm:pt modelId="3"/>
+        <dgm:pt modelId="4"/>
+      </dgm:ptLst>
+      <dgm:cxnLst>
+        <dgm:cxn modelId="5" srcId="0" destId="1" srcOrd="0" destOrd="0"/>
+        <dgm:cxn modelId="6" srcId="0" destId="2" srcOrd="1" destOrd="0"/>
+        <dgm:cxn modelId="7" srcId="0" destId="3" srcOrd="2" destOrd="0"/>
+        <dgm:cxn modelId="8" srcId="0" destId="4" srcOrd="3" destOrd="0"/>
+      </dgm:cxnLst>
+      <dgm:bg/>
+      <dgm:whole/>
+    </dgm:dataModel>
+  </dgm:clrData>
+  <dgm:layoutNode name="linear">
+    <dgm:varLst>
+      <dgm:dir/>
+      <dgm:animLvl val="lvl"/>
+      <dgm:resizeHandles val="exact"/>
+    </dgm:varLst>
+    <dgm:choose name="Name0">
+      <dgm:if name="Name1" func="var" arg="dir" op="equ" val="norm">
+        <dgm:alg type="lin">
+          <dgm:param type="linDir" val="fromT"/>
+          <dgm:param type="vertAlign" val="mid"/>
+          <dgm:param type="horzAlign" val="l"/>
+          <dgm:param type="nodeHorzAlign" val="l"/>
+        </dgm:alg>
+      </dgm:if>
+      <dgm:else name="Name2">
+        <dgm:alg type="lin">
+          <dgm:param type="linDir" val="fromT"/>
+          <dgm:param type="vertAlign" val="mid"/>
+          <dgm:param type="horzAlign" val="r"/>
+          <dgm:param type="nodeHorzAlign" val="r"/>
+        </dgm:alg>
+      </dgm:else>
+    </dgm:choose>
+    <dgm:shape xmlns:r="http://schemas.openxmlformats.org/officeDocument/2006/relationships" r:blip="">
+      <dgm:adjLst/>
+    </dgm:shape>
+    <dgm:presOf/>
+    <dgm:constrLst>
+      <dgm:constr type="w" for="ch" forName="parentLin" refType="w"/>
+      <dgm:constr type="h" for="ch" forName="parentLin" val="INF"/>
+      <dgm:constr type="w" for="des" forName="parentLeftMargin" refType="w" fact="0.05"/>
+      <dgm:constr type="w" for="des" forName="parentText" refType="w" fact="0.7"/>
+      <dgm:constr type="h" for="des" forName="parentText" refType="primFontSz" refFor="des" refForName="parentText" fact="0.82"/>
+      <dgm:constr type="h" for="ch" forName="negativeSpace" refType="primFontSz" refFor="des" refForName="parentText" fact="-0.41"/>
+      <dgm:constr type="h" for="ch" forName="negativeSpace" refType="h" refFor="des" refForName="parentText" op="lte" fact="-0.82"/>
+      <dgm:constr type="h" for="ch" forName="negativeSpace" refType="h" refFor="des" refForName="parentText" op="gte" fact="-0.82"/>
+      <dgm:constr type="w" for="ch" forName="childText" refType="w"/>
+      <dgm:constr type="h" for="ch" forName="childText" refType="primFontSz" refFor="des" refForName="parentText" fact="0.7"/>
+      <dgm:constr type="primFontSz" for="des" forName="parentText" val="65"/>
+      <dgm:constr type="primFontSz" for="ch" forName="childText" refType="primFontSz" refFor="des" refForName="parentText"/>
+      <dgm:constr type="tMarg" for="ch" forName="childText" refType="primFontSz" refFor="des" refForName="parentText" fact="1.64"/>
+      <dgm:constr type="tMarg" for="ch" forName="childText" refType="h" refFor="des" refForName="parentText" op="lte" fact="3.28"/>
+      <dgm:constr type="tMarg" for="ch" forName="childText" refType="h" refFor="des" refForName="parentText" op="gte" fact="3.28"/>
+      <dgm:constr type="lMarg" for="ch" forName="childText" refType="w" fact="0.22"/>
+      <dgm:constr type="rMarg" for="ch" forName="childText" refType="lMarg" refFor="ch" refForName="childText"/>
+      <dgm:constr type="lMarg" for="des" forName="parentText" refType="w" fact="0.075"/>
+      <dgm:constr type="rMarg" for="des" forName="parentText" refType="lMarg" refFor="des" refForName="parentText"/>
+      <dgm:constr type="h" for="ch" forName="spaceBetweenRectangles" refType="primFontSz" refFor="des" refForName="parentText" fact="0.15"/>
+    </dgm:constrLst>
+    <dgm:ruleLst>
+      <dgm:rule type="primFontSz" for="des" forName="parentText" val="5" fact="NaN" max="NaN"/>
+    </dgm:ruleLst>
+    <dgm:forEach name="Name3" axis="ch" ptType="node">
+      <dgm:layoutNode name="parentLin">
+        <dgm:choose name="Name4">
+          <dgm:if name="Name5" func="var" arg="dir" op="equ" val="norm">
+            <dgm:alg type="lin">
+              <dgm:param type="linDir" val="fromL"/>
+              <dgm:param type="horzAlign" val="l"/>
+              <dgm:param type="nodeHorzAlign" val="l"/>
+            </dgm:alg>
+          </dgm:if>
+          <dgm:else name="Name6">
+            <dgm:alg type="lin">
+              <dgm:param type="linDir" val="fromR"/>
+              <dgm:param type="horzAlign" val="r"/>
+              <dgm:param type="nodeHorzAlign" val="r"/>
+            </dgm:alg>
+          </dgm:else>
+        </dgm:choose>
+        <dgm:shape xmlns:r="http://schemas.openxmlformats.org/officeDocument/2006/relationships" r:blip="">
+          <dgm:adjLst/>
+        </dgm:shape>
+        <dgm:presOf/>
+        <dgm:constrLst/>
+        <dgm:ruleLst/>
+        <dgm:layoutNode name="parentLeftMargin">
+          <dgm:alg type="sp"/>
+          <dgm:shape xmlns:r="http://schemas.openxmlformats.org/officeDocument/2006/relationships" type="rect" r:blip="" hideGeom="1">
+            <dgm:adjLst/>
+          </dgm:shape>
+          <dgm:presOf axis="self"/>
+          <dgm:constrLst>
+            <dgm:constr type="h"/>
+          </dgm:constrLst>
+          <dgm:ruleLst/>
+        </dgm:layoutNode>
+        <dgm:layoutNode name="parentText" styleLbl="node1">
+          <dgm:varLst>
+            <dgm:chMax val="0"/>
+            <dgm:bulletEnabled val="1"/>
+          </dgm:varLst>
+          <dgm:choose name="Name7">
+            <dgm:if name="Name8" func="var" arg="dir" op="equ" val="norm">
+              <dgm:alg type="tx">
+                <dgm:param type="parTxLTRAlign" val="l"/>
+                <dgm:param type="parTxRTLAlign" val="l"/>
+              </dgm:alg>
+            </dgm:if>
+            <dgm:else name="Name9">
+              <dgm:alg type="tx">
+                <dgm:param type="parTxLTRAlign" val="r"/>
+                <dgm:param type="parTxRTLAlign" val="r"/>
+              </dgm:alg>
+            </dgm:else>
+          </dgm:choose>
+          <dgm:shape xmlns:r="http://schemas.openxmlformats.org/officeDocument/2006/relationships" type="roundRect" r:blip="">
+            <dgm:adjLst/>
+          </dgm:shape>
+          <dgm:presOf axis="self" ptType="node"/>
+          <dgm:constrLst>
+            <dgm:constr type="tMarg"/>
+            <dgm:constr type="bMarg"/>
+          </dgm:constrLst>
+          <dgm:ruleLst/>
+        </dgm:layoutNode>
+      </dgm:layoutNode>
+      <dgm:layoutNode name="negativeSpace">
+        <dgm:alg type="sp"/>
+        <dgm:shape xmlns:r="http://schemas.openxmlformats.org/officeDocument/2006/relationships" r:blip="">
+          <dgm:adjLst/>
+        </dgm:shape>
+        <dgm:presOf/>
+        <dgm:constrLst/>
+        <dgm:ruleLst/>
+      </dgm:layoutNode>
+      <dgm:layoutNode name="childText" styleLbl="conFgAcc1">
+        <dgm:varLst>
+          <dgm:bulletEnabled val="1"/>
+        </dgm:varLst>
+        <dgm:alg type="tx">
+          <dgm:param type="stBulletLvl" val="1"/>
+        </dgm:alg>
+        <dgm:shape xmlns:r="http://schemas.openxmlformats.org/officeDocument/2006/relationships" type="rect" r:blip="" zOrderOff="-2">
+          <dgm:adjLst/>
+        </dgm:shape>
+        <dgm:presOf axis="des" ptType="node"/>
+        <dgm:constrLst>
+          <dgm:constr type="secFontSz" refType="primFontSz"/>
+        </dgm:constrLst>
+        <dgm:ruleLst>
+          <dgm:rule type="h" val="INF" fact="NaN" max="NaN"/>
+        </dgm:ruleLst>
+      </dgm:layoutNode>
+      <dgm:forEach name="Name10" axis="followSib" ptType="sibTrans" cnt="1">
+        <dgm:layoutNode name="spaceBetweenRectangles">
+          <dgm:alg type="sp"/>
+          <dgm:shape xmlns:r="http://schemas.openxmlformats.org/officeDocument/2006/relationships" r:blip="">
+            <dgm:adjLst/>
+          </dgm:shape>
+          <dgm:presOf/>
+          <dgm:constrLst/>
+          <dgm:ruleLst/>
+        </dgm:layoutNode>
+      </dgm:forEach>
+    </dgm:forEach>
+  </dgm:layoutNode>
+</dgm:layoutDef>
+</file>
+
 <file path=ppt/diagrams/quickStyle1.xml><?xml version="1.0" encoding="utf-8"?>
 <dgm:styleDef xmlns:dgm="http://schemas.openxmlformats.org/drawingml/2006/diagram" xmlns:a="http://schemas.openxmlformats.org/drawingml/2006/main" uniqueId="urn:microsoft.com/office/officeart/2005/8/quickstyle/simple1">
   <dgm:title val=""/>
@@ -18870,6 +21226,1040 @@
 </file>
 
 <file path=ppt/diagrams/quickStyle6.xml><?xml version="1.0" encoding="utf-8"?>
+<dgm:styleDef xmlns:dgm="http://schemas.openxmlformats.org/drawingml/2006/diagram" xmlns:a="http://schemas.openxmlformats.org/drawingml/2006/main" uniqueId="urn:microsoft.com/office/officeart/2005/8/quickstyle/simple1">
+  <dgm:title val=""/>
+  <dgm:desc val=""/>
+  <dgm:catLst>
+    <dgm:cat type="simple" pri="10100"/>
+  </dgm:catLst>
+  <dgm:scene3d>
+    <a:camera prst="orthographicFront"/>
+    <a:lightRig rig="threePt" dir="t"/>
+  </dgm:scene3d>
+  <dgm:styleLbl name="node0">
+    <dgm:scene3d>
+      <a:camera prst="orthographicFront"/>
+      <a:lightRig rig="threePt" dir="t"/>
+    </dgm:scene3d>
+    <dgm:sp3d/>
+    <dgm:txPr/>
+    <dgm:style>
+      <a:lnRef idx="2">
+        <a:scrgbClr r="0" g="0" b="0"/>
+      </a:lnRef>
+      <a:fillRef idx="1">
+        <a:scrgbClr r="0" g="0" b="0"/>
+      </a:fillRef>
+      <a:effectRef idx="0">
+        <a:scrgbClr r="0" g="0" b="0"/>
+      </a:effectRef>
+      <a:fontRef idx="minor">
+        <a:schemeClr val="lt1"/>
+      </a:fontRef>
+    </dgm:style>
+  </dgm:styleLbl>
+  <dgm:styleLbl name="lnNode1">
+    <dgm:scene3d>
+      <a:camera prst="orthographicFront"/>
+      <a:lightRig rig="threePt" dir="t"/>
+    </dgm:scene3d>
+    <dgm:sp3d/>
+    <dgm:txPr/>
+    <dgm:style>
+      <a:lnRef idx="2">
+        <a:scrgbClr r="0" g="0" b="0"/>
+      </a:lnRef>
+      <a:fillRef idx="1">
+        <a:scrgbClr r="0" g="0" b="0"/>
+      </a:fillRef>
+      <a:effectRef idx="0">
+        <a:scrgbClr r="0" g="0" b="0"/>
+      </a:effectRef>
+      <a:fontRef idx="minor">
+        <a:schemeClr val="lt1"/>
+      </a:fontRef>
+    </dgm:style>
+  </dgm:styleLbl>
+  <dgm:styleLbl name="vennNode1">
+    <dgm:scene3d>
+      <a:camera prst="orthographicFront"/>
+      <a:lightRig rig="threePt" dir="t"/>
+    </dgm:scene3d>
+    <dgm:sp3d/>
+    <dgm:txPr/>
+    <dgm:style>
+      <a:lnRef idx="2">
+        <a:scrgbClr r="0" g="0" b="0"/>
+      </a:lnRef>
+      <a:fillRef idx="1">
+        <a:scrgbClr r="0" g="0" b="0"/>
+      </a:fillRef>
+      <a:effectRef idx="0">
+        <a:scrgbClr r="0" g="0" b="0"/>
+      </a:effectRef>
+      <a:fontRef idx="minor">
+        <a:schemeClr val="tx1"/>
+      </a:fontRef>
+    </dgm:style>
+  </dgm:styleLbl>
+  <dgm:styleLbl name="alignNode1">
+    <dgm:scene3d>
+      <a:camera prst="orthographicFront"/>
+      <a:lightRig rig="threePt" dir="t"/>
+    </dgm:scene3d>
+    <dgm:sp3d/>
+    <dgm:txPr/>
+    <dgm:style>
+      <a:lnRef idx="2">
+        <a:scrgbClr r="0" g="0" b="0"/>
+      </a:lnRef>
+      <a:fillRef idx="1">
+        <a:scrgbClr r="0" g="0" b="0"/>
+      </a:fillRef>
+      <a:effectRef idx="0">
+        <a:scrgbClr r="0" g="0" b="0"/>
+      </a:effectRef>
+      <a:fontRef idx="minor">
+        <a:schemeClr val="lt1"/>
+      </a:fontRef>
+    </dgm:style>
+  </dgm:styleLbl>
+  <dgm:styleLbl name="node1">
+    <dgm:scene3d>
+      <a:camera prst="orthographicFront"/>
+      <a:lightRig rig="threePt" dir="t"/>
+    </dgm:scene3d>
+    <dgm:sp3d/>
+    <dgm:txPr/>
+    <dgm:style>
+      <a:lnRef idx="2">
+        <a:scrgbClr r="0" g="0" b="0"/>
+      </a:lnRef>
+      <a:fillRef idx="1">
+        <a:scrgbClr r="0" g="0" b="0"/>
+      </a:fillRef>
+      <a:effectRef idx="0">
+        <a:scrgbClr r="0" g="0" b="0"/>
+      </a:effectRef>
+      <a:fontRef idx="minor">
+        <a:schemeClr val="lt1"/>
+      </a:fontRef>
+    </dgm:style>
+  </dgm:styleLbl>
+  <dgm:styleLbl name="node2">
+    <dgm:scene3d>
+      <a:camera prst="orthographicFront"/>
+      <a:lightRig rig="threePt" dir="t"/>
+    </dgm:scene3d>
+    <dgm:sp3d/>
+    <dgm:txPr/>
+    <dgm:style>
+      <a:lnRef idx="2">
+        <a:scrgbClr r="0" g="0" b="0"/>
+      </a:lnRef>
+      <a:fillRef idx="1">
+        <a:scrgbClr r="0" g="0" b="0"/>
+      </a:fillRef>
+      <a:effectRef idx="0">
+        <a:scrgbClr r="0" g="0" b="0"/>
+      </a:effectRef>
+      <a:fontRef idx="minor">
+        <a:schemeClr val="lt1"/>
+      </a:fontRef>
+    </dgm:style>
+  </dgm:styleLbl>
+  <dgm:styleLbl name="node3">
+    <dgm:scene3d>
+      <a:camera prst="orthographicFront"/>
+      <a:lightRig rig="threePt" dir="t"/>
+    </dgm:scene3d>
+    <dgm:sp3d/>
+    <dgm:txPr/>
+    <dgm:style>
+      <a:lnRef idx="2">
+        <a:scrgbClr r="0" g="0" b="0"/>
+      </a:lnRef>
+      <a:fillRef idx="1">
+        <a:scrgbClr r="0" g="0" b="0"/>
+      </a:fillRef>
+      <a:effectRef idx="0">
+        <a:scrgbClr r="0" g="0" b="0"/>
+      </a:effectRef>
+      <a:fontRef idx="minor">
+        <a:schemeClr val="lt1"/>
+      </a:fontRef>
+    </dgm:style>
+  </dgm:styleLbl>
+  <dgm:styleLbl name="node4">
+    <dgm:scene3d>
+      <a:camera prst="orthographicFront"/>
+      <a:lightRig rig="threePt" dir="t"/>
+    </dgm:scene3d>
+    <dgm:sp3d/>
+    <dgm:txPr/>
+    <dgm:style>
+      <a:lnRef idx="2">
+        <a:scrgbClr r="0" g="0" b="0"/>
+      </a:lnRef>
+      <a:fillRef idx="1">
+        <a:scrgbClr r="0" g="0" b="0"/>
+      </a:fillRef>
+      <a:effectRef idx="0">
+        <a:scrgbClr r="0" g="0" b="0"/>
+      </a:effectRef>
+      <a:fontRef idx="minor">
+        <a:schemeClr val="lt1"/>
+      </a:fontRef>
+    </dgm:style>
+  </dgm:styleLbl>
+  <dgm:styleLbl name="fgImgPlace1">
+    <dgm:scene3d>
+      <a:camera prst="orthographicFront"/>
+      <a:lightRig rig="threePt" dir="t"/>
+    </dgm:scene3d>
+    <dgm:sp3d/>
+    <dgm:txPr/>
+    <dgm:style>
+      <a:lnRef idx="2">
+        <a:scrgbClr r="0" g="0" b="0"/>
+      </a:lnRef>
+      <a:fillRef idx="1">
+        <a:scrgbClr r="0" g="0" b="0"/>
+      </a:fillRef>
+      <a:effectRef idx="0">
+        <a:scrgbClr r="0" g="0" b="0"/>
+      </a:effectRef>
+      <a:fontRef idx="minor"/>
+    </dgm:style>
+  </dgm:styleLbl>
+  <dgm:styleLbl name="alignImgPlace1">
+    <dgm:scene3d>
+      <a:camera prst="orthographicFront"/>
+      <a:lightRig rig="threePt" dir="t"/>
+    </dgm:scene3d>
+    <dgm:sp3d/>
+    <dgm:txPr/>
+    <dgm:style>
+      <a:lnRef idx="2">
+        <a:scrgbClr r="0" g="0" b="0"/>
+      </a:lnRef>
+      <a:fillRef idx="1">
+        <a:scrgbClr r="0" g="0" b="0"/>
+      </a:fillRef>
+      <a:effectRef idx="0">
+        <a:scrgbClr r="0" g="0" b="0"/>
+      </a:effectRef>
+      <a:fontRef idx="minor"/>
+    </dgm:style>
+  </dgm:styleLbl>
+  <dgm:styleLbl name="bgImgPlace1">
+    <dgm:scene3d>
+      <a:camera prst="orthographicFront"/>
+      <a:lightRig rig="threePt" dir="t"/>
+    </dgm:scene3d>
+    <dgm:sp3d/>
+    <dgm:txPr/>
+    <dgm:style>
+      <a:lnRef idx="2">
+        <a:scrgbClr r="0" g="0" b="0"/>
+      </a:lnRef>
+      <a:fillRef idx="1">
+        <a:scrgbClr r="0" g="0" b="0"/>
+      </a:fillRef>
+      <a:effectRef idx="0">
+        <a:scrgbClr r="0" g="0" b="0"/>
+      </a:effectRef>
+      <a:fontRef idx="minor"/>
+    </dgm:style>
+  </dgm:styleLbl>
+  <dgm:styleLbl name="sibTrans2D1">
+    <dgm:scene3d>
+      <a:camera prst="orthographicFront"/>
+      <a:lightRig rig="threePt" dir="t"/>
+    </dgm:scene3d>
+    <dgm:sp3d/>
+    <dgm:txPr/>
+    <dgm:style>
+      <a:lnRef idx="0">
+        <a:scrgbClr r="0" g="0" b="0"/>
+      </a:lnRef>
+      <a:fillRef idx="1">
+        <a:scrgbClr r="0" g="0" b="0"/>
+      </a:fillRef>
+      <a:effectRef idx="0">
+        <a:scrgbClr r="0" g="0" b="0"/>
+      </a:effectRef>
+      <a:fontRef idx="minor">
+        <a:schemeClr val="lt1"/>
+      </a:fontRef>
+    </dgm:style>
+  </dgm:styleLbl>
+  <dgm:styleLbl name="fgSibTrans2D1">
+    <dgm:scene3d>
+      <a:camera prst="orthographicFront"/>
+      <a:lightRig rig="threePt" dir="t"/>
+    </dgm:scene3d>
+    <dgm:sp3d/>
+    <dgm:txPr/>
+    <dgm:style>
+      <a:lnRef idx="0">
+        <a:scrgbClr r="0" g="0" b="0"/>
+      </a:lnRef>
+      <a:fillRef idx="1">
+        <a:scrgbClr r="0" g="0" b="0"/>
+      </a:fillRef>
+      <a:effectRef idx="0">
+        <a:scrgbClr r="0" g="0" b="0"/>
+      </a:effectRef>
+      <a:fontRef idx="minor">
+        <a:schemeClr val="lt1"/>
+      </a:fontRef>
+    </dgm:style>
+  </dgm:styleLbl>
+  <dgm:styleLbl name="bgSibTrans2D1">
+    <dgm:scene3d>
+      <a:camera prst="orthographicFront"/>
+      <a:lightRig rig="threePt" dir="t"/>
+    </dgm:scene3d>
+    <dgm:sp3d/>
+    <dgm:txPr/>
+    <dgm:style>
+      <a:lnRef idx="0">
+        <a:scrgbClr r="0" g="0" b="0"/>
+      </a:lnRef>
+      <a:fillRef idx="1">
+        <a:scrgbClr r="0" g="0" b="0"/>
+      </a:fillRef>
+      <a:effectRef idx="0">
+        <a:scrgbClr r="0" g="0" b="0"/>
+      </a:effectRef>
+      <a:fontRef idx="minor">
+        <a:schemeClr val="lt1"/>
+      </a:fontRef>
+    </dgm:style>
+  </dgm:styleLbl>
+  <dgm:styleLbl name="sibTrans1D1">
+    <dgm:scene3d>
+      <a:camera prst="orthographicFront"/>
+      <a:lightRig rig="threePt" dir="t"/>
+    </dgm:scene3d>
+    <dgm:sp3d/>
+    <dgm:txPr/>
+    <dgm:style>
+      <a:lnRef idx="1">
+        <a:scrgbClr r="0" g="0" b="0"/>
+      </a:lnRef>
+      <a:fillRef idx="0">
+        <a:scrgbClr r="0" g="0" b="0"/>
+      </a:fillRef>
+      <a:effectRef idx="0">
+        <a:scrgbClr r="0" g="0" b="0"/>
+      </a:effectRef>
+      <a:fontRef idx="minor"/>
+    </dgm:style>
+  </dgm:styleLbl>
+  <dgm:styleLbl name="callout">
+    <dgm:scene3d>
+      <a:camera prst="orthographicFront"/>
+      <a:lightRig rig="threePt" dir="t"/>
+    </dgm:scene3d>
+    <dgm:sp3d/>
+    <dgm:txPr/>
+    <dgm:style>
+      <a:lnRef idx="2">
+        <a:scrgbClr r="0" g="0" b="0"/>
+      </a:lnRef>
+      <a:fillRef idx="1">
+        <a:scrgbClr r="0" g="0" b="0"/>
+      </a:fillRef>
+      <a:effectRef idx="0">
+        <a:scrgbClr r="0" g="0" b="0"/>
+      </a:effectRef>
+      <a:fontRef idx="minor"/>
+    </dgm:style>
+  </dgm:styleLbl>
+  <dgm:styleLbl name="asst0">
+    <dgm:scene3d>
+      <a:camera prst="orthographicFront"/>
+      <a:lightRig rig="threePt" dir="t"/>
+    </dgm:scene3d>
+    <dgm:sp3d/>
+    <dgm:txPr/>
+    <dgm:style>
+      <a:lnRef idx="2">
+        <a:scrgbClr r="0" g="0" b="0"/>
+      </a:lnRef>
+      <a:fillRef idx="1">
+        <a:scrgbClr r="0" g="0" b="0"/>
+      </a:fillRef>
+      <a:effectRef idx="0">
+        <a:scrgbClr r="0" g="0" b="0"/>
+      </a:effectRef>
+      <a:fontRef idx="minor">
+        <a:schemeClr val="lt1"/>
+      </a:fontRef>
+    </dgm:style>
+  </dgm:styleLbl>
+  <dgm:styleLbl name="asst1">
+    <dgm:scene3d>
+      <a:camera prst="orthographicFront"/>
+      <a:lightRig rig="threePt" dir="t"/>
+    </dgm:scene3d>
+    <dgm:sp3d/>
+    <dgm:txPr/>
+    <dgm:style>
+      <a:lnRef idx="2">
+        <a:scrgbClr r="0" g="0" b="0"/>
+      </a:lnRef>
+      <a:fillRef idx="1">
+        <a:scrgbClr r="0" g="0" b="0"/>
+      </a:fillRef>
+      <a:effectRef idx="0">
+        <a:scrgbClr r="0" g="0" b="0"/>
+      </a:effectRef>
+      <a:fontRef idx="minor">
+        <a:schemeClr val="lt1"/>
+      </a:fontRef>
+    </dgm:style>
+  </dgm:styleLbl>
+  <dgm:styleLbl name="asst2">
+    <dgm:scene3d>
+      <a:camera prst="orthographicFront"/>
+      <a:lightRig rig="threePt" dir="t"/>
+    </dgm:scene3d>
+    <dgm:sp3d/>
+    <dgm:txPr/>
+    <dgm:style>
+      <a:lnRef idx="2">
+        <a:scrgbClr r="0" g="0" b="0"/>
+      </a:lnRef>
+      <a:fillRef idx="1">
+        <a:scrgbClr r="0" g="0" b="0"/>
+      </a:fillRef>
+      <a:effectRef idx="0">
+        <a:scrgbClr r="0" g="0" b="0"/>
+      </a:effectRef>
+      <a:fontRef idx="minor">
+        <a:schemeClr val="lt1"/>
+      </a:fontRef>
+    </dgm:style>
+  </dgm:styleLbl>
+  <dgm:styleLbl name="asst3">
+    <dgm:scene3d>
+      <a:camera prst="orthographicFront"/>
+      <a:lightRig rig="threePt" dir="t"/>
+    </dgm:scene3d>
+    <dgm:sp3d/>
+    <dgm:txPr/>
+    <dgm:style>
+      <a:lnRef idx="2">
+        <a:scrgbClr r="0" g="0" b="0"/>
+      </a:lnRef>
+      <a:fillRef idx="1">
+        <a:scrgbClr r="0" g="0" b="0"/>
+      </a:fillRef>
+      <a:effectRef idx="0">
+        <a:scrgbClr r="0" g="0" b="0"/>
+      </a:effectRef>
+      <a:fontRef idx="minor">
+        <a:schemeClr val="lt1"/>
+      </a:fontRef>
+    </dgm:style>
+  </dgm:styleLbl>
+  <dgm:styleLbl name="asst4">
+    <dgm:scene3d>
+      <a:camera prst="orthographicFront"/>
+      <a:lightRig rig="threePt" dir="t"/>
+    </dgm:scene3d>
+    <dgm:sp3d/>
+    <dgm:txPr/>
+    <dgm:style>
+      <a:lnRef idx="2">
+        <a:scrgbClr r="0" g="0" b="0"/>
+      </a:lnRef>
+      <a:fillRef idx="1">
+        <a:scrgbClr r="0" g="0" b="0"/>
+      </a:fillRef>
+      <a:effectRef idx="0">
+        <a:scrgbClr r="0" g="0" b="0"/>
+      </a:effectRef>
+      <a:fontRef idx="minor">
+        <a:schemeClr val="lt1"/>
+      </a:fontRef>
+    </dgm:style>
+  </dgm:styleLbl>
+  <dgm:styleLbl name="parChTrans2D1">
+    <dgm:scene3d>
+      <a:camera prst="orthographicFront"/>
+      <a:lightRig rig="threePt" dir="t"/>
+    </dgm:scene3d>
+    <dgm:sp3d/>
+    <dgm:txPr/>
+    <dgm:style>
+      <a:lnRef idx="2">
+        <a:scrgbClr r="0" g="0" b="0"/>
+      </a:lnRef>
+      <a:fillRef idx="1">
+        <a:scrgbClr r="0" g="0" b="0"/>
+      </a:fillRef>
+      <a:effectRef idx="0">
+        <a:scrgbClr r="0" g="0" b="0"/>
+      </a:effectRef>
+      <a:fontRef idx="minor">
+        <a:schemeClr val="lt1"/>
+      </a:fontRef>
+    </dgm:style>
+  </dgm:styleLbl>
+  <dgm:styleLbl name="parChTrans2D2">
+    <dgm:scene3d>
+      <a:camera prst="orthographicFront"/>
+      <a:lightRig rig="threePt" dir="t"/>
+    </dgm:scene3d>
+    <dgm:sp3d/>
+    <dgm:txPr/>
+    <dgm:style>
+      <a:lnRef idx="2">
+        <a:scrgbClr r="0" g="0" b="0"/>
+      </a:lnRef>
+      <a:fillRef idx="1">
+        <a:scrgbClr r="0" g="0" b="0"/>
+      </a:fillRef>
+      <a:effectRef idx="0">
+        <a:scrgbClr r="0" g="0" b="0"/>
+      </a:effectRef>
+      <a:fontRef idx="minor">
+        <a:schemeClr val="lt1"/>
+      </a:fontRef>
+    </dgm:style>
+  </dgm:styleLbl>
+  <dgm:styleLbl name="parChTrans2D3">
+    <dgm:scene3d>
+      <a:camera prst="orthographicFront"/>
+      <a:lightRig rig="threePt" dir="t"/>
+    </dgm:scene3d>
+    <dgm:sp3d/>
+    <dgm:txPr/>
+    <dgm:style>
+      <a:lnRef idx="2">
+        <a:scrgbClr r="0" g="0" b="0"/>
+      </a:lnRef>
+      <a:fillRef idx="1">
+        <a:scrgbClr r="0" g="0" b="0"/>
+      </a:fillRef>
+      <a:effectRef idx="0">
+        <a:scrgbClr r="0" g="0" b="0"/>
+      </a:effectRef>
+      <a:fontRef idx="minor">
+        <a:schemeClr val="lt1"/>
+      </a:fontRef>
+    </dgm:style>
+  </dgm:styleLbl>
+  <dgm:styleLbl name="parChTrans2D4">
+    <dgm:scene3d>
+      <a:camera prst="orthographicFront"/>
+      <a:lightRig rig="threePt" dir="t"/>
+    </dgm:scene3d>
+    <dgm:sp3d/>
+    <dgm:txPr/>
+    <dgm:style>
+      <a:lnRef idx="2">
+        <a:scrgbClr r="0" g="0" b="0"/>
+      </a:lnRef>
+      <a:fillRef idx="1">
+        <a:scrgbClr r="0" g="0" b="0"/>
+      </a:fillRef>
+      <a:effectRef idx="0">
+        <a:scrgbClr r="0" g="0" b="0"/>
+      </a:effectRef>
+      <a:fontRef idx="minor">
+        <a:schemeClr val="lt1"/>
+      </a:fontRef>
+    </dgm:style>
+  </dgm:styleLbl>
+  <dgm:styleLbl name="parChTrans1D1">
+    <dgm:scene3d>
+      <a:camera prst="orthographicFront"/>
+      <a:lightRig rig="threePt" dir="t"/>
+    </dgm:scene3d>
+    <dgm:sp3d/>
+    <dgm:txPr/>
+    <dgm:style>
+      <a:lnRef idx="2">
+        <a:scrgbClr r="0" g="0" b="0"/>
+      </a:lnRef>
+      <a:fillRef idx="0">
+        <a:scrgbClr r="0" g="0" b="0"/>
+      </a:fillRef>
+      <a:effectRef idx="0">
+        <a:scrgbClr r="0" g="0" b="0"/>
+      </a:effectRef>
+      <a:fontRef idx="minor"/>
+    </dgm:style>
+  </dgm:styleLbl>
+  <dgm:styleLbl name="parChTrans1D2">
+    <dgm:scene3d>
+      <a:camera prst="orthographicFront"/>
+      <a:lightRig rig="threePt" dir="t"/>
+    </dgm:scene3d>
+    <dgm:sp3d/>
+    <dgm:txPr/>
+    <dgm:style>
+      <a:lnRef idx="2">
+        <a:scrgbClr r="0" g="0" b="0"/>
+      </a:lnRef>
+      <a:fillRef idx="0">
+        <a:scrgbClr r="0" g="0" b="0"/>
+      </a:fillRef>
+      <a:effectRef idx="0">
+        <a:scrgbClr r="0" g="0" b="0"/>
+      </a:effectRef>
+      <a:fontRef idx="minor"/>
+    </dgm:style>
+  </dgm:styleLbl>
+  <dgm:styleLbl name="parChTrans1D3">
+    <dgm:scene3d>
+      <a:camera prst="orthographicFront"/>
+      <a:lightRig rig="threePt" dir="t"/>
+    </dgm:scene3d>
+    <dgm:sp3d/>
+    <dgm:txPr/>
+    <dgm:style>
+      <a:lnRef idx="2">
+        <a:scrgbClr r="0" g="0" b="0"/>
+      </a:lnRef>
+      <a:fillRef idx="0">
+        <a:scrgbClr r="0" g="0" b="0"/>
+      </a:fillRef>
+      <a:effectRef idx="0">
+        <a:scrgbClr r="0" g="0" b="0"/>
+      </a:effectRef>
+      <a:fontRef idx="minor"/>
+    </dgm:style>
+  </dgm:styleLbl>
+  <dgm:styleLbl name="parChTrans1D4">
+    <dgm:scene3d>
+      <a:camera prst="orthographicFront"/>
+      <a:lightRig rig="threePt" dir="t"/>
+    </dgm:scene3d>
+    <dgm:sp3d/>
+    <dgm:txPr/>
+    <dgm:style>
+      <a:lnRef idx="2">
+        <a:scrgbClr r="0" g="0" b="0"/>
+      </a:lnRef>
+      <a:fillRef idx="0">
+        <a:scrgbClr r="0" g="0" b="0"/>
+      </a:fillRef>
+      <a:effectRef idx="0">
+        <a:scrgbClr r="0" g="0" b="0"/>
+      </a:effectRef>
+      <a:fontRef idx="minor"/>
+    </dgm:style>
+  </dgm:styleLbl>
+  <dgm:styleLbl name="fgAcc1">
+    <dgm:scene3d>
+      <a:camera prst="orthographicFront"/>
+      <a:lightRig rig="threePt" dir="t"/>
+    </dgm:scene3d>
+    <dgm:sp3d/>
+    <dgm:txPr/>
+    <dgm:style>
+      <a:lnRef idx="2">
+        <a:scrgbClr r="0" g="0" b="0"/>
+      </a:lnRef>
+      <a:fillRef idx="1">
+        <a:scrgbClr r="0" g="0" b="0"/>
+      </a:fillRef>
+      <a:effectRef idx="0">
+        <a:scrgbClr r="0" g="0" b="0"/>
+      </a:effectRef>
+      <a:fontRef idx="minor"/>
+    </dgm:style>
+  </dgm:styleLbl>
+  <dgm:styleLbl name="conFgAcc1">
+    <dgm:scene3d>
+      <a:camera prst="orthographicFront"/>
+      <a:lightRig rig="threePt" dir="t"/>
+    </dgm:scene3d>
+    <dgm:sp3d/>
+    <dgm:txPr/>
+    <dgm:style>
+      <a:lnRef idx="2">
+        <a:scrgbClr r="0" g="0" b="0"/>
+      </a:lnRef>
+      <a:fillRef idx="1">
+        <a:scrgbClr r="0" g="0" b="0"/>
+      </a:fillRef>
+      <a:effectRef idx="0">
+        <a:scrgbClr r="0" g="0" b="0"/>
+      </a:effectRef>
+      <a:fontRef idx="minor"/>
+    </dgm:style>
+  </dgm:styleLbl>
+  <dgm:styleLbl name="alignAcc1">
+    <dgm:scene3d>
+      <a:camera prst="orthographicFront"/>
+      <a:lightRig rig="threePt" dir="t"/>
+    </dgm:scene3d>
+    <dgm:sp3d/>
+    <dgm:txPr/>
+    <dgm:style>
+      <a:lnRef idx="2">
+        <a:scrgbClr r="0" g="0" b="0"/>
+      </a:lnRef>
+      <a:fillRef idx="1">
+        <a:scrgbClr r="0" g="0" b="0"/>
+      </a:fillRef>
+      <a:effectRef idx="0">
+        <a:scrgbClr r="0" g="0" b="0"/>
+      </a:effectRef>
+      <a:fontRef idx="minor"/>
+    </dgm:style>
+  </dgm:styleLbl>
+  <dgm:styleLbl name="trAlignAcc1">
+    <dgm:scene3d>
+      <a:camera prst="orthographicFront"/>
+      <a:lightRig rig="threePt" dir="t"/>
+    </dgm:scene3d>
+    <dgm:sp3d/>
+    <dgm:txPr/>
+    <dgm:style>
+      <a:lnRef idx="1">
+        <a:scrgbClr r="0" g="0" b="0"/>
+      </a:lnRef>
+      <a:fillRef idx="1">
+        <a:scrgbClr r="0" g="0" b="0"/>
+      </a:fillRef>
+      <a:effectRef idx="0">
+        <a:scrgbClr r="0" g="0" b="0"/>
+      </a:effectRef>
+      <a:fontRef idx="minor"/>
+    </dgm:style>
+  </dgm:styleLbl>
+  <dgm:styleLbl name="bgAcc1">
+    <dgm:scene3d>
+      <a:camera prst="orthographicFront"/>
+      <a:lightRig rig="threePt" dir="t"/>
+    </dgm:scene3d>
+    <dgm:sp3d/>
+    <dgm:txPr/>
+    <dgm:style>
+      <a:lnRef idx="2">
+        <a:scrgbClr r="0" g="0" b="0"/>
+      </a:lnRef>
+      <a:fillRef idx="1">
+        <a:scrgbClr r="0" g="0" b="0"/>
+      </a:fillRef>
+      <a:effectRef idx="0">
+        <a:scrgbClr r="0" g="0" b="0"/>
+      </a:effectRef>
+      <a:fontRef idx="minor"/>
+    </dgm:style>
+  </dgm:styleLbl>
+  <dgm:styleLbl name="solidFgAcc1">
+    <dgm:scene3d>
+      <a:camera prst="orthographicFront"/>
+      <a:lightRig rig="threePt" dir="t"/>
+    </dgm:scene3d>
+    <dgm:sp3d/>
+    <dgm:txPr/>
+    <dgm:style>
+      <a:lnRef idx="2">
+        <a:scrgbClr r="0" g="0" b="0"/>
+      </a:lnRef>
+      <a:fillRef idx="1">
+        <a:scrgbClr r="0" g="0" b="0"/>
+      </a:fillRef>
+      <a:effectRef idx="0">
+        <a:scrgbClr r="0" g="0" b="0"/>
+      </a:effectRef>
+      <a:fontRef idx="minor"/>
+    </dgm:style>
+  </dgm:styleLbl>
+  <dgm:styleLbl name="solidAlignAcc1">
+    <dgm:scene3d>
+      <a:camera prst="orthographicFront"/>
+      <a:lightRig rig="threePt" dir="t"/>
+    </dgm:scene3d>
+    <dgm:sp3d/>
+    <dgm:txPr/>
+    <dgm:style>
+      <a:lnRef idx="2">
+        <a:scrgbClr r="0" g="0" b="0"/>
+      </a:lnRef>
+      <a:fillRef idx="1">
+        <a:scrgbClr r="0" g="0" b="0"/>
+      </a:fillRef>
+      <a:effectRef idx="0">
+        <a:scrgbClr r="0" g="0" b="0"/>
+      </a:effectRef>
+      <a:fontRef idx="minor"/>
+    </dgm:style>
+  </dgm:styleLbl>
+  <dgm:styleLbl name="solidBgAcc1">
+    <dgm:scene3d>
+      <a:camera prst="orthographicFront"/>
+      <a:lightRig rig="threePt" dir="t"/>
+    </dgm:scene3d>
+    <dgm:sp3d/>
+    <dgm:txPr/>
+    <dgm:style>
+      <a:lnRef idx="2">
+        <a:scrgbClr r="0" g="0" b="0"/>
+      </a:lnRef>
+      <a:fillRef idx="1">
+        <a:scrgbClr r="0" g="0" b="0"/>
+      </a:fillRef>
+      <a:effectRef idx="0">
+        <a:scrgbClr r="0" g="0" b="0"/>
+      </a:effectRef>
+      <a:fontRef idx="minor"/>
+    </dgm:style>
+  </dgm:styleLbl>
+  <dgm:styleLbl name="fgAccFollowNode1">
+    <dgm:scene3d>
+      <a:camera prst="orthographicFront"/>
+      <a:lightRig rig="threePt" dir="t"/>
+    </dgm:scene3d>
+    <dgm:sp3d/>
+    <dgm:txPr/>
+    <dgm:style>
+      <a:lnRef idx="2">
+        <a:scrgbClr r="0" g="0" b="0"/>
+      </a:lnRef>
+      <a:fillRef idx="1">
+        <a:scrgbClr r="0" g="0" b="0"/>
+      </a:fillRef>
+      <a:effectRef idx="0">
+        <a:scrgbClr r="0" g="0" b="0"/>
+      </a:effectRef>
+      <a:fontRef idx="minor"/>
+    </dgm:style>
+  </dgm:styleLbl>
+  <dgm:styleLbl name="alignAccFollowNode1">
+    <dgm:scene3d>
+      <a:camera prst="orthographicFront"/>
+      <a:lightRig rig="threePt" dir="t"/>
+    </dgm:scene3d>
+    <dgm:sp3d/>
+    <dgm:txPr/>
+    <dgm:style>
+      <a:lnRef idx="2">
+        <a:scrgbClr r="0" g="0" b="0"/>
+      </a:lnRef>
+      <a:fillRef idx="1">
+        <a:scrgbClr r="0" g="0" b="0"/>
+      </a:fillRef>
+      <a:effectRef idx="0">
+        <a:scrgbClr r="0" g="0" b="0"/>
+      </a:effectRef>
+      <a:fontRef idx="minor"/>
+    </dgm:style>
+  </dgm:styleLbl>
+  <dgm:styleLbl name="bgAccFollowNode1">
+    <dgm:scene3d>
+      <a:camera prst="orthographicFront"/>
+      <a:lightRig rig="threePt" dir="t"/>
+    </dgm:scene3d>
+    <dgm:sp3d/>
+    <dgm:txPr/>
+    <dgm:style>
+      <a:lnRef idx="2">
+        <a:scrgbClr r="0" g="0" b="0"/>
+      </a:lnRef>
+      <a:fillRef idx="1">
+        <a:scrgbClr r="0" g="0" b="0"/>
+      </a:fillRef>
+      <a:effectRef idx="0">
+        <a:scrgbClr r="0" g="0" b="0"/>
+      </a:effectRef>
+      <a:fontRef idx="minor"/>
+    </dgm:style>
+  </dgm:styleLbl>
+  <dgm:styleLbl name="fgAcc0">
+    <dgm:scene3d>
+      <a:camera prst="orthographicFront"/>
+      <a:lightRig rig="threePt" dir="t"/>
+    </dgm:scene3d>
+    <dgm:sp3d/>
+    <dgm:txPr/>
+    <dgm:style>
+      <a:lnRef idx="2">
+        <a:scrgbClr r="0" g="0" b="0"/>
+      </a:lnRef>
+      <a:fillRef idx="1">
+        <a:scrgbClr r="0" g="0" b="0"/>
+      </a:fillRef>
+      <a:effectRef idx="0">
+        <a:scrgbClr r="0" g="0" b="0"/>
+      </a:effectRef>
+      <a:fontRef idx="minor"/>
+    </dgm:style>
+  </dgm:styleLbl>
+  <dgm:styleLbl name="fgAcc2">
+    <dgm:scene3d>
+      <a:camera prst="orthographicFront"/>
+      <a:lightRig rig="threePt" dir="t"/>
+    </dgm:scene3d>
+    <dgm:sp3d/>
+    <dgm:txPr/>
+    <dgm:style>
+      <a:lnRef idx="2">
+        <a:scrgbClr r="0" g="0" b="0"/>
+      </a:lnRef>
+      <a:fillRef idx="1">
+        <a:scrgbClr r="0" g="0" b="0"/>
+      </a:fillRef>
+      <a:effectRef idx="0">
+        <a:scrgbClr r="0" g="0" b="0"/>
+      </a:effectRef>
+      <a:fontRef idx="minor"/>
+    </dgm:style>
+  </dgm:styleLbl>
+  <dgm:styleLbl name="fgAcc3">
+    <dgm:scene3d>
+      <a:camera prst="orthographicFront"/>
+      <a:lightRig rig="threePt" dir="t"/>
+    </dgm:scene3d>
+    <dgm:sp3d/>
+    <dgm:txPr/>
+    <dgm:style>
+      <a:lnRef idx="2">
+        <a:scrgbClr r="0" g="0" b="0"/>
+      </a:lnRef>
+      <a:fillRef idx="1">
+        <a:scrgbClr r="0" g="0" b="0"/>
+      </a:fillRef>
+      <a:effectRef idx="0">
+        <a:scrgbClr r="0" g="0" b="0"/>
+      </a:effectRef>
+      <a:fontRef idx="minor"/>
+    </dgm:style>
+  </dgm:styleLbl>
+  <dgm:styleLbl name="fgAcc4">
+    <dgm:scene3d>
+      <a:camera prst="orthographicFront"/>
+      <a:lightRig rig="threePt" dir="t"/>
+    </dgm:scene3d>
+    <dgm:sp3d/>
+    <dgm:txPr/>
+    <dgm:style>
+      <a:lnRef idx="2">
+        <a:scrgbClr r="0" g="0" b="0"/>
+      </a:lnRef>
+      <a:fillRef idx="1">
+        <a:scrgbClr r="0" g="0" b="0"/>
+      </a:fillRef>
+      <a:effectRef idx="0">
+        <a:scrgbClr r="0" g="0" b="0"/>
+      </a:effectRef>
+      <a:fontRef idx="minor"/>
+    </dgm:style>
+  </dgm:styleLbl>
+  <dgm:styleLbl name="bgShp">
+    <dgm:scene3d>
+      <a:camera prst="orthographicFront"/>
+      <a:lightRig rig="threePt" dir="t"/>
+    </dgm:scene3d>
+    <dgm:sp3d/>
+    <dgm:txPr/>
+    <dgm:style>
+      <a:lnRef idx="0">
+        <a:scrgbClr r="0" g="0" b="0"/>
+      </a:lnRef>
+      <a:fillRef idx="1">
+        <a:scrgbClr r="0" g="0" b="0"/>
+      </a:fillRef>
+      <a:effectRef idx="0">
+        <a:scrgbClr r="0" g="0" b="0"/>
+      </a:effectRef>
+      <a:fontRef idx="minor"/>
+    </dgm:style>
+  </dgm:styleLbl>
+  <dgm:styleLbl name="dkBgShp">
+    <dgm:scene3d>
+      <a:camera prst="orthographicFront"/>
+      <a:lightRig rig="threePt" dir="t"/>
+    </dgm:scene3d>
+    <dgm:sp3d/>
+    <dgm:txPr/>
+    <dgm:style>
+      <a:lnRef idx="0">
+        <a:scrgbClr r="0" g="0" b="0"/>
+      </a:lnRef>
+      <a:fillRef idx="1">
+        <a:scrgbClr r="0" g="0" b="0"/>
+      </a:fillRef>
+      <a:effectRef idx="0">
+        <a:scrgbClr r="0" g="0" b="0"/>
+      </a:effectRef>
+      <a:fontRef idx="minor"/>
+    </dgm:style>
+  </dgm:styleLbl>
+  <dgm:styleLbl name="trBgShp">
+    <dgm:scene3d>
+      <a:camera prst="orthographicFront"/>
+      <a:lightRig rig="threePt" dir="t"/>
+    </dgm:scene3d>
+    <dgm:sp3d/>
+    <dgm:txPr/>
+    <dgm:style>
+      <a:lnRef idx="0">
+        <a:scrgbClr r="0" g="0" b="0"/>
+      </a:lnRef>
+      <a:fillRef idx="1">
+        <a:scrgbClr r="0" g="0" b="0"/>
+      </a:fillRef>
+      <a:effectRef idx="0">
+        <a:scrgbClr r="0" g="0" b="0"/>
+      </a:effectRef>
+      <a:fontRef idx="minor"/>
+    </dgm:style>
+  </dgm:styleLbl>
+  <dgm:styleLbl name="fgShp">
+    <dgm:scene3d>
+      <a:camera prst="orthographicFront"/>
+      <a:lightRig rig="threePt" dir="t"/>
+    </dgm:scene3d>
+    <dgm:sp3d/>
+    <dgm:txPr/>
+    <dgm:style>
+      <a:lnRef idx="2">
+        <a:scrgbClr r="0" g="0" b="0"/>
+      </a:lnRef>
+      <a:fillRef idx="1">
+        <a:scrgbClr r="0" g="0" b="0"/>
+      </a:fillRef>
+      <a:effectRef idx="0">
+        <a:scrgbClr r="0" g="0" b="0"/>
+      </a:effectRef>
+      <a:fontRef idx="minor"/>
+    </dgm:style>
+  </dgm:styleLbl>
+  <dgm:styleLbl name="revTx">
+    <dgm:scene3d>
+      <a:camera prst="orthographicFront"/>
+      <a:lightRig rig="threePt" dir="t"/>
+    </dgm:scene3d>
+    <dgm:sp3d/>
+    <dgm:txPr/>
+    <dgm:style>
+      <a:lnRef idx="0">
+        <a:scrgbClr r="0" g="0" b="0"/>
+      </a:lnRef>
+      <a:fillRef idx="0">
+        <a:scrgbClr r="0" g="0" b="0"/>
+      </a:fillRef>
+      <a:effectRef idx="0">
+        <a:scrgbClr r="0" g="0" b="0"/>
+      </a:effectRef>
+      <a:fontRef idx="minor"/>
+    </dgm:style>
+  </dgm:styleLbl>
+</dgm:styleDef>
+</file>
+
+<file path=ppt/diagrams/quickStyle7.xml><?xml version="1.0" encoding="utf-8"?>
 <dgm:styleDef xmlns:dgm="http://schemas.openxmlformats.org/drawingml/2006/diagram" xmlns:a="http://schemas.openxmlformats.org/drawingml/2006/main" uniqueId="urn:microsoft.com/office/officeart/2005/8/quickstyle/simple1">
   <dgm:title val=""/>
   <dgm:desc val=""/>
@@ -19985,7 +23375,7 @@
           <a:p>
             <a:fld id="{AA69B1D8-59FA-49C3-813B-80026D84086B}" type="datetimeFigureOut">
               <a:rPr lang="nl-BE" smtClean="0"/>
-              <a:t>12/12/2022</a:t>
+              <a:t>13/12/2022</a:t>
             </a:fld>
             <a:endParaRPr lang="nl-BE"/>
           </a:p>
@@ -20371,7 +23761,7 @@
           <a:p>
             <a:fld id="{610EB285-665A-404E-A451-F20ED9E98D38}" type="slidenum">
               <a:rPr lang="nl-BE" smtClean="0"/>
-              <a:t>5</a:t>
+              <a:t>4</a:t>
             </a:fld>
             <a:endParaRPr lang="nl-BE"/>
           </a:p>
@@ -20607,7 +23997,7 @@
           <a:p>
             <a:fld id="{610EB285-665A-404E-A451-F20ED9E98D38}" type="slidenum">
               <a:rPr lang="nl-BE" smtClean="0"/>
-              <a:t>9</a:t>
+              <a:t>10</a:t>
             </a:fld>
             <a:endParaRPr lang="nl-BE"/>
           </a:p>
@@ -20617,6 +24007,242 @@
     <p:extLst>
       <p:ext uri="{BB962C8B-B14F-4D97-AF65-F5344CB8AC3E}">
         <p14:creationId xmlns:p14="http://schemas.microsoft.com/office/powerpoint/2010/main" val="2182226716"/>
+      </p:ext>
+    </p:extLst>
+  </p:cSld>
+  <p:clrMapOvr>
+    <a:masterClrMapping/>
+  </p:clrMapOvr>
+</p:notes>
+</file>
+
+<file path=ppt/notesSlides/notesSlide3.xml><?xml version="1.0" encoding="utf-8"?>
+<p:notes xmlns:a="http://schemas.openxmlformats.org/drawingml/2006/main" xmlns:r="http://schemas.openxmlformats.org/officeDocument/2006/relationships" xmlns:p="http://schemas.openxmlformats.org/presentationml/2006/main">
+  <p:cSld>
+    <p:spTree>
+      <p:nvGrpSpPr>
+        <p:cNvPr id="1" name=""/>
+        <p:cNvGrpSpPr/>
+        <p:nvPr/>
+      </p:nvGrpSpPr>
+      <p:grpSpPr>
+        <a:xfrm>
+          <a:off x="0" y="0"/>
+          <a:ext cx="0" cy="0"/>
+          <a:chOff x="0" y="0"/>
+          <a:chExt cx="0" cy="0"/>
+        </a:xfrm>
+      </p:grpSpPr>
+      <p:sp>
+        <p:nvSpPr>
+          <p:cNvPr id="2" name="Slide Image Placeholder 1"/>
+          <p:cNvSpPr>
+            <a:spLocks noGrp="1" noRot="1" noChangeAspect="1"/>
+          </p:cNvSpPr>
+          <p:nvPr>
+            <p:ph type="sldImg"/>
+          </p:nvPr>
+        </p:nvSpPr>
+        <p:spPr/>
+      </p:sp>
+      <p:sp>
+        <p:nvSpPr>
+          <p:cNvPr id="3" name="Notes Placeholder 2"/>
+          <p:cNvSpPr>
+            <a:spLocks noGrp="1"/>
+          </p:cNvSpPr>
+          <p:nvPr>
+            <p:ph type="body" idx="1"/>
+          </p:nvPr>
+        </p:nvSpPr>
+        <p:spPr/>
+        <p:txBody>
+          <a:bodyPr/>
+          <a:lstStyle/>
+          <a:p>
+            <a:pPr lvl="0"/>
+            <a:r>
+              <a:rPr lang="en-US" b="1" dirty="0"/>
+              <a:t>Monitor Processes</a:t>
+            </a:r>
+            <a:r>
+              <a:rPr lang="en-US" b="0" dirty="0"/>
+              <a:t>: </a:t>
+            </a:r>
+            <a:br>
+              <a:rPr lang="en-US" b="0" dirty="0"/>
+            </a:br>
+            <a:r>
+              <a:rPr lang="en-US" b="0" dirty="0" err="1"/>
+              <a:t>Qbot</a:t>
+            </a:r>
+            <a:r>
+              <a:rPr lang="en-US" b="0" dirty="0"/>
+              <a:t> is a malicious program that is designed to run in the background of your system. Monitor processes to detect any suspicious or unknown processes that are running in the background.</a:t>
+            </a:r>
+            <a:endParaRPr lang="en-US" dirty="0"/>
+          </a:p>
+          <a:p>
+            <a:pPr lvl="0"/>
+            <a:br>
+              <a:rPr lang="en-US" b="1" dirty="0"/>
+            </a:br>
+            <a:r>
+              <a:rPr lang="en-US" b="1" dirty="0"/>
+              <a:t>Check Network Connections</a:t>
+            </a:r>
+            <a:r>
+              <a:rPr lang="en-US" b="0" dirty="0"/>
+              <a:t>: </a:t>
+            </a:r>
+            <a:br>
+              <a:rPr lang="en-US" b="0" dirty="0"/>
+            </a:br>
+            <a:r>
+              <a:rPr lang="en-US" b="0" dirty="0" err="1"/>
+              <a:t>Qbot</a:t>
+            </a:r>
+            <a:r>
+              <a:rPr lang="en-US" b="0" dirty="0"/>
+              <a:t> often communicates with malicious servers to receive instructions or to download additional malicious components. Monitor network connections to detect any suspicious connections that may be related to </a:t>
+            </a:r>
+            <a:r>
+              <a:rPr lang="en-US" b="0" dirty="0" err="1"/>
+              <a:t>Qbot</a:t>
+            </a:r>
+            <a:r>
+              <a:rPr lang="en-US" b="0" dirty="0"/>
+              <a:t>.</a:t>
+            </a:r>
+            <a:endParaRPr lang="en-US" dirty="0"/>
+          </a:p>
+          <a:p>
+            <a:pPr lvl="0"/>
+            <a:br>
+              <a:rPr lang="en-US" b="1" dirty="0"/>
+            </a:br>
+            <a:r>
+              <a:rPr lang="en-US" b="1" dirty="0"/>
+              <a:t>Scan for Malware</a:t>
+            </a:r>
+            <a:r>
+              <a:rPr lang="en-US" b="0" dirty="0"/>
+              <a:t>: </a:t>
+            </a:r>
+            <a:br>
+              <a:rPr lang="en-US" b="0" dirty="0"/>
+            </a:br>
+            <a:r>
+              <a:rPr lang="en-US" b="0" dirty="0"/>
+              <a:t>Use a reliable anti-malware program to scan your system for any malicious files or programs that may be related to </a:t>
+            </a:r>
+            <a:r>
+              <a:rPr lang="en-US" b="0" dirty="0" err="1"/>
+              <a:t>Qbot</a:t>
+            </a:r>
+            <a:r>
+              <a:rPr lang="en-US" b="0" dirty="0"/>
+              <a:t>.</a:t>
+            </a:r>
+          </a:p>
+          <a:p>
+            <a:pPr lvl="0"/>
+            <a:br>
+              <a:rPr lang="en-US" b="1" dirty="0"/>
+            </a:br>
+            <a:r>
+              <a:rPr lang="en-US" b="1" dirty="0"/>
+              <a:t>Check Registry</a:t>
+            </a:r>
+            <a:r>
+              <a:rPr lang="en-US" b="0" dirty="0"/>
+              <a:t>: </a:t>
+            </a:r>
+            <a:br>
+              <a:rPr lang="en-US" b="0" dirty="0"/>
+            </a:br>
+            <a:r>
+              <a:rPr lang="en-US" b="0" dirty="0" err="1"/>
+              <a:t>Qbot</a:t>
+            </a:r>
+            <a:r>
+              <a:rPr lang="en-US" b="0" dirty="0"/>
+              <a:t> often adds malicious entries to the Windows registry. Check the registry for any suspicious entries that may be related to </a:t>
+            </a:r>
+            <a:r>
+              <a:rPr lang="en-US" b="0" dirty="0" err="1"/>
+              <a:t>Qbot</a:t>
+            </a:r>
+            <a:r>
+              <a:rPr lang="en-US" b="0" dirty="0"/>
+              <a:t>.</a:t>
+            </a:r>
+          </a:p>
+          <a:p>
+            <a:pPr lvl="0"/>
+            <a:br>
+              <a:rPr lang="en-US" b="1" dirty="0"/>
+            </a:br>
+            <a:r>
+              <a:rPr lang="en-US" b="1" dirty="0"/>
+              <a:t>Monitor for Unusual Activity</a:t>
+            </a:r>
+            <a:r>
+              <a:rPr lang="en-US" b="0" dirty="0"/>
+              <a:t>: </a:t>
+            </a:r>
+            <a:br>
+              <a:rPr lang="en-US" b="0" dirty="0"/>
+            </a:br>
+            <a:r>
+              <a:rPr lang="en-US" b="0" dirty="0" err="1"/>
+              <a:t>Qbot</a:t>
+            </a:r>
+            <a:r>
+              <a:rPr lang="en-US" b="0" dirty="0"/>
+              <a:t> can be used for activities such as data exfiltration, credential theft and more. Monitor for any unusual activity on your system that may be related to </a:t>
+            </a:r>
+            <a:r>
+              <a:rPr lang="en-US" b="0" dirty="0" err="1"/>
+              <a:t>Qbot</a:t>
+            </a:r>
+            <a:r>
+              <a:rPr lang="en-US" b="0" dirty="0"/>
+              <a:t>.</a:t>
+            </a:r>
+          </a:p>
+          <a:p>
+            <a:endParaRPr lang="nl-BE" dirty="0"/>
+          </a:p>
+        </p:txBody>
+      </p:sp>
+      <p:sp>
+        <p:nvSpPr>
+          <p:cNvPr id="4" name="Slide Number Placeholder 3"/>
+          <p:cNvSpPr>
+            <a:spLocks noGrp="1"/>
+          </p:cNvSpPr>
+          <p:nvPr>
+            <p:ph type="sldNum" sz="quarter" idx="5"/>
+          </p:nvPr>
+        </p:nvSpPr>
+        <p:spPr/>
+        <p:txBody>
+          <a:bodyPr/>
+          <a:lstStyle/>
+          <a:p>
+            <a:fld id="{610EB285-665A-404E-A451-F20ED9E98D38}" type="slidenum">
+              <a:rPr lang="nl-BE" smtClean="0"/>
+              <a:t>11</a:t>
+            </a:fld>
+            <a:endParaRPr lang="nl-BE"/>
+          </a:p>
+        </p:txBody>
+      </p:sp>
+    </p:spTree>
+    <p:extLst>
+      <p:ext uri="{BB962C8B-B14F-4D97-AF65-F5344CB8AC3E}">
+        <p14:creationId xmlns:p14="http://schemas.microsoft.com/office/powerpoint/2010/main" val="3640241221"/>
       </p:ext>
     </p:extLst>
   </p:cSld>
@@ -20933,7 +24559,7 @@
           <a:p>
             <a:fld id="{12241623-A064-4BED-B073-BA4D61433402}" type="datetime1">
               <a:rPr lang="en-US" smtClean="0"/>
-              <a:t>12/12/2022</a:t>
+              <a:t>12/13/2022</a:t>
             </a:fld>
             <a:endParaRPr lang="en-US" dirty="0"/>
           </a:p>
@@ -21744,7 +25370,7 @@
           <a:p>
             <a:fld id="{6F86ED0C-1DA7-41F0-94CF-6218B1FEDFF1}" type="datetime1">
               <a:rPr lang="en-US" smtClean="0"/>
-              <a:t>12/12/2022</a:t>
+              <a:t>12/13/2022</a:t>
             </a:fld>
             <a:endParaRPr lang="en-US" dirty="0"/>
           </a:p>
@@ -21943,7 +25569,7 @@
           <a:p>
             <a:fld id="{EECF02AB-6034-4B88-BC5A-7C17CB0EF809}" type="datetime1">
               <a:rPr lang="en-US" smtClean="0"/>
-              <a:t>12/12/2022</a:t>
+              <a:t>12/13/2022</a:t>
             </a:fld>
             <a:endParaRPr lang="en-US" dirty="0"/>
           </a:p>
@@ -22178,7 +25804,7 @@
           <a:p>
             <a:fld id="{22F3E5F3-28EE-488F-BD53-B744C06C3DEC}" type="datetime1">
               <a:rPr lang="en-US" smtClean="0"/>
-              <a:t>12/12/2022</a:t>
+              <a:t>12/13/2022</a:t>
             </a:fld>
             <a:endParaRPr lang="en-US" dirty="0"/>
           </a:p>
@@ -24871,7 +28497,7 @@
           <a:p>
             <a:fld id="{E72EB70D-CD01-44DA-83B3-8FEB3383D307}" type="datetime1">
               <a:rPr lang="en-US" smtClean="0"/>
-              <a:t>12/12/2022</a:t>
+              <a:t>12/13/2022</a:t>
             </a:fld>
             <a:endParaRPr lang="en-US" dirty="0"/>
           </a:p>
@@ -25067,7 +28693,7 @@
           <a:p>
             <a:fld id="{D0158CFD-9357-46BE-A189-D637A67C8730}" type="datetime1">
               <a:rPr lang="en-US" smtClean="0"/>
-              <a:t>12/12/2022</a:t>
+              <a:t>12/13/2022</a:t>
             </a:fld>
             <a:endParaRPr lang="en-US" dirty="0"/>
           </a:p>
@@ -25456,7 +29082,7 @@
           <a:p>
             <a:fld id="{7B4742EE-B331-4632-BD10-A82FED6B6FC0}" type="datetime1">
               <a:rPr lang="en-US" smtClean="0"/>
-              <a:t>12/12/2022</a:t>
+              <a:t>12/13/2022</a:t>
             </a:fld>
             <a:endParaRPr lang="en-US" dirty="0"/>
           </a:p>
@@ -25622,7 +29248,7 @@
           <a:p>
             <a:fld id="{451BA835-D13F-49F4-8F11-5D576AC65FAD}" type="datetime1">
               <a:rPr lang="en-US" smtClean="0"/>
-              <a:t>12/12/2022</a:t>
+              <a:t>12/13/2022</a:t>
             </a:fld>
             <a:endParaRPr lang="en-US" dirty="0"/>
           </a:p>
@@ -25745,7 +29371,7 @@
           <a:p>
             <a:fld id="{ADBD1799-ACB5-4CB2-86A2-5C574F1C8706}" type="datetime1">
               <a:rPr lang="en-US" smtClean="0"/>
-              <a:t>12/12/2022</a:t>
+              <a:t>12/13/2022</a:t>
             </a:fld>
             <a:endParaRPr lang="en-US" dirty="0"/>
           </a:p>
@@ -26055,7 +29681,7 @@
           <a:p>
             <a:fld id="{ED5DD0D6-7A82-473E-879B-C6ECD6CCCFEC}" type="datetime1">
               <a:rPr lang="en-US" smtClean="0"/>
-              <a:t>12/12/2022</a:t>
+              <a:t>12/13/2022</a:t>
             </a:fld>
             <a:endParaRPr lang="en-US" dirty="0"/>
           </a:p>
@@ -26355,7 +29981,7 @@
           <a:p>
             <a:fld id="{D4605E03-BC17-41A7-854C-DFAB672737DC}" type="datetime1">
               <a:rPr lang="en-US" smtClean="0"/>
-              <a:t>12/12/2022</a:t>
+              <a:t>12/13/2022</a:t>
             </a:fld>
             <a:endParaRPr lang="en-US" dirty="0"/>
           </a:p>
@@ -26607,7 +30233,7 @@
           <a:p>
             <a:fld id="{C4408324-A84C-4A45-93B6-78D079CCE772}" type="datetime1">
               <a:rPr lang="en-US" smtClean="0"/>
-              <a:t>12/12/2022</a:t>
+              <a:t>12/13/2022</a:t>
             </a:fld>
             <a:endParaRPr lang="en-US" dirty="0"/>
           </a:p>
@@ -27896,9 +31522,17 @@
 </p:sld>
 </file>
 
-<file path=ppt/slides/slide2.xml><?xml version="1.0" encoding="utf-8"?>
+<file path=ppt/slides/slide10.xml><?xml version="1.0" encoding="utf-8"?>
 <p:sld xmlns:a="http://schemas.openxmlformats.org/drawingml/2006/main" xmlns:r="http://schemas.openxmlformats.org/officeDocument/2006/relationships" xmlns:p="http://schemas.openxmlformats.org/presentationml/2006/main">
   <p:cSld>
+    <p:bg>
+      <p:bgPr>
+        <a:solidFill>
+          <a:schemeClr val="bg2"/>
+        </a:solidFill>
+        <a:effectLst/>
+      </p:bgPr>
+    </p:bg>
     <p:spTree>
       <p:nvGrpSpPr>
         <p:cNvPr id="1" name=""/>
@@ -27913,12 +31547,900 @@
           <a:chExt cx="0" cy="0"/>
         </a:xfrm>
       </p:grpSpPr>
+      <p:sp useBgFill="1">
+        <p:nvSpPr>
+          <p:cNvPr id="9" name="Rectangle 8">
+            <a:extLst>
+              <a:ext uri="{FF2B5EF4-FFF2-40B4-BE49-F238E27FC236}">
+                <a16:creationId xmlns:a16="http://schemas.microsoft.com/office/drawing/2014/main" id="{47FC6A8B-34F9-40FB-AA2D-E34168F52850}"/>
+              </a:ext>
+              <a:ext uri="{C183D7F6-B498-43B3-948B-1728B52AA6E4}">
+                <adec:decorative xmlns:adec="http://schemas.microsoft.com/office/drawing/2017/decorative" val="1"/>
+              </a:ext>
+            </a:extLst>
+          </p:cNvPr>
+          <p:cNvSpPr>
+            <a:spLocks noGrp="1" noRot="1" noChangeAspect="1" noMove="1" noResize="1" noEditPoints="1" noAdjustHandles="1" noChangeArrowheads="1" noChangeShapeType="1" noTextEdit="1"/>
+          </p:cNvSpPr>
+          <p:nvPr>
+            <p:extLst>
+              <p:ext uri="{386F3935-93C4-4BCD-93E2-E3B085C9AB24}">
+                <p16:designElem xmlns:p16="http://schemas.microsoft.com/office/powerpoint/2015/main" val="1"/>
+              </p:ext>
+            </p:extLst>
+          </p:nvPr>
+        </p:nvSpPr>
+        <p:spPr>
+          <a:xfrm>
+            <a:off x="153" y="0"/>
+            <a:ext cx="12191695" cy="6858000"/>
+          </a:xfrm>
+          <a:prstGeom prst="rect">
+            <a:avLst/>
+          </a:prstGeom>
+          <a:ln>
+            <a:noFill/>
+          </a:ln>
+        </p:spPr>
+        <p:style>
+          <a:lnRef idx="2">
+            <a:schemeClr val="accent1">
+              <a:shade val="50000"/>
+            </a:schemeClr>
+          </a:lnRef>
+          <a:fillRef idx="1">
+            <a:schemeClr val="accent1"/>
+          </a:fillRef>
+          <a:effectRef idx="0">
+            <a:schemeClr val="accent1"/>
+          </a:effectRef>
+          <a:fontRef idx="minor">
+            <a:schemeClr val="lt1"/>
+          </a:fontRef>
+        </p:style>
+        <p:txBody>
+          <a:bodyPr rtlCol="0" anchor="ctr"/>
+          <a:lstStyle/>
+          <a:p>
+            <a:pPr marL="0" marR="0" lvl="0" indent="0" algn="ctr" defTabSz="457200" rtl="0" eaLnBrk="1" fontAlgn="auto" latinLnBrk="0" hangingPunct="1">
+              <a:lnSpc>
+                <a:spcPct val="100000"/>
+              </a:lnSpc>
+              <a:spcBef>
+                <a:spcPts val="0"/>
+              </a:spcBef>
+              <a:spcAft>
+                <a:spcPts val="0"/>
+              </a:spcAft>
+              <a:buClrTx/>
+              <a:buSzTx/>
+              <a:buFontTx/>
+              <a:buNone/>
+              <a:tabLst/>
+              <a:defRPr/>
+            </a:pPr>
+            <a:endParaRPr kumimoji="0" lang="en-US" sz="1800" b="0" i="0" u="none" strike="noStrike" kern="1200" cap="none" spc="0" normalizeH="0" baseline="0" noProof="0" dirty="0">
+              <a:ln>
+                <a:noFill/>
+              </a:ln>
+              <a:solidFill>
+                <a:prstClr val="white"/>
+              </a:solidFill>
+              <a:effectLst/>
+              <a:uLnTx/>
+              <a:uFillTx/>
+              <a:latin typeface="Meiryo"/>
+              <a:ea typeface="+mn-ea"/>
+              <a:cs typeface="+mn-cs"/>
+            </a:endParaRPr>
+          </a:p>
+        </p:txBody>
+      </p:sp>
+      <p:sp>
+        <p:nvSpPr>
+          <p:cNvPr id="11" name="Freeform: Shape 10">
+            <a:extLst>
+              <a:ext uri="{FF2B5EF4-FFF2-40B4-BE49-F238E27FC236}">
+                <a16:creationId xmlns:a16="http://schemas.microsoft.com/office/drawing/2014/main" id="{1EC86DB4-572A-4F71-AF8A-2395B4CA779F}"/>
+              </a:ext>
+              <a:ext uri="{C183D7F6-B498-43B3-948B-1728B52AA6E4}">
+                <adec:decorative xmlns:adec="http://schemas.microsoft.com/office/drawing/2017/decorative" val="1"/>
+              </a:ext>
+            </a:extLst>
+          </p:cNvPr>
+          <p:cNvSpPr>
+            <a:spLocks noGrp="1" noRot="1" noChangeAspect="1" noMove="1" noResize="1" noEditPoints="1" noAdjustHandles="1" noChangeArrowheads="1" noChangeShapeType="1" noTextEdit="1"/>
+          </p:cNvSpPr>
+          <p:nvPr>
+            <p:extLst>
+              <p:ext uri="{386F3935-93C4-4BCD-93E2-E3B085C9AB24}">
+                <p16:designElem xmlns:p16="http://schemas.microsoft.com/office/powerpoint/2015/main" val="1"/>
+              </p:ext>
+            </p:extLst>
+          </p:nvPr>
+        </p:nvSpPr>
+        <p:spPr>
+          <a:xfrm flipH="1" flipV="1">
+            <a:off x="756583" y="0"/>
+            <a:ext cx="11435265" cy="6858000"/>
+          </a:xfrm>
+          <a:custGeom>
+            <a:avLst/>
+            <a:gdLst>
+              <a:gd name="connsiteX0" fmla="*/ 9925983 w 11435265"/>
+              <a:gd name="connsiteY0" fmla="*/ 6858000 h 6858000"/>
+              <a:gd name="connsiteX1" fmla="*/ 0 w 11435265"/>
+              <a:gd name="connsiteY1" fmla="*/ 6858000 h 6858000"/>
+              <a:gd name="connsiteX2" fmla="*/ 0 w 11435265"/>
+              <a:gd name="connsiteY2" fmla="*/ 0 h 6858000"/>
+              <a:gd name="connsiteX3" fmla="*/ 996904 w 11435265"/>
+              <a:gd name="connsiteY3" fmla="*/ 0 h 6858000"/>
+              <a:gd name="connsiteX4" fmla="*/ 2426875 w 11435265"/>
+              <a:gd name="connsiteY4" fmla="*/ 0 h 6858000"/>
+              <a:gd name="connsiteX5" fmla="*/ 4014127 w 11435265"/>
+              <a:gd name="connsiteY5" fmla="*/ 0 h 6858000"/>
+              <a:gd name="connsiteX6" fmla="*/ 4359595 w 11435265"/>
+              <a:gd name="connsiteY6" fmla="*/ 0 h 6858000"/>
+              <a:gd name="connsiteX7" fmla="*/ 4647960 w 11435265"/>
+              <a:gd name="connsiteY7" fmla="*/ 0 h 6858000"/>
+              <a:gd name="connsiteX8" fmla="*/ 4691093 w 11435265"/>
+              <a:gd name="connsiteY8" fmla="*/ 0 h 6858000"/>
+              <a:gd name="connsiteX9" fmla="*/ 5558544 w 11435265"/>
+              <a:gd name="connsiteY9" fmla="*/ 0 h 6858000"/>
+              <a:gd name="connsiteX10" fmla="*/ 5570664 w 11435265"/>
+              <a:gd name="connsiteY10" fmla="*/ 0 h 6858000"/>
+              <a:gd name="connsiteX11" fmla="*/ 5695183 w 11435265"/>
+              <a:gd name="connsiteY11" fmla="*/ 0 h 6858000"/>
+              <a:gd name="connsiteX12" fmla="*/ 7177357 w 11435265"/>
+              <a:gd name="connsiteY12" fmla="*/ 0 h 6858000"/>
+              <a:gd name="connsiteX13" fmla="*/ 9824163 w 11435265"/>
+              <a:gd name="connsiteY13" fmla="*/ 0 h 6858000"/>
+              <a:gd name="connsiteX14" fmla="*/ 9846125 w 11435265"/>
+              <a:gd name="connsiteY14" fmla="*/ 16892 h 6858000"/>
+              <a:gd name="connsiteX15" fmla="*/ 11435265 w 11435265"/>
+              <a:gd name="connsiteY15" fmla="*/ 4079318 h 6858000"/>
+              <a:gd name="connsiteX16" fmla="*/ 10261404 w 11435265"/>
+              <a:gd name="connsiteY16" fmla="*/ 6542447 h 6858000"/>
+            </a:gdLst>
+            <a:ahLst/>
+            <a:cxnLst>
+              <a:cxn ang="0">
+                <a:pos x="connsiteX0" y="connsiteY0"/>
+              </a:cxn>
+              <a:cxn ang="0">
+                <a:pos x="connsiteX1" y="connsiteY1"/>
+              </a:cxn>
+              <a:cxn ang="0">
+                <a:pos x="connsiteX2" y="connsiteY2"/>
+              </a:cxn>
+              <a:cxn ang="0">
+                <a:pos x="connsiteX3" y="connsiteY3"/>
+              </a:cxn>
+              <a:cxn ang="0">
+                <a:pos x="connsiteX4" y="connsiteY4"/>
+              </a:cxn>
+              <a:cxn ang="0">
+                <a:pos x="connsiteX5" y="connsiteY5"/>
+              </a:cxn>
+              <a:cxn ang="0">
+                <a:pos x="connsiteX6" y="connsiteY6"/>
+              </a:cxn>
+              <a:cxn ang="0">
+                <a:pos x="connsiteX7" y="connsiteY7"/>
+              </a:cxn>
+              <a:cxn ang="0">
+                <a:pos x="connsiteX8" y="connsiteY8"/>
+              </a:cxn>
+              <a:cxn ang="0">
+                <a:pos x="connsiteX9" y="connsiteY9"/>
+              </a:cxn>
+              <a:cxn ang="0">
+                <a:pos x="connsiteX10" y="connsiteY10"/>
+              </a:cxn>
+              <a:cxn ang="0">
+                <a:pos x="connsiteX11" y="connsiteY11"/>
+              </a:cxn>
+              <a:cxn ang="0">
+                <a:pos x="connsiteX12" y="connsiteY12"/>
+              </a:cxn>
+              <a:cxn ang="0">
+                <a:pos x="connsiteX13" y="connsiteY13"/>
+              </a:cxn>
+              <a:cxn ang="0">
+                <a:pos x="connsiteX14" y="connsiteY14"/>
+              </a:cxn>
+              <a:cxn ang="0">
+                <a:pos x="connsiteX15" y="connsiteY15"/>
+              </a:cxn>
+              <a:cxn ang="0">
+                <a:pos x="connsiteX16" y="connsiteY16"/>
+              </a:cxn>
+            </a:cxnLst>
+            <a:rect l="l" t="t" r="r" b="b"/>
+            <a:pathLst>
+              <a:path w="11435265" h="6858000">
+                <a:moveTo>
+                  <a:pt x="9925983" y="6858000"/>
+                </a:moveTo>
+                <a:lnTo>
+                  <a:pt x="0" y="6858000"/>
+                </a:lnTo>
+                <a:lnTo>
+                  <a:pt x="0" y="0"/>
+                </a:lnTo>
+                <a:lnTo>
+                  <a:pt x="996904" y="0"/>
+                </a:lnTo>
+                <a:lnTo>
+                  <a:pt x="2426875" y="0"/>
+                </a:lnTo>
+                <a:lnTo>
+                  <a:pt x="4014127" y="0"/>
+                </a:lnTo>
+                <a:lnTo>
+                  <a:pt x="4359595" y="0"/>
+                </a:lnTo>
+                <a:lnTo>
+                  <a:pt x="4647960" y="0"/>
+                </a:lnTo>
+                <a:lnTo>
+                  <a:pt x="4691093" y="0"/>
+                </a:lnTo>
+                <a:lnTo>
+                  <a:pt x="5558544" y="0"/>
+                </a:lnTo>
+                <a:lnTo>
+                  <a:pt x="5570664" y="0"/>
+                </a:lnTo>
+                <a:lnTo>
+                  <a:pt x="5695183" y="0"/>
+                </a:lnTo>
+                <a:lnTo>
+                  <a:pt x="7177357" y="0"/>
+                </a:lnTo>
+                <a:lnTo>
+                  <a:pt x="9824163" y="0"/>
+                </a:lnTo>
+                <a:lnTo>
+                  <a:pt x="9846125" y="16892"/>
+                </a:lnTo>
+                <a:cubicBezTo>
+                  <a:pt x="10865743" y="850004"/>
+                  <a:pt x="11435265" y="2357705"/>
+                  <a:pt x="11435265" y="4079318"/>
+                </a:cubicBezTo>
+                <a:cubicBezTo>
+                  <a:pt x="11435265" y="5217633"/>
+                  <a:pt x="10916694" y="5903717"/>
+                  <a:pt x="10261404" y="6542447"/>
+                </a:cubicBezTo>
+                <a:close/>
+              </a:path>
+            </a:pathLst>
+          </a:custGeom>
+          <a:solidFill>
+            <a:schemeClr val="bg1">
+              <a:alpha val="60000"/>
+            </a:schemeClr>
+          </a:solidFill>
+          <a:ln>
+            <a:noFill/>
+          </a:ln>
+        </p:spPr>
+        <p:style>
+          <a:lnRef idx="2">
+            <a:schemeClr val="accent1">
+              <a:shade val="50000"/>
+            </a:schemeClr>
+          </a:lnRef>
+          <a:fillRef idx="1">
+            <a:schemeClr val="accent1"/>
+          </a:fillRef>
+          <a:effectRef idx="0">
+            <a:schemeClr val="accent1"/>
+          </a:effectRef>
+          <a:fontRef idx="minor">
+            <a:schemeClr val="lt1"/>
+          </a:fontRef>
+        </p:style>
+        <p:txBody>
+          <a:bodyPr wrap="square" rtlCol="0" anchor="ctr">
+            <a:noAutofit/>
+          </a:bodyPr>
+          <a:lstStyle/>
+          <a:p>
+            <a:pPr algn="ctr"/>
+            <a:endParaRPr lang="en-US"/>
+          </a:p>
+        </p:txBody>
+      </p:sp>
+      <p:sp>
+        <p:nvSpPr>
+          <p:cNvPr id="13" name="Freeform: Shape 12">
+            <a:extLst>
+              <a:ext uri="{FF2B5EF4-FFF2-40B4-BE49-F238E27FC236}">
+                <a16:creationId xmlns:a16="http://schemas.microsoft.com/office/drawing/2014/main" id="{71BA53A4-C4B7-4189-9FC1-6350B1AB5DFE}"/>
+              </a:ext>
+              <a:ext uri="{C183D7F6-B498-43B3-948B-1728B52AA6E4}">
+                <adec:decorative xmlns:adec="http://schemas.microsoft.com/office/drawing/2017/decorative" val="1"/>
+              </a:ext>
+            </a:extLst>
+          </p:cNvPr>
+          <p:cNvSpPr>
+            <a:spLocks noGrp="1" noRot="1" noChangeAspect="1" noMove="1" noResize="1" noEditPoints="1" noAdjustHandles="1" noChangeArrowheads="1" noChangeShapeType="1" noTextEdit="1"/>
+          </p:cNvSpPr>
+          <p:nvPr>
+            <p:extLst>
+              <p:ext uri="{386F3935-93C4-4BCD-93E2-E3B085C9AB24}">
+                <p16:designElem xmlns:p16="http://schemas.microsoft.com/office/powerpoint/2015/main" val="1"/>
+              </p:ext>
+            </p:extLst>
+          </p:nvPr>
+        </p:nvSpPr>
+        <p:spPr>
+          <a:xfrm flipH="1" flipV="1">
+            <a:off x="341199" y="0"/>
+            <a:ext cx="1518348" cy="6858000"/>
+          </a:xfrm>
+          <a:custGeom>
+            <a:avLst/>
+            <a:gdLst>
+              <a:gd name="connsiteX0" fmla="*/ 19178 w 1518348"/>
+              <a:gd name="connsiteY0" fmla="*/ 6858000 h 6858000"/>
+              <a:gd name="connsiteX1" fmla="*/ 0 w 1518348"/>
+              <a:gd name="connsiteY1" fmla="*/ 6858000 h 6858000"/>
+              <a:gd name="connsiteX2" fmla="*/ 241394 w 1518348"/>
+              <a:gd name="connsiteY2" fmla="*/ 6638611 h 6858000"/>
+              <a:gd name="connsiteX3" fmla="*/ 1493356 w 1518348"/>
+              <a:gd name="connsiteY3" fmla="*/ 4142424 h 6858000"/>
+              <a:gd name="connsiteX4" fmla="*/ 282053 w 1518348"/>
+              <a:gd name="connsiteY4" fmla="*/ 26474 h 6858000"/>
+              <a:gd name="connsiteX5" fmla="*/ 256233 w 1518348"/>
+              <a:gd name="connsiteY5" fmla="*/ 0 h 6858000"/>
+              <a:gd name="connsiteX6" fmla="*/ 273463 w 1518348"/>
+              <a:gd name="connsiteY6" fmla="*/ 0 h 6858000"/>
+              <a:gd name="connsiteX7" fmla="*/ 300199 w 1518348"/>
+              <a:gd name="connsiteY7" fmla="*/ 27414 h 6858000"/>
+              <a:gd name="connsiteX8" fmla="*/ 1511501 w 1518348"/>
+              <a:gd name="connsiteY8" fmla="*/ 4143362 h 6858000"/>
+              <a:gd name="connsiteX9" fmla="*/ 259539 w 1518348"/>
+              <a:gd name="connsiteY9" fmla="*/ 6639549 h 6858000"/>
+            </a:gdLst>
+            <a:ahLst/>
+            <a:cxnLst>
+              <a:cxn ang="0">
+                <a:pos x="connsiteX0" y="connsiteY0"/>
+              </a:cxn>
+              <a:cxn ang="0">
+                <a:pos x="connsiteX1" y="connsiteY1"/>
+              </a:cxn>
+              <a:cxn ang="0">
+                <a:pos x="connsiteX2" y="connsiteY2"/>
+              </a:cxn>
+              <a:cxn ang="0">
+                <a:pos x="connsiteX3" y="connsiteY3"/>
+              </a:cxn>
+              <a:cxn ang="0">
+                <a:pos x="connsiteX4" y="connsiteY4"/>
+              </a:cxn>
+              <a:cxn ang="0">
+                <a:pos x="connsiteX5" y="connsiteY5"/>
+              </a:cxn>
+              <a:cxn ang="0">
+                <a:pos x="connsiteX6" y="connsiteY6"/>
+              </a:cxn>
+              <a:cxn ang="0">
+                <a:pos x="connsiteX7" y="connsiteY7"/>
+              </a:cxn>
+              <a:cxn ang="0">
+                <a:pos x="connsiteX8" y="connsiteY8"/>
+              </a:cxn>
+              <a:cxn ang="0">
+                <a:pos x="connsiteX9" y="connsiteY9"/>
+              </a:cxn>
+            </a:cxnLst>
+            <a:rect l="l" t="t" r="r" b="b"/>
+            <a:pathLst>
+              <a:path w="1518348" h="6858000">
+                <a:moveTo>
+                  <a:pt x="19178" y="6858000"/>
+                </a:moveTo>
+                <a:lnTo>
+                  <a:pt x="0" y="6858000"/>
+                </a:lnTo>
+                <a:lnTo>
+                  <a:pt x="241394" y="6638611"/>
+                </a:lnTo>
+                <a:cubicBezTo>
+                  <a:pt x="909582" y="6009084"/>
+                  <a:pt x="1445892" y="5323498"/>
+                  <a:pt x="1493356" y="4142424"/>
+                </a:cubicBezTo>
+                <a:cubicBezTo>
+                  <a:pt x="1560655" y="2467784"/>
+                  <a:pt x="1130049" y="962858"/>
+                  <a:pt x="282053" y="26474"/>
+                </a:cubicBezTo>
+                <a:lnTo>
+                  <a:pt x="256233" y="0"/>
+                </a:lnTo>
+                <a:lnTo>
+                  <a:pt x="273463" y="0"/>
+                </a:lnTo>
+                <a:lnTo>
+                  <a:pt x="300199" y="27414"/>
+                </a:lnTo>
+                <a:cubicBezTo>
+                  <a:pt x="1148195" y="963796"/>
+                  <a:pt x="1578800" y="2468723"/>
+                  <a:pt x="1511501" y="4143362"/>
+                </a:cubicBezTo>
+                <a:cubicBezTo>
+                  <a:pt x="1464037" y="5324436"/>
+                  <a:pt x="927728" y="6010023"/>
+                  <a:pt x="259539" y="6639549"/>
+                </a:cubicBezTo>
+                <a:close/>
+              </a:path>
+            </a:pathLst>
+          </a:custGeom>
+          <a:solidFill>
+            <a:srgbClr val="FFFFFF"/>
+          </a:solidFill>
+          <a:ln>
+            <a:noFill/>
+          </a:ln>
+        </p:spPr>
+        <p:style>
+          <a:lnRef idx="2">
+            <a:schemeClr val="accent1">
+              <a:shade val="50000"/>
+            </a:schemeClr>
+          </a:lnRef>
+          <a:fillRef idx="1">
+            <a:schemeClr val="accent1"/>
+          </a:fillRef>
+          <a:effectRef idx="0">
+            <a:schemeClr val="accent1"/>
+          </a:effectRef>
+          <a:fontRef idx="minor">
+            <a:schemeClr val="lt1"/>
+          </a:fontRef>
+        </p:style>
+        <p:txBody>
+          <a:bodyPr wrap="square" rtlCol="0" anchor="ctr">
+            <a:noAutofit/>
+          </a:bodyPr>
+          <a:lstStyle/>
+          <a:p>
+            <a:pPr marL="0" marR="0" lvl="0" indent="0" algn="ctr" defTabSz="457200" rtl="0" eaLnBrk="1" fontAlgn="auto" latinLnBrk="0" hangingPunct="1">
+              <a:lnSpc>
+                <a:spcPct val="100000"/>
+              </a:lnSpc>
+              <a:spcBef>
+                <a:spcPts val="0"/>
+              </a:spcBef>
+              <a:spcAft>
+                <a:spcPts val="0"/>
+              </a:spcAft>
+              <a:buClrTx/>
+              <a:buSzTx/>
+              <a:buFontTx/>
+              <a:buNone/>
+              <a:tabLst/>
+              <a:defRPr/>
+            </a:pPr>
+            <a:endParaRPr kumimoji="0" lang="en-US" sz="1800" b="0" i="0" u="none" strike="noStrike" kern="1200" cap="none" spc="0" normalizeH="0" baseline="0" noProof="0" dirty="0">
+              <a:ln>
+                <a:noFill/>
+              </a:ln>
+              <a:solidFill>
+                <a:prstClr val="white"/>
+              </a:solidFill>
+              <a:effectLst/>
+              <a:uLnTx/>
+              <a:uFillTx/>
+              <a:latin typeface="Meiryo"/>
+              <a:ea typeface="+mn-ea"/>
+              <a:cs typeface="+mn-cs"/>
+            </a:endParaRPr>
+          </a:p>
+        </p:txBody>
+      </p:sp>
+      <p:sp>
+        <p:nvSpPr>
+          <p:cNvPr id="15" name="Freeform: Shape 14">
+            <a:extLst>
+              <a:ext uri="{FF2B5EF4-FFF2-40B4-BE49-F238E27FC236}">
+                <a16:creationId xmlns:a16="http://schemas.microsoft.com/office/drawing/2014/main" id="{5558AD6E-B070-4640-AA07-87E208983ED8}"/>
+              </a:ext>
+              <a:ext uri="{C183D7F6-B498-43B3-948B-1728B52AA6E4}">
+                <adec:decorative xmlns:adec="http://schemas.microsoft.com/office/drawing/2017/decorative" val="1"/>
+              </a:ext>
+            </a:extLst>
+          </p:cNvPr>
+          <p:cNvSpPr>
+            <a:spLocks noGrp="1" noRot="1" noChangeAspect="1" noMove="1" noResize="1" noEditPoints="1" noAdjustHandles="1" noChangeArrowheads="1" noChangeShapeType="1" noTextEdit="1"/>
+          </p:cNvSpPr>
+          <p:nvPr>
+            <p:extLst>
+              <p:ext uri="{386F3935-93C4-4BCD-93E2-E3B085C9AB24}">
+                <p16:designElem xmlns:p16="http://schemas.microsoft.com/office/powerpoint/2015/main" val="1"/>
+              </p:ext>
+            </p:extLst>
+          </p:nvPr>
+        </p:nvSpPr>
+        <p:spPr>
+          <a:xfrm flipH="1" flipV="1">
+            <a:off x="552928" y="0"/>
+            <a:ext cx="1644534" cy="6858000"/>
+          </a:xfrm>
+          <a:custGeom>
+            <a:avLst/>
+            <a:gdLst>
+              <a:gd name="connsiteX0" fmla="*/ 135252 w 1644534"/>
+              <a:gd name="connsiteY0" fmla="*/ 6858000 h 6858000"/>
+              <a:gd name="connsiteX1" fmla="*/ 101819 w 1644534"/>
+              <a:gd name="connsiteY1" fmla="*/ 6858000 h 6858000"/>
+              <a:gd name="connsiteX2" fmla="*/ 437240 w 1644534"/>
+              <a:gd name="connsiteY2" fmla="*/ 6542447 h 6858000"/>
+              <a:gd name="connsiteX3" fmla="*/ 1611101 w 1644534"/>
+              <a:gd name="connsiteY3" fmla="*/ 4079318 h 6858000"/>
+              <a:gd name="connsiteX4" fmla="*/ 21961 w 1644534"/>
+              <a:gd name="connsiteY4" fmla="*/ 16892 h 6858000"/>
+              <a:gd name="connsiteX5" fmla="*/ 0 w 1644534"/>
+              <a:gd name="connsiteY5" fmla="*/ 0 h 6858000"/>
+              <a:gd name="connsiteX6" fmla="*/ 33433 w 1644534"/>
+              <a:gd name="connsiteY6" fmla="*/ 0 h 6858000"/>
+              <a:gd name="connsiteX7" fmla="*/ 55394 w 1644534"/>
+              <a:gd name="connsiteY7" fmla="*/ 16892 h 6858000"/>
+              <a:gd name="connsiteX8" fmla="*/ 1644534 w 1644534"/>
+              <a:gd name="connsiteY8" fmla="*/ 4079318 h 6858000"/>
+              <a:gd name="connsiteX9" fmla="*/ 470673 w 1644534"/>
+              <a:gd name="connsiteY9" fmla="*/ 6542447 h 6858000"/>
+            </a:gdLst>
+            <a:ahLst/>
+            <a:cxnLst>
+              <a:cxn ang="0">
+                <a:pos x="connsiteX0" y="connsiteY0"/>
+              </a:cxn>
+              <a:cxn ang="0">
+                <a:pos x="connsiteX1" y="connsiteY1"/>
+              </a:cxn>
+              <a:cxn ang="0">
+                <a:pos x="connsiteX2" y="connsiteY2"/>
+              </a:cxn>
+              <a:cxn ang="0">
+                <a:pos x="connsiteX3" y="connsiteY3"/>
+              </a:cxn>
+              <a:cxn ang="0">
+                <a:pos x="connsiteX4" y="connsiteY4"/>
+              </a:cxn>
+              <a:cxn ang="0">
+                <a:pos x="connsiteX5" y="connsiteY5"/>
+              </a:cxn>
+              <a:cxn ang="0">
+                <a:pos x="connsiteX6" y="connsiteY6"/>
+              </a:cxn>
+              <a:cxn ang="0">
+                <a:pos x="connsiteX7" y="connsiteY7"/>
+              </a:cxn>
+              <a:cxn ang="0">
+                <a:pos x="connsiteX8" y="connsiteY8"/>
+              </a:cxn>
+              <a:cxn ang="0">
+                <a:pos x="connsiteX9" y="connsiteY9"/>
+              </a:cxn>
+            </a:cxnLst>
+            <a:rect l="l" t="t" r="r" b="b"/>
+            <a:pathLst>
+              <a:path w="1644534" h="6858000">
+                <a:moveTo>
+                  <a:pt x="135252" y="6858000"/>
+                </a:moveTo>
+                <a:lnTo>
+                  <a:pt x="101819" y="6858000"/>
+                </a:lnTo>
+                <a:lnTo>
+                  <a:pt x="437240" y="6542447"/>
+                </a:lnTo>
+                <a:cubicBezTo>
+                  <a:pt x="1092531" y="5903717"/>
+                  <a:pt x="1611101" y="5217633"/>
+                  <a:pt x="1611101" y="4079318"/>
+                </a:cubicBezTo>
+                <a:cubicBezTo>
+                  <a:pt x="1611101" y="2357705"/>
+                  <a:pt x="1041580" y="850004"/>
+                  <a:pt x="21961" y="16892"/>
+                </a:cubicBezTo>
+                <a:lnTo>
+                  <a:pt x="0" y="0"/>
+                </a:lnTo>
+                <a:lnTo>
+                  <a:pt x="33433" y="0"/>
+                </a:lnTo>
+                <a:lnTo>
+                  <a:pt x="55394" y="16892"/>
+                </a:lnTo>
+                <a:cubicBezTo>
+                  <a:pt x="1075012" y="850004"/>
+                  <a:pt x="1644534" y="2357705"/>
+                  <a:pt x="1644534" y="4079318"/>
+                </a:cubicBezTo>
+                <a:cubicBezTo>
+                  <a:pt x="1644534" y="5217633"/>
+                  <a:pt x="1125963" y="5903717"/>
+                  <a:pt x="470673" y="6542447"/>
+                </a:cubicBezTo>
+                <a:close/>
+              </a:path>
+            </a:pathLst>
+          </a:custGeom>
+          <a:solidFill>
+            <a:srgbClr val="FFFFFF"/>
+          </a:solidFill>
+          <a:ln>
+            <a:noFill/>
+          </a:ln>
+        </p:spPr>
+        <p:style>
+          <a:lnRef idx="2">
+            <a:schemeClr val="accent1">
+              <a:shade val="50000"/>
+            </a:schemeClr>
+          </a:lnRef>
+          <a:fillRef idx="1">
+            <a:schemeClr val="accent1"/>
+          </a:fillRef>
+          <a:effectRef idx="0">
+            <a:schemeClr val="accent1"/>
+          </a:effectRef>
+          <a:fontRef idx="minor">
+            <a:schemeClr val="lt1"/>
+          </a:fontRef>
+        </p:style>
+        <p:txBody>
+          <a:bodyPr wrap="square" rtlCol="0" anchor="ctr">
+            <a:noAutofit/>
+          </a:bodyPr>
+          <a:lstStyle/>
+          <a:p>
+            <a:pPr marL="0" marR="0" lvl="0" indent="0" algn="ctr" defTabSz="914400" rtl="0" eaLnBrk="1" fontAlgn="auto" latinLnBrk="0" hangingPunct="1">
+              <a:lnSpc>
+                <a:spcPct val="100000"/>
+              </a:lnSpc>
+              <a:spcBef>
+                <a:spcPts val="0"/>
+              </a:spcBef>
+              <a:spcAft>
+                <a:spcPts val="0"/>
+              </a:spcAft>
+              <a:buClrTx/>
+              <a:buSzTx/>
+              <a:buFontTx/>
+              <a:buNone/>
+              <a:tabLst/>
+              <a:defRPr/>
+            </a:pPr>
+            <a:endParaRPr kumimoji="0" lang="en-US" sz="1800" b="0" i="0" u="none" strike="noStrike" kern="1200" cap="none" spc="0" normalizeH="0" baseline="0" noProof="0" dirty="0">
+              <a:ln>
+                <a:noFill/>
+              </a:ln>
+              <a:solidFill>
+                <a:prstClr val="white"/>
+              </a:solidFill>
+              <a:effectLst/>
+              <a:uLnTx/>
+              <a:uFillTx/>
+              <a:latin typeface="Meiryo"/>
+              <a:ea typeface="+mn-ea"/>
+              <a:cs typeface="+mn-cs"/>
+            </a:endParaRPr>
+          </a:p>
+        </p:txBody>
+      </p:sp>
+      <p:sp>
+        <p:nvSpPr>
+          <p:cNvPr id="17" name="Freeform: Shape 16">
+            <a:extLst>
+              <a:ext uri="{FF2B5EF4-FFF2-40B4-BE49-F238E27FC236}">
+                <a16:creationId xmlns:a16="http://schemas.microsoft.com/office/drawing/2014/main" id="{36ACFB69-D148-449E-AC5A-C55AA20A7F7F}"/>
+              </a:ext>
+              <a:ext uri="{C183D7F6-B498-43B3-948B-1728B52AA6E4}">
+                <adec:decorative xmlns:adec="http://schemas.microsoft.com/office/drawing/2017/decorative" val="1"/>
+              </a:ext>
+            </a:extLst>
+          </p:cNvPr>
+          <p:cNvSpPr>
+            <a:spLocks noGrp="1" noRot="1" noChangeAspect="1" noMove="1" noResize="1" noEditPoints="1" noAdjustHandles="1" noChangeArrowheads="1" noChangeShapeType="1" noTextEdit="1"/>
+          </p:cNvSpPr>
+          <p:nvPr>
+            <p:extLst>
+              <p:ext uri="{386F3935-93C4-4BCD-93E2-E3B085C9AB24}">
+                <p16:designElem xmlns:p16="http://schemas.microsoft.com/office/powerpoint/2015/main" val="1"/>
+              </p:ext>
+            </p:extLst>
+          </p:nvPr>
+        </p:nvSpPr>
+        <p:spPr>
+          <a:xfrm flipH="1" flipV="1">
+            <a:off x="988858" y="0"/>
+            <a:ext cx="1461546" cy="6858000"/>
+          </a:xfrm>
+          <a:custGeom>
+            <a:avLst/>
+            <a:gdLst>
+              <a:gd name="connsiteX0" fmla="*/ 107940 w 1461546"/>
+              <a:gd name="connsiteY0" fmla="*/ 6858000 h 6858000"/>
+              <a:gd name="connsiteX1" fmla="*/ 91317 w 1461546"/>
+              <a:gd name="connsiteY1" fmla="*/ 6858000 h 6858000"/>
+              <a:gd name="connsiteX2" fmla="*/ 392141 w 1461546"/>
+              <a:gd name="connsiteY2" fmla="*/ 6542447 h 6858000"/>
+              <a:gd name="connsiteX3" fmla="*/ 1444924 w 1461546"/>
+              <a:gd name="connsiteY3" fmla="*/ 4079318 h 6858000"/>
+              <a:gd name="connsiteX4" fmla="*/ 19696 w 1461546"/>
+              <a:gd name="connsiteY4" fmla="*/ 16892 h 6858000"/>
+              <a:gd name="connsiteX5" fmla="*/ 0 w 1461546"/>
+              <a:gd name="connsiteY5" fmla="*/ 0 h 6858000"/>
+              <a:gd name="connsiteX6" fmla="*/ 16622 w 1461546"/>
+              <a:gd name="connsiteY6" fmla="*/ 0 h 6858000"/>
+              <a:gd name="connsiteX7" fmla="*/ 36319 w 1461546"/>
+              <a:gd name="connsiteY7" fmla="*/ 16892 h 6858000"/>
+              <a:gd name="connsiteX8" fmla="*/ 1461546 w 1461546"/>
+              <a:gd name="connsiteY8" fmla="*/ 4079318 h 6858000"/>
+              <a:gd name="connsiteX9" fmla="*/ 408763 w 1461546"/>
+              <a:gd name="connsiteY9" fmla="*/ 6542447 h 6858000"/>
+            </a:gdLst>
+            <a:ahLst/>
+            <a:cxnLst>
+              <a:cxn ang="0">
+                <a:pos x="connsiteX0" y="connsiteY0"/>
+              </a:cxn>
+              <a:cxn ang="0">
+                <a:pos x="connsiteX1" y="connsiteY1"/>
+              </a:cxn>
+              <a:cxn ang="0">
+                <a:pos x="connsiteX2" y="connsiteY2"/>
+              </a:cxn>
+              <a:cxn ang="0">
+                <a:pos x="connsiteX3" y="connsiteY3"/>
+              </a:cxn>
+              <a:cxn ang="0">
+                <a:pos x="connsiteX4" y="connsiteY4"/>
+              </a:cxn>
+              <a:cxn ang="0">
+                <a:pos x="connsiteX5" y="connsiteY5"/>
+              </a:cxn>
+              <a:cxn ang="0">
+                <a:pos x="connsiteX6" y="connsiteY6"/>
+              </a:cxn>
+              <a:cxn ang="0">
+                <a:pos x="connsiteX7" y="connsiteY7"/>
+              </a:cxn>
+              <a:cxn ang="0">
+                <a:pos x="connsiteX8" y="connsiteY8"/>
+              </a:cxn>
+              <a:cxn ang="0">
+                <a:pos x="connsiteX9" y="connsiteY9"/>
+              </a:cxn>
+            </a:cxnLst>
+            <a:rect l="l" t="t" r="r" b="b"/>
+            <a:pathLst>
+              <a:path w="1461546" h="6858000">
+                <a:moveTo>
+                  <a:pt x="107940" y="6858000"/>
+                </a:moveTo>
+                <a:lnTo>
+                  <a:pt x="91317" y="6858000"/>
+                </a:lnTo>
+                <a:lnTo>
+                  <a:pt x="392141" y="6542447"/>
+                </a:lnTo>
+                <a:cubicBezTo>
+                  <a:pt x="979841" y="5903717"/>
+                  <a:pt x="1444924" y="5217633"/>
+                  <a:pt x="1444924" y="4079318"/>
+                </a:cubicBezTo>
+                <a:cubicBezTo>
+                  <a:pt x="1444924" y="2357705"/>
+                  <a:pt x="934146" y="850004"/>
+                  <a:pt x="19696" y="16892"/>
+                </a:cubicBezTo>
+                <a:lnTo>
+                  <a:pt x="0" y="0"/>
+                </a:lnTo>
+                <a:lnTo>
+                  <a:pt x="16622" y="0"/>
+                </a:lnTo>
+                <a:lnTo>
+                  <a:pt x="36319" y="16892"/>
+                </a:lnTo>
+                <a:cubicBezTo>
+                  <a:pt x="950768" y="850004"/>
+                  <a:pt x="1461546" y="2357705"/>
+                  <a:pt x="1461546" y="4079318"/>
+                </a:cubicBezTo>
+                <a:cubicBezTo>
+                  <a:pt x="1461546" y="5217633"/>
+                  <a:pt x="996464" y="5903717"/>
+                  <a:pt x="408763" y="6542447"/>
+                </a:cubicBezTo>
+                <a:close/>
+              </a:path>
+            </a:pathLst>
+          </a:custGeom>
+          <a:solidFill>
+            <a:schemeClr val="bg2">
+              <a:lumMod val="90000"/>
+            </a:schemeClr>
+          </a:solidFill>
+          <a:ln>
+            <a:noFill/>
+          </a:ln>
+        </p:spPr>
+        <p:style>
+          <a:lnRef idx="2">
+            <a:schemeClr val="accent1">
+              <a:shade val="50000"/>
+            </a:schemeClr>
+          </a:lnRef>
+          <a:fillRef idx="1">
+            <a:schemeClr val="accent1"/>
+          </a:fillRef>
+          <a:effectRef idx="0">
+            <a:schemeClr val="accent1"/>
+          </a:effectRef>
+          <a:fontRef idx="minor">
+            <a:schemeClr val="lt1"/>
+          </a:fontRef>
+        </p:style>
+        <p:txBody>
+          <a:bodyPr wrap="square" rtlCol="0" anchor="ctr">
+            <a:noAutofit/>
+          </a:bodyPr>
+          <a:lstStyle/>
+          <a:p>
+            <a:pPr marL="0" marR="0" lvl="0" indent="0" algn="ctr" defTabSz="914400" rtl="0" eaLnBrk="1" fontAlgn="auto" latinLnBrk="0" hangingPunct="1">
+              <a:lnSpc>
+                <a:spcPct val="100000"/>
+              </a:lnSpc>
+              <a:spcBef>
+                <a:spcPts val="0"/>
+              </a:spcBef>
+              <a:spcAft>
+                <a:spcPts val="0"/>
+              </a:spcAft>
+              <a:buClrTx/>
+              <a:buSzTx/>
+              <a:buFontTx/>
+              <a:buNone/>
+              <a:tabLst/>
+              <a:defRPr/>
+            </a:pPr>
+            <a:endParaRPr kumimoji="0" lang="en-US" sz="1800" b="0" i="0" u="none" strike="noStrike" kern="1200" cap="none" spc="0" normalizeH="0" baseline="0" noProof="0">
+              <a:ln>
+                <a:noFill/>
+              </a:ln>
+              <a:solidFill>
+                <a:prstClr val="white"/>
+              </a:solidFill>
+              <a:effectLst/>
+              <a:uLnTx/>
+              <a:uFillTx/>
+              <a:latin typeface="Meiryo"/>
+              <a:ea typeface="+mn-ea"/>
+              <a:cs typeface="+mn-cs"/>
+            </a:endParaRPr>
+          </a:p>
+        </p:txBody>
+      </p:sp>
       <p:sp>
         <p:nvSpPr>
           <p:cNvPr id="2" name="Title 1">
             <a:extLst>
               <a:ext uri="{FF2B5EF4-FFF2-40B4-BE49-F238E27FC236}">
-                <a16:creationId xmlns:a16="http://schemas.microsoft.com/office/drawing/2014/main" id="{717246E6-CAC1-793C-5DD7-6053F625CBD9}"/>
+                <a16:creationId xmlns:a16="http://schemas.microsoft.com/office/drawing/2014/main" id="{9FB5EB4E-2764-2B58-A79B-FB9A31C445F8}"/>
               </a:ext>
             </a:extLst>
           </p:cNvPr>
@@ -27929,44 +32451,70 @@
             <p:ph type="title"/>
           </p:nvPr>
         </p:nvSpPr>
-        <p:spPr/>
+        <p:spPr>
+          <a:xfrm>
+            <a:off x="2377440" y="442220"/>
+            <a:ext cx="8397987" cy="1345269"/>
+          </a:xfrm>
+        </p:spPr>
         <p:txBody>
-          <a:bodyPr/>
+          <a:bodyPr anchor="b">
+            <a:normAutofit/>
+          </a:bodyPr>
           <a:lstStyle/>
           <a:p>
-            <a:endParaRPr lang="nl-BE" dirty="0"/>
+            <a:pPr>
+              <a:lnSpc>
+                <a:spcPct val="120000"/>
+              </a:lnSpc>
+            </a:pPr>
+            <a:r>
+              <a:rPr lang="en-US" sz="3000" dirty="0"/>
+              <a:t>How to detect and monitor these vectors: </a:t>
+            </a:r>
+            <a:r>
+              <a:rPr lang="en-US" sz="3000" dirty="0" err="1"/>
+              <a:t>Qbot</a:t>
+            </a:r>
+            <a:endParaRPr lang="nl-BE" sz="3000" dirty="0"/>
           </a:p>
         </p:txBody>
       </p:sp>
-      <p:sp>
-        <p:nvSpPr>
-          <p:cNvPr id="3" name="Content Placeholder 2">
+      <p:graphicFrame>
+        <p:nvGraphicFramePr>
+          <p:cNvPr id="5" name="Content Placeholder 2">
             <a:extLst>
               <a:ext uri="{FF2B5EF4-FFF2-40B4-BE49-F238E27FC236}">
-                <a16:creationId xmlns:a16="http://schemas.microsoft.com/office/drawing/2014/main" id="{9B1FE601-9A58-17F0-314A-E87C0376DA37}"/>
+                <a16:creationId xmlns:a16="http://schemas.microsoft.com/office/drawing/2014/main" id="{BB821297-B81F-F90E-5135-2A7E32E8509E}"/>
               </a:ext>
             </a:extLst>
           </p:cNvPr>
-          <p:cNvSpPr>
-            <a:spLocks noGrp="1"/>
-          </p:cNvSpPr>
+          <p:cNvGraphicFramePr>
+            <a:graphicFrameLocks noGrp="1"/>
+          </p:cNvGraphicFramePr>
           <p:nvPr>
             <p:ph idx="1"/>
+            <p:extLst>
+              <p:ext uri="{D42A27DB-BD31-4B8C-83A1-F6EECF244321}">
+                <p14:modId xmlns:p14="http://schemas.microsoft.com/office/powerpoint/2010/main" val="2331946597"/>
+              </p:ext>
+            </p:extLst>
           </p:nvPr>
-        </p:nvSpPr>
-        <p:spPr/>
-        <p:txBody>
-          <a:bodyPr/>
-          <a:lstStyle/>
-          <a:p>
-            <a:endParaRPr lang="nl-BE"/>
-          </a:p>
-        </p:txBody>
-      </p:sp>
+        </p:nvGraphicFramePr>
+        <p:xfrm>
+          <a:off x="2377439" y="2312988"/>
+          <a:ext cx="8312785" cy="3411537"/>
+        </p:xfrm>
+        <a:graphic>
+          <a:graphicData uri="http://schemas.openxmlformats.org/drawingml/2006/diagram">
+            <dgm:relIds xmlns:dgm="http://schemas.openxmlformats.org/drawingml/2006/diagram" xmlns:r="http://schemas.openxmlformats.org/officeDocument/2006/relationships" r:dm="rId3" r:lo="rId4" r:qs="rId5" r:cs="rId6"/>
+          </a:graphicData>
+        </a:graphic>
+      </p:graphicFrame>
     </p:spTree>
     <p:extLst>
       <p:ext uri="{BB962C8B-B14F-4D97-AF65-F5344CB8AC3E}">
-        <p14:creationId xmlns:p14="http://schemas.microsoft.com/office/powerpoint/2010/main" val="1727568515"/>
+        <p14:creationId xmlns:p14="http://schemas.microsoft.com/office/powerpoint/2010/main" val="1187498388"/>
       </p:ext>
     </p:extLst>
   </p:cSld>
@@ -27976,7 +32524,1005 @@
 </p:sld>
 </file>
 
-<file path=ppt/slides/slide3.xml><?xml version="1.0" encoding="utf-8"?>
+<file path=ppt/slides/slide11.xml><?xml version="1.0" encoding="utf-8"?>
+<p:sld xmlns:a="http://schemas.openxmlformats.org/drawingml/2006/main" xmlns:r="http://schemas.openxmlformats.org/officeDocument/2006/relationships" xmlns:p="http://schemas.openxmlformats.org/presentationml/2006/main">
+  <p:cSld>
+    <p:bg>
+      <p:bgPr>
+        <a:solidFill>
+          <a:schemeClr val="bg2"/>
+        </a:solidFill>
+        <a:effectLst/>
+      </p:bgPr>
+    </p:bg>
+    <p:spTree>
+      <p:nvGrpSpPr>
+        <p:cNvPr id="1" name=""/>
+        <p:cNvGrpSpPr/>
+        <p:nvPr/>
+      </p:nvGrpSpPr>
+      <p:grpSpPr>
+        <a:xfrm>
+          <a:off x="0" y="0"/>
+          <a:ext cx="0" cy="0"/>
+          <a:chOff x="0" y="0"/>
+          <a:chExt cx="0" cy="0"/>
+        </a:xfrm>
+      </p:grpSpPr>
+      <p:sp useBgFill="1">
+        <p:nvSpPr>
+          <p:cNvPr id="9" name="Rectangle 8">
+            <a:extLst>
+              <a:ext uri="{FF2B5EF4-FFF2-40B4-BE49-F238E27FC236}">
+                <a16:creationId xmlns:a16="http://schemas.microsoft.com/office/drawing/2014/main" id="{47FC6A8B-34F9-40FB-AA2D-E34168F52850}"/>
+              </a:ext>
+              <a:ext uri="{C183D7F6-B498-43B3-948B-1728B52AA6E4}">
+                <adec:decorative xmlns:adec="http://schemas.microsoft.com/office/drawing/2017/decorative" val="1"/>
+              </a:ext>
+            </a:extLst>
+          </p:cNvPr>
+          <p:cNvSpPr>
+            <a:spLocks noGrp="1" noRot="1" noChangeAspect="1" noMove="1" noResize="1" noEditPoints="1" noAdjustHandles="1" noChangeArrowheads="1" noChangeShapeType="1" noTextEdit="1"/>
+          </p:cNvSpPr>
+          <p:nvPr>
+            <p:extLst>
+              <p:ext uri="{386F3935-93C4-4BCD-93E2-E3B085C9AB24}">
+                <p16:designElem xmlns:p16="http://schemas.microsoft.com/office/powerpoint/2015/main" val="1"/>
+              </p:ext>
+            </p:extLst>
+          </p:nvPr>
+        </p:nvSpPr>
+        <p:spPr>
+          <a:xfrm>
+            <a:off x="153" y="0"/>
+            <a:ext cx="12191695" cy="6858000"/>
+          </a:xfrm>
+          <a:prstGeom prst="rect">
+            <a:avLst/>
+          </a:prstGeom>
+          <a:ln>
+            <a:noFill/>
+          </a:ln>
+        </p:spPr>
+        <p:style>
+          <a:lnRef idx="2">
+            <a:schemeClr val="accent1">
+              <a:shade val="50000"/>
+            </a:schemeClr>
+          </a:lnRef>
+          <a:fillRef idx="1">
+            <a:schemeClr val="accent1"/>
+          </a:fillRef>
+          <a:effectRef idx="0">
+            <a:schemeClr val="accent1"/>
+          </a:effectRef>
+          <a:fontRef idx="minor">
+            <a:schemeClr val="lt1"/>
+          </a:fontRef>
+        </p:style>
+        <p:txBody>
+          <a:bodyPr rtlCol="0" anchor="ctr"/>
+          <a:lstStyle/>
+          <a:p>
+            <a:pPr marL="0" marR="0" lvl="0" indent="0" algn="ctr" defTabSz="457200" rtl="0" eaLnBrk="1" fontAlgn="auto" latinLnBrk="0" hangingPunct="1">
+              <a:lnSpc>
+                <a:spcPct val="100000"/>
+              </a:lnSpc>
+              <a:spcBef>
+                <a:spcPts val="0"/>
+              </a:spcBef>
+              <a:spcAft>
+                <a:spcPts val="0"/>
+              </a:spcAft>
+              <a:buClrTx/>
+              <a:buSzTx/>
+              <a:buFontTx/>
+              <a:buNone/>
+              <a:tabLst/>
+              <a:defRPr/>
+            </a:pPr>
+            <a:endParaRPr kumimoji="0" lang="en-US" sz="1800" b="0" i="0" u="none" strike="noStrike" kern="1200" cap="none" spc="0" normalizeH="0" baseline="0" noProof="0" dirty="0">
+              <a:ln>
+                <a:noFill/>
+              </a:ln>
+              <a:solidFill>
+                <a:prstClr val="white"/>
+              </a:solidFill>
+              <a:effectLst/>
+              <a:uLnTx/>
+              <a:uFillTx/>
+              <a:latin typeface="Meiryo"/>
+              <a:ea typeface="+mn-ea"/>
+              <a:cs typeface="+mn-cs"/>
+            </a:endParaRPr>
+          </a:p>
+        </p:txBody>
+      </p:sp>
+      <p:sp>
+        <p:nvSpPr>
+          <p:cNvPr id="11" name="Freeform: Shape 10">
+            <a:extLst>
+              <a:ext uri="{FF2B5EF4-FFF2-40B4-BE49-F238E27FC236}">
+                <a16:creationId xmlns:a16="http://schemas.microsoft.com/office/drawing/2014/main" id="{1EC86DB4-572A-4F71-AF8A-2395B4CA779F}"/>
+              </a:ext>
+              <a:ext uri="{C183D7F6-B498-43B3-948B-1728B52AA6E4}">
+                <adec:decorative xmlns:adec="http://schemas.microsoft.com/office/drawing/2017/decorative" val="1"/>
+              </a:ext>
+            </a:extLst>
+          </p:cNvPr>
+          <p:cNvSpPr>
+            <a:spLocks noGrp="1" noRot="1" noChangeAspect="1" noMove="1" noResize="1" noEditPoints="1" noAdjustHandles="1" noChangeArrowheads="1" noChangeShapeType="1" noTextEdit="1"/>
+          </p:cNvSpPr>
+          <p:nvPr>
+            <p:extLst>
+              <p:ext uri="{386F3935-93C4-4BCD-93E2-E3B085C9AB24}">
+                <p16:designElem xmlns:p16="http://schemas.microsoft.com/office/powerpoint/2015/main" val="1"/>
+              </p:ext>
+            </p:extLst>
+          </p:nvPr>
+        </p:nvSpPr>
+        <p:spPr>
+          <a:xfrm flipH="1" flipV="1">
+            <a:off x="756583" y="0"/>
+            <a:ext cx="11435265" cy="6858000"/>
+          </a:xfrm>
+          <a:custGeom>
+            <a:avLst/>
+            <a:gdLst>
+              <a:gd name="connsiteX0" fmla="*/ 9925983 w 11435265"/>
+              <a:gd name="connsiteY0" fmla="*/ 6858000 h 6858000"/>
+              <a:gd name="connsiteX1" fmla="*/ 0 w 11435265"/>
+              <a:gd name="connsiteY1" fmla="*/ 6858000 h 6858000"/>
+              <a:gd name="connsiteX2" fmla="*/ 0 w 11435265"/>
+              <a:gd name="connsiteY2" fmla="*/ 0 h 6858000"/>
+              <a:gd name="connsiteX3" fmla="*/ 996904 w 11435265"/>
+              <a:gd name="connsiteY3" fmla="*/ 0 h 6858000"/>
+              <a:gd name="connsiteX4" fmla="*/ 2426875 w 11435265"/>
+              <a:gd name="connsiteY4" fmla="*/ 0 h 6858000"/>
+              <a:gd name="connsiteX5" fmla="*/ 4014127 w 11435265"/>
+              <a:gd name="connsiteY5" fmla="*/ 0 h 6858000"/>
+              <a:gd name="connsiteX6" fmla="*/ 4359595 w 11435265"/>
+              <a:gd name="connsiteY6" fmla="*/ 0 h 6858000"/>
+              <a:gd name="connsiteX7" fmla="*/ 4647960 w 11435265"/>
+              <a:gd name="connsiteY7" fmla="*/ 0 h 6858000"/>
+              <a:gd name="connsiteX8" fmla="*/ 4691093 w 11435265"/>
+              <a:gd name="connsiteY8" fmla="*/ 0 h 6858000"/>
+              <a:gd name="connsiteX9" fmla="*/ 5558544 w 11435265"/>
+              <a:gd name="connsiteY9" fmla="*/ 0 h 6858000"/>
+              <a:gd name="connsiteX10" fmla="*/ 5570664 w 11435265"/>
+              <a:gd name="connsiteY10" fmla="*/ 0 h 6858000"/>
+              <a:gd name="connsiteX11" fmla="*/ 5695183 w 11435265"/>
+              <a:gd name="connsiteY11" fmla="*/ 0 h 6858000"/>
+              <a:gd name="connsiteX12" fmla="*/ 7177357 w 11435265"/>
+              <a:gd name="connsiteY12" fmla="*/ 0 h 6858000"/>
+              <a:gd name="connsiteX13" fmla="*/ 9824163 w 11435265"/>
+              <a:gd name="connsiteY13" fmla="*/ 0 h 6858000"/>
+              <a:gd name="connsiteX14" fmla="*/ 9846125 w 11435265"/>
+              <a:gd name="connsiteY14" fmla="*/ 16892 h 6858000"/>
+              <a:gd name="connsiteX15" fmla="*/ 11435265 w 11435265"/>
+              <a:gd name="connsiteY15" fmla="*/ 4079318 h 6858000"/>
+              <a:gd name="connsiteX16" fmla="*/ 10261404 w 11435265"/>
+              <a:gd name="connsiteY16" fmla="*/ 6542447 h 6858000"/>
+            </a:gdLst>
+            <a:ahLst/>
+            <a:cxnLst>
+              <a:cxn ang="0">
+                <a:pos x="connsiteX0" y="connsiteY0"/>
+              </a:cxn>
+              <a:cxn ang="0">
+                <a:pos x="connsiteX1" y="connsiteY1"/>
+              </a:cxn>
+              <a:cxn ang="0">
+                <a:pos x="connsiteX2" y="connsiteY2"/>
+              </a:cxn>
+              <a:cxn ang="0">
+                <a:pos x="connsiteX3" y="connsiteY3"/>
+              </a:cxn>
+              <a:cxn ang="0">
+                <a:pos x="connsiteX4" y="connsiteY4"/>
+              </a:cxn>
+              <a:cxn ang="0">
+                <a:pos x="connsiteX5" y="connsiteY5"/>
+              </a:cxn>
+              <a:cxn ang="0">
+                <a:pos x="connsiteX6" y="connsiteY6"/>
+              </a:cxn>
+              <a:cxn ang="0">
+                <a:pos x="connsiteX7" y="connsiteY7"/>
+              </a:cxn>
+              <a:cxn ang="0">
+                <a:pos x="connsiteX8" y="connsiteY8"/>
+              </a:cxn>
+              <a:cxn ang="0">
+                <a:pos x="connsiteX9" y="connsiteY9"/>
+              </a:cxn>
+              <a:cxn ang="0">
+                <a:pos x="connsiteX10" y="connsiteY10"/>
+              </a:cxn>
+              <a:cxn ang="0">
+                <a:pos x="connsiteX11" y="connsiteY11"/>
+              </a:cxn>
+              <a:cxn ang="0">
+                <a:pos x="connsiteX12" y="connsiteY12"/>
+              </a:cxn>
+              <a:cxn ang="0">
+                <a:pos x="connsiteX13" y="connsiteY13"/>
+              </a:cxn>
+              <a:cxn ang="0">
+                <a:pos x="connsiteX14" y="connsiteY14"/>
+              </a:cxn>
+              <a:cxn ang="0">
+                <a:pos x="connsiteX15" y="connsiteY15"/>
+              </a:cxn>
+              <a:cxn ang="0">
+                <a:pos x="connsiteX16" y="connsiteY16"/>
+              </a:cxn>
+            </a:cxnLst>
+            <a:rect l="l" t="t" r="r" b="b"/>
+            <a:pathLst>
+              <a:path w="11435265" h="6858000">
+                <a:moveTo>
+                  <a:pt x="9925983" y="6858000"/>
+                </a:moveTo>
+                <a:lnTo>
+                  <a:pt x="0" y="6858000"/>
+                </a:lnTo>
+                <a:lnTo>
+                  <a:pt x="0" y="0"/>
+                </a:lnTo>
+                <a:lnTo>
+                  <a:pt x="996904" y="0"/>
+                </a:lnTo>
+                <a:lnTo>
+                  <a:pt x="2426875" y="0"/>
+                </a:lnTo>
+                <a:lnTo>
+                  <a:pt x="4014127" y="0"/>
+                </a:lnTo>
+                <a:lnTo>
+                  <a:pt x="4359595" y="0"/>
+                </a:lnTo>
+                <a:lnTo>
+                  <a:pt x="4647960" y="0"/>
+                </a:lnTo>
+                <a:lnTo>
+                  <a:pt x="4691093" y="0"/>
+                </a:lnTo>
+                <a:lnTo>
+                  <a:pt x="5558544" y="0"/>
+                </a:lnTo>
+                <a:lnTo>
+                  <a:pt x="5570664" y="0"/>
+                </a:lnTo>
+                <a:lnTo>
+                  <a:pt x="5695183" y="0"/>
+                </a:lnTo>
+                <a:lnTo>
+                  <a:pt x="7177357" y="0"/>
+                </a:lnTo>
+                <a:lnTo>
+                  <a:pt x="9824163" y="0"/>
+                </a:lnTo>
+                <a:lnTo>
+                  <a:pt x="9846125" y="16892"/>
+                </a:lnTo>
+                <a:cubicBezTo>
+                  <a:pt x="10865743" y="850004"/>
+                  <a:pt x="11435265" y="2357705"/>
+                  <a:pt x="11435265" y="4079318"/>
+                </a:cubicBezTo>
+                <a:cubicBezTo>
+                  <a:pt x="11435265" y="5217633"/>
+                  <a:pt x="10916694" y="5903717"/>
+                  <a:pt x="10261404" y="6542447"/>
+                </a:cubicBezTo>
+                <a:close/>
+              </a:path>
+            </a:pathLst>
+          </a:custGeom>
+          <a:solidFill>
+            <a:schemeClr val="bg1">
+              <a:alpha val="60000"/>
+            </a:schemeClr>
+          </a:solidFill>
+          <a:ln>
+            <a:noFill/>
+          </a:ln>
+        </p:spPr>
+        <p:style>
+          <a:lnRef idx="2">
+            <a:schemeClr val="accent1">
+              <a:shade val="50000"/>
+            </a:schemeClr>
+          </a:lnRef>
+          <a:fillRef idx="1">
+            <a:schemeClr val="accent1"/>
+          </a:fillRef>
+          <a:effectRef idx="0">
+            <a:schemeClr val="accent1"/>
+          </a:effectRef>
+          <a:fontRef idx="minor">
+            <a:schemeClr val="lt1"/>
+          </a:fontRef>
+        </p:style>
+        <p:txBody>
+          <a:bodyPr wrap="square" rtlCol="0" anchor="ctr">
+            <a:noAutofit/>
+          </a:bodyPr>
+          <a:lstStyle/>
+          <a:p>
+            <a:pPr algn="ctr"/>
+            <a:endParaRPr lang="en-US"/>
+          </a:p>
+        </p:txBody>
+      </p:sp>
+      <p:sp>
+        <p:nvSpPr>
+          <p:cNvPr id="13" name="Freeform: Shape 12">
+            <a:extLst>
+              <a:ext uri="{FF2B5EF4-FFF2-40B4-BE49-F238E27FC236}">
+                <a16:creationId xmlns:a16="http://schemas.microsoft.com/office/drawing/2014/main" id="{71BA53A4-C4B7-4189-9FC1-6350B1AB5DFE}"/>
+              </a:ext>
+              <a:ext uri="{C183D7F6-B498-43B3-948B-1728B52AA6E4}">
+                <adec:decorative xmlns:adec="http://schemas.microsoft.com/office/drawing/2017/decorative" val="1"/>
+              </a:ext>
+            </a:extLst>
+          </p:cNvPr>
+          <p:cNvSpPr>
+            <a:spLocks noGrp="1" noRot="1" noChangeAspect="1" noMove="1" noResize="1" noEditPoints="1" noAdjustHandles="1" noChangeArrowheads="1" noChangeShapeType="1" noTextEdit="1"/>
+          </p:cNvSpPr>
+          <p:nvPr>
+            <p:extLst>
+              <p:ext uri="{386F3935-93C4-4BCD-93E2-E3B085C9AB24}">
+                <p16:designElem xmlns:p16="http://schemas.microsoft.com/office/powerpoint/2015/main" val="1"/>
+              </p:ext>
+            </p:extLst>
+          </p:nvPr>
+        </p:nvSpPr>
+        <p:spPr>
+          <a:xfrm flipH="1" flipV="1">
+            <a:off x="341199" y="0"/>
+            <a:ext cx="1518348" cy="6858000"/>
+          </a:xfrm>
+          <a:custGeom>
+            <a:avLst/>
+            <a:gdLst>
+              <a:gd name="connsiteX0" fmla="*/ 19178 w 1518348"/>
+              <a:gd name="connsiteY0" fmla="*/ 6858000 h 6858000"/>
+              <a:gd name="connsiteX1" fmla="*/ 0 w 1518348"/>
+              <a:gd name="connsiteY1" fmla="*/ 6858000 h 6858000"/>
+              <a:gd name="connsiteX2" fmla="*/ 241394 w 1518348"/>
+              <a:gd name="connsiteY2" fmla="*/ 6638611 h 6858000"/>
+              <a:gd name="connsiteX3" fmla="*/ 1493356 w 1518348"/>
+              <a:gd name="connsiteY3" fmla="*/ 4142424 h 6858000"/>
+              <a:gd name="connsiteX4" fmla="*/ 282053 w 1518348"/>
+              <a:gd name="connsiteY4" fmla="*/ 26474 h 6858000"/>
+              <a:gd name="connsiteX5" fmla="*/ 256233 w 1518348"/>
+              <a:gd name="connsiteY5" fmla="*/ 0 h 6858000"/>
+              <a:gd name="connsiteX6" fmla="*/ 273463 w 1518348"/>
+              <a:gd name="connsiteY6" fmla="*/ 0 h 6858000"/>
+              <a:gd name="connsiteX7" fmla="*/ 300199 w 1518348"/>
+              <a:gd name="connsiteY7" fmla="*/ 27414 h 6858000"/>
+              <a:gd name="connsiteX8" fmla="*/ 1511501 w 1518348"/>
+              <a:gd name="connsiteY8" fmla="*/ 4143362 h 6858000"/>
+              <a:gd name="connsiteX9" fmla="*/ 259539 w 1518348"/>
+              <a:gd name="connsiteY9" fmla="*/ 6639549 h 6858000"/>
+            </a:gdLst>
+            <a:ahLst/>
+            <a:cxnLst>
+              <a:cxn ang="0">
+                <a:pos x="connsiteX0" y="connsiteY0"/>
+              </a:cxn>
+              <a:cxn ang="0">
+                <a:pos x="connsiteX1" y="connsiteY1"/>
+              </a:cxn>
+              <a:cxn ang="0">
+                <a:pos x="connsiteX2" y="connsiteY2"/>
+              </a:cxn>
+              <a:cxn ang="0">
+                <a:pos x="connsiteX3" y="connsiteY3"/>
+              </a:cxn>
+              <a:cxn ang="0">
+                <a:pos x="connsiteX4" y="connsiteY4"/>
+              </a:cxn>
+              <a:cxn ang="0">
+                <a:pos x="connsiteX5" y="connsiteY5"/>
+              </a:cxn>
+              <a:cxn ang="0">
+                <a:pos x="connsiteX6" y="connsiteY6"/>
+              </a:cxn>
+              <a:cxn ang="0">
+                <a:pos x="connsiteX7" y="connsiteY7"/>
+              </a:cxn>
+              <a:cxn ang="0">
+                <a:pos x="connsiteX8" y="connsiteY8"/>
+              </a:cxn>
+              <a:cxn ang="0">
+                <a:pos x="connsiteX9" y="connsiteY9"/>
+              </a:cxn>
+            </a:cxnLst>
+            <a:rect l="l" t="t" r="r" b="b"/>
+            <a:pathLst>
+              <a:path w="1518348" h="6858000">
+                <a:moveTo>
+                  <a:pt x="19178" y="6858000"/>
+                </a:moveTo>
+                <a:lnTo>
+                  <a:pt x="0" y="6858000"/>
+                </a:lnTo>
+                <a:lnTo>
+                  <a:pt x="241394" y="6638611"/>
+                </a:lnTo>
+                <a:cubicBezTo>
+                  <a:pt x="909582" y="6009084"/>
+                  <a:pt x="1445892" y="5323498"/>
+                  <a:pt x="1493356" y="4142424"/>
+                </a:cubicBezTo>
+                <a:cubicBezTo>
+                  <a:pt x="1560655" y="2467784"/>
+                  <a:pt x="1130049" y="962858"/>
+                  <a:pt x="282053" y="26474"/>
+                </a:cubicBezTo>
+                <a:lnTo>
+                  <a:pt x="256233" y="0"/>
+                </a:lnTo>
+                <a:lnTo>
+                  <a:pt x="273463" y="0"/>
+                </a:lnTo>
+                <a:lnTo>
+                  <a:pt x="300199" y="27414"/>
+                </a:lnTo>
+                <a:cubicBezTo>
+                  <a:pt x="1148195" y="963796"/>
+                  <a:pt x="1578800" y="2468723"/>
+                  <a:pt x="1511501" y="4143362"/>
+                </a:cubicBezTo>
+                <a:cubicBezTo>
+                  <a:pt x="1464037" y="5324436"/>
+                  <a:pt x="927728" y="6010023"/>
+                  <a:pt x="259539" y="6639549"/>
+                </a:cubicBezTo>
+                <a:close/>
+              </a:path>
+            </a:pathLst>
+          </a:custGeom>
+          <a:solidFill>
+            <a:srgbClr val="FFFFFF"/>
+          </a:solidFill>
+          <a:ln>
+            <a:noFill/>
+          </a:ln>
+        </p:spPr>
+        <p:style>
+          <a:lnRef idx="2">
+            <a:schemeClr val="accent1">
+              <a:shade val="50000"/>
+            </a:schemeClr>
+          </a:lnRef>
+          <a:fillRef idx="1">
+            <a:schemeClr val="accent1"/>
+          </a:fillRef>
+          <a:effectRef idx="0">
+            <a:schemeClr val="accent1"/>
+          </a:effectRef>
+          <a:fontRef idx="minor">
+            <a:schemeClr val="lt1"/>
+          </a:fontRef>
+        </p:style>
+        <p:txBody>
+          <a:bodyPr wrap="square" rtlCol="0" anchor="ctr">
+            <a:noAutofit/>
+          </a:bodyPr>
+          <a:lstStyle/>
+          <a:p>
+            <a:pPr marL="0" marR="0" lvl="0" indent="0" algn="ctr" defTabSz="457200" rtl="0" eaLnBrk="1" fontAlgn="auto" latinLnBrk="0" hangingPunct="1">
+              <a:lnSpc>
+                <a:spcPct val="100000"/>
+              </a:lnSpc>
+              <a:spcBef>
+                <a:spcPts val="0"/>
+              </a:spcBef>
+              <a:spcAft>
+                <a:spcPts val="0"/>
+              </a:spcAft>
+              <a:buClrTx/>
+              <a:buSzTx/>
+              <a:buFontTx/>
+              <a:buNone/>
+              <a:tabLst/>
+              <a:defRPr/>
+            </a:pPr>
+            <a:endParaRPr kumimoji="0" lang="en-US" sz="1800" b="0" i="0" u="none" strike="noStrike" kern="1200" cap="none" spc="0" normalizeH="0" baseline="0" noProof="0" dirty="0">
+              <a:ln>
+                <a:noFill/>
+              </a:ln>
+              <a:solidFill>
+                <a:prstClr val="white"/>
+              </a:solidFill>
+              <a:effectLst/>
+              <a:uLnTx/>
+              <a:uFillTx/>
+              <a:latin typeface="Meiryo"/>
+              <a:ea typeface="+mn-ea"/>
+              <a:cs typeface="+mn-cs"/>
+            </a:endParaRPr>
+          </a:p>
+        </p:txBody>
+      </p:sp>
+      <p:sp>
+        <p:nvSpPr>
+          <p:cNvPr id="15" name="Freeform: Shape 14">
+            <a:extLst>
+              <a:ext uri="{FF2B5EF4-FFF2-40B4-BE49-F238E27FC236}">
+                <a16:creationId xmlns:a16="http://schemas.microsoft.com/office/drawing/2014/main" id="{5558AD6E-B070-4640-AA07-87E208983ED8}"/>
+              </a:ext>
+              <a:ext uri="{C183D7F6-B498-43B3-948B-1728B52AA6E4}">
+                <adec:decorative xmlns:adec="http://schemas.microsoft.com/office/drawing/2017/decorative" val="1"/>
+              </a:ext>
+            </a:extLst>
+          </p:cNvPr>
+          <p:cNvSpPr>
+            <a:spLocks noGrp="1" noRot="1" noChangeAspect="1" noMove="1" noResize="1" noEditPoints="1" noAdjustHandles="1" noChangeArrowheads="1" noChangeShapeType="1" noTextEdit="1"/>
+          </p:cNvSpPr>
+          <p:nvPr>
+            <p:extLst>
+              <p:ext uri="{386F3935-93C4-4BCD-93E2-E3B085C9AB24}">
+                <p16:designElem xmlns:p16="http://schemas.microsoft.com/office/powerpoint/2015/main" val="1"/>
+              </p:ext>
+            </p:extLst>
+          </p:nvPr>
+        </p:nvSpPr>
+        <p:spPr>
+          <a:xfrm flipH="1" flipV="1">
+            <a:off x="552928" y="0"/>
+            <a:ext cx="1644534" cy="6858000"/>
+          </a:xfrm>
+          <a:custGeom>
+            <a:avLst/>
+            <a:gdLst>
+              <a:gd name="connsiteX0" fmla="*/ 135252 w 1644534"/>
+              <a:gd name="connsiteY0" fmla="*/ 6858000 h 6858000"/>
+              <a:gd name="connsiteX1" fmla="*/ 101819 w 1644534"/>
+              <a:gd name="connsiteY1" fmla="*/ 6858000 h 6858000"/>
+              <a:gd name="connsiteX2" fmla="*/ 437240 w 1644534"/>
+              <a:gd name="connsiteY2" fmla="*/ 6542447 h 6858000"/>
+              <a:gd name="connsiteX3" fmla="*/ 1611101 w 1644534"/>
+              <a:gd name="connsiteY3" fmla="*/ 4079318 h 6858000"/>
+              <a:gd name="connsiteX4" fmla="*/ 21961 w 1644534"/>
+              <a:gd name="connsiteY4" fmla="*/ 16892 h 6858000"/>
+              <a:gd name="connsiteX5" fmla="*/ 0 w 1644534"/>
+              <a:gd name="connsiteY5" fmla="*/ 0 h 6858000"/>
+              <a:gd name="connsiteX6" fmla="*/ 33433 w 1644534"/>
+              <a:gd name="connsiteY6" fmla="*/ 0 h 6858000"/>
+              <a:gd name="connsiteX7" fmla="*/ 55394 w 1644534"/>
+              <a:gd name="connsiteY7" fmla="*/ 16892 h 6858000"/>
+              <a:gd name="connsiteX8" fmla="*/ 1644534 w 1644534"/>
+              <a:gd name="connsiteY8" fmla="*/ 4079318 h 6858000"/>
+              <a:gd name="connsiteX9" fmla="*/ 470673 w 1644534"/>
+              <a:gd name="connsiteY9" fmla="*/ 6542447 h 6858000"/>
+            </a:gdLst>
+            <a:ahLst/>
+            <a:cxnLst>
+              <a:cxn ang="0">
+                <a:pos x="connsiteX0" y="connsiteY0"/>
+              </a:cxn>
+              <a:cxn ang="0">
+                <a:pos x="connsiteX1" y="connsiteY1"/>
+              </a:cxn>
+              <a:cxn ang="0">
+                <a:pos x="connsiteX2" y="connsiteY2"/>
+              </a:cxn>
+              <a:cxn ang="0">
+                <a:pos x="connsiteX3" y="connsiteY3"/>
+              </a:cxn>
+              <a:cxn ang="0">
+                <a:pos x="connsiteX4" y="connsiteY4"/>
+              </a:cxn>
+              <a:cxn ang="0">
+                <a:pos x="connsiteX5" y="connsiteY5"/>
+              </a:cxn>
+              <a:cxn ang="0">
+                <a:pos x="connsiteX6" y="connsiteY6"/>
+              </a:cxn>
+              <a:cxn ang="0">
+                <a:pos x="connsiteX7" y="connsiteY7"/>
+              </a:cxn>
+              <a:cxn ang="0">
+                <a:pos x="connsiteX8" y="connsiteY8"/>
+              </a:cxn>
+              <a:cxn ang="0">
+                <a:pos x="connsiteX9" y="connsiteY9"/>
+              </a:cxn>
+            </a:cxnLst>
+            <a:rect l="l" t="t" r="r" b="b"/>
+            <a:pathLst>
+              <a:path w="1644534" h="6858000">
+                <a:moveTo>
+                  <a:pt x="135252" y="6858000"/>
+                </a:moveTo>
+                <a:lnTo>
+                  <a:pt x="101819" y="6858000"/>
+                </a:lnTo>
+                <a:lnTo>
+                  <a:pt x="437240" y="6542447"/>
+                </a:lnTo>
+                <a:cubicBezTo>
+                  <a:pt x="1092531" y="5903717"/>
+                  <a:pt x="1611101" y="5217633"/>
+                  <a:pt x="1611101" y="4079318"/>
+                </a:cubicBezTo>
+                <a:cubicBezTo>
+                  <a:pt x="1611101" y="2357705"/>
+                  <a:pt x="1041580" y="850004"/>
+                  <a:pt x="21961" y="16892"/>
+                </a:cubicBezTo>
+                <a:lnTo>
+                  <a:pt x="0" y="0"/>
+                </a:lnTo>
+                <a:lnTo>
+                  <a:pt x="33433" y="0"/>
+                </a:lnTo>
+                <a:lnTo>
+                  <a:pt x="55394" y="16892"/>
+                </a:lnTo>
+                <a:cubicBezTo>
+                  <a:pt x="1075012" y="850004"/>
+                  <a:pt x="1644534" y="2357705"/>
+                  <a:pt x="1644534" y="4079318"/>
+                </a:cubicBezTo>
+                <a:cubicBezTo>
+                  <a:pt x="1644534" y="5217633"/>
+                  <a:pt x="1125963" y="5903717"/>
+                  <a:pt x="470673" y="6542447"/>
+                </a:cubicBezTo>
+                <a:close/>
+              </a:path>
+            </a:pathLst>
+          </a:custGeom>
+          <a:solidFill>
+            <a:srgbClr val="FFFFFF"/>
+          </a:solidFill>
+          <a:ln>
+            <a:noFill/>
+          </a:ln>
+        </p:spPr>
+        <p:style>
+          <a:lnRef idx="2">
+            <a:schemeClr val="accent1">
+              <a:shade val="50000"/>
+            </a:schemeClr>
+          </a:lnRef>
+          <a:fillRef idx="1">
+            <a:schemeClr val="accent1"/>
+          </a:fillRef>
+          <a:effectRef idx="0">
+            <a:schemeClr val="accent1"/>
+          </a:effectRef>
+          <a:fontRef idx="minor">
+            <a:schemeClr val="lt1"/>
+          </a:fontRef>
+        </p:style>
+        <p:txBody>
+          <a:bodyPr wrap="square" rtlCol="0" anchor="ctr">
+            <a:noAutofit/>
+          </a:bodyPr>
+          <a:lstStyle/>
+          <a:p>
+            <a:pPr marL="0" marR="0" lvl="0" indent="0" algn="ctr" defTabSz="914400" rtl="0" eaLnBrk="1" fontAlgn="auto" latinLnBrk="0" hangingPunct="1">
+              <a:lnSpc>
+                <a:spcPct val="100000"/>
+              </a:lnSpc>
+              <a:spcBef>
+                <a:spcPts val="0"/>
+              </a:spcBef>
+              <a:spcAft>
+                <a:spcPts val="0"/>
+              </a:spcAft>
+              <a:buClrTx/>
+              <a:buSzTx/>
+              <a:buFontTx/>
+              <a:buNone/>
+              <a:tabLst/>
+              <a:defRPr/>
+            </a:pPr>
+            <a:endParaRPr kumimoji="0" lang="en-US" sz="1800" b="0" i="0" u="none" strike="noStrike" kern="1200" cap="none" spc="0" normalizeH="0" baseline="0" noProof="0" dirty="0">
+              <a:ln>
+                <a:noFill/>
+              </a:ln>
+              <a:solidFill>
+                <a:prstClr val="white"/>
+              </a:solidFill>
+              <a:effectLst/>
+              <a:uLnTx/>
+              <a:uFillTx/>
+              <a:latin typeface="Meiryo"/>
+              <a:ea typeface="+mn-ea"/>
+              <a:cs typeface="+mn-cs"/>
+            </a:endParaRPr>
+          </a:p>
+        </p:txBody>
+      </p:sp>
+      <p:sp>
+        <p:nvSpPr>
+          <p:cNvPr id="17" name="Freeform: Shape 16">
+            <a:extLst>
+              <a:ext uri="{FF2B5EF4-FFF2-40B4-BE49-F238E27FC236}">
+                <a16:creationId xmlns:a16="http://schemas.microsoft.com/office/drawing/2014/main" id="{36ACFB69-D148-449E-AC5A-C55AA20A7F7F}"/>
+              </a:ext>
+              <a:ext uri="{C183D7F6-B498-43B3-948B-1728B52AA6E4}">
+                <adec:decorative xmlns:adec="http://schemas.microsoft.com/office/drawing/2017/decorative" val="1"/>
+              </a:ext>
+            </a:extLst>
+          </p:cNvPr>
+          <p:cNvSpPr>
+            <a:spLocks noGrp="1" noRot="1" noChangeAspect="1" noMove="1" noResize="1" noEditPoints="1" noAdjustHandles="1" noChangeArrowheads="1" noChangeShapeType="1" noTextEdit="1"/>
+          </p:cNvSpPr>
+          <p:nvPr>
+            <p:extLst>
+              <p:ext uri="{386F3935-93C4-4BCD-93E2-E3B085C9AB24}">
+                <p16:designElem xmlns:p16="http://schemas.microsoft.com/office/powerpoint/2015/main" val="1"/>
+              </p:ext>
+            </p:extLst>
+          </p:nvPr>
+        </p:nvSpPr>
+        <p:spPr>
+          <a:xfrm flipH="1" flipV="1">
+            <a:off x="988858" y="0"/>
+            <a:ext cx="1461546" cy="6858000"/>
+          </a:xfrm>
+          <a:custGeom>
+            <a:avLst/>
+            <a:gdLst>
+              <a:gd name="connsiteX0" fmla="*/ 107940 w 1461546"/>
+              <a:gd name="connsiteY0" fmla="*/ 6858000 h 6858000"/>
+              <a:gd name="connsiteX1" fmla="*/ 91317 w 1461546"/>
+              <a:gd name="connsiteY1" fmla="*/ 6858000 h 6858000"/>
+              <a:gd name="connsiteX2" fmla="*/ 392141 w 1461546"/>
+              <a:gd name="connsiteY2" fmla="*/ 6542447 h 6858000"/>
+              <a:gd name="connsiteX3" fmla="*/ 1444924 w 1461546"/>
+              <a:gd name="connsiteY3" fmla="*/ 4079318 h 6858000"/>
+              <a:gd name="connsiteX4" fmla="*/ 19696 w 1461546"/>
+              <a:gd name="connsiteY4" fmla="*/ 16892 h 6858000"/>
+              <a:gd name="connsiteX5" fmla="*/ 0 w 1461546"/>
+              <a:gd name="connsiteY5" fmla="*/ 0 h 6858000"/>
+              <a:gd name="connsiteX6" fmla="*/ 16622 w 1461546"/>
+              <a:gd name="connsiteY6" fmla="*/ 0 h 6858000"/>
+              <a:gd name="connsiteX7" fmla="*/ 36319 w 1461546"/>
+              <a:gd name="connsiteY7" fmla="*/ 16892 h 6858000"/>
+              <a:gd name="connsiteX8" fmla="*/ 1461546 w 1461546"/>
+              <a:gd name="connsiteY8" fmla="*/ 4079318 h 6858000"/>
+              <a:gd name="connsiteX9" fmla="*/ 408763 w 1461546"/>
+              <a:gd name="connsiteY9" fmla="*/ 6542447 h 6858000"/>
+            </a:gdLst>
+            <a:ahLst/>
+            <a:cxnLst>
+              <a:cxn ang="0">
+                <a:pos x="connsiteX0" y="connsiteY0"/>
+              </a:cxn>
+              <a:cxn ang="0">
+                <a:pos x="connsiteX1" y="connsiteY1"/>
+              </a:cxn>
+              <a:cxn ang="0">
+                <a:pos x="connsiteX2" y="connsiteY2"/>
+              </a:cxn>
+              <a:cxn ang="0">
+                <a:pos x="connsiteX3" y="connsiteY3"/>
+              </a:cxn>
+              <a:cxn ang="0">
+                <a:pos x="connsiteX4" y="connsiteY4"/>
+              </a:cxn>
+              <a:cxn ang="0">
+                <a:pos x="connsiteX5" y="connsiteY5"/>
+              </a:cxn>
+              <a:cxn ang="0">
+                <a:pos x="connsiteX6" y="connsiteY6"/>
+              </a:cxn>
+              <a:cxn ang="0">
+                <a:pos x="connsiteX7" y="connsiteY7"/>
+              </a:cxn>
+              <a:cxn ang="0">
+                <a:pos x="connsiteX8" y="connsiteY8"/>
+              </a:cxn>
+              <a:cxn ang="0">
+                <a:pos x="connsiteX9" y="connsiteY9"/>
+              </a:cxn>
+            </a:cxnLst>
+            <a:rect l="l" t="t" r="r" b="b"/>
+            <a:pathLst>
+              <a:path w="1461546" h="6858000">
+                <a:moveTo>
+                  <a:pt x="107940" y="6858000"/>
+                </a:moveTo>
+                <a:lnTo>
+                  <a:pt x="91317" y="6858000"/>
+                </a:lnTo>
+                <a:lnTo>
+                  <a:pt x="392141" y="6542447"/>
+                </a:lnTo>
+                <a:cubicBezTo>
+                  <a:pt x="979841" y="5903717"/>
+                  <a:pt x="1444924" y="5217633"/>
+                  <a:pt x="1444924" y="4079318"/>
+                </a:cubicBezTo>
+                <a:cubicBezTo>
+                  <a:pt x="1444924" y="2357705"/>
+                  <a:pt x="934146" y="850004"/>
+                  <a:pt x="19696" y="16892"/>
+                </a:cubicBezTo>
+                <a:lnTo>
+                  <a:pt x="0" y="0"/>
+                </a:lnTo>
+                <a:lnTo>
+                  <a:pt x="16622" y="0"/>
+                </a:lnTo>
+                <a:lnTo>
+                  <a:pt x="36319" y="16892"/>
+                </a:lnTo>
+                <a:cubicBezTo>
+                  <a:pt x="950768" y="850004"/>
+                  <a:pt x="1461546" y="2357705"/>
+                  <a:pt x="1461546" y="4079318"/>
+                </a:cubicBezTo>
+                <a:cubicBezTo>
+                  <a:pt x="1461546" y="5217633"/>
+                  <a:pt x="996464" y="5903717"/>
+                  <a:pt x="408763" y="6542447"/>
+                </a:cubicBezTo>
+                <a:close/>
+              </a:path>
+            </a:pathLst>
+          </a:custGeom>
+          <a:solidFill>
+            <a:schemeClr val="bg2">
+              <a:lumMod val="90000"/>
+            </a:schemeClr>
+          </a:solidFill>
+          <a:ln>
+            <a:noFill/>
+          </a:ln>
+        </p:spPr>
+        <p:style>
+          <a:lnRef idx="2">
+            <a:schemeClr val="accent1">
+              <a:shade val="50000"/>
+            </a:schemeClr>
+          </a:lnRef>
+          <a:fillRef idx="1">
+            <a:schemeClr val="accent1"/>
+          </a:fillRef>
+          <a:effectRef idx="0">
+            <a:schemeClr val="accent1"/>
+          </a:effectRef>
+          <a:fontRef idx="minor">
+            <a:schemeClr val="lt1"/>
+          </a:fontRef>
+        </p:style>
+        <p:txBody>
+          <a:bodyPr wrap="square" rtlCol="0" anchor="ctr">
+            <a:noAutofit/>
+          </a:bodyPr>
+          <a:lstStyle/>
+          <a:p>
+            <a:pPr marL="0" marR="0" lvl="0" indent="0" algn="ctr" defTabSz="914400" rtl="0" eaLnBrk="1" fontAlgn="auto" latinLnBrk="0" hangingPunct="1">
+              <a:lnSpc>
+                <a:spcPct val="100000"/>
+              </a:lnSpc>
+              <a:spcBef>
+                <a:spcPts val="0"/>
+              </a:spcBef>
+              <a:spcAft>
+                <a:spcPts val="0"/>
+              </a:spcAft>
+              <a:buClrTx/>
+              <a:buSzTx/>
+              <a:buFontTx/>
+              <a:buNone/>
+              <a:tabLst/>
+              <a:defRPr/>
+            </a:pPr>
+            <a:endParaRPr kumimoji="0" lang="en-US" sz="1800" b="0" i="0" u="none" strike="noStrike" kern="1200" cap="none" spc="0" normalizeH="0" baseline="0" noProof="0">
+              <a:ln>
+                <a:noFill/>
+              </a:ln>
+              <a:solidFill>
+                <a:prstClr val="white"/>
+              </a:solidFill>
+              <a:effectLst/>
+              <a:uLnTx/>
+              <a:uFillTx/>
+              <a:latin typeface="Meiryo"/>
+              <a:ea typeface="+mn-ea"/>
+              <a:cs typeface="+mn-cs"/>
+            </a:endParaRPr>
+          </a:p>
+        </p:txBody>
+      </p:sp>
+      <p:sp>
+        <p:nvSpPr>
+          <p:cNvPr id="2" name="Title 1">
+            <a:extLst>
+              <a:ext uri="{FF2B5EF4-FFF2-40B4-BE49-F238E27FC236}">
+                <a16:creationId xmlns:a16="http://schemas.microsoft.com/office/drawing/2014/main" id="{9FB5EB4E-2764-2B58-A79B-FB9A31C445F8}"/>
+              </a:ext>
+            </a:extLst>
+          </p:cNvPr>
+          <p:cNvSpPr>
+            <a:spLocks noGrp="1"/>
+          </p:cNvSpPr>
+          <p:nvPr>
+            <p:ph type="title"/>
+          </p:nvPr>
+        </p:nvSpPr>
+        <p:spPr>
+          <a:xfrm>
+            <a:off x="2377440" y="442220"/>
+            <a:ext cx="8397987" cy="1345269"/>
+          </a:xfrm>
+        </p:spPr>
+        <p:txBody>
+          <a:bodyPr anchor="b">
+            <a:normAutofit/>
+          </a:bodyPr>
+          <a:lstStyle/>
+          <a:p>
+            <a:pPr>
+              <a:lnSpc>
+                <a:spcPct val="120000"/>
+              </a:lnSpc>
+            </a:pPr>
+            <a:r>
+              <a:rPr lang="en-US" sz="2800" dirty="0"/>
+              <a:t>Other things of importance</a:t>
+            </a:r>
+            <a:endParaRPr lang="nl-BE" sz="3000" dirty="0"/>
+          </a:p>
+        </p:txBody>
+      </p:sp>
+      <p:graphicFrame>
+        <p:nvGraphicFramePr>
+          <p:cNvPr id="5" name="Content Placeholder 2">
+            <a:extLst>
+              <a:ext uri="{FF2B5EF4-FFF2-40B4-BE49-F238E27FC236}">
+                <a16:creationId xmlns:a16="http://schemas.microsoft.com/office/drawing/2014/main" id="{BB821297-B81F-F90E-5135-2A7E32E8509E}"/>
+              </a:ext>
+            </a:extLst>
+          </p:cNvPr>
+          <p:cNvGraphicFramePr>
+            <a:graphicFrameLocks noGrp="1"/>
+          </p:cNvGraphicFramePr>
+          <p:nvPr>
+            <p:ph idx="1"/>
+            <p:extLst>
+              <p:ext uri="{D42A27DB-BD31-4B8C-83A1-F6EECF244321}">
+                <p14:modId xmlns:p14="http://schemas.microsoft.com/office/powerpoint/2010/main" val="1883634421"/>
+              </p:ext>
+            </p:extLst>
+          </p:nvPr>
+        </p:nvGraphicFramePr>
+        <p:xfrm>
+          <a:off x="2377439" y="1981200"/>
+          <a:ext cx="8312785" cy="3743325"/>
+        </p:xfrm>
+        <a:graphic>
+          <a:graphicData uri="http://schemas.openxmlformats.org/drawingml/2006/diagram">
+            <dgm:relIds xmlns:dgm="http://schemas.openxmlformats.org/drawingml/2006/diagram" xmlns:r="http://schemas.openxmlformats.org/officeDocument/2006/relationships" r:dm="rId3" r:lo="rId4" r:qs="rId5" r:cs="rId6"/>
+          </a:graphicData>
+        </a:graphic>
+      </p:graphicFrame>
+    </p:spTree>
+    <p:extLst>
+      <p:ext uri="{BB962C8B-B14F-4D97-AF65-F5344CB8AC3E}">
+        <p14:creationId xmlns:p14="http://schemas.microsoft.com/office/powerpoint/2010/main" val="945972631"/>
+      </p:ext>
+    </p:extLst>
+  </p:cSld>
+  <p:clrMapOvr>
+    <a:masterClrMapping/>
+  </p:clrMapOvr>
+</p:sld>
+</file>
+
+<file path=ppt/slides/slide2.xml><?xml version="1.0" encoding="utf-8"?>
 <p:sld xmlns:a="http://schemas.openxmlformats.org/drawingml/2006/main" xmlns:r="http://schemas.openxmlformats.org/officeDocument/2006/relationships" xmlns:p="http://schemas.openxmlformats.org/presentationml/2006/main">
   <p:cSld>
     <p:bg>
@@ -28997,7 +34543,7 @@
 </p:sld>
 </file>
 
-<file path=ppt/slides/slide4.xml><?xml version="1.0" encoding="utf-8"?>
+<file path=ppt/slides/slide3.xml><?xml version="1.0" encoding="utf-8"?>
 <p:sld xmlns:a="http://schemas.openxmlformats.org/drawingml/2006/main" xmlns:r="http://schemas.openxmlformats.org/officeDocument/2006/relationships" xmlns:p="http://schemas.openxmlformats.org/presentationml/2006/main">
   <p:cSld>
     <p:bg>
@@ -29730,7 +35276,7 @@
 </p:sld>
 </file>
 
-<file path=ppt/slides/slide5.xml><?xml version="1.0" encoding="utf-8"?>
+<file path=ppt/slides/slide4.xml><?xml version="1.0" encoding="utf-8"?>
 <p:sld xmlns:a="http://schemas.openxmlformats.org/drawingml/2006/main" xmlns:r="http://schemas.openxmlformats.org/officeDocument/2006/relationships" xmlns:p="http://schemas.openxmlformats.org/presentationml/2006/main">
   <p:cSld>
     <p:bg>
@@ -30736,7 +36282,7 @@
 </p:sld>
 </file>
 
-<file path=ppt/slides/slide6.xml><?xml version="1.0" encoding="utf-8"?>
+<file path=ppt/slides/slide5.xml><?xml version="1.0" encoding="utf-8"?>
 <p:sld xmlns:a="http://schemas.openxmlformats.org/drawingml/2006/main" xmlns:r="http://schemas.openxmlformats.org/officeDocument/2006/relationships" xmlns:p="http://schemas.openxmlformats.org/presentationml/2006/main">
   <p:cSld>
     <p:bg>
@@ -31828,7 +37374,7 @@
 </p:sld>
 </file>
 
-<file path=ppt/slides/slide7.xml><?xml version="1.0" encoding="utf-8"?>
+<file path=ppt/slides/slide6.xml><?xml version="1.0" encoding="utf-8"?>
 <p:sld xmlns:a="http://schemas.openxmlformats.org/drawingml/2006/main" xmlns:r="http://schemas.openxmlformats.org/officeDocument/2006/relationships" xmlns:p="http://schemas.openxmlformats.org/presentationml/2006/main">
   <p:cSld>
     <p:bg>
@@ -32928,7 +38474,7 @@
 </p:sld>
 </file>
 
-<file path=ppt/slides/slide8.xml><?xml version="1.0" encoding="utf-8"?>
+<file path=ppt/slides/slide7.xml><?xml version="1.0" encoding="utf-8"?>
 <p:sld xmlns:a="http://schemas.openxmlformats.org/drawingml/2006/main" xmlns:r="http://schemas.openxmlformats.org/officeDocument/2006/relationships" xmlns:p="http://schemas.openxmlformats.org/presentationml/2006/main">
   <p:cSld>
     <p:bg>
@@ -32955,10 +38501,10 @@
       </p:grpSpPr>
       <p:sp useBgFill="1">
         <p:nvSpPr>
-          <p:cNvPr id="9" name="Rectangle 8">
+          <p:cNvPr id="1046" name="Rectangle 1045">
             <a:extLst>
               <a:ext uri="{FF2B5EF4-FFF2-40B4-BE49-F238E27FC236}">
-                <a16:creationId xmlns:a16="http://schemas.microsoft.com/office/drawing/2014/main" id="{47FC6A8B-34F9-40FB-AA2D-E34168F52850}"/>
+                <a16:creationId xmlns:a16="http://schemas.microsoft.com/office/drawing/2014/main" id="{8950AD4C-6AF3-49F8-94E1-DBCAFB39478B}"/>
               </a:ext>
               <a:ext uri="{C183D7F6-B498-43B3-948B-1728B52AA6E4}">
                 <adec:decorative xmlns:adec="http://schemas.microsoft.com/office/drawing/2017/decorative" val="1"/>
@@ -32978,8 +38524,8 @@
         </p:nvSpPr>
         <p:spPr>
           <a:xfrm>
-            <a:off x="153" y="0"/>
-            <a:ext cx="12191695" cy="6858000"/>
+            <a:off x="0" y="0"/>
+            <a:ext cx="12192000" cy="6858000"/>
           </a:xfrm>
           <a:prstGeom prst="rect">
             <a:avLst/>
@@ -33008,46 +38554,17 @@
           <a:bodyPr rtlCol="0" anchor="ctr"/>
           <a:lstStyle/>
           <a:p>
-            <a:pPr marL="0" marR="0" lvl="0" indent="0" algn="ctr" defTabSz="457200" rtl="0" eaLnBrk="1" fontAlgn="auto" latinLnBrk="0" hangingPunct="1">
-              <a:lnSpc>
-                <a:spcPct val="100000"/>
-              </a:lnSpc>
-              <a:spcBef>
-                <a:spcPts val="0"/>
-              </a:spcBef>
-              <a:spcAft>
-                <a:spcPts val="0"/>
-              </a:spcAft>
-              <a:buClrTx/>
-              <a:buSzTx/>
-              <a:buFontTx/>
-              <a:buNone/>
-              <a:tabLst/>
-              <a:defRPr/>
-            </a:pPr>
-            <a:endParaRPr kumimoji="0" lang="en-US" sz="1800" b="0" i="0" u="none" strike="noStrike" kern="1200" cap="none" spc="0" normalizeH="0" baseline="0" noProof="0" dirty="0">
-              <a:ln>
-                <a:noFill/>
-              </a:ln>
-              <a:solidFill>
-                <a:prstClr val="white"/>
-              </a:solidFill>
-              <a:effectLst/>
-              <a:uLnTx/>
-              <a:uFillTx/>
-              <a:latin typeface="Meiryo"/>
-              <a:ea typeface="+mn-ea"/>
-              <a:cs typeface="+mn-cs"/>
-            </a:endParaRPr>
+            <a:pPr algn="ctr"/>
+            <a:endParaRPr lang="en-US"/>
           </a:p>
         </p:txBody>
       </p:sp>
       <p:sp>
         <p:nvSpPr>
-          <p:cNvPr id="11" name="Freeform: Shape 10">
+          <p:cNvPr id="1051" name="Freeform: Shape 1047">
             <a:extLst>
               <a:ext uri="{FF2B5EF4-FFF2-40B4-BE49-F238E27FC236}">
-                <a16:creationId xmlns:a16="http://schemas.microsoft.com/office/drawing/2014/main" id="{1EC86DB4-572A-4F71-AF8A-2395B4CA779F}"/>
+                <a16:creationId xmlns:a16="http://schemas.microsoft.com/office/drawing/2014/main" id="{35AB8F98-27E9-490A-9FFC-6FB07CEAB279}"/>
               </a:ext>
               <a:ext uri="{C183D7F6-B498-43B3-948B-1728B52AA6E4}">
                 <adec:decorative xmlns:adec="http://schemas.microsoft.com/office/drawing/2017/decorative" val="1"/>
@@ -33066,47 +38583,37 @@
           </p:nvPr>
         </p:nvSpPr>
         <p:spPr>
-          <a:xfrm flipH="1" flipV="1">
-            <a:off x="756583" y="0"/>
-            <a:ext cx="11435265" cy="6858000"/>
+          <a:xfrm flipH="1">
+            <a:off x="547626" y="0"/>
+            <a:ext cx="2529723" cy="6858000"/>
           </a:xfrm>
           <a:custGeom>
             <a:avLst/>
             <a:gdLst>
-              <a:gd name="connsiteX0" fmla="*/ 9925983 w 11435265"/>
-              <a:gd name="connsiteY0" fmla="*/ 6858000 h 6858000"/>
-              <a:gd name="connsiteX1" fmla="*/ 0 w 11435265"/>
-              <a:gd name="connsiteY1" fmla="*/ 6858000 h 6858000"/>
-              <a:gd name="connsiteX2" fmla="*/ 0 w 11435265"/>
-              <a:gd name="connsiteY2" fmla="*/ 0 h 6858000"/>
-              <a:gd name="connsiteX3" fmla="*/ 996904 w 11435265"/>
-              <a:gd name="connsiteY3" fmla="*/ 0 h 6858000"/>
-              <a:gd name="connsiteX4" fmla="*/ 2426875 w 11435265"/>
-              <a:gd name="connsiteY4" fmla="*/ 0 h 6858000"/>
-              <a:gd name="connsiteX5" fmla="*/ 4014127 w 11435265"/>
-              <a:gd name="connsiteY5" fmla="*/ 0 h 6858000"/>
-              <a:gd name="connsiteX6" fmla="*/ 4359595 w 11435265"/>
-              <a:gd name="connsiteY6" fmla="*/ 0 h 6858000"/>
-              <a:gd name="connsiteX7" fmla="*/ 4647960 w 11435265"/>
-              <a:gd name="connsiteY7" fmla="*/ 0 h 6858000"/>
-              <a:gd name="connsiteX8" fmla="*/ 4691093 w 11435265"/>
-              <a:gd name="connsiteY8" fmla="*/ 0 h 6858000"/>
-              <a:gd name="connsiteX9" fmla="*/ 5558544 w 11435265"/>
-              <a:gd name="connsiteY9" fmla="*/ 0 h 6858000"/>
-              <a:gd name="connsiteX10" fmla="*/ 5570664 w 11435265"/>
-              <a:gd name="connsiteY10" fmla="*/ 0 h 6858000"/>
-              <a:gd name="connsiteX11" fmla="*/ 5695183 w 11435265"/>
-              <a:gd name="connsiteY11" fmla="*/ 0 h 6858000"/>
-              <a:gd name="connsiteX12" fmla="*/ 7177357 w 11435265"/>
-              <a:gd name="connsiteY12" fmla="*/ 0 h 6858000"/>
-              <a:gd name="connsiteX13" fmla="*/ 9824163 w 11435265"/>
-              <a:gd name="connsiteY13" fmla="*/ 0 h 6858000"/>
-              <a:gd name="connsiteX14" fmla="*/ 9846125 w 11435265"/>
-              <a:gd name="connsiteY14" fmla="*/ 16892 h 6858000"/>
-              <a:gd name="connsiteX15" fmla="*/ 11435265 w 11435265"/>
-              <a:gd name="connsiteY15" fmla="*/ 4079318 h 6858000"/>
-              <a:gd name="connsiteX16" fmla="*/ 10261404 w 11435265"/>
-              <a:gd name="connsiteY16" fmla="*/ 6542447 h 6858000"/>
+              <a:gd name="connsiteX0" fmla="*/ 1258269 w 2529723"/>
+              <a:gd name="connsiteY0" fmla="*/ 0 h 6858000"/>
+              <a:gd name="connsiteX1" fmla="*/ 1275627 w 2529723"/>
+              <a:gd name="connsiteY1" fmla="*/ 0 h 6858000"/>
+              <a:gd name="connsiteX2" fmla="*/ 1302560 w 2529723"/>
+              <a:gd name="connsiteY2" fmla="*/ 24338 h 6858000"/>
+              <a:gd name="connsiteX3" fmla="*/ 2522825 w 2529723"/>
+              <a:gd name="connsiteY3" fmla="*/ 3678515 h 6858000"/>
+              <a:gd name="connsiteX4" fmla="*/ 557500 w 2529723"/>
+              <a:gd name="connsiteY4" fmla="*/ 6451411 h 6858000"/>
+              <a:gd name="connsiteX5" fmla="*/ 32482 w 2529723"/>
+              <a:gd name="connsiteY5" fmla="*/ 6849373 h 6858000"/>
+              <a:gd name="connsiteX6" fmla="*/ 19531 w 2529723"/>
+              <a:gd name="connsiteY6" fmla="*/ 6858000 h 6858000"/>
+              <a:gd name="connsiteX7" fmla="*/ 0 w 2529723"/>
+              <a:gd name="connsiteY7" fmla="*/ 6858000 h 6858000"/>
+              <a:gd name="connsiteX8" fmla="*/ 14202 w 2529723"/>
+              <a:gd name="connsiteY8" fmla="*/ 6848540 h 6858000"/>
+              <a:gd name="connsiteX9" fmla="*/ 539221 w 2529723"/>
+              <a:gd name="connsiteY9" fmla="*/ 6450578 h 6858000"/>
+              <a:gd name="connsiteX10" fmla="*/ 2504546 w 2529723"/>
+              <a:gd name="connsiteY10" fmla="*/ 3677682 h 6858000"/>
+              <a:gd name="connsiteX11" fmla="*/ 1284280 w 2529723"/>
+              <a:gd name="connsiteY11" fmla="*/ 23504 h 6858000"/>
             </a:gdLst>
             <a:ahLst/>
             <a:cxnLst>
@@ -33146,245 +38653,57 @@
               <a:cxn ang="0">
                 <a:pos x="connsiteX11" y="connsiteY11"/>
               </a:cxn>
-              <a:cxn ang="0">
-                <a:pos x="connsiteX12" y="connsiteY12"/>
-              </a:cxn>
-              <a:cxn ang="0">
-                <a:pos x="connsiteX13" y="connsiteY13"/>
-              </a:cxn>
-              <a:cxn ang="0">
-                <a:pos x="connsiteX14" y="connsiteY14"/>
-              </a:cxn>
-              <a:cxn ang="0">
-                <a:pos x="connsiteX15" y="connsiteY15"/>
-              </a:cxn>
-              <a:cxn ang="0">
-                <a:pos x="connsiteX16" y="connsiteY16"/>
-              </a:cxn>
             </a:cxnLst>
             <a:rect l="l" t="t" r="r" b="b"/>
             <a:pathLst>
-              <a:path w="11435265" h="6858000">
+              <a:path w="2529723" h="6858000">
                 <a:moveTo>
-                  <a:pt x="9925983" y="6858000"/>
+                  <a:pt x="1258269" y="0"/>
                 </a:moveTo>
+                <a:lnTo>
+                  <a:pt x="1275627" y="0"/>
+                </a:lnTo>
+                <a:lnTo>
+                  <a:pt x="1302560" y="24338"/>
+                </a:lnTo>
+                <a:cubicBezTo>
+                  <a:pt x="2156831" y="855667"/>
+                  <a:pt x="2590622" y="2191755"/>
+                  <a:pt x="2522825" y="3678515"/>
+                </a:cubicBezTo>
+                <a:cubicBezTo>
+                  <a:pt x="2459072" y="5076606"/>
+                  <a:pt x="1519830" y="5692656"/>
+                  <a:pt x="557500" y="6451411"/>
+                </a:cubicBezTo>
+                <a:cubicBezTo>
+                  <a:pt x="382255" y="6589587"/>
+                  <a:pt x="208689" y="6724853"/>
+                  <a:pt x="32482" y="6849373"/>
+                </a:cubicBezTo>
+                <a:lnTo>
+                  <a:pt x="19531" y="6858000"/>
+                </a:lnTo>
                 <a:lnTo>
                   <a:pt x="0" y="6858000"/>
                 </a:lnTo>
                 <a:lnTo>
-                  <a:pt x="0" y="0"/>
-                </a:lnTo>
-                <a:lnTo>
-                  <a:pt x="996904" y="0"/>
-                </a:lnTo>
-                <a:lnTo>
-                  <a:pt x="2426875" y="0"/>
-                </a:lnTo>
-                <a:lnTo>
-                  <a:pt x="4014127" y="0"/>
-                </a:lnTo>
-                <a:lnTo>
-                  <a:pt x="4359595" y="0"/>
-                </a:lnTo>
-                <a:lnTo>
-                  <a:pt x="4647960" y="0"/>
-                </a:lnTo>
-                <a:lnTo>
-                  <a:pt x="4691093" y="0"/>
-                </a:lnTo>
-                <a:lnTo>
-                  <a:pt x="5558544" y="0"/>
-                </a:lnTo>
-                <a:lnTo>
-                  <a:pt x="5570664" y="0"/>
-                </a:lnTo>
-                <a:lnTo>
-                  <a:pt x="5695183" y="0"/>
-                </a:lnTo>
-                <a:lnTo>
-                  <a:pt x="7177357" y="0"/>
-                </a:lnTo>
-                <a:lnTo>
-                  <a:pt x="9824163" y="0"/>
-                </a:lnTo>
-                <a:lnTo>
-                  <a:pt x="9846125" y="16892"/>
+                  <a:pt x="14202" y="6848540"/>
                 </a:lnTo>
                 <a:cubicBezTo>
-                  <a:pt x="10865743" y="850004"/>
-                  <a:pt x="11435265" y="2357705"/>
-                  <a:pt x="11435265" y="4079318"/>
+                  <a:pt x="190409" y="6724020"/>
+                  <a:pt x="363976" y="6588754"/>
+                  <a:pt x="539221" y="6450578"/>
                 </a:cubicBezTo>
                 <a:cubicBezTo>
-                  <a:pt x="11435265" y="5217633"/>
-                  <a:pt x="10916694" y="5903717"/>
-                  <a:pt x="10261404" y="6542447"/>
-                </a:cubicBezTo>
-                <a:close/>
-              </a:path>
-            </a:pathLst>
-          </a:custGeom>
-          <a:solidFill>
-            <a:schemeClr val="bg1">
-              <a:alpha val="60000"/>
-            </a:schemeClr>
-          </a:solidFill>
-          <a:ln>
-            <a:noFill/>
-          </a:ln>
-        </p:spPr>
-        <p:style>
-          <a:lnRef idx="2">
-            <a:schemeClr val="accent1">
-              <a:shade val="50000"/>
-            </a:schemeClr>
-          </a:lnRef>
-          <a:fillRef idx="1">
-            <a:schemeClr val="accent1"/>
-          </a:fillRef>
-          <a:effectRef idx="0">
-            <a:schemeClr val="accent1"/>
-          </a:effectRef>
-          <a:fontRef idx="minor">
-            <a:schemeClr val="lt1"/>
-          </a:fontRef>
-        </p:style>
-        <p:txBody>
-          <a:bodyPr wrap="square" rtlCol="0" anchor="ctr">
-            <a:noAutofit/>
-          </a:bodyPr>
-          <a:lstStyle/>
-          <a:p>
-            <a:pPr algn="ctr"/>
-            <a:endParaRPr lang="en-US"/>
-          </a:p>
-        </p:txBody>
-      </p:sp>
-      <p:sp>
-        <p:nvSpPr>
-          <p:cNvPr id="13" name="Freeform: Shape 12">
-            <a:extLst>
-              <a:ext uri="{FF2B5EF4-FFF2-40B4-BE49-F238E27FC236}">
-                <a16:creationId xmlns:a16="http://schemas.microsoft.com/office/drawing/2014/main" id="{71BA53A4-C4B7-4189-9FC1-6350B1AB5DFE}"/>
-              </a:ext>
-              <a:ext uri="{C183D7F6-B498-43B3-948B-1728B52AA6E4}">
-                <adec:decorative xmlns:adec="http://schemas.microsoft.com/office/drawing/2017/decorative" val="1"/>
-              </a:ext>
-            </a:extLst>
-          </p:cNvPr>
-          <p:cNvSpPr>
-            <a:spLocks noGrp="1" noRot="1" noChangeAspect="1" noMove="1" noResize="1" noEditPoints="1" noAdjustHandles="1" noChangeArrowheads="1" noChangeShapeType="1" noTextEdit="1"/>
-          </p:cNvSpPr>
-          <p:nvPr>
-            <p:extLst>
-              <p:ext uri="{386F3935-93C4-4BCD-93E2-E3B085C9AB24}">
-                <p16:designElem xmlns:p16="http://schemas.microsoft.com/office/powerpoint/2015/main" val="1"/>
-              </p:ext>
-            </p:extLst>
-          </p:nvPr>
-        </p:nvSpPr>
-        <p:spPr>
-          <a:xfrm flipH="1" flipV="1">
-            <a:off x="341199" y="0"/>
-            <a:ext cx="1518348" cy="6858000"/>
-          </a:xfrm>
-          <a:custGeom>
-            <a:avLst/>
-            <a:gdLst>
-              <a:gd name="connsiteX0" fmla="*/ 19178 w 1518348"/>
-              <a:gd name="connsiteY0" fmla="*/ 6858000 h 6858000"/>
-              <a:gd name="connsiteX1" fmla="*/ 0 w 1518348"/>
-              <a:gd name="connsiteY1" fmla="*/ 6858000 h 6858000"/>
-              <a:gd name="connsiteX2" fmla="*/ 241394 w 1518348"/>
-              <a:gd name="connsiteY2" fmla="*/ 6638611 h 6858000"/>
-              <a:gd name="connsiteX3" fmla="*/ 1493356 w 1518348"/>
-              <a:gd name="connsiteY3" fmla="*/ 4142424 h 6858000"/>
-              <a:gd name="connsiteX4" fmla="*/ 282053 w 1518348"/>
-              <a:gd name="connsiteY4" fmla="*/ 26474 h 6858000"/>
-              <a:gd name="connsiteX5" fmla="*/ 256233 w 1518348"/>
-              <a:gd name="connsiteY5" fmla="*/ 0 h 6858000"/>
-              <a:gd name="connsiteX6" fmla="*/ 273463 w 1518348"/>
-              <a:gd name="connsiteY6" fmla="*/ 0 h 6858000"/>
-              <a:gd name="connsiteX7" fmla="*/ 300199 w 1518348"/>
-              <a:gd name="connsiteY7" fmla="*/ 27414 h 6858000"/>
-              <a:gd name="connsiteX8" fmla="*/ 1511501 w 1518348"/>
-              <a:gd name="connsiteY8" fmla="*/ 4143362 h 6858000"/>
-              <a:gd name="connsiteX9" fmla="*/ 259539 w 1518348"/>
-              <a:gd name="connsiteY9" fmla="*/ 6639549 h 6858000"/>
-            </a:gdLst>
-            <a:ahLst/>
-            <a:cxnLst>
-              <a:cxn ang="0">
-                <a:pos x="connsiteX0" y="connsiteY0"/>
-              </a:cxn>
-              <a:cxn ang="0">
-                <a:pos x="connsiteX1" y="connsiteY1"/>
-              </a:cxn>
-              <a:cxn ang="0">
-                <a:pos x="connsiteX2" y="connsiteY2"/>
-              </a:cxn>
-              <a:cxn ang="0">
-                <a:pos x="connsiteX3" y="connsiteY3"/>
-              </a:cxn>
-              <a:cxn ang="0">
-                <a:pos x="connsiteX4" y="connsiteY4"/>
-              </a:cxn>
-              <a:cxn ang="0">
-                <a:pos x="connsiteX5" y="connsiteY5"/>
-              </a:cxn>
-              <a:cxn ang="0">
-                <a:pos x="connsiteX6" y="connsiteY6"/>
-              </a:cxn>
-              <a:cxn ang="0">
-                <a:pos x="connsiteX7" y="connsiteY7"/>
-              </a:cxn>
-              <a:cxn ang="0">
-                <a:pos x="connsiteX8" y="connsiteY8"/>
-              </a:cxn>
-              <a:cxn ang="0">
-                <a:pos x="connsiteX9" y="connsiteY9"/>
-              </a:cxn>
-            </a:cxnLst>
-            <a:rect l="l" t="t" r="r" b="b"/>
-            <a:pathLst>
-              <a:path w="1518348" h="6858000">
-                <a:moveTo>
-                  <a:pt x="19178" y="6858000"/>
-                </a:moveTo>
-                <a:lnTo>
-                  <a:pt x="0" y="6858000"/>
-                </a:lnTo>
-                <a:lnTo>
-                  <a:pt x="241394" y="6638611"/>
-                </a:lnTo>
-                <a:cubicBezTo>
-                  <a:pt x="909582" y="6009084"/>
-                  <a:pt x="1445892" y="5323498"/>
-                  <a:pt x="1493356" y="4142424"/>
+                  <a:pt x="1501550" y="5691822"/>
+                  <a:pt x="2440792" y="5075773"/>
+                  <a:pt x="2504546" y="3677682"/>
                 </a:cubicBezTo>
                 <a:cubicBezTo>
-                  <a:pt x="1560655" y="2467784"/>
-                  <a:pt x="1130049" y="962858"/>
-                  <a:pt x="282053" y="26474"/>
-                </a:cubicBezTo>
-                <a:lnTo>
-                  <a:pt x="256233" y="0"/>
-                </a:lnTo>
-                <a:lnTo>
-                  <a:pt x="273463" y="0"/>
-                </a:lnTo>
-                <a:lnTo>
-                  <a:pt x="300199" y="27414"/>
-                </a:lnTo>
-                <a:cubicBezTo>
-                  <a:pt x="1148195" y="963796"/>
-                  <a:pt x="1578800" y="2468723"/>
-                  <a:pt x="1511501" y="4143362"/>
-                </a:cubicBezTo>
-                <a:cubicBezTo>
-                  <a:pt x="1464037" y="5324436"/>
-                  <a:pt x="927728" y="6010023"/>
-                  <a:pt x="259539" y="6639549"/>
+                  <a:pt x="2572343" y="2190921"/>
+                  <a:pt x="2138551" y="854834"/>
+                  <a:pt x="1284280" y="23504"/>
                 </a:cubicBezTo>
                 <a:close/>
               </a:path>
@@ -33455,10 +38774,10 @@
       </p:sp>
       <p:sp>
         <p:nvSpPr>
-          <p:cNvPr id="15" name="Freeform: Shape 14">
+          <p:cNvPr id="1050" name="Freeform: Shape 1049">
             <a:extLst>
               <a:ext uri="{FF2B5EF4-FFF2-40B4-BE49-F238E27FC236}">
-                <a16:creationId xmlns:a16="http://schemas.microsoft.com/office/drawing/2014/main" id="{5558AD6E-B070-4640-AA07-87E208983ED8}"/>
+                <a16:creationId xmlns:a16="http://schemas.microsoft.com/office/drawing/2014/main" id="{CBB673AF-CE4B-46CB-AF61-47A2F6B51B04}"/>
               </a:ext>
               <a:ext uri="{C183D7F6-B498-43B3-948B-1728B52AA6E4}">
                 <adec:decorative xmlns:adec="http://schemas.microsoft.com/office/drawing/2017/decorative" val="1"/>
@@ -33477,33 +38796,37 @@
           </p:nvPr>
         </p:nvSpPr>
         <p:spPr>
-          <a:xfrm flipH="1" flipV="1">
-            <a:off x="552928" y="0"/>
-            <a:ext cx="1644534" cy="6858000"/>
+          <a:xfrm flipH="1">
+            <a:off x="760922" y="0"/>
+            <a:ext cx="2536434" cy="6858000"/>
           </a:xfrm>
           <a:custGeom>
             <a:avLst/>
             <a:gdLst>
-              <a:gd name="connsiteX0" fmla="*/ 135252 w 1644534"/>
-              <a:gd name="connsiteY0" fmla="*/ 6858000 h 6858000"/>
-              <a:gd name="connsiteX1" fmla="*/ 101819 w 1644534"/>
-              <a:gd name="connsiteY1" fmla="*/ 6858000 h 6858000"/>
-              <a:gd name="connsiteX2" fmla="*/ 437240 w 1644534"/>
-              <a:gd name="connsiteY2" fmla="*/ 6542447 h 6858000"/>
-              <a:gd name="connsiteX3" fmla="*/ 1611101 w 1644534"/>
-              <a:gd name="connsiteY3" fmla="*/ 4079318 h 6858000"/>
-              <a:gd name="connsiteX4" fmla="*/ 21961 w 1644534"/>
-              <a:gd name="connsiteY4" fmla="*/ 16892 h 6858000"/>
-              <a:gd name="connsiteX5" fmla="*/ 0 w 1644534"/>
-              <a:gd name="connsiteY5" fmla="*/ 0 h 6858000"/>
-              <a:gd name="connsiteX6" fmla="*/ 33433 w 1644534"/>
-              <a:gd name="connsiteY6" fmla="*/ 0 h 6858000"/>
-              <a:gd name="connsiteX7" fmla="*/ 55394 w 1644534"/>
-              <a:gd name="connsiteY7" fmla="*/ 16892 h 6858000"/>
-              <a:gd name="connsiteX8" fmla="*/ 1644534 w 1644534"/>
-              <a:gd name="connsiteY8" fmla="*/ 4079318 h 6858000"/>
-              <a:gd name="connsiteX9" fmla="*/ 470673 w 1644534"/>
-              <a:gd name="connsiteY9" fmla="*/ 6542447 h 6858000"/>
+              <a:gd name="connsiteX0" fmla="*/ 879731 w 2536434"/>
+              <a:gd name="connsiteY0" fmla="*/ 0 h 6858000"/>
+              <a:gd name="connsiteX1" fmla="*/ 913411 w 2536434"/>
+              <a:gd name="connsiteY1" fmla="*/ 0 h 6858000"/>
+              <a:gd name="connsiteX2" fmla="*/ 935535 w 2536434"/>
+              <a:gd name="connsiteY2" fmla="*/ 14997 h 6858000"/>
+              <a:gd name="connsiteX3" fmla="*/ 2536434 w 2536434"/>
+              <a:gd name="connsiteY3" fmla="*/ 3621656 h 6858000"/>
+              <a:gd name="connsiteX4" fmla="*/ 662084 w 2536434"/>
+              <a:gd name="connsiteY4" fmla="*/ 6374814 h 6858000"/>
+              <a:gd name="connsiteX5" fmla="*/ 145436 w 2536434"/>
+              <a:gd name="connsiteY5" fmla="*/ 6780599 h 6858000"/>
+              <a:gd name="connsiteX6" fmla="*/ 33680 w 2536434"/>
+              <a:gd name="connsiteY6" fmla="*/ 6858000 h 6858000"/>
+              <a:gd name="connsiteX7" fmla="*/ 0 w 2536434"/>
+              <a:gd name="connsiteY7" fmla="*/ 6858000 h 6858000"/>
+              <a:gd name="connsiteX8" fmla="*/ 111756 w 2536434"/>
+              <a:gd name="connsiteY8" fmla="*/ 6780599 h 6858000"/>
+              <a:gd name="connsiteX9" fmla="*/ 628404 w 2536434"/>
+              <a:gd name="connsiteY9" fmla="*/ 6374814 h 6858000"/>
+              <a:gd name="connsiteX10" fmla="*/ 2502754 w 2536434"/>
+              <a:gd name="connsiteY10" fmla="*/ 3621656 h 6858000"/>
+              <a:gd name="connsiteX11" fmla="*/ 901855 w 2536434"/>
+              <a:gd name="connsiteY11" fmla="*/ 14997 h 6858000"/>
             </a:gdLst>
             <a:ahLst/>
             <a:cxnLst>
@@ -33537,47 +38860,63 @@
               <a:cxn ang="0">
                 <a:pos x="connsiteX9" y="connsiteY9"/>
               </a:cxn>
+              <a:cxn ang="0">
+                <a:pos x="connsiteX10" y="connsiteY10"/>
+              </a:cxn>
+              <a:cxn ang="0">
+                <a:pos x="connsiteX11" y="connsiteY11"/>
+              </a:cxn>
             </a:cxnLst>
             <a:rect l="l" t="t" r="r" b="b"/>
             <a:pathLst>
-              <a:path w="1644534" h="6858000">
+              <a:path w="2536434" h="6858000">
                 <a:moveTo>
-                  <a:pt x="135252" y="6858000"/>
+                  <a:pt x="879731" y="0"/>
                 </a:moveTo>
                 <a:lnTo>
-                  <a:pt x="101819" y="6858000"/>
+                  <a:pt x="913411" y="0"/>
                 </a:lnTo>
                 <a:lnTo>
-                  <a:pt x="437240" y="6542447"/>
+                  <a:pt x="935535" y="14997"/>
                 </a:lnTo>
                 <a:cubicBezTo>
-                  <a:pt x="1092531" y="5903717"/>
-                  <a:pt x="1611101" y="5217633"/>
-                  <a:pt x="1611101" y="4079318"/>
+                  <a:pt x="1962698" y="754641"/>
+                  <a:pt x="2536434" y="2093192"/>
+                  <a:pt x="2536434" y="3621656"/>
                 </a:cubicBezTo>
                 <a:cubicBezTo>
-                  <a:pt x="1611101" y="2357705"/>
-                  <a:pt x="1041580" y="850004"/>
-                  <a:pt x="21961" y="16892"/>
+                  <a:pt x="2536434" y="4969131"/>
+                  <a:pt x="1607709" y="5602839"/>
+                  <a:pt x="662084" y="6374814"/>
+                </a:cubicBezTo>
+                <a:cubicBezTo>
+                  <a:pt x="489881" y="6515397"/>
+                  <a:pt x="319254" y="6653108"/>
+                  <a:pt x="145436" y="6780599"/>
                 </a:cubicBezTo>
                 <a:lnTo>
-                  <a:pt x="0" y="0"/>
+                  <a:pt x="33680" y="6858000"/>
                 </a:lnTo>
                 <a:lnTo>
-                  <a:pt x="33433" y="0"/>
+                  <a:pt x="0" y="6858000"/>
                 </a:lnTo>
                 <a:lnTo>
-                  <a:pt x="55394" y="16892"/>
+                  <a:pt x="111756" y="6780599"/>
                 </a:lnTo>
                 <a:cubicBezTo>
-                  <a:pt x="1075012" y="850004"/>
-                  <a:pt x="1644534" y="2357705"/>
-                  <a:pt x="1644534" y="4079318"/>
+                  <a:pt x="285574" y="6653108"/>
+                  <a:pt x="456201" y="6515397"/>
+                  <a:pt x="628404" y="6374814"/>
                 </a:cubicBezTo>
                 <a:cubicBezTo>
-                  <a:pt x="1644534" y="5217633"/>
-                  <a:pt x="1125963" y="5903717"/>
-                  <a:pt x="470673" y="6542447"/>
+                  <a:pt x="1574029" y="5602839"/>
+                  <a:pt x="2502754" y="4969131"/>
+                  <a:pt x="2502754" y="3621656"/>
+                </a:cubicBezTo>
+                <a:cubicBezTo>
+                  <a:pt x="2502754" y="2093192"/>
+                  <a:pt x="1929018" y="754641"/>
+                  <a:pt x="901855" y="14997"/>
                 </a:cubicBezTo>
                 <a:close/>
               </a:path>
@@ -33648,10 +38987,10 @@
       </p:sp>
       <p:sp>
         <p:nvSpPr>
-          <p:cNvPr id="17" name="Freeform: Shape 16">
+          <p:cNvPr id="1052" name="Freeform: Shape 1051">
             <a:extLst>
               <a:ext uri="{FF2B5EF4-FFF2-40B4-BE49-F238E27FC236}">
-                <a16:creationId xmlns:a16="http://schemas.microsoft.com/office/drawing/2014/main" id="{36ACFB69-D148-449E-AC5A-C55AA20A7F7F}"/>
+                <a16:creationId xmlns:a16="http://schemas.microsoft.com/office/drawing/2014/main" id="{BB244C92-C225-4ED6-9477-FE38CFE28198}"/>
               </a:ext>
               <a:ext uri="{C183D7F6-B498-43B3-948B-1728B52AA6E4}">
                 <adec:decorative xmlns:adec="http://schemas.microsoft.com/office/drawing/2017/decorative" val="1"/>
@@ -33670,33 +39009,37 @@
           </p:nvPr>
         </p:nvSpPr>
         <p:spPr>
-          <a:xfrm flipH="1" flipV="1">
-            <a:off x="988858" y="0"/>
-            <a:ext cx="1461546" cy="6858000"/>
+          <a:xfrm>
+            <a:off x="8696194" y="0"/>
+            <a:ext cx="2529723" cy="6858000"/>
           </a:xfrm>
           <a:custGeom>
             <a:avLst/>
             <a:gdLst>
-              <a:gd name="connsiteX0" fmla="*/ 107940 w 1461546"/>
-              <a:gd name="connsiteY0" fmla="*/ 6858000 h 6858000"/>
-              <a:gd name="connsiteX1" fmla="*/ 91317 w 1461546"/>
-              <a:gd name="connsiteY1" fmla="*/ 6858000 h 6858000"/>
-              <a:gd name="connsiteX2" fmla="*/ 392141 w 1461546"/>
-              <a:gd name="connsiteY2" fmla="*/ 6542447 h 6858000"/>
-              <a:gd name="connsiteX3" fmla="*/ 1444924 w 1461546"/>
-              <a:gd name="connsiteY3" fmla="*/ 4079318 h 6858000"/>
-              <a:gd name="connsiteX4" fmla="*/ 19696 w 1461546"/>
-              <a:gd name="connsiteY4" fmla="*/ 16892 h 6858000"/>
-              <a:gd name="connsiteX5" fmla="*/ 0 w 1461546"/>
-              <a:gd name="connsiteY5" fmla="*/ 0 h 6858000"/>
-              <a:gd name="connsiteX6" fmla="*/ 16622 w 1461546"/>
-              <a:gd name="connsiteY6" fmla="*/ 0 h 6858000"/>
-              <a:gd name="connsiteX7" fmla="*/ 36319 w 1461546"/>
-              <a:gd name="connsiteY7" fmla="*/ 16892 h 6858000"/>
-              <a:gd name="connsiteX8" fmla="*/ 1461546 w 1461546"/>
-              <a:gd name="connsiteY8" fmla="*/ 4079318 h 6858000"/>
-              <a:gd name="connsiteX9" fmla="*/ 408763 w 1461546"/>
-              <a:gd name="connsiteY9" fmla="*/ 6542447 h 6858000"/>
+              <a:gd name="connsiteX0" fmla="*/ 1258269 w 2529723"/>
+              <a:gd name="connsiteY0" fmla="*/ 0 h 6858000"/>
+              <a:gd name="connsiteX1" fmla="*/ 1275627 w 2529723"/>
+              <a:gd name="connsiteY1" fmla="*/ 0 h 6858000"/>
+              <a:gd name="connsiteX2" fmla="*/ 1302560 w 2529723"/>
+              <a:gd name="connsiteY2" fmla="*/ 24338 h 6858000"/>
+              <a:gd name="connsiteX3" fmla="*/ 2522825 w 2529723"/>
+              <a:gd name="connsiteY3" fmla="*/ 3678515 h 6858000"/>
+              <a:gd name="connsiteX4" fmla="*/ 557500 w 2529723"/>
+              <a:gd name="connsiteY4" fmla="*/ 6451411 h 6858000"/>
+              <a:gd name="connsiteX5" fmla="*/ 32482 w 2529723"/>
+              <a:gd name="connsiteY5" fmla="*/ 6849373 h 6858000"/>
+              <a:gd name="connsiteX6" fmla="*/ 19531 w 2529723"/>
+              <a:gd name="connsiteY6" fmla="*/ 6858000 h 6858000"/>
+              <a:gd name="connsiteX7" fmla="*/ 0 w 2529723"/>
+              <a:gd name="connsiteY7" fmla="*/ 6858000 h 6858000"/>
+              <a:gd name="connsiteX8" fmla="*/ 14202 w 2529723"/>
+              <a:gd name="connsiteY8" fmla="*/ 6848540 h 6858000"/>
+              <a:gd name="connsiteX9" fmla="*/ 539221 w 2529723"/>
+              <a:gd name="connsiteY9" fmla="*/ 6450578 h 6858000"/>
+              <a:gd name="connsiteX10" fmla="*/ 2504546 w 2529723"/>
+              <a:gd name="connsiteY10" fmla="*/ 3677682 h 6858000"/>
+              <a:gd name="connsiteX11" fmla="*/ 1284280 w 2529723"/>
+              <a:gd name="connsiteY11" fmla="*/ 23504 h 6858000"/>
             </a:gdLst>
             <a:ahLst/>
             <a:cxnLst>
@@ -33730,56 +39073,283 @@
               <a:cxn ang="0">
                 <a:pos x="connsiteX9" y="connsiteY9"/>
               </a:cxn>
+              <a:cxn ang="0">
+                <a:pos x="connsiteX10" y="connsiteY10"/>
+              </a:cxn>
+              <a:cxn ang="0">
+                <a:pos x="connsiteX11" y="connsiteY11"/>
+              </a:cxn>
             </a:cxnLst>
             <a:rect l="l" t="t" r="r" b="b"/>
             <a:pathLst>
-              <a:path w="1461546" h="6858000">
+              <a:path w="2529723" h="6858000">
                 <a:moveTo>
-                  <a:pt x="107940" y="6858000"/>
+                  <a:pt x="1258269" y="0"/>
                 </a:moveTo>
                 <a:lnTo>
-                  <a:pt x="91317" y="6858000"/>
+                  <a:pt x="1275627" y="0"/>
                 </a:lnTo>
                 <a:lnTo>
-                  <a:pt x="392141" y="6542447"/>
+                  <a:pt x="1302560" y="24338"/>
                 </a:lnTo>
                 <a:cubicBezTo>
-                  <a:pt x="979841" y="5903717"/>
-                  <a:pt x="1444924" y="5217633"/>
-                  <a:pt x="1444924" y="4079318"/>
+                  <a:pt x="2156831" y="855667"/>
+                  <a:pt x="2590622" y="2191755"/>
+                  <a:pt x="2522825" y="3678515"/>
                 </a:cubicBezTo>
                 <a:cubicBezTo>
-                  <a:pt x="1444924" y="2357705"/>
-                  <a:pt x="934146" y="850004"/>
-                  <a:pt x="19696" y="16892"/>
+                  <a:pt x="2459072" y="5076606"/>
+                  <a:pt x="1519830" y="5692656"/>
+                  <a:pt x="557500" y="6451411"/>
+                </a:cubicBezTo>
+                <a:cubicBezTo>
+                  <a:pt x="382255" y="6589587"/>
+                  <a:pt x="208689" y="6724853"/>
+                  <a:pt x="32482" y="6849373"/>
                 </a:cubicBezTo>
                 <a:lnTo>
-                  <a:pt x="0" y="0"/>
+                  <a:pt x="19531" y="6858000"/>
                 </a:lnTo>
                 <a:lnTo>
-                  <a:pt x="16622" y="0"/>
+                  <a:pt x="0" y="6858000"/>
                 </a:lnTo>
                 <a:lnTo>
-                  <a:pt x="36319" y="16892"/>
+                  <a:pt x="14202" y="6848540"/>
                 </a:lnTo>
                 <a:cubicBezTo>
-                  <a:pt x="950768" y="850004"/>
-                  <a:pt x="1461546" y="2357705"/>
-                  <a:pt x="1461546" y="4079318"/>
+                  <a:pt x="190409" y="6724020"/>
+                  <a:pt x="363976" y="6588754"/>
+                  <a:pt x="539221" y="6450578"/>
                 </a:cubicBezTo>
                 <a:cubicBezTo>
-                  <a:pt x="1461546" y="5217633"/>
-                  <a:pt x="996464" y="5903717"/>
-                  <a:pt x="408763" y="6542447"/>
+                  <a:pt x="1501550" y="5691822"/>
+                  <a:pt x="2440792" y="5075773"/>
+                  <a:pt x="2504546" y="3677682"/>
+                </a:cubicBezTo>
+                <a:cubicBezTo>
+                  <a:pt x="2572343" y="2190921"/>
+                  <a:pt x="2138551" y="854834"/>
+                  <a:pt x="1284280" y="23504"/>
                 </a:cubicBezTo>
                 <a:close/>
               </a:path>
             </a:pathLst>
           </a:custGeom>
           <a:solidFill>
-            <a:schemeClr val="bg2">
-              <a:lumMod val="90000"/>
+            <a:srgbClr val="FFFFFF"/>
+          </a:solidFill>
+          <a:ln>
+            <a:noFill/>
+          </a:ln>
+        </p:spPr>
+        <p:style>
+          <a:lnRef idx="2">
+            <a:schemeClr val="accent1">
+              <a:shade val="50000"/>
             </a:schemeClr>
+          </a:lnRef>
+          <a:fillRef idx="1">
+            <a:schemeClr val="accent1"/>
+          </a:fillRef>
+          <a:effectRef idx="0">
+            <a:schemeClr val="accent1"/>
+          </a:effectRef>
+          <a:fontRef idx="minor">
+            <a:schemeClr val="lt1"/>
+          </a:fontRef>
+        </p:style>
+        <p:txBody>
+          <a:bodyPr wrap="square" rtlCol="0" anchor="ctr">
+            <a:noAutofit/>
+          </a:bodyPr>
+          <a:lstStyle/>
+          <a:p>
+            <a:pPr marL="0" marR="0" lvl="0" indent="0" algn="ctr" defTabSz="457200" rtl="0" eaLnBrk="1" fontAlgn="auto" latinLnBrk="0" hangingPunct="1">
+              <a:lnSpc>
+                <a:spcPct val="100000"/>
+              </a:lnSpc>
+              <a:spcBef>
+                <a:spcPts val="0"/>
+              </a:spcBef>
+              <a:spcAft>
+                <a:spcPts val="0"/>
+              </a:spcAft>
+              <a:buClrTx/>
+              <a:buSzTx/>
+              <a:buFontTx/>
+              <a:buNone/>
+              <a:tabLst/>
+              <a:defRPr/>
+            </a:pPr>
+            <a:endParaRPr kumimoji="0" lang="en-US" sz="1800" b="0" i="0" u="none" strike="noStrike" kern="1200" cap="none" spc="0" normalizeH="0" baseline="0" noProof="0" dirty="0">
+              <a:ln>
+                <a:noFill/>
+              </a:ln>
+              <a:solidFill>
+                <a:prstClr val="white"/>
+              </a:solidFill>
+              <a:effectLst/>
+              <a:uLnTx/>
+              <a:uFillTx/>
+              <a:latin typeface="Meiryo"/>
+              <a:ea typeface="+mn-ea"/>
+              <a:cs typeface="+mn-cs"/>
+            </a:endParaRPr>
+          </a:p>
+        </p:txBody>
+      </p:sp>
+      <p:sp>
+        <p:nvSpPr>
+          <p:cNvPr id="1054" name="Freeform: Shape 1053">
+            <a:extLst>
+              <a:ext uri="{FF2B5EF4-FFF2-40B4-BE49-F238E27FC236}">
+                <a16:creationId xmlns:a16="http://schemas.microsoft.com/office/drawing/2014/main" id="{D3B79606-5986-49BA-9D40-A0FD94094DE9}"/>
+              </a:ext>
+              <a:ext uri="{C183D7F6-B498-43B3-948B-1728B52AA6E4}">
+                <adec:decorative xmlns:adec="http://schemas.microsoft.com/office/drawing/2017/decorative" val="1"/>
+              </a:ext>
+            </a:extLst>
+          </p:cNvPr>
+          <p:cNvSpPr>
+            <a:spLocks noGrp="1" noRot="1" noChangeAspect="1" noMove="1" noResize="1" noEditPoints="1" noAdjustHandles="1" noChangeArrowheads="1" noChangeShapeType="1" noTextEdit="1"/>
+          </p:cNvSpPr>
+          <p:nvPr>
+            <p:extLst>
+              <p:ext uri="{386F3935-93C4-4BCD-93E2-E3B085C9AB24}">
+                <p16:designElem xmlns:p16="http://schemas.microsoft.com/office/powerpoint/2015/main" val="1"/>
+              </p:ext>
+            </p:extLst>
+          </p:nvPr>
+        </p:nvSpPr>
+        <p:spPr>
+          <a:xfrm>
+            <a:off x="8476187" y="0"/>
+            <a:ext cx="2536434" cy="6858000"/>
+          </a:xfrm>
+          <a:custGeom>
+            <a:avLst/>
+            <a:gdLst>
+              <a:gd name="connsiteX0" fmla="*/ 879731 w 2536434"/>
+              <a:gd name="connsiteY0" fmla="*/ 0 h 6858000"/>
+              <a:gd name="connsiteX1" fmla="*/ 913411 w 2536434"/>
+              <a:gd name="connsiteY1" fmla="*/ 0 h 6858000"/>
+              <a:gd name="connsiteX2" fmla="*/ 935535 w 2536434"/>
+              <a:gd name="connsiteY2" fmla="*/ 14997 h 6858000"/>
+              <a:gd name="connsiteX3" fmla="*/ 2536434 w 2536434"/>
+              <a:gd name="connsiteY3" fmla="*/ 3621656 h 6858000"/>
+              <a:gd name="connsiteX4" fmla="*/ 662084 w 2536434"/>
+              <a:gd name="connsiteY4" fmla="*/ 6374814 h 6858000"/>
+              <a:gd name="connsiteX5" fmla="*/ 145436 w 2536434"/>
+              <a:gd name="connsiteY5" fmla="*/ 6780599 h 6858000"/>
+              <a:gd name="connsiteX6" fmla="*/ 33680 w 2536434"/>
+              <a:gd name="connsiteY6" fmla="*/ 6858000 h 6858000"/>
+              <a:gd name="connsiteX7" fmla="*/ 0 w 2536434"/>
+              <a:gd name="connsiteY7" fmla="*/ 6858000 h 6858000"/>
+              <a:gd name="connsiteX8" fmla="*/ 111756 w 2536434"/>
+              <a:gd name="connsiteY8" fmla="*/ 6780599 h 6858000"/>
+              <a:gd name="connsiteX9" fmla="*/ 628404 w 2536434"/>
+              <a:gd name="connsiteY9" fmla="*/ 6374814 h 6858000"/>
+              <a:gd name="connsiteX10" fmla="*/ 2502754 w 2536434"/>
+              <a:gd name="connsiteY10" fmla="*/ 3621656 h 6858000"/>
+              <a:gd name="connsiteX11" fmla="*/ 901855 w 2536434"/>
+              <a:gd name="connsiteY11" fmla="*/ 14997 h 6858000"/>
+            </a:gdLst>
+            <a:ahLst/>
+            <a:cxnLst>
+              <a:cxn ang="0">
+                <a:pos x="connsiteX0" y="connsiteY0"/>
+              </a:cxn>
+              <a:cxn ang="0">
+                <a:pos x="connsiteX1" y="connsiteY1"/>
+              </a:cxn>
+              <a:cxn ang="0">
+                <a:pos x="connsiteX2" y="connsiteY2"/>
+              </a:cxn>
+              <a:cxn ang="0">
+                <a:pos x="connsiteX3" y="connsiteY3"/>
+              </a:cxn>
+              <a:cxn ang="0">
+                <a:pos x="connsiteX4" y="connsiteY4"/>
+              </a:cxn>
+              <a:cxn ang="0">
+                <a:pos x="connsiteX5" y="connsiteY5"/>
+              </a:cxn>
+              <a:cxn ang="0">
+                <a:pos x="connsiteX6" y="connsiteY6"/>
+              </a:cxn>
+              <a:cxn ang="0">
+                <a:pos x="connsiteX7" y="connsiteY7"/>
+              </a:cxn>
+              <a:cxn ang="0">
+                <a:pos x="connsiteX8" y="connsiteY8"/>
+              </a:cxn>
+              <a:cxn ang="0">
+                <a:pos x="connsiteX9" y="connsiteY9"/>
+              </a:cxn>
+              <a:cxn ang="0">
+                <a:pos x="connsiteX10" y="connsiteY10"/>
+              </a:cxn>
+              <a:cxn ang="0">
+                <a:pos x="connsiteX11" y="connsiteY11"/>
+              </a:cxn>
+            </a:cxnLst>
+            <a:rect l="l" t="t" r="r" b="b"/>
+            <a:pathLst>
+              <a:path w="2536434" h="6858000">
+                <a:moveTo>
+                  <a:pt x="879731" y="0"/>
+                </a:moveTo>
+                <a:lnTo>
+                  <a:pt x="913411" y="0"/>
+                </a:lnTo>
+                <a:lnTo>
+                  <a:pt x="935535" y="14997"/>
+                </a:lnTo>
+                <a:cubicBezTo>
+                  <a:pt x="1962698" y="754641"/>
+                  <a:pt x="2536434" y="2093192"/>
+                  <a:pt x="2536434" y="3621656"/>
+                </a:cubicBezTo>
+                <a:cubicBezTo>
+                  <a:pt x="2536434" y="4969131"/>
+                  <a:pt x="1607709" y="5602839"/>
+                  <a:pt x="662084" y="6374814"/>
+                </a:cubicBezTo>
+                <a:cubicBezTo>
+                  <a:pt x="489881" y="6515397"/>
+                  <a:pt x="319254" y="6653108"/>
+                  <a:pt x="145436" y="6780599"/>
+                </a:cubicBezTo>
+                <a:lnTo>
+                  <a:pt x="33680" y="6858000"/>
+                </a:lnTo>
+                <a:lnTo>
+                  <a:pt x="0" y="6858000"/>
+                </a:lnTo>
+                <a:lnTo>
+                  <a:pt x="111756" y="6780599"/>
+                </a:lnTo>
+                <a:cubicBezTo>
+                  <a:pt x="285574" y="6653108"/>
+                  <a:pt x="456201" y="6515397"/>
+                  <a:pt x="628404" y="6374814"/>
+                </a:cubicBezTo>
+                <a:cubicBezTo>
+                  <a:pt x="1574029" y="5602839"/>
+                  <a:pt x="2502754" y="4969131"/>
+                  <a:pt x="2502754" y="3621656"/>
+                </a:cubicBezTo>
+                <a:cubicBezTo>
+                  <a:pt x="2502754" y="2093192"/>
+                  <a:pt x="1929018" y="754641"/>
+                  <a:pt x="901855" y="14997"/>
+                </a:cubicBezTo>
+                <a:close/>
+              </a:path>
+            </a:pathLst>
+          </a:custGeom>
+          <a:solidFill>
+            <a:srgbClr val="FFFFFF"/>
           </a:solidFill>
           <a:ln>
             <a:noFill/>
@@ -33824,7 +39394,7 @@
               <a:tabLst/>
               <a:defRPr/>
             </a:pPr>
-            <a:endParaRPr kumimoji="0" lang="en-US" sz="1800" b="0" i="0" u="none" strike="noStrike" kern="1200" cap="none" spc="0" normalizeH="0" baseline="0" noProof="0">
+            <a:endParaRPr kumimoji="0" lang="en-US" sz="1800" b="0" i="0" u="none" strike="noStrike" kern="1200" cap="none" spc="0" normalizeH="0" baseline="0" noProof="0" dirty="0">
               <a:ln>
                 <a:noFill/>
               </a:ln>
@@ -33843,10 +39413,1539 @@
       </p:sp>
       <p:sp>
         <p:nvSpPr>
-          <p:cNvPr id="2" name="Title 1">
+          <p:cNvPr id="1056" name="Freeform: Shape 1055">
             <a:extLst>
               <a:ext uri="{FF2B5EF4-FFF2-40B4-BE49-F238E27FC236}">
-                <a16:creationId xmlns:a16="http://schemas.microsoft.com/office/drawing/2014/main" id="{9FB5EB4E-2764-2B58-A79B-FB9A31C445F8}"/>
+                <a16:creationId xmlns:a16="http://schemas.microsoft.com/office/drawing/2014/main" id="{D534AD34-A74F-4FCD-8E77-6A38F92630A7}"/>
+              </a:ext>
+              <a:ext uri="{C183D7F6-B498-43B3-948B-1728B52AA6E4}">
+                <adec:decorative xmlns:adec="http://schemas.microsoft.com/office/drawing/2017/decorative" val="1"/>
+              </a:ext>
+            </a:extLst>
+          </p:cNvPr>
+          <p:cNvSpPr>
+            <a:spLocks noGrp="1" noRot="1" noChangeAspect="1" noMove="1" noResize="1" noEditPoints="1" noAdjustHandles="1" noChangeArrowheads="1" noChangeShapeType="1" noTextEdit="1"/>
+          </p:cNvSpPr>
+          <p:nvPr>
+            <p:extLst>
+              <p:ext uri="{386F3935-93C4-4BCD-93E2-E3B085C9AB24}">
+                <p16:designElem xmlns:p16="http://schemas.microsoft.com/office/powerpoint/2015/main" val="1"/>
+              </p:ext>
+            </p:extLst>
+          </p:nvPr>
+        </p:nvSpPr>
+        <p:spPr>
+          <a:xfrm>
+            <a:off x="966083" y="0"/>
+            <a:ext cx="9841377" cy="6858000"/>
+          </a:xfrm>
+          <a:custGeom>
+            <a:avLst/>
+            <a:gdLst>
+              <a:gd name="connsiteX0" fmla="*/ 1623023 w 9841377"/>
+              <a:gd name="connsiteY0" fmla="*/ 0 h 6858000"/>
+              <a:gd name="connsiteX1" fmla="*/ 4289416 w 9841377"/>
+              <a:gd name="connsiteY1" fmla="*/ 0 h 6858000"/>
+              <a:gd name="connsiteX2" fmla="*/ 4359035 w 9841377"/>
+              <a:gd name="connsiteY2" fmla="*/ 0 h 6858000"/>
+              <a:gd name="connsiteX3" fmla="*/ 5482342 w 9841377"/>
+              <a:gd name="connsiteY3" fmla="*/ 0 h 6858000"/>
+              <a:gd name="connsiteX4" fmla="*/ 5551962 w 9841377"/>
+              <a:gd name="connsiteY4" fmla="*/ 0 h 6858000"/>
+              <a:gd name="connsiteX5" fmla="*/ 8218354 w 9841377"/>
+              <a:gd name="connsiteY5" fmla="*/ 0 h 6858000"/>
+              <a:gd name="connsiteX6" fmla="*/ 8240478 w 9841377"/>
+              <a:gd name="connsiteY6" fmla="*/ 14997 h 6858000"/>
+              <a:gd name="connsiteX7" fmla="*/ 9841377 w 9841377"/>
+              <a:gd name="connsiteY7" fmla="*/ 3621656 h 6858000"/>
+              <a:gd name="connsiteX8" fmla="*/ 7967027 w 9841377"/>
+              <a:gd name="connsiteY8" fmla="*/ 6374814 h 6858000"/>
+              <a:gd name="connsiteX9" fmla="*/ 7450379 w 9841377"/>
+              <a:gd name="connsiteY9" fmla="*/ 6780599 h 6858000"/>
+              <a:gd name="connsiteX10" fmla="*/ 7338623 w 9841377"/>
+              <a:gd name="connsiteY10" fmla="*/ 6858000 h 6858000"/>
+              <a:gd name="connsiteX11" fmla="*/ 5551962 w 9841377"/>
+              <a:gd name="connsiteY11" fmla="*/ 6858000 h 6858000"/>
+              <a:gd name="connsiteX12" fmla="*/ 5482342 w 9841377"/>
+              <a:gd name="connsiteY12" fmla="*/ 6858000 h 6858000"/>
+              <a:gd name="connsiteX13" fmla="*/ 4359035 w 9841377"/>
+              <a:gd name="connsiteY13" fmla="*/ 6858000 h 6858000"/>
+              <a:gd name="connsiteX14" fmla="*/ 4289416 w 9841377"/>
+              <a:gd name="connsiteY14" fmla="*/ 6858000 h 6858000"/>
+              <a:gd name="connsiteX15" fmla="*/ 2502754 w 9841377"/>
+              <a:gd name="connsiteY15" fmla="*/ 6858000 h 6858000"/>
+              <a:gd name="connsiteX16" fmla="*/ 2390998 w 9841377"/>
+              <a:gd name="connsiteY16" fmla="*/ 6780599 h 6858000"/>
+              <a:gd name="connsiteX17" fmla="*/ 1874350 w 9841377"/>
+              <a:gd name="connsiteY17" fmla="*/ 6374814 h 6858000"/>
+              <a:gd name="connsiteX18" fmla="*/ 0 w 9841377"/>
+              <a:gd name="connsiteY18" fmla="*/ 3621656 h 6858000"/>
+              <a:gd name="connsiteX19" fmla="*/ 1600899 w 9841377"/>
+              <a:gd name="connsiteY19" fmla="*/ 14997 h 6858000"/>
+            </a:gdLst>
+            <a:ahLst/>
+            <a:cxnLst>
+              <a:cxn ang="0">
+                <a:pos x="connsiteX0" y="connsiteY0"/>
+              </a:cxn>
+              <a:cxn ang="0">
+                <a:pos x="connsiteX1" y="connsiteY1"/>
+              </a:cxn>
+              <a:cxn ang="0">
+                <a:pos x="connsiteX2" y="connsiteY2"/>
+              </a:cxn>
+              <a:cxn ang="0">
+                <a:pos x="connsiteX3" y="connsiteY3"/>
+              </a:cxn>
+              <a:cxn ang="0">
+                <a:pos x="connsiteX4" y="connsiteY4"/>
+              </a:cxn>
+              <a:cxn ang="0">
+                <a:pos x="connsiteX5" y="connsiteY5"/>
+              </a:cxn>
+              <a:cxn ang="0">
+                <a:pos x="connsiteX6" y="connsiteY6"/>
+              </a:cxn>
+              <a:cxn ang="0">
+                <a:pos x="connsiteX7" y="connsiteY7"/>
+              </a:cxn>
+              <a:cxn ang="0">
+                <a:pos x="connsiteX8" y="connsiteY8"/>
+              </a:cxn>
+              <a:cxn ang="0">
+                <a:pos x="connsiteX9" y="connsiteY9"/>
+              </a:cxn>
+              <a:cxn ang="0">
+                <a:pos x="connsiteX10" y="connsiteY10"/>
+              </a:cxn>
+              <a:cxn ang="0">
+                <a:pos x="connsiteX11" y="connsiteY11"/>
+              </a:cxn>
+              <a:cxn ang="0">
+                <a:pos x="connsiteX12" y="connsiteY12"/>
+              </a:cxn>
+              <a:cxn ang="0">
+                <a:pos x="connsiteX13" y="connsiteY13"/>
+              </a:cxn>
+              <a:cxn ang="0">
+                <a:pos x="connsiteX14" y="connsiteY14"/>
+              </a:cxn>
+              <a:cxn ang="0">
+                <a:pos x="connsiteX15" y="connsiteY15"/>
+              </a:cxn>
+              <a:cxn ang="0">
+                <a:pos x="connsiteX16" y="connsiteY16"/>
+              </a:cxn>
+              <a:cxn ang="0">
+                <a:pos x="connsiteX17" y="connsiteY17"/>
+              </a:cxn>
+              <a:cxn ang="0">
+                <a:pos x="connsiteX18" y="connsiteY18"/>
+              </a:cxn>
+              <a:cxn ang="0">
+                <a:pos x="connsiteX19" y="connsiteY19"/>
+              </a:cxn>
+            </a:cxnLst>
+            <a:rect l="l" t="t" r="r" b="b"/>
+            <a:pathLst>
+              <a:path w="9841377" h="6858000">
+                <a:moveTo>
+                  <a:pt x="1623023" y="0"/>
+                </a:moveTo>
+                <a:lnTo>
+                  <a:pt x="4289416" y="0"/>
+                </a:lnTo>
+                <a:lnTo>
+                  <a:pt x="4359035" y="0"/>
+                </a:lnTo>
+                <a:lnTo>
+                  <a:pt x="5482342" y="0"/>
+                </a:lnTo>
+                <a:lnTo>
+                  <a:pt x="5551962" y="0"/>
+                </a:lnTo>
+                <a:lnTo>
+                  <a:pt x="8218354" y="0"/>
+                </a:lnTo>
+                <a:lnTo>
+                  <a:pt x="8240478" y="14997"/>
+                </a:lnTo>
+                <a:cubicBezTo>
+                  <a:pt x="9267641" y="754641"/>
+                  <a:pt x="9841377" y="2093192"/>
+                  <a:pt x="9841377" y="3621656"/>
+                </a:cubicBezTo>
+                <a:cubicBezTo>
+                  <a:pt x="9841377" y="4969131"/>
+                  <a:pt x="8912652" y="5602839"/>
+                  <a:pt x="7967027" y="6374814"/>
+                </a:cubicBezTo>
+                <a:cubicBezTo>
+                  <a:pt x="7794824" y="6515397"/>
+                  <a:pt x="7624197" y="6653108"/>
+                  <a:pt x="7450379" y="6780599"/>
+                </a:cubicBezTo>
+                <a:lnTo>
+                  <a:pt x="7338623" y="6858000"/>
+                </a:lnTo>
+                <a:lnTo>
+                  <a:pt x="5551962" y="6858000"/>
+                </a:lnTo>
+                <a:lnTo>
+                  <a:pt x="5482342" y="6858000"/>
+                </a:lnTo>
+                <a:lnTo>
+                  <a:pt x="4359035" y="6858000"/>
+                </a:lnTo>
+                <a:lnTo>
+                  <a:pt x="4289416" y="6858000"/>
+                </a:lnTo>
+                <a:lnTo>
+                  <a:pt x="2502754" y="6858000"/>
+                </a:lnTo>
+                <a:lnTo>
+                  <a:pt x="2390998" y="6780599"/>
+                </a:lnTo>
+                <a:cubicBezTo>
+                  <a:pt x="2217180" y="6653108"/>
+                  <a:pt x="2046553" y="6515397"/>
+                  <a:pt x="1874350" y="6374814"/>
+                </a:cubicBezTo>
+                <a:cubicBezTo>
+                  <a:pt x="928725" y="5602839"/>
+                  <a:pt x="0" y="4969131"/>
+                  <a:pt x="0" y="3621656"/>
+                </a:cubicBezTo>
+                <a:cubicBezTo>
+                  <a:pt x="0" y="2093192"/>
+                  <a:pt x="573736" y="754641"/>
+                  <a:pt x="1600899" y="14997"/>
+                </a:cubicBezTo>
+                <a:close/>
+              </a:path>
+            </a:pathLst>
+          </a:custGeom>
+          <a:solidFill>
+            <a:schemeClr val="bg1">
+              <a:alpha val="60000"/>
+            </a:schemeClr>
+          </a:solidFill>
+          <a:ln>
+            <a:noFill/>
+          </a:ln>
+        </p:spPr>
+        <p:style>
+          <a:lnRef idx="2">
+            <a:schemeClr val="accent1">
+              <a:shade val="50000"/>
+            </a:schemeClr>
+          </a:lnRef>
+          <a:fillRef idx="1">
+            <a:schemeClr val="accent1"/>
+          </a:fillRef>
+          <a:effectRef idx="0">
+            <a:schemeClr val="accent1"/>
+          </a:effectRef>
+          <a:fontRef idx="minor">
+            <a:schemeClr val="lt1"/>
+          </a:fontRef>
+        </p:style>
+        <p:txBody>
+          <a:bodyPr wrap="square" rtlCol="0" anchor="ctr">
+            <a:noAutofit/>
+          </a:bodyPr>
+          <a:lstStyle/>
+          <a:p>
+            <a:pPr algn="ctr"/>
+            <a:endParaRPr lang="en-US"/>
+          </a:p>
+        </p:txBody>
+      </p:sp>
+      <p:pic>
+        <p:nvPicPr>
+          <p:cNvPr id="7" name="Content Placeholder 6">
+            <a:extLst>
+              <a:ext uri="{FF2B5EF4-FFF2-40B4-BE49-F238E27FC236}">
+                <a16:creationId xmlns:a16="http://schemas.microsoft.com/office/drawing/2014/main" id="{95E34FCE-55C5-62F0-733F-EE4DC36F4BC2}"/>
+              </a:ext>
+            </a:extLst>
+          </p:cNvPr>
+          <p:cNvPicPr>
+            <a:picLocks noGrp="1" noChangeAspect="1"/>
+          </p:cNvPicPr>
+          <p:nvPr>
+            <p:ph idx="1"/>
+          </p:nvPr>
+        </p:nvPicPr>
+        <p:blipFill>
+          <a:blip r:embed="rId2">
+            <a:extLst>
+              <a:ext uri="{BEBA8EAE-BF5A-486C-A8C5-ECC9F3942E4B}">
+                <a14:imgProps xmlns:a14="http://schemas.microsoft.com/office/drawing/2010/main">
+                  <a14:imgLayer r:embed="rId3">
+                    <a14:imgEffect>
+                      <a14:backgroundRemoval t="1840" b="92510" l="935" r="99377">
+                        <a14:foregroundMark x1="6646" y1="71222" x2="4984" y2="63995"/>
+                        <a14:foregroundMark x1="2908" y1="67411" x2="1246" y2="55585"/>
+                        <a14:foregroundMark x1="15369" y1="10512" x2="23572" y2="6965"/>
+                        <a14:foregroundMark x1="23572" y1="6965" x2="40914" y2="6176"/>
+                        <a14:foregroundMark x1="16822" y1="2497" x2="25753" y2="1971"/>
+                        <a14:foregroundMark x1="25753" y1="1971" x2="35410" y2="3942"/>
+                        <a14:foregroundMark x1="26168" y1="87648" x2="57736" y2="92641"/>
+                        <a14:foregroundMark x1="93636" y1="77615" x2="95016" y2="75953"/>
+                        <a14:foregroundMark x1="90031" y1="76084" x2="94289" y2="75821"/>
+                        <a14:foregroundMark x1="91381" y1="77004" x2="97819" y2="77004"/>
+                        <a14:foregroundMark x1="95431" y1="77661" x2="98962" y2="77135"/>
+                        <a14:foregroundMark x1="96573" y1="76478" x2="97404" y2="75033"/>
+                        <a14:foregroundMark x1="97819" y1="76478" x2="97923" y2="78318"/>
+                        <a14:foregroundMark x1="98131" y1="75953" x2="97819" y2="75427"/>
+                        <a14:foregroundMark x1="98131" y1="75821" x2="98442" y2="76741"/>
+                        <a14:foregroundMark x1="98131" y1="74113" x2="96262" y2="78844"/>
+                        <a14:foregroundMark x1="96677" y1="78055" x2="99065" y2="78318"/>
+                        <a14:foregroundMark x1="96781" y1="78449" x2="99065" y2="79369"/>
+                        <a14:foregroundMark x1="96054" y1="78712" x2="98339" y2="79763"/>
+                        <a14:foregroundMark x1="95327" y1="78844" x2="97300" y2="80946"/>
+                        <a14:backgroundMark x1="89408" y1="74244" x2="90929" y2="74244"/>
+                        <a14:backgroundMark x1="90239" y1="73062" x2="92420" y2="72668"/>
+                        <a14:backgroundMark x1="90239" y1="72799" x2="91693" y2="71616"/>
+                        <a14:backgroundMark x1="90239" y1="73325" x2="92731" y2="72011"/>
+                        <a14:backgroundMark x1="90550" y1="73193" x2="92212" y2="72536"/>
+                        <a14:backgroundMark x1="87954" y1="72142" x2="91693" y2="74507"/>
+                        <a14:backgroundMark x1="97821" y1="73705" x2="98546" y2="73850"/>
+                        <a14:backgroundMark x1="92627" y1="72668" x2="96429" y2="73427"/>
+                        <a14:backgroundMark x1="98546" y1="73850" x2="98489" y2="74323"/>
+                        <a14:backgroundMark x1="94728" y1="81092" x2="90031" y2="81735"/>
+                        <a14:backgroundMark x1="90031" y1="81735" x2="95016" y2="83049"/>
+                        <a14:backgroundMark x1="89304" y1="81209" x2="89200" y2="85151"/>
+                        <a14:backgroundMark x1="89097" y1="80815" x2="93873" y2="79763"/>
+                        <a14:backgroundMark x1="90966" y1="79501" x2="93769" y2="79501"/>
+                      </a14:backgroundRemoval>
+                    </a14:imgEffect>
+                  </a14:imgLayer>
+                </a14:imgProps>
+              </a:ext>
+            </a:extLst>
+          </a:blip>
+          <a:stretch>
+            <a:fillRect/>
+          </a:stretch>
+        </p:blipFill>
+        <p:spPr>
+          <a:xfrm>
+            <a:off x="1621913" y="0"/>
+            <a:ext cx="9390708" cy="7418659"/>
+          </a:xfrm>
+          <a:prstGeom prst="rect">
+            <a:avLst/>
+          </a:prstGeom>
+        </p:spPr>
+      </p:pic>
+    </p:spTree>
+    <p:extLst>
+      <p:ext uri="{BB962C8B-B14F-4D97-AF65-F5344CB8AC3E}">
+        <p14:creationId xmlns:p14="http://schemas.microsoft.com/office/powerpoint/2010/main" val="147199781"/>
+      </p:ext>
+    </p:extLst>
+  </p:cSld>
+  <p:clrMapOvr>
+    <a:masterClrMapping/>
+  </p:clrMapOvr>
+</p:sld>
+</file>
+
+<file path=ppt/slides/slide8.xml><?xml version="1.0" encoding="utf-8"?>
+<p:sld xmlns:a="http://schemas.openxmlformats.org/drawingml/2006/main" xmlns:r="http://schemas.openxmlformats.org/officeDocument/2006/relationships" xmlns:p="http://schemas.openxmlformats.org/presentationml/2006/main">
+  <p:cSld>
+    <p:bg>
+      <p:bgPr>
+        <a:solidFill>
+          <a:schemeClr val="bg2"/>
+        </a:solidFill>
+        <a:effectLst/>
+      </p:bgPr>
+    </p:bg>
+    <p:spTree>
+      <p:nvGrpSpPr>
+        <p:cNvPr id="1" name=""/>
+        <p:cNvGrpSpPr/>
+        <p:nvPr/>
+      </p:nvGrpSpPr>
+      <p:grpSpPr>
+        <a:xfrm>
+          <a:off x="0" y="0"/>
+          <a:ext cx="0" cy="0"/>
+          <a:chOff x="0" y="0"/>
+          <a:chExt cx="0" cy="0"/>
+        </a:xfrm>
+      </p:grpSpPr>
+      <p:sp useBgFill="1">
+        <p:nvSpPr>
+          <p:cNvPr id="1046" name="Rectangle 1045">
+            <a:extLst>
+              <a:ext uri="{FF2B5EF4-FFF2-40B4-BE49-F238E27FC236}">
+                <a16:creationId xmlns:a16="http://schemas.microsoft.com/office/drawing/2014/main" id="{8950AD4C-6AF3-49F8-94E1-DBCAFB39478B}"/>
+              </a:ext>
+              <a:ext uri="{C183D7F6-B498-43B3-948B-1728B52AA6E4}">
+                <adec:decorative xmlns:adec="http://schemas.microsoft.com/office/drawing/2017/decorative" val="1"/>
+              </a:ext>
+            </a:extLst>
+          </p:cNvPr>
+          <p:cNvSpPr>
+            <a:spLocks noGrp="1" noRot="1" noChangeAspect="1" noMove="1" noResize="1" noEditPoints="1" noAdjustHandles="1" noChangeArrowheads="1" noChangeShapeType="1" noTextEdit="1"/>
+          </p:cNvSpPr>
+          <p:nvPr>
+            <p:extLst>
+              <p:ext uri="{386F3935-93C4-4BCD-93E2-E3B085C9AB24}">
+                <p16:designElem xmlns:p16="http://schemas.microsoft.com/office/powerpoint/2015/main" val="1"/>
+              </p:ext>
+            </p:extLst>
+          </p:nvPr>
+        </p:nvSpPr>
+        <p:spPr>
+          <a:xfrm>
+            <a:off x="0" y="0"/>
+            <a:ext cx="12192000" cy="6858000"/>
+          </a:xfrm>
+          <a:prstGeom prst="rect">
+            <a:avLst/>
+          </a:prstGeom>
+          <a:ln>
+            <a:noFill/>
+          </a:ln>
+        </p:spPr>
+        <p:style>
+          <a:lnRef idx="2">
+            <a:schemeClr val="accent1">
+              <a:shade val="50000"/>
+            </a:schemeClr>
+          </a:lnRef>
+          <a:fillRef idx="1">
+            <a:schemeClr val="accent1"/>
+          </a:fillRef>
+          <a:effectRef idx="0">
+            <a:schemeClr val="accent1"/>
+          </a:effectRef>
+          <a:fontRef idx="minor">
+            <a:schemeClr val="lt1"/>
+          </a:fontRef>
+        </p:style>
+        <p:txBody>
+          <a:bodyPr rtlCol="0" anchor="ctr"/>
+          <a:lstStyle/>
+          <a:p>
+            <a:pPr algn="ctr"/>
+            <a:endParaRPr lang="en-US"/>
+          </a:p>
+        </p:txBody>
+      </p:sp>
+      <p:sp>
+        <p:nvSpPr>
+          <p:cNvPr id="1051" name="Freeform: Shape 1047">
+            <a:extLst>
+              <a:ext uri="{FF2B5EF4-FFF2-40B4-BE49-F238E27FC236}">
+                <a16:creationId xmlns:a16="http://schemas.microsoft.com/office/drawing/2014/main" id="{35AB8F98-27E9-490A-9FFC-6FB07CEAB279}"/>
+              </a:ext>
+              <a:ext uri="{C183D7F6-B498-43B3-948B-1728B52AA6E4}">
+                <adec:decorative xmlns:adec="http://schemas.microsoft.com/office/drawing/2017/decorative" val="1"/>
+              </a:ext>
+            </a:extLst>
+          </p:cNvPr>
+          <p:cNvSpPr>
+            <a:spLocks noGrp="1" noRot="1" noChangeAspect="1" noMove="1" noResize="1" noEditPoints="1" noAdjustHandles="1" noChangeArrowheads="1" noChangeShapeType="1" noTextEdit="1"/>
+          </p:cNvSpPr>
+          <p:nvPr>
+            <p:extLst>
+              <p:ext uri="{386F3935-93C4-4BCD-93E2-E3B085C9AB24}">
+                <p16:designElem xmlns:p16="http://schemas.microsoft.com/office/powerpoint/2015/main" val="1"/>
+              </p:ext>
+            </p:extLst>
+          </p:nvPr>
+        </p:nvSpPr>
+        <p:spPr>
+          <a:xfrm flipH="1">
+            <a:off x="547626" y="0"/>
+            <a:ext cx="2529723" cy="6858000"/>
+          </a:xfrm>
+          <a:custGeom>
+            <a:avLst/>
+            <a:gdLst>
+              <a:gd name="connsiteX0" fmla="*/ 1258269 w 2529723"/>
+              <a:gd name="connsiteY0" fmla="*/ 0 h 6858000"/>
+              <a:gd name="connsiteX1" fmla="*/ 1275627 w 2529723"/>
+              <a:gd name="connsiteY1" fmla="*/ 0 h 6858000"/>
+              <a:gd name="connsiteX2" fmla="*/ 1302560 w 2529723"/>
+              <a:gd name="connsiteY2" fmla="*/ 24338 h 6858000"/>
+              <a:gd name="connsiteX3" fmla="*/ 2522825 w 2529723"/>
+              <a:gd name="connsiteY3" fmla="*/ 3678515 h 6858000"/>
+              <a:gd name="connsiteX4" fmla="*/ 557500 w 2529723"/>
+              <a:gd name="connsiteY4" fmla="*/ 6451411 h 6858000"/>
+              <a:gd name="connsiteX5" fmla="*/ 32482 w 2529723"/>
+              <a:gd name="connsiteY5" fmla="*/ 6849373 h 6858000"/>
+              <a:gd name="connsiteX6" fmla="*/ 19531 w 2529723"/>
+              <a:gd name="connsiteY6" fmla="*/ 6858000 h 6858000"/>
+              <a:gd name="connsiteX7" fmla="*/ 0 w 2529723"/>
+              <a:gd name="connsiteY7" fmla="*/ 6858000 h 6858000"/>
+              <a:gd name="connsiteX8" fmla="*/ 14202 w 2529723"/>
+              <a:gd name="connsiteY8" fmla="*/ 6848540 h 6858000"/>
+              <a:gd name="connsiteX9" fmla="*/ 539221 w 2529723"/>
+              <a:gd name="connsiteY9" fmla="*/ 6450578 h 6858000"/>
+              <a:gd name="connsiteX10" fmla="*/ 2504546 w 2529723"/>
+              <a:gd name="connsiteY10" fmla="*/ 3677682 h 6858000"/>
+              <a:gd name="connsiteX11" fmla="*/ 1284280 w 2529723"/>
+              <a:gd name="connsiteY11" fmla="*/ 23504 h 6858000"/>
+            </a:gdLst>
+            <a:ahLst/>
+            <a:cxnLst>
+              <a:cxn ang="0">
+                <a:pos x="connsiteX0" y="connsiteY0"/>
+              </a:cxn>
+              <a:cxn ang="0">
+                <a:pos x="connsiteX1" y="connsiteY1"/>
+              </a:cxn>
+              <a:cxn ang="0">
+                <a:pos x="connsiteX2" y="connsiteY2"/>
+              </a:cxn>
+              <a:cxn ang="0">
+                <a:pos x="connsiteX3" y="connsiteY3"/>
+              </a:cxn>
+              <a:cxn ang="0">
+                <a:pos x="connsiteX4" y="connsiteY4"/>
+              </a:cxn>
+              <a:cxn ang="0">
+                <a:pos x="connsiteX5" y="connsiteY5"/>
+              </a:cxn>
+              <a:cxn ang="0">
+                <a:pos x="connsiteX6" y="connsiteY6"/>
+              </a:cxn>
+              <a:cxn ang="0">
+                <a:pos x="connsiteX7" y="connsiteY7"/>
+              </a:cxn>
+              <a:cxn ang="0">
+                <a:pos x="connsiteX8" y="connsiteY8"/>
+              </a:cxn>
+              <a:cxn ang="0">
+                <a:pos x="connsiteX9" y="connsiteY9"/>
+              </a:cxn>
+              <a:cxn ang="0">
+                <a:pos x="connsiteX10" y="connsiteY10"/>
+              </a:cxn>
+              <a:cxn ang="0">
+                <a:pos x="connsiteX11" y="connsiteY11"/>
+              </a:cxn>
+            </a:cxnLst>
+            <a:rect l="l" t="t" r="r" b="b"/>
+            <a:pathLst>
+              <a:path w="2529723" h="6858000">
+                <a:moveTo>
+                  <a:pt x="1258269" y="0"/>
+                </a:moveTo>
+                <a:lnTo>
+                  <a:pt x="1275627" y="0"/>
+                </a:lnTo>
+                <a:lnTo>
+                  <a:pt x="1302560" y="24338"/>
+                </a:lnTo>
+                <a:cubicBezTo>
+                  <a:pt x="2156831" y="855667"/>
+                  <a:pt x="2590622" y="2191755"/>
+                  <a:pt x="2522825" y="3678515"/>
+                </a:cubicBezTo>
+                <a:cubicBezTo>
+                  <a:pt x="2459072" y="5076606"/>
+                  <a:pt x="1519830" y="5692656"/>
+                  <a:pt x="557500" y="6451411"/>
+                </a:cubicBezTo>
+                <a:cubicBezTo>
+                  <a:pt x="382255" y="6589587"/>
+                  <a:pt x="208689" y="6724853"/>
+                  <a:pt x="32482" y="6849373"/>
+                </a:cubicBezTo>
+                <a:lnTo>
+                  <a:pt x="19531" y="6858000"/>
+                </a:lnTo>
+                <a:lnTo>
+                  <a:pt x="0" y="6858000"/>
+                </a:lnTo>
+                <a:lnTo>
+                  <a:pt x="14202" y="6848540"/>
+                </a:lnTo>
+                <a:cubicBezTo>
+                  <a:pt x="190409" y="6724020"/>
+                  <a:pt x="363976" y="6588754"/>
+                  <a:pt x="539221" y="6450578"/>
+                </a:cubicBezTo>
+                <a:cubicBezTo>
+                  <a:pt x="1501550" y="5691822"/>
+                  <a:pt x="2440792" y="5075773"/>
+                  <a:pt x="2504546" y="3677682"/>
+                </a:cubicBezTo>
+                <a:cubicBezTo>
+                  <a:pt x="2572343" y="2190921"/>
+                  <a:pt x="2138551" y="854834"/>
+                  <a:pt x="1284280" y="23504"/>
+                </a:cubicBezTo>
+                <a:close/>
+              </a:path>
+            </a:pathLst>
+          </a:custGeom>
+          <a:solidFill>
+            <a:srgbClr val="FFFFFF"/>
+          </a:solidFill>
+          <a:ln>
+            <a:noFill/>
+          </a:ln>
+        </p:spPr>
+        <p:style>
+          <a:lnRef idx="2">
+            <a:schemeClr val="accent1">
+              <a:shade val="50000"/>
+            </a:schemeClr>
+          </a:lnRef>
+          <a:fillRef idx="1">
+            <a:schemeClr val="accent1"/>
+          </a:fillRef>
+          <a:effectRef idx="0">
+            <a:schemeClr val="accent1"/>
+          </a:effectRef>
+          <a:fontRef idx="minor">
+            <a:schemeClr val="lt1"/>
+          </a:fontRef>
+        </p:style>
+        <p:txBody>
+          <a:bodyPr wrap="square" rtlCol="0" anchor="ctr">
+            <a:noAutofit/>
+          </a:bodyPr>
+          <a:lstStyle/>
+          <a:p>
+            <a:pPr marL="0" marR="0" lvl="0" indent="0" algn="ctr" defTabSz="457200" rtl="0" eaLnBrk="1" fontAlgn="auto" latinLnBrk="0" hangingPunct="1">
+              <a:lnSpc>
+                <a:spcPct val="100000"/>
+              </a:lnSpc>
+              <a:spcBef>
+                <a:spcPts val="0"/>
+              </a:spcBef>
+              <a:spcAft>
+                <a:spcPts val="0"/>
+              </a:spcAft>
+              <a:buClrTx/>
+              <a:buSzTx/>
+              <a:buFontTx/>
+              <a:buNone/>
+              <a:tabLst/>
+              <a:defRPr/>
+            </a:pPr>
+            <a:endParaRPr kumimoji="0" lang="en-US" sz="1800" b="0" i="0" u="none" strike="noStrike" kern="1200" cap="none" spc="0" normalizeH="0" baseline="0" noProof="0" dirty="0">
+              <a:ln>
+                <a:noFill/>
+              </a:ln>
+              <a:solidFill>
+                <a:prstClr val="white"/>
+              </a:solidFill>
+              <a:effectLst/>
+              <a:uLnTx/>
+              <a:uFillTx/>
+              <a:latin typeface="Meiryo"/>
+              <a:ea typeface="+mn-ea"/>
+              <a:cs typeface="+mn-cs"/>
+            </a:endParaRPr>
+          </a:p>
+        </p:txBody>
+      </p:sp>
+      <p:sp>
+        <p:nvSpPr>
+          <p:cNvPr id="1050" name="Freeform: Shape 1049">
+            <a:extLst>
+              <a:ext uri="{FF2B5EF4-FFF2-40B4-BE49-F238E27FC236}">
+                <a16:creationId xmlns:a16="http://schemas.microsoft.com/office/drawing/2014/main" id="{CBB673AF-CE4B-46CB-AF61-47A2F6B51B04}"/>
+              </a:ext>
+              <a:ext uri="{C183D7F6-B498-43B3-948B-1728B52AA6E4}">
+                <adec:decorative xmlns:adec="http://schemas.microsoft.com/office/drawing/2017/decorative" val="1"/>
+              </a:ext>
+            </a:extLst>
+          </p:cNvPr>
+          <p:cNvSpPr>
+            <a:spLocks noGrp="1" noRot="1" noChangeAspect="1" noMove="1" noResize="1" noEditPoints="1" noAdjustHandles="1" noChangeArrowheads="1" noChangeShapeType="1" noTextEdit="1"/>
+          </p:cNvSpPr>
+          <p:nvPr>
+            <p:extLst>
+              <p:ext uri="{386F3935-93C4-4BCD-93E2-E3B085C9AB24}">
+                <p16:designElem xmlns:p16="http://schemas.microsoft.com/office/powerpoint/2015/main" val="1"/>
+              </p:ext>
+            </p:extLst>
+          </p:nvPr>
+        </p:nvSpPr>
+        <p:spPr>
+          <a:xfrm flipH="1">
+            <a:off x="760922" y="0"/>
+            <a:ext cx="2536434" cy="6858000"/>
+          </a:xfrm>
+          <a:custGeom>
+            <a:avLst/>
+            <a:gdLst>
+              <a:gd name="connsiteX0" fmla="*/ 879731 w 2536434"/>
+              <a:gd name="connsiteY0" fmla="*/ 0 h 6858000"/>
+              <a:gd name="connsiteX1" fmla="*/ 913411 w 2536434"/>
+              <a:gd name="connsiteY1" fmla="*/ 0 h 6858000"/>
+              <a:gd name="connsiteX2" fmla="*/ 935535 w 2536434"/>
+              <a:gd name="connsiteY2" fmla="*/ 14997 h 6858000"/>
+              <a:gd name="connsiteX3" fmla="*/ 2536434 w 2536434"/>
+              <a:gd name="connsiteY3" fmla="*/ 3621656 h 6858000"/>
+              <a:gd name="connsiteX4" fmla="*/ 662084 w 2536434"/>
+              <a:gd name="connsiteY4" fmla="*/ 6374814 h 6858000"/>
+              <a:gd name="connsiteX5" fmla="*/ 145436 w 2536434"/>
+              <a:gd name="connsiteY5" fmla="*/ 6780599 h 6858000"/>
+              <a:gd name="connsiteX6" fmla="*/ 33680 w 2536434"/>
+              <a:gd name="connsiteY6" fmla="*/ 6858000 h 6858000"/>
+              <a:gd name="connsiteX7" fmla="*/ 0 w 2536434"/>
+              <a:gd name="connsiteY7" fmla="*/ 6858000 h 6858000"/>
+              <a:gd name="connsiteX8" fmla="*/ 111756 w 2536434"/>
+              <a:gd name="connsiteY8" fmla="*/ 6780599 h 6858000"/>
+              <a:gd name="connsiteX9" fmla="*/ 628404 w 2536434"/>
+              <a:gd name="connsiteY9" fmla="*/ 6374814 h 6858000"/>
+              <a:gd name="connsiteX10" fmla="*/ 2502754 w 2536434"/>
+              <a:gd name="connsiteY10" fmla="*/ 3621656 h 6858000"/>
+              <a:gd name="connsiteX11" fmla="*/ 901855 w 2536434"/>
+              <a:gd name="connsiteY11" fmla="*/ 14997 h 6858000"/>
+            </a:gdLst>
+            <a:ahLst/>
+            <a:cxnLst>
+              <a:cxn ang="0">
+                <a:pos x="connsiteX0" y="connsiteY0"/>
+              </a:cxn>
+              <a:cxn ang="0">
+                <a:pos x="connsiteX1" y="connsiteY1"/>
+              </a:cxn>
+              <a:cxn ang="0">
+                <a:pos x="connsiteX2" y="connsiteY2"/>
+              </a:cxn>
+              <a:cxn ang="0">
+                <a:pos x="connsiteX3" y="connsiteY3"/>
+              </a:cxn>
+              <a:cxn ang="0">
+                <a:pos x="connsiteX4" y="connsiteY4"/>
+              </a:cxn>
+              <a:cxn ang="0">
+                <a:pos x="connsiteX5" y="connsiteY5"/>
+              </a:cxn>
+              <a:cxn ang="0">
+                <a:pos x="connsiteX6" y="connsiteY6"/>
+              </a:cxn>
+              <a:cxn ang="0">
+                <a:pos x="connsiteX7" y="connsiteY7"/>
+              </a:cxn>
+              <a:cxn ang="0">
+                <a:pos x="connsiteX8" y="connsiteY8"/>
+              </a:cxn>
+              <a:cxn ang="0">
+                <a:pos x="connsiteX9" y="connsiteY9"/>
+              </a:cxn>
+              <a:cxn ang="0">
+                <a:pos x="connsiteX10" y="connsiteY10"/>
+              </a:cxn>
+              <a:cxn ang="0">
+                <a:pos x="connsiteX11" y="connsiteY11"/>
+              </a:cxn>
+            </a:cxnLst>
+            <a:rect l="l" t="t" r="r" b="b"/>
+            <a:pathLst>
+              <a:path w="2536434" h="6858000">
+                <a:moveTo>
+                  <a:pt x="879731" y="0"/>
+                </a:moveTo>
+                <a:lnTo>
+                  <a:pt x="913411" y="0"/>
+                </a:lnTo>
+                <a:lnTo>
+                  <a:pt x="935535" y="14997"/>
+                </a:lnTo>
+                <a:cubicBezTo>
+                  <a:pt x="1962698" y="754641"/>
+                  <a:pt x="2536434" y="2093192"/>
+                  <a:pt x="2536434" y="3621656"/>
+                </a:cubicBezTo>
+                <a:cubicBezTo>
+                  <a:pt x="2536434" y="4969131"/>
+                  <a:pt x="1607709" y="5602839"/>
+                  <a:pt x="662084" y="6374814"/>
+                </a:cubicBezTo>
+                <a:cubicBezTo>
+                  <a:pt x="489881" y="6515397"/>
+                  <a:pt x="319254" y="6653108"/>
+                  <a:pt x="145436" y="6780599"/>
+                </a:cubicBezTo>
+                <a:lnTo>
+                  <a:pt x="33680" y="6858000"/>
+                </a:lnTo>
+                <a:lnTo>
+                  <a:pt x="0" y="6858000"/>
+                </a:lnTo>
+                <a:lnTo>
+                  <a:pt x="111756" y="6780599"/>
+                </a:lnTo>
+                <a:cubicBezTo>
+                  <a:pt x="285574" y="6653108"/>
+                  <a:pt x="456201" y="6515397"/>
+                  <a:pt x="628404" y="6374814"/>
+                </a:cubicBezTo>
+                <a:cubicBezTo>
+                  <a:pt x="1574029" y="5602839"/>
+                  <a:pt x="2502754" y="4969131"/>
+                  <a:pt x="2502754" y="3621656"/>
+                </a:cubicBezTo>
+                <a:cubicBezTo>
+                  <a:pt x="2502754" y="2093192"/>
+                  <a:pt x="1929018" y="754641"/>
+                  <a:pt x="901855" y="14997"/>
+                </a:cubicBezTo>
+                <a:close/>
+              </a:path>
+            </a:pathLst>
+          </a:custGeom>
+          <a:solidFill>
+            <a:srgbClr val="FFFFFF"/>
+          </a:solidFill>
+          <a:ln>
+            <a:noFill/>
+          </a:ln>
+        </p:spPr>
+        <p:style>
+          <a:lnRef idx="2">
+            <a:schemeClr val="accent1">
+              <a:shade val="50000"/>
+            </a:schemeClr>
+          </a:lnRef>
+          <a:fillRef idx="1">
+            <a:schemeClr val="accent1"/>
+          </a:fillRef>
+          <a:effectRef idx="0">
+            <a:schemeClr val="accent1"/>
+          </a:effectRef>
+          <a:fontRef idx="minor">
+            <a:schemeClr val="lt1"/>
+          </a:fontRef>
+        </p:style>
+        <p:txBody>
+          <a:bodyPr wrap="square" rtlCol="0" anchor="ctr">
+            <a:noAutofit/>
+          </a:bodyPr>
+          <a:lstStyle/>
+          <a:p>
+            <a:pPr marL="0" marR="0" lvl="0" indent="0" algn="ctr" defTabSz="914400" rtl="0" eaLnBrk="1" fontAlgn="auto" latinLnBrk="0" hangingPunct="1">
+              <a:lnSpc>
+                <a:spcPct val="100000"/>
+              </a:lnSpc>
+              <a:spcBef>
+                <a:spcPts val="0"/>
+              </a:spcBef>
+              <a:spcAft>
+                <a:spcPts val="0"/>
+              </a:spcAft>
+              <a:buClrTx/>
+              <a:buSzTx/>
+              <a:buFontTx/>
+              <a:buNone/>
+              <a:tabLst/>
+              <a:defRPr/>
+            </a:pPr>
+            <a:endParaRPr kumimoji="0" lang="en-US" sz="1800" b="0" i="0" u="none" strike="noStrike" kern="1200" cap="none" spc="0" normalizeH="0" baseline="0" noProof="0" dirty="0">
+              <a:ln>
+                <a:noFill/>
+              </a:ln>
+              <a:solidFill>
+                <a:prstClr val="white"/>
+              </a:solidFill>
+              <a:effectLst/>
+              <a:uLnTx/>
+              <a:uFillTx/>
+              <a:latin typeface="Meiryo"/>
+              <a:ea typeface="+mn-ea"/>
+              <a:cs typeface="+mn-cs"/>
+            </a:endParaRPr>
+          </a:p>
+        </p:txBody>
+      </p:sp>
+      <p:sp>
+        <p:nvSpPr>
+          <p:cNvPr id="1052" name="Freeform: Shape 1051">
+            <a:extLst>
+              <a:ext uri="{FF2B5EF4-FFF2-40B4-BE49-F238E27FC236}">
+                <a16:creationId xmlns:a16="http://schemas.microsoft.com/office/drawing/2014/main" id="{BB244C92-C225-4ED6-9477-FE38CFE28198}"/>
+              </a:ext>
+              <a:ext uri="{C183D7F6-B498-43B3-948B-1728B52AA6E4}">
+                <adec:decorative xmlns:adec="http://schemas.microsoft.com/office/drawing/2017/decorative" val="1"/>
+              </a:ext>
+            </a:extLst>
+          </p:cNvPr>
+          <p:cNvSpPr>
+            <a:spLocks noGrp="1" noRot="1" noChangeAspect="1" noMove="1" noResize="1" noEditPoints="1" noAdjustHandles="1" noChangeArrowheads="1" noChangeShapeType="1" noTextEdit="1"/>
+          </p:cNvSpPr>
+          <p:nvPr>
+            <p:extLst>
+              <p:ext uri="{386F3935-93C4-4BCD-93E2-E3B085C9AB24}">
+                <p16:designElem xmlns:p16="http://schemas.microsoft.com/office/powerpoint/2015/main" val="1"/>
+              </p:ext>
+            </p:extLst>
+          </p:nvPr>
+        </p:nvSpPr>
+        <p:spPr>
+          <a:xfrm>
+            <a:off x="8696194" y="0"/>
+            <a:ext cx="2529723" cy="6858000"/>
+          </a:xfrm>
+          <a:custGeom>
+            <a:avLst/>
+            <a:gdLst>
+              <a:gd name="connsiteX0" fmla="*/ 1258269 w 2529723"/>
+              <a:gd name="connsiteY0" fmla="*/ 0 h 6858000"/>
+              <a:gd name="connsiteX1" fmla="*/ 1275627 w 2529723"/>
+              <a:gd name="connsiteY1" fmla="*/ 0 h 6858000"/>
+              <a:gd name="connsiteX2" fmla="*/ 1302560 w 2529723"/>
+              <a:gd name="connsiteY2" fmla="*/ 24338 h 6858000"/>
+              <a:gd name="connsiteX3" fmla="*/ 2522825 w 2529723"/>
+              <a:gd name="connsiteY3" fmla="*/ 3678515 h 6858000"/>
+              <a:gd name="connsiteX4" fmla="*/ 557500 w 2529723"/>
+              <a:gd name="connsiteY4" fmla="*/ 6451411 h 6858000"/>
+              <a:gd name="connsiteX5" fmla="*/ 32482 w 2529723"/>
+              <a:gd name="connsiteY5" fmla="*/ 6849373 h 6858000"/>
+              <a:gd name="connsiteX6" fmla="*/ 19531 w 2529723"/>
+              <a:gd name="connsiteY6" fmla="*/ 6858000 h 6858000"/>
+              <a:gd name="connsiteX7" fmla="*/ 0 w 2529723"/>
+              <a:gd name="connsiteY7" fmla="*/ 6858000 h 6858000"/>
+              <a:gd name="connsiteX8" fmla="*/ 14202 w 2529723"/>
+              <a:gd name="connsiteY8" fmla="*/ 6848540 h 6858000"/>
+              <a:gd name="connsiteX9" fmla="*/ 539221 w 2529723"/>
+              <a:gd name="connsiteY9" fmla="*/ 6450578 h 6858000"/>
+              <a:gd name="connsiteX10" fmla="*/ 2504546 w 2529723"/>
+              <a:gd name="connsiteY10" fmla="*/ 3677682 h 6858000"/>
+              <a:gd name="connsiteX11" fmla="*/ 1284280 w 2529723"/>
+              <a:gd name="connsiteY11" fmla="*/ 23504 h 6858000"/>
+            </a:gdLst>
+            <a:ahLst/>
+            <a:cxnLst>
+              <a:cxn ang="0">
+                <a:pos x="connsiteX0" y="connsiteY0"/>
+              </a:cxn>
+              <a:cxn ang="0">
+                <a:pos x="connsiteX1" y="connsiteY1"/>
+              </a:cxn>
+              <a:cxn ang="0">
+                <a:pos x="connsiteX2" y="connsiteY2"/>
+              </a:cxn>
+              <a:cxn ang="0">
+                <a:pos x="connsiteX3" y="connsiteY3"/>
+              </a:cxn>
+              <a:cxn ang="0">
+                <a:pos x="connsiteX4" y="connsiteY4"/>
+              </a:cxn>
+              <a:cxn ang="0">
+                <a:pos x="connsiteX5" y="connsiteY5"/>
+              </a:cxn>
+              <a:cxn ang="0">
+                <a:pos x="connsiteX6" y="connsiteY6"/>
+              </a:cxn>
+              <a:cxn ang="0">
+                <a:pos x="connsiteX7" y="connsiteY7"/>
+              </a:cxn>
+              <a:cxn ang="0">
+                <a:pos x="connsiteX8" y="connsiteY8"/>
+              </a:cxn>
+              <a:cxn ang="0">
+                <a:pos x="connsiteX9" y="connsiteY9"/>
+              </a:cxn>
+              <a:cxn ang="0">
+                <a:pos x="connsiteX10" y="connsiteY10"/>
+              </a:cxn>
+              <a:cxn ang="0">
+                <a:pos x="connsiteX11" y="connsiteY11"/>
+              </a:cxn>
+            </a:cxnLst>
+            <a:rect l="l" t="t" r="r" b="b"/>
+            <a:pathLst>
+              <a:path w="2529723" h="6858000">
+                <a:moveTo>
+                  <a:pt x="1258269" y="0"/>
+                </a:moveTo>
+                <a:lnTo>
+                  <a:pt x="1275627" y="0"/>
+                </a:lnTo>
+                <a:lnTo>
+                  <a:pt x="1302560" y="24338"/>
+                </a:lnTo>
+                <a:cubicBezTo>
+                  <a:pt x="2156831" y="855667"/>
+                  <a:pt x="2590622" y="2191755"/>
+                  <a:pt x="2522825" y="3678515"/>
+                </a:cubicBezTo>
+                <a:cubicBezTo>
+                  <a:pt x="2459072" y="5076606"/>
+                  <a:pt x="1519830" y="5692656"/>
+                  <a:pt x="557500" y="6451411"/>
+                </a:cubicBezTo>
+                <a:cubicBezTo>
+                  <a:pt x="382255" y="6589587"/>
+                  <a:pt x="208689" y="6724853"/>
+                  <a:pt x="32482" y="6849373"/>
+                </a:cubicBezTo>
+                <a:lnTo>
+                  <a:pt x="19531" y="6858000"/>
+                </a:lnTo>
+                <a:lnTo>
+                  <a:pt x="0" y="6858000"/>
+                </a:lnTo>
+                <a:lnTo>
+                  <a:pt x="14202" y="6848540"/>
+                </a:lnTo>
+                <a:cubicBezTo>
+                  <a:pt x="190409" y="6724020"/>
+                  <a:pt x="363976" y="6588754"/>
+                  <a:pt x="539221" y="6450578"/>
+                </a:cubicBezTo>
+                <a:cubicBezTo>
+                  <a:pt x="1501550" y="5691822"/>
+                  <a:pt x="2440792" y="5075773"/>
+                  <a:pt x="2504546" y="3677682"/>
+                </a:cubicBezTo>
+                <a:cubicBezTo>
+                  <a:pt x="2572343" y="2190921"/>
+                  <a:pt x="2138551" y="854834"/>
+                  <a:pt x="1284280" y="23504"/>
+                </a:cubicBezTo>
+                <a:close/>
+              </a:path>
+            </a:pathLst>
+          </a:custGeom>
+          <a:solidFill>
+            <a:srgbClr val="FFFFFF"/>
+          </a:solidFill>
+          <a:ln>
+            <a:noFill/>
+          </a:ln>
+        </p:spPr>
+        <p:style>
+          <a:lnRef idx="2">
+            <a:schemeClr val="accent1">
+              <a:shade val="50000"/>
+            </a:schemeClr>
+          </a:lnRef>
+          <a:fillRef idx="1">
+            <a:schemeClr val="accent1"/>
+          </a:fillRef>
+          <a:effectRef idx="0">
+            <a:schemeClr val="accent1"/>
+          </a:effectRef>
+          <a:fontRef idx="minor">
+            <a:schemeClr val="lt1"/>
+          </a:fontRef>
+        </p:style>
+        <p:txBody>
+          <a:bodyPr wrap="square" rtlCol="0" anchor="ctr">
+            <a:noAutofit/>
+          </a:bodyPr>
+          <a:lstStyle/>
+          <a:p>
+            <a:pPr marL="0" marR="0" lvl="0" indent="0" algn="ctr" defTabSz="457200" rtl="0" eaLnBrk="1" fontAlgn="auto" latinLnBrk="0" hangingPunct="1">
+              <a:lnSpc>
+                <a:spcPct val="100000"/>
+              </a:lnSpc>
+              <a:spcBef>
+                <a:spcPts val="0"/>
+              </a:spcBef>
+              <a:spcAft>
+                <a:spcPts val="0"/>
+              </a:spcAft>
+              <a:buClrTx/>
+              <a:buSzTx/>
+              <a:buFontTx/>
+              <a:buNone/>
+              <a:tabLst/>
+              <a:defRPr/>
+            </a:pPr>
+            <a:endParaRPr kumimoji="0" lang="en-US" sz="1800" b="0" i="0" u="none" strike="noStrike" kern="1200" cap="none" spc="0" normalizeH="0" baseline="0" noProof="0" dirty="0">
+              <a:ln>
+                <a:noFill/>
+              </a:ln>
+              <a:solidFill>
+                <a:prstClr val="white"/>
+              </a:solidFill>
+              <a:effectLst/>
+              <a:uLnTx/>
+              <a:uFillTx/>
+              <a:latin typeface="Meiryo"/>
+              <a:ea typeface="+mn-ea"/>
+              <a:cs typeface="+mn-cs"/>
+            </a:endParaRPr>
+          </a:p>
+        </p:txBody>
+      </p:sp>
+      <p:sp>
+        <p:nvSpPr>
+          <p:cNvPr id="1054" name="Freeform: Shape 1053">
+            <a:extLst>
+              <a:ext uri="{FF2B5EF4-FFF2-40B4-BE49-F238E27FC236}">
+                <a16:creationId xmlns:a16="http://schemas.microsoft.com/office/drawing/2014/main" id="{D3B79606-5986-49BA-9D40-A0FD94094DE9}"/>
+              </a:ext>
+              <a:ext uri="{C183D7F6-B498-43B3-948B-1728B52AA6E4}">
+                <adec:decorative xmlns:adec="http://schemas.microsoft.com/office/drawing/2017/decorative" val="1"/>
+              </a:ext>
+            </a:extLst>
+          </p:cNvPr>
+          <p:cNvSpPr>
+            <a:spLocks noGrp="1" noRot="1" noChangeAspect="1" noMove="1" noResize="1" noEditPoints="1" noAdjustHandles="1" noChangeArrowheads="1" noChangeShapeType="1" noTextEdit="1"/>
+          </p:cNvSpPr>
+          <p:nvPr>
+            <p:extLst>
+              <p:ext uri="{386F3935-93C4-4BCD-93E2-E3B085C9AB24}">
+                <p16:designElem xmlns:p16="http://schemas.microsoft.com/office/powerpoint/2015/main" val="1"/>
+              </p:ext>
+            </p:extLst>
+          </p:nvPr>
+        </p:nvSpPr>
+        <p:spPr>
+          <a:xfrm>
+            <a:off x="8476187" y="0"/>
+            <a:ext cx="2536434" cy="6858000"/>
+          </a:xfrm>
+          <a:custGeom>
+            <a:avLst/>
+            <a:gdLst>
+              <a:gd name="connsiteX0" fmla="*/ 879731 w 2536434"/>
+              <a:gd name="connsiteY0" fmla="*/ 0 h 6858000"/>
+              <a:gd name="connsiteX1" fmla="*/ 913411 w 2536434"/>
+              <a:gd name="connsiteY1" fmla="*/ 0 h 6858000"/>
+              <a:gd name="connsiteX2" fmla="*/ 935535 w 2536434"/>
+              <a:gd name="connsiteY2" fmla="*/ 14997 h 6858000"/>
+              <a:gd name="connsiteX3" fmla="*/ 2536434 w 2536434"/>
+              <a:gd name="connsiteY3" fmla="*/ 3621656 h 6858000"/>
+              <a:gd name="connsiteX4" fmla="*/ 662084 w 2536434"/>
+              <a:gd name="connsiteY4" fmla="*/ 6374814 h 6858000"/>
+              <a:gd name="connsiteX5" fmla="*/ 145436 w 2536434"/>
+              <a:gd name="connsiteY5" fmla="*/ 6780599 h 6858000"/>
+              <a:gd name="connsiteX6" fmla="*/ 33680 w 2536434"/>
+              <a:gd name="connsiteY6" fmla="*/ 6858000 h 6858000"/>
+              <a:gd name="connsiteX7" fmla="*/ 0 w 2536434"/>
+              <a:gd name="connsiteY7" fmla="*/ 6858000 h 6858000"/>
+              <a:gd name="connsiteX8" fmla="*/ 111756 w 2536434"/>
+              <a:gd name="connsiteY8" fmla="*/ 6780599 h 6858000"/>
+              <a:gd name="connsiteX9" fmla="*/ 628404 w 2536434"/>
+              <a:gd name="connsiteY9" fmla="*/ 6374814 h 6858000"/>
+              <a:gd name="connsiteX10" fmla="*/ 2502754 w 2536434"/>
+              <a:gd name="connsiteY10" fmla="*/ 3621656 h 6858000"/>
+              <a:gd name="connsiteX11" fmla="*/ 901855 w 2536434"/>
+              <a:gd name="connsiteY11" fmla="*/ 14997 h 6858000"/>
+            </a:gdLst>
+            <a:ahLst/>
+            <a:cxnLst>
+              <a:cxn ang="0">
+                <a:pos x="connsiteX0" y="connsiteY0"/>
+              </a:cxn>
+              <a:cxn ang="0">
+                <a:pos x="connsiteX1" y="connsiteY1"/>
+              </a:cxn>
+              <a:cxn ang="0">
+                <a:pos x="connsiteX2" y="connsiteY2"/>
+              </a:cxn>
+              <a:cxn ang="0">
+                <a:pos x="connsiteX3" y="connsiteY3"/>
+              </a:cxn>
+              <a:cxn ang="0">
+                <a:pos x="connsiteX4" y="connsiteY4"/>
+              </a:cxn>
+              <a:cxn ang="0">
+                <a:pos x="connsiteX5" y="connsiteY5"/>
+              </a:cxn>
+              <a:cxn ang="0">
+                <a:pos x="connsiteX6" y="connsiteY6"/>
+              </a:cxn>
+              <a:cxn ang="0">
+                <a:pos x="connsiteX7" y="connsiteY7"/>
+              </a:cxn>
+              <a:cxn ang="0">
+                <a:pos x="connsiteX8" y="connsiteY8"/>
+              </a:cxn>
+              <a:cxn ang="0">
+                <a:pos x="connsiteX9" y="connsiteY9"/>
+              </a:cxn>
+              <a:cxn ang="0">
+                <a:pos x="connsiteX10" y="connsiteY10"/>
+              </a:cxn>
+              <a:cxn ang="0">
+                <a:pos x="connsiteX11" y="connsiteY11"/>
+              </a:cxn>
+            </a:cxnLst>
+            <a:rect l="l" t="t" r="r" b="b"/>
+            <a:pathLst>
+              <a:path w="2536434" h="6858000">
+                <a:moveTo>
+                  <a:pt x="879731" y="0"/>
+                </a:moveTo>
+                <a:lnTo>
+                  <a:pt x="913411" y="0"/>
+                </a:lnTo>
+                <a:lnTo>
+                  <a:pt x="935535" y="14997"/>
+                </a:lnTo>
+                <a:cubicBezTo>
+                  <a:pt x="1962698" y="754641"/>
+                  <a:pt x="2536434" y="2093192"/>
+                  <a:pt x="2536434" y="3621656"/>
+                </a:cubicBezTo>
+                <a:cubicBezTo>
+                  <a:pt x="2536434" y="4969131"/>
+                  <a:pt x="1607709" y="5602839"/>
+                  <a:pt x="662084" y="6374814"/>
+                </a:cubicBezTo>
+                <a:cubicBezTo>
+                  <a:pt x="489881" y="6515397"/>
+                  <a:pt x="319254" y="6653108"/>
+                  <a:pt x="145436" y="6780599"/>
+                </a:cubicBezTo>
+                <a:lnTo>
+                  <a:pt x="33680" y="6858000"/>
+                </a:lnTo>
+                <a:lnTo>
+                  <a:pt x="0" y="6858000"/>
+                </a:lnTo>
+                <a:lnTo>
+                  <a:pt x="111756" y="6780599"/>
+                </a:lnTo>
+                <a:cubicBezTo>
+                  <a:pt x="285574" y="6653108"/>
+                  <a:pt x="456201" y="6515397"/>
+                  <a:pt x="628404" y="6374814"/>
+                </a:cubicBezTo>
+                <a:cubicBezTo>
+                  <a:pt x="1574029" y="5602839"/>
+                  <a:pt x="2502754" y="4969131"/>
+                  <a:pt x="2502754" y="3621656"/>
+                </a:cubicBezTo>
+                <a:cubicBezTo>
+                  <a:pt x="2502754" y="2093192"/>
+                  <a:pt x="1929018" y="754641"/>
+                  <a:pt x="901855" y="14997"/>
+                </a:cubicBezTo>
+                <a:close/>
+              </a:path>
+            </a:pathLst>
+          </a:custGeom>
+          <a:solidFill>
+            <a:srgbClr val="FFFFFF"/>
+          </a:solidFill>
+          <a:ln>
+            <a:noFill/>
+          </a:ln>
+        </p:spPr>
+        <p:style>
+          <a:lnRef idx="2">
+            <a:schemeClr val="accent1">
+              <a:shade val="50000"/>
+            </a:schemeClr>
+          </a:lnRef>
+          <a:fillRef idx="1">
+            <a:schemeClr val="accent1"/>
+          </a:fillRef>
+          <a:effectRef idx="0">
+            <a:schemeClr val="accent1"/>
+          </a:effectRef>
+          <a:fontRef idx="minor">
+            <a:schemeClr val="lt1"/>
+          </a:fontRef>
+        </p:style>
+        <p:txBody>
+          <a:bodyPr wrap="square" rtlCol="0" anchor="ctr">
+            <a:noAutofit/>
+          </a:bodyPr>
+          <a:lstStyle/>
+          <a:p>
+            <a:pPr marL="0" marR="0" lvl="0" indent="0" algn="ctr" defTabSz="914400" rtl="0" eaLnBrk="1" fontAlgn="auto" latinLnBrk="0" hangingPunct="1">
+              <a:lnSpc>
+                <a:spcPct val="100000"/>
+              </a:lnSpc>
+              <a:spcBef>
+                <a:spcPts val="0"/>
+              </a:spcBef>
+              <a:spcAft>
+                <a:spcPts val="0"/>
+              </a:spcAft>
+              <a:buClrTx/>
+              <a:buSzTx/>
+              <a:buFontTx/>
+              <a:buNone/>
+              <a:tabLst/>
+              <a:defRPr/>
+            </a:pPr>
+            <a:endParaRPr kumimoji="0" lang="en-US" sz="1800" b="0" i="0" u="none" strike="noStrike" kern="1200" cap="none" spc="0" normalizeH="0" baseline="0" noProof="0" dirty="0">
+              <a:ln>
+                <a:noFill/>
+              </a:ln>
+              <a:solidFill>
+                <a:prstClr val="white"/>
+              </a:solidFill>
+              <a:effectLst/>
+              <a:uLnTx/>
+              <a:uFillTx/>
+              <a:latin typeface="Meiryo"/>
+              <a:ea typeface="+mn-ea"/>
+              <a:cs typeface="+mn-cs"/>
+            </a:endParaRPr>
+          </a:p>
+        </p:txBody>
+      </p:sp>
+      <p:sp>
+        <p:nvSpPr>
+          <p:cNvPr id="1056" name="Freeform: Shape 1055">
+            <a:extLst>
+              <a:ext uri="{FF2B5EF4-FFF2-40B4-BE49-F238E27FC236}">
+                <a16:creationId xmlns:a16="http://schemas.microsoft.com/office/drawing/2014/main" id="{D534AD34-A74F-4FCD-8E77-6A38F92630A7}"/>
+              </a:ext>
+              <a:ext uri="{C183D7F6-B498-43B3-948B-1728B52AA6E4}">
+                <adec:decorative xmlns:adec="http://schemas.microsoft.com/office/drawing/2017/decorative" val="1"/>
+              </a:ext>
+            </a:extLst>
+          </p:cNvPr>
+          <p:cNvSpPr>
+            <a:spLocks noGrp="1" noRot="1" noChangeAspect="1" noMove="1" noResize="1" noEditPoints="1" noAdjustHandles="1" noChangeArrowheads="1" noChangeShapeType="1" noTextEdit="1"/>
+          </p:cNvSpPr>
+          <p:nvPr>
+            <p:extLst>
+              <p:ext uri="{386F3935-93C4-4BCD-93E2-E3B085C9AB24}">
+                <p16:designElem xmlns:p16="http://schemas.microsoft.com/office/powerpoint/2015/main" val="1"/>
+              </p:ext>
+            </p:extLst>
+          </p:nvPr>
+        </p:nvSpPr>
+        <p:spPr>
+          <a:xfrm>
+            <a:off x="966083" y="0"/>
+            <a:ext cx="9841377" cy="6858000"/>
+          </a:xfrm>
+          <a:custGeom>
+            <a:avLst/>
+            <a:gdLst>
+              <a:gd name="connsiteX0" fmla="*/ 1623023 w 9841377"/>
+              <a:gd name="connsiteY0" fmla="*/ 0 h 6858000"/>
+              <a:gd name="connsiteX1" fmla="*/ 4289416 w 9841377"/>
+              <a:gd name="connsiteY1" fmla="*/ 0 h 6858000"/>
+              <a:gd name="connsiteX2" fmla="*/ 4359035 w 9841377"/>
+              <a:gd name="connsiteY2" fmla="*/ 0 h 6858000"/>
+              <a:gd name="connsiteX3" fmla="*/ 5482342 w 9841377"/>
+              <a:gd name="connsiteY3" fmla="*/ 0 h 6858000"/>
+              <a:gd name="connsiteX4" fmla="*/ 5551962 w 9841377"/>
+              <a:gd name="connsiteY4" fmla="*/ 0 h 6858000"/>
+              <a:gd name="connsiteX5" fmla="*/ 8218354 w 9841377"/>
+              <a:gd name="connsiteY5" fmla="*/ 0 h 6858000"/>
+              <a:gd name="connsiteX6" fmla="*/ 8240478 w 9841377"/>
+              <a:gd name="connsiteY6" fmla="*/ 14997 h 6858000"/>
+              <a:gd name="connsiteX7" fmla="*/ 9841377 w 9841377"/>
+              <a:gd name="connsiteY7" fmla="*/ 3621656 h 6858000"/>
+              <a:gd name="connsiteX8" fmla="*/ 7967027 w 9841377"/>
+              <a:gd name="connsiteY8" fmla="*/ 6374814 h 6858000"/>
+              <a:gd name="connsiteX9" fmla="*/ 7450379 w 9841377"/>
+              <a:gd name="connsiteY9" fmla="*/ 6780599 h 6858000"/>
+              <a:gd name="connsiteX10" fmla="*/ 7338623 w 9841377"/>
+              <a:gd name="connsiteY10" fmla="*/ 6858000 h 6858000"/>
+              <a:gd name="connsiteX11" fmla="*/ 5551962 w 9841377"/>
+              <a:gd name="connsiteY11" fmla="*/ 6858000 h 6858000"/>
+              <a:gd name="connsiteX12" fmla="*/ 5482342 w 9841377"/>
+              <a:gd name="connsiteY12" fmla="*/ 6858000 h 6858000"/>
+              <a:gd name="connsiteX13" fmla="*/ 4359035 w 9841377"/>
+              <a:gd name="connsiteY13" fmla="*/ 6858000 h 6858000"/>
+              <a:gd name="connsiteX14" fmla="*/ 4289416 w 9841377"/>
+              <a:gd name="connsiteY14" fmla="*/ 6858000 h 6858000"/>
+              <a:gd name="connsiteX15" fmla="*/ 2502754 w 9841377"/>
+              <a:gd name="connsiteY15" fmla="*/ 6858000 h 6858000"/>
+              <a:gd name="connsiteX16" fmla="*/ 2390998 w 9841377"/>
+              <a:gd name="connsiteY16" fmla="*/ 6780599 h 6858000"/>
+              <a:gd name="connsiteX17" fmla="*/ 1874350 w 9841377"/>
+              <a:gd name="connsiteY17" fmla="*/ 6374814 h 6858000"/>
+              <a:gd name="connsiteX18" fmla="*/ 0 w 9841377"/>
+              <a:gd name="connsiteY18" fmla="*/ 3621656 h 6858000"/>
+              <a:gd name="connsiteX19" fmla="*/ 1600899 w 9841377"/>
+              <a:gd name="connsiteY19" fmla="*/ 14997 h 6858000"/>
+            </a:gdLst>
+            <a:ahLst/>
+            <a:cxnLst>
+              <a:cxn ang="0">
+                <a:pos x="connsiteX0" y="connsiteY0"/>
+              </a:cxn>
+              <a:cxn ang="0">
+                <a:pos x="connsiteX1" y="connsiteY1"/>
+              </a:cxn>
+              <a:cxn ang="0">
+                <a:pos x="connsiteX2" y="connsiteY2"/>
+              </a:cxn>
+              <a:cxn ang="0">
+                <a:pos x="connsiteX3" y="connsiteY3"/>
+              </a:cxn>
+              <a:cxn ang="0">
+                <a:pos x="connsiteX4" y="connsiteY4"/>
+              </a:cxn>
+              <a:cxn ang="0">
+                <a:pos x="connsiteX5" y="connsiteY5"/>
+              </a:cxn>
+              <a:cxn ang="0">
+                <a:pos x="connsiteX6" y="connsiteY6"/>
+              </a:cxn>
+              <a:cxn ang="0">
+                <a:pos x="connsiteX7" y="connsiteY7"/>
+              </a:cxn>
+              <a:cxn ang="0">
+                <a:pos x="connsiteX8" y="connsiteY8"/>
+              </a:cxn>
+              <a:cxn ang="0">
+                <a:pos x="connsiteX9" y="connsiteY9"/>
+              </a:cxn>
+              <a:cxn ang="0">
+                <a:pos x="connsiteX10" y="connsiteY10"/>
+              </a:cxn>
+              <a:cxn ang="0">
+                <a:pos x="connsiteX11" y="connsiteY11"/>
+              </a:cxn>
+              <a:cxn ang="0">
+                <a:pos x="connsiteX12" y="connsiteY12"/>
+              </a:cxn>
+              <a:cxn ang="0">
+                <a:pos x="connsiteX13" y="connsiteY13"/>
+              </a:cxn>
+              <a:cxn ang="0">
+                <a:pos x="connsiteX14" y="connsiteY14"/>
+              </a:cxn>
+              <a:cxn ang="0">
+                <a:pos x="connsiteX15" y="connsiteY15"/>
+              </a:cxn>
+              <a:cxn ang="0">
+                <a:pos x="connsiteX16" y="connsiteY16"/>
+              </a:cxn>
+              <a:cxn ang="0">
+                <a:pos x="connsiteX17" y="connsiteY17"/>
+              </a:cxn>
+              <a:cxn ang="0">
+                <a:pos x="connsiteX18" y="connsiteY18"/>
+              </a:cxn>
+              <a:cxn ang="0">
+                <a:pos x="connsiteX19" y="connsiteY19"/>
+              </a:cxn>
+            </a:cxnLst>
+            <a:rect l="l" t="t" r="r" b="b"/>
+            <a:pathLst>
+              <a:path w="9841377" h="6858000">
+                <a:moveTo>
+                  <a:pt x="1623023" y="0"/>
+                </a:moveTo>
+                <a:lnTo>
+                  <a:pt x="4289416" y="0"/>
+                </a:lnTo>
+                <a:lnTo>
+                  <a:pt x="4359035" y="0"/>
+                </a:lnTo>
+                <a:lnTo>
+                  <a:pt x="5482342" y="0"/>
+                </a:lnTo>
+                <a:lnTo>
+                  <a:pt x="5551962" y="0"/>
+                </a:lnTo>
+                <a:lnTo>
+                  <a:pt x="8218354" y="0"/>
+                </a:lnTo>
+                <a:lnTo>
+                  <a:pt x="8240478" y="14997"/>
+                </a:lnTo>
+                <a:cubicBezTo>
+                  <a:pt x="9267641" y="754641"/>
+                  <a:pt x="9841377" y="2093192"/>
+                  <a:pt x="9841377" y="3621656"/>
+                </a:cubicBezTo>
+                <a:cubicBezTo>
+                  <a:pt x="9841377" y="4969131"/>
+                  <a:pt x="8912652" y="5602839"/>
+                  <a:pt x="7967027" y="6374814"/>
+                </a:cubicBezTo>
+                <a:cubicBezTo>
+                  <a:pt x="7794824" y="6515397"/>
+                  <a:pt x="7624197" y="6653108"/>
+                  <a:pt x="7450379" y="6780599"/>
+                </a:cubicBezTo>
+                <a:lnTo>
+                  <a:pt x="7338623" y="6858000"/>
+                </a:lnTo>
+                <a:lnTo>
+                  <a:pt x="5551962" y="6858000"/>
+                </a:lnTo>
+                <a:lnTo>
+                  <a:pt x="5482342" y="6858000"/>
+                </a:lnTo>
+                <a:lnTo>
+                  <a:pt x="4359035" y="6858000"/>
+                </a:lnTo>
+                <a:lnTo>
+                  <a:pt x="4289416" y="6858000"/>
+                </a:lnTo>
+                <a:lnTo>
+                  <a:pt x="2502754" y="6858000"/>
+                </a:lnTo>
+                <a:lnTo>
+                  <a:pt x="2390998" y="6780599"/>
+                </a:lnTo>
+                <a:cubicBezTo>
+                  <a:pt x="2217180" y="6653108"/>
+                  <a:pt x="2046553" y="6515397"/>
+                  <a:pt x="1874350" y="6374814"/>
+                </a:cubicBezTo>
+                <a:cubicBezTo>
+                  <a:pt x="928725" y="5602839"/>
+                  <a:pt x="0" y="4969131"/>
+                  <a:pt x="0" y="3621656"/>
+                </a:cubicBezTo>
+                <a:cubicBezTo>
+                  <a:pt x="0" y="2093192"/>
+                  <a:pt x="573736" y="754641"/>
+                  <a:pt x="1600899" y="14997"/>
+                </a:cubicBezTo>
+                <a:close/>
+              </a:path>
+            </a:pathLst>
+          </a:custGeom>
+          <a:solidFill>
+            <a:schemeClr val="bg1">
+              <a:alpha val="60000"/>
+            </a:schemeClr>
+          </a:solidFill>
+          <a:ln>
+            <a:noFill/>
+          </a:ln>
+        </p:spPr>
+        <p:style>
+          <a:lnRef idx="2">
+            <a:schemeClr val="accent1">
+              <a:shade val="50000"/>
+            </a:schemeClr>
+          </a:lnRef>
+          <a:fillRef idx="1">
+            <a:schemeClr val="accent1"/>
+          </a:fillRef>
+          <a:effectRef idx="0">
+            <a:schemeClr val="accent1"/>
+          </a:effectRef>
+          <a:fontRef idx="minor">
+            <a:schemeClr val="lt1"/>
+          </a:fontRef>
+        </p:style>
+        <p:txBody>
+          <a:bodyPr wrap="square" rtlCol="0" anchor="ctr">
+            <a:noAutofit/>
+          </a:bodyPr>
+          <a:lstStyle/>
+          <a:p>
+            <a:pPr algn="ctr"/>
+            <a:endParaRPr lang="en-US"/>
+          </a:p>
+        </p:txBody>
+      </p:sp>
+      <p:sp>
+        <p:nvSpPr>
+          <p:cNvPr id="3" name="Content Placeholder 2">
+            <a:extLst>
+              <a:ext uri="{FF2B5EF4-FFF2-40B4-BE49-F238E27FC236}">
+                <a16:creationId xmlns:a16="http://schemas.microsoft.com/office/drawing/2014/main" id="{96193665-6B37-EA12-5E1C-FCB3468B0E71}"/>
               </a:ext>
             </a:extLst>
           </p:cNvPr>
@@ -33854,73 +40953,52 @@
             <a:spLocks noGrp="1"/>
           </p:cNvSpPr>
           <p:nvPr>
-            <p:ph type="title"/>
+            <p:ph idx="1"/>
           </p:nvPr>
         </p:nvSpPr>
-        <p:spPr>
-          <a:xfrm>
-            <a:off x="2377440" y="442220"/>
-            <a:ext cx="8397987" cy="1345269"/>
-          </a:xfrm>
-        </p:spPr>
+        <p:spPr/>
         <p:txBody>
-          <a:bodyPr anchor="b">
-            <a:normAutofit/>
-          </a:bodyPr>
+          <a:bodyPr/>
           <a:lstStyle/>
           <a:p>
-            <a:pPr>
-              <a:lnSpc>
-                <a:spcPct val="120000"/>
-              </a:lnSpc>
-            </a:pPr>
-            <a:r>
-              <a:rPr lang="en-US" sz="3000" dirty="0"/>
-              <a:t>How to detect and monitor these vectors: </a:t>
-            </a:r>
-            <a:r>
-              <a:rPr lang="en-US" sz="3000" dirty="0" err="1"/>
-              <a:t>Follina</a:t>
-            </a:r>
-            <a:endParaRPr lang="nl-BE" sz="3000" dirty="0"/>
+            <a:endParaRPr lang="nl-BE"/>
           </a:p>
         </p:txBody>
       </p:sp>
-      <p:graphicFrame>
-        <p:nvGraphicFramePr>
-          <p:cNvPr id="5" name="Content Placeholder 2">
+      <p:pic>
+        <p:nvPicPr>
+          <p:cNvPr id="5" name="Picture 4">
             <a:extLst>
               <a:ext uri="{FF2B5EF4-FFF2-40B4-BE49-F238E27FC236}">
-                <a16:creationId xmlns:a16="http://schemas.microsoft.com/office/drawing/2014/main" id="{BB821297-B81F-F90E-5135-2A7E32E8509E}"/>
+                <a16:creationId xmlns:a16="http://schemas.microsoft.com/office/drawing/2014/main" id="{FEBC53B9-0E5C-ECE4-0D40-B01BC0C9C091}"/>
               </a:ext>
             </a:extLst>
           </p:cNvPr>
-          <p:cNvGraphicFramePr>
-            <a:graphicFrameLocks noGrp="1"/>
-          </p:cNvGraphicFramePr>
-          <p:nvPr>
-            <p:ph idx="1"/>
-            <p:extLst>
-              <p:ext uri="{D42A27DB-BD31-4B8C-83A1-F6EECF244321}">
-                <p14:modId xmlns:p14="http://schemas.microsoft.com/office/powerpoint/2010/main" val="3421769993"/>
-              </p:ext>
-            </p:extLst>
-          </p:nvPr>
-        </p:nvGraphicFramePr>
-        <p:xfrm>
-          <a:off x="2377439" y="2312988"/>
-          <a:ext cx="8312785" cy="3411537"/>
-        </p:xfrm>
-        <a:graphic>
-          <a:graphicData uri="http://schemas.openxmlformats.org/drawingml/2006/diagram">
-            <dgm:relIds xmlns:dgm="http://schemas.openxmlformats.org/drawingml/2006/diagram" xmlns:r="http://schemas.openxmlformats.org/officeDocument/2006/relationships" r:dm="rId2" r:lo="rId3" r:qs="rId4" r:cs="rId5"/>
-          </a:graphicData>
-        </a:graphic>
-      </p:graphicFrame>
+          <p:cNvPicPr>
+            <a:picLocks noChangeAspect="1"/>
+          </p:cNvPicPr>
+          <p:nvPr/>
+        </p:nvPicPr>
+        <p:blipFill>
+          <a:blip r:embed="rId2"/>
+          <a:stretch>
+            <a:fillRect/>
+          </a:stretch>
+        </p:blipFill>
+        <p:spPr>
+          <a:xfrm>
+            <a:off x="1371331" y="-150647"/>
+            <a:ext cx="9436129" cy="7159293"/>
+          </a:xfrm>
+          <a:prstGeom prst="rect">
+            <a:avLst/>
+          </a:prstGeom>
+        </p:spPr>
+      </p:pic>
     </p:spTree>
     <p:extLst>
       <p:ext uri="{BB962C8B-B14F-4D97-AF65-F5344CB8AC3E}">
-        <p14:creationId xmlns:p14="http://schemas.microsoft.com/office/powerpoint/2010/main" val="88559328"/>
+        <p14:creationId xmlns:p14="http://schemas.microsoft.com/office/powerpoint/2010/main" val="4248934977"/>
       </p:ext>
     </p:extLst>
   </p:cSld>
@@ -34882,7 +41960,7 @@
             </a:r>
             <a:r>
               <a:rPr lang="en-US" sz="3000" dirty="0" err="1"/>
-              <a:t>Qbot</a:t>
+              <a:t>Follina</a:t>
             </a:r>
             <a:endParaRPr lang="nl-BE" sz="3000" dirty="0"/>
           </a:p>
@@ -34904,7 +41982,7 @@
             <p:ph idx="1"/>
             <p:extLst>
               <p:ext uri="{D42A27DB-BD31-4B8C-83A1-F6EECF244321}">
-                <p14:modId xmlns:p14="http://schemas.microsoft.com/office/powerpoint/2010/main" val="1489440865"/>
+                <p14:modId xmlns:p14="http://schemas.microsoft.com/office/powerpoint/2010/main" val="1433059512"/>
               </p:ext>
             </p:extLst>
           </p:nvPr>
@@ -34915,14 +41993,14 @@
         </p:xfrm>
         <a:graphic>
           <a:graphicData uri="http://schemas.openxmlformats.org/drawingml/2006/diagram">
-            <dgm:relIds xmlns:dgm="http://schemas.openxmlformats.org/drawingml/2006/diagram" xmlns:r="http://schemas.openxmlformats.org/officeDocument/2006/relationships" r:dm="rId3" r:lo="rId4" r:qs="rId5" r:cs="rId6"/>
+            <dgm:relIds xmlns:dgm="http://schemas.openxmlformats.org/drawingml/2006/diagram" xmlns:r="http://schemas.openxmlformats.org/officeDocument/2006/relationships" r:dm="rId2" r:lo="rId3" r:qs="rId4" r:cs="rId5"/>
           </a:graphicData>
         </a:graphic>
       </p:graphicFrame>
     </p:spTree>
     <p:extLst>
       <p:ext uri="{BB962C8B-B14F-4D97-AF65-F5344CB8AC3E}">
-        <p14:creationId xmlns:p14="http://schemas.microsoft.com/office/powerpoint/2010/main" val="1187498388"/>
+        <p14:creationId xmlns:p14="http://schemas.microsoft.com/office/powerpoint/2010/main" val="88559328"/>
       </p:ext>
     </p:extLst>
   </p:cSld>
